--- a/CreditRisk_PPT_Vaddhiparthy.pptx
+++ b/CreditRisk_PPT_Vaddhiparthy.pptx
@@ -5,26 +5,22 @@
     <p:sldMasterId id="2147483854" r:id="rId1"/>
   </p:sldMasterIdLst>
   <p:notesMasterIdLst>
-    <p:notesMasterId r:id="rId19"/>
+    <p:notesMasterId r:id="rId15"/>
   </p:notesMasterIdLst>
   <p:sldIdLst>
     <p:sldId id="256" r:id="rId2"/>
-    <p:sldId id="258" r:id="rId3"/>
-    <p:sldId id="259" r:id="rId4"/>
-    <p:sldId id="260" r:id="rId5"/>
-    <p:sldId id="261" r:id="rId6"/>
-    <p:sldId id="264" r:id="rId7"/>
-    <p:sldId id="262" r:id="rId8"/>
-    <p:sldId id="265" r:id="rId9"/>
-    <p:sldId id="272" r:id="rId10"/>
-    <p:sldId id="273" r:id="rId11"/>
-    <p:sldId id="274" r:id="rId12"/>
-    <p:sldId id="266" r:id="rId13"/>
-    <p:sldId id="270" r:id="rId14"/>
-    <p:sldId id="268" r:id="rId15"/>
-    <p:sldId id="267" r:id="rId16"/>
-    <p:sldId id="269" r:id="rId17"/>
-    <p:sldId id="271" r:id="rId18"/>
+    <p:sldId id="259" r:id="rId3"/>
+    <p:sldId id="260" r:id="rId4"/>
+    <p:sldId id="274" r:id="rId5"/>
+    <p:sldId id="264" r:id="rId6"/>
+    <p:sldId id="262" r:id="rId7"/>
+    <p:sldId id="272" r:id="rId8"/>
+    <p:sldId id="273" r:id="rId9"/>
+    <p:sldId id="266" r:id="rId10"/>
+    <p:sldId id="268" r:id="rId11"/>
+    <p:sldId id="267" r:id="rId12"/>
+    <p:sldId id="269" r:id="rId13"/>
+    <p:sldId id="271" r:id="rId14"/>
   </p:sldIdLst>
   <p:sldSz cx="12192000" cy="6858000"/>
   <p:notesSz cx="6858000" cy="9144000"/>
@@ -132,15 +128,15 @@
 </file>
 
 <file path=ppt/diagrams/colors1.xml><?xml version="1.0" encoding="utf-8"?>
-<dgm:colorsDef xmlns:dgm="http://schemas.openxmlformats.org/drawingml/2006/diagram" xmlns:a="http://schemas.openxmlformats.org/drawingml/2006/main" uniqueId="urn:microsoft.com/office/officeart/2005/8/colors/accent5_2">
+<dgm:colorsDef xmlns:dgm="http://schemas.openxmlformats.org/drawingml/2006/diagram" xmlns:a="http://schemas.openxmlformats.org/drawingml/2006/main" uniqueId="urn:microsoft.com/office/officeart/2005/8/colors/accent1_2">
   <dgm:title val=""/>
   <dgm:desc val=""/>
   <dgm:catLst>
-    <dgm:cat type="accent5" pri="11200"/>
+    <dgm:cat type="accent1" pri="11200"/>
   </dgm:catLst>
   <dgm:styleLbl name="node0">
     <dgm:fillClrLst meth="repeat">
-      <a:schemeClr val="accent5"/>
+      <a:schemeClr val="accent1"/>
     </dgm:fillClrLst>
     <dgm:linClrLst meth="repeat">
       <a:schemeClr val="lt1"/>
@@ -150,9 +146,21 @@
     <dgm:txFillClrLst/>
     <dgm:txEffectClrLst/>
   </dgm:styleLbl>
+  <dgm:styleLbl name="alignNode1">
+    <dgm:fillClrLst meth="repeat">
+      <a:schemeClr val="accent1"/>
+    </dgm:fillClrLst>
+    <dgm:linClrLst meth="repeat">
+      <a:schemeClr val="accent1"/>
+    </dgm:linClrLst>
+    <dgm:effectClrLst/>
+    <dgm:txLinClrLst/>
+    <dgm:txFillClrLst/>
+    <dgm:txEffectClrLst/>
+  </dgm:styleLbl>
   <dgm:styleLbl name="node1">
     <dgm:fillClrLst meth="repeat">
-      <a:schemeClr val="accent5"/>
+      <a:schemeClr val="accent1"/>
     </dgm:fillClrLst>
     <dgm:linClrLst meth="repeat">
       <a:schemeClr val="lt1"/>
@@ -162,21 +170,9 @@
     <dgm:txFillClrLst/>
     <dgm:txEffectClrLst/>
   </dgm:styleLbl>
-  <dgm:styleLbl name="alignNode1">
-    <dgm:fillClrLst meth="repeat">
-      <a:schemeClr val="accent5"/>
-    </dgm:fillClrLst>
-    <dgm:linClrLst meth="repeat">
-      <a:schemeClr val="accent5"/>
-    </dgm:linClrLst>
-    <dgm:effectClrLst/>
-    <dgm:txLinClrLst/>
-    <dgm:txFillClrLst/>
-    <dgm:txEffectClrLst/>
-  </dgm:styleLbl>
   <dgm:styleLbl name="lnNode1">
     <dgm:fillClrLst meth="repeat">
-      <a:schemeClr val="accent5"/>
+      <a:schemeClr val="accent1"/>
     </dgm:fillClrLst>
     <dgm:linClrLst meth="repeat">
       <a:schemeClr val="lt1"/>
@@ -188,7 +184,7 @@
   </dgm:styleLbl>
   <dgm:styleLbl name="vennNode1">
     <dgm:fillClrLst meth="repeat">
-      <a:schemeClr val="accent5">
+      <a:schemeClr val="accent1">
         <a:alpha val="50000"/>
       </a:schemeClr>
     </dgm:fillClrLst>
@@ -202,7 +198,7 @@
   </dgm:styleLbl>
   <dgm:styleLbl name="node2">
     <dgm:fillClrLst meth="repeat">
-      <a:schemeClr val="accent5"/>
+      <a:schemeClr val="accent1"/>
     </dgm:fillClrLst>
     <dgm:linClrLst meth="repeat">
       <a:schemeClr val="lt1"/>
@@ -214,7 +210,7 @@
   </dgm:styleLbl>
   <dgm:styleLbl name="node3">
     <dgm:fillClrLst meth="repeat">
-      <a:schemeClr val="accent5"/>
+      <a:schemeClr val="accent1"/>
     </dgm:fillClrLst>
     <dgm:linClrLst meth="repeat">
       <a:schemeClr val="lt1"/>
@@ -226,7 +222,7 @@
   </dgm:styleLbl>
   <dgm:styleLbl name="node4">
     <dgm:fillClrLst meth="repeat">
-      <a:schemeClr val="accent5"/>
+      <a:schemeClr val="accent1"/>
     </dgm:fillClrLst>
     <dgm:linClrLst meth="repeat">
       <a:schemeClr val="lt1"/>
@@ -238,7 +234,7 @@
   </dgm:styleLbl>
   <dgm:styleLbl name="fgImgPlace1">
     <dgm:fillClrLst meth="repeat">
-      <a:schemeClr val="accent5">
+      <a:schemeClr val="accent1">
         <a:tint val="50000"/>
       </a:schemeClr>
     </dgm:fillClrLst>
@@ -254,7 +250,7 @@
   </dgm:styleLbl>
   <dgm:styleLbl name="alignImgPlace1">
     <dgm:fillClrLst meth="repeat">
-      <a:schemeClr val="accent5">
+      <a:schemeClr val="accent1">
         <a:tint val="50000"/>
       </a:schemeClr>
     </dgm:fillClrLst>
@@ -270,7 +266,7 @@
   </dgm:styleLbl>
   <dgm:styleLbl name="bgImgPlace1">
     <dgm:fillClrLst meth="repeat">
-      <a:schemeClr val="accent5">
+      <a:schemeClr val="accent1">
         <a:tint val="50000"/>
       </a:schemeClr>
     </dgm:fillClrLst>
@@ -286,12 +282,12 @@
   </dgm:styleLbl>
   <dgm:styleLbl name="sibTrans2D1">
     <dgm:fillClrLst meth="repeat">
-      <a:schemeClr val="accent5">
+      <a:schemeClr val="accent1">
         <a:tint val="60000"/>
       </a:schemeClr>
     </dgm:fillClrLst>
     <dgm:linClrLst meth="repeat">
-      <a:schemeClr val="accent5">
+      <a:schemeClr val="accent1">
         <a:tint val="60000"/>
       </a:schemeClr>
     </dgm:linClrLst>
@@ -302,12 +298,12 @@
   </dgm:styleLbl>
   <dgm:styleLbl name="fgSibTrans2D1">
     <dgm:fillClrLst meth="repeat">
-      <a:schemeClr val="accent5">
+      <a:schemeClr val="accent1">
         <a:tint val="60000"/>
       </a:schemeClr>
     </dgm:fillClrLst>
     <dgm:linClrLst meth="repeat">
-      <a:schemeClr val="accent5">
+      <a:schemeClr val="accent1">
         <a:tint val="60000"/>
       </a:schemeClr>
     </dgm:linClrLst>
@@ -318,12 +314,12 @@
   </dgm:styleLbl>
   <dgm:styleLbl name="bgSibTrans2D1">
     <dgm:fillClrLst meth="repeat">
-      <a:schemeClr val="accent5">
+      <a:schemeClr val="accent1">
         <a:tint val="60000"/>
       </a:schemeClr>
     </dgm:fillClrLst>
     <dgm:linClrLst meth="repeat">
-      <a:schemeClr val="accent5">
+      <a:schemeClr val="accent1">
         <a:tint val="60000"/>
       </a:schemeClr>
     </dgm:linClrLst>
@@ -334,10 +330,10 @@
   </dgm:styleLbl>
   <dgm:styleLbl name="sibTrans1D1">
     <dgm:fillClrLst meth="repeat">
-      <a:schemeClr val="accent5"/>
+      <a:schemeClr val="accent1"/>
     </dgm:fillClrLst>
     <dgm:linClrLst meth="repeat">
-      <a:schemeClr val="accent5"/>
+      <a:schemeClr val="accent1"/>
     </dgm:linClrLst>
     <dgm:effectClrLst/>
     <dgm:txLinClrLst/>
@@ -348,10 +344,10 @@
   </dgm:styleLbl>
   <dgm:styleLbl name="callout">
     <dgm:fillClrLst meth="repeat">
-      <a:schemeClr val="accent5"/>
+      <a:schemeClr val="accent1"/>
     </dgm:fillClrLst>
     <dgm:linClrLst meth="repeat">
-      <a:schemeClr val="accent5">
+      <a:schemeClr val="accent1">
         <a:tint val="50000"/>
       </a:schemeClr>
     </dgm:linClrLst>
@@ -364,7 +360,7 @@
   </dgm:styleLbl>
   <dgm:styleLbl name="asst0">
     <dgm:fillClrLst meth="repeat">
-      <a:schemeClr val="accent5"/>
+      <a:schemeClr val="accent1"/>
     </dgm:fillClrLst>
     <dgm:linClrLst meth="repeat">
       <a:schemeClr val="lt1"/>
@@ -376,7 +372,7 @@
   </dgm:styleLbl>
   <dgm:styleLbl name="asst1">
     <dgm:fillClrLst meth="repeat">
-      <a:schemeClr val="accent5"/>
+      <a:schemeClr val="accent1"/>
     </dgm:fillClrLst>
     <dgm:linClrLst meth="repeat">
       <a:schemeClr val="lt1"/>
@@ -388,7 +384,7 @@
   </dgm:styleLbl>
   <dgm:styleLbl name="asst2">
     <dgm:fillClrLst meth="repeat">
-      <a:schemeClr val="accent5"/>
+      <a:schemeClr val="accent1"/>
     </dgm:fillClrLst>
     <dgm:linClrLst meth="repeat">
       <a:schemeClr val="lt1"/>
@@ -400,7 +396,7 @@
   </dgm:styleLbl>
   <dgm:styleLbl name="asst3">
     <dgm:fillClrLst meth="repeat">
-      <a:schemeClr val="accent5"/>
+      <a:schemeClr val="accent1"/>
     </dgm:fillClrLst>
     <dgm:linClrLst meth="repeat">
       <a:schemeClr val="lt1"/>
@@ -412,7 +408,7 @@
   </dgm:styleLbl>
   <dgm:styleLbl name="asst4">
     <dgm:fillClrLst meth="repeat">
-      <a:schemeClr val="accent5"/>
+      <a:schemeClr val="accent1"/>
     </dgm:fillClrLst>
     <dgm:linClrLst meth="repeat">
       <a:schemeClr val="lt1"/>
@@ -424,12 +420,12 @@
   </dgm:styleLbl>
   <dgm:styleLbl name="parChTrans2D1">
     <dgm:fillClrLst meth="repeat">
-      <a:schemeClr val="accent5">
+      <a:schemeClr val="accent1">
         <a:tint val="60000"/>
       </a:schemeClr>
     </dgm:fillClrLst>
     <dgm:linClrLst meth="repeat">
-      <a:schemeClr val="accent5">
+      <a:schemeClr val="accent1">
         <a:tint val="60000"/>
       </a:schemeClr>
     </dgm:linClrLst>
@@ -442,10 +438,10 @@
   </dgm:styleLbl>
   <dgm:styleLbl name="parChTrans2D2">
     <dgm:fillClrLst meth="repeat">
-      <a:schemeClr val="accent5"/>
+      <a:schemeClr val="accent1"/>
     </dgm:fillClrLst>
     <dgm:linClrLst meth="repeat">
-      <a:schemeClr val="accent5"/>
+      <a:schemeClr val="accent1"/>
     </dgm:linClrLst>
     <dgm:effectClrLst/>
     <dgm:txLinClrLst/>
@@ -456,10 +452,10 @@
   </dgm:styleLbl>
   <dgm:styleLbl name="parChTrans2D3">
     <dgm:fillClrLst meth="repeat">
-      <a:schemeClr val="accent5"/>
+      <a:schemeClr val="accent1"/>
     </dgm:fillClrLst>
     <dgm:linClrLst meth="repeat">
-      <a:schemeClr val="accent5"/>
+      <a:schemeClr val="accent1"/>
     </dgm:linClrLst>
     <dgm:effectClrLst/>
     <dgm:txLinClrLst/>
@@ -470,10 +466,10 @@
   </dgm:styleLbl>
   <dgm:styleLbl name="parChTrans2D4">
     <dgm:fillClrLst meth="repeat">
-      <a:schemeClr val="accent5"/>
+      <a:schemeClr val="accent1"/>
     </dgm:fillClrLst>
     <dgm:linClrLst meth="repeat">
-      <a:schemeClr val="accent5"/>
+      <a:schemeClr val="accent1"/>
     </dgm:linClrLst>
     <dgm:effectClrLst/>
     <dgm:txLinClrLst/>
@@ -484,10 +480,10 @@
   </dgm:styleLbl>
   <dgm:styleLbl name="parChTrans1D1">
     <dgm:fillClrLst meth="repeat">
-      <a:schemeClr val="accent5"/>
+      <a:schemeClr val="accent1"/>
     </dgm:fillClrLst>
     <dgm:linClrLst meth="repeat">
-      <a:schemeClr val="accent5">
+      <a:schemeClr val="accent1">
         <a:shade val="60000"/>
       </a:schemeClr>
     </dgm:linClrLst>
@@ -500,10 +496,10 @@
   </dgm:styleLbl>
   <dgm:styleLbl name="parChTrans1D2">
     <dgm:fillClrLst meth="repeat">
-      <a:schemeClr val="accent5"/>
+      <a:schemeClr val="accent1"/>
     </dgm:fillClrLst>
     <dgm:linClrLst meth="repeat">
-      <a:schemeClr val="accent5">
+      <a:schemeClr val="accent1">
         <a:shade val="60000"/>
       </a:schemeClr>
     </dgm:linClrLst>
@@ -516,10 +512,10 @@
   </dgm:styleLbl>
   <dgm:styleLbl name="parChTrans1D3">
     <dgm:fillClrLst meth="repeat">
-      <a:schemeClr val="accent5"/>
+      <a:schemeClr val="accent1"/>
     </dgm:fillClrLst>
     <dgm:linClrLst meth="repeat">
-      <a:schemeClr val="accent5">
+      <a:schemeClr val="accent1">
         <a:shade val="80000"/>
       </a:schemeClr>
     </dgm:linClrLst>
@@ -532,10 +528,10 @@
   </dgm:styleLbl>
   <dgm:styleLbl name="parChTrans1D4">
     <dgm:fillClrLst meth="repeat">
-      <a:schemeClr val="accent5"/>
+      <a:schemeClr val="accent1"/>
     </dgm:fillClrLst>
     <dgm:linClrLst meth="repeat">
-      <a:schemeClr val="accent5">
+      <a:schemeClr val="accent1">
         <a:shade val="80000"/>
       </a:schemeClr>
     </dgm:linClrLst>
@@ -553,7 +549,7 @@
       </a:schemeClr>
     </dgm:fillClrLst>
     <dgm:linClrLst meth="repeat">
-      <a:schemeClr val="accent5"/>
+      <a:schemeClr val="accent1"/>
     </dgm:linClrLst>
     <dgm:effectClrLst/>
     <dgm:txLinClrLst/>
@@ -569,7 +565,7 @@
       </a:schemeClr>
     </dgm:fillClrLst>
     <dgm:linClrLst meth="repeat">
-      <a:schemeClr val="accent5"/>
+      <a:schemeClr val="accent1"/>
     </dgm:linClrLst>
     <dgm:effectClrLst/>
     <dgm:txLinClrLst/>
@@ -585,7 +581,7 @@
       </a:schemeClr>
     </dgm:fillClrLst>
     <dgm:linClrLst meth="repeat">
-      <a:schemeClr val="accent5"/>
+      <a:schemeClr val="accent1"/>
     </dgm:linClrLst>
     <dgm:effectClrLst/>
     <dgm:txLinClrLst/>
@@ -601,7 +597,7 @@
       </a:schemeClr>
     </dgm:fillClrLst>
     <dgm:linClrLst meth="repeat">
-      <a:schemeClr val="accent5"/>
+      <a:schemeClr val="accent1"/>
     </dgm:linClrLst>
     <dgm:effectClrLst/>
     <dgm:txLinClrLst/>
@@ -617,7 +613,7 @@
       </a:schemeClr>
     </dgm:fillClrLst>
     <dgm:linClrLst meth="repeat">
-      <a:schemeClr val="accent5"/>
+      <a:schemeClr val="accent1"/>
     </dgm:linClrLst>
     <dgm:effectClrLst/>
     <dgm:txLinClrLst/>
@@ -631,7 +627,7 @@
       <a:schemeClr val="lt1"/>
     </dgm:fillClrLst>
     <dgm:linClrLst meth="repeat">
-      <a:schemeClr val="accent5"/>
+      <a:schemeClr val="accent1"/>
     </dgm:linClrLst>
     <dgm:effectClrLst/>
     <dgm:txLinClrLst/>
@@ -645,7 +641,7 @@
       <a:schemeClr val="lt1"/>
     </dgm:fillClrLst>
     <dgm:linClrLst meth="repeat">
-      <a:schemeClr val="accent5"/>
+      <a:schemeClr val="accent1"/>
     </dgm:linClrLst>
     <dgm:effectClrLst/>
     <dgm:txLinClrLst/>
@@ -659,7 +655,7 @@
       <a:schemeClr val="lt1"/>
     </dgm:fillClrLst>
     <dgm:linClrLst meth="repeat">
-      <a:schemeClr val="accent5"/>
+      <a:schemeClr val="accent1"/>
     </dgm:linClrLst>
     <dgm:effectClrLst/>
     <dgm:txLinClrLst/>
@@ -670,13 +666,13 @@
   </dgm:styleLbl>
   <dgm:styleLbl name="fgAccFollowNode1">
     <dgm:fillClrLst meth="repeat">
-      <a:schemeClr val="accent5">
+      <a:schemeClr val="accent1">
         <a:alpha val="90000"/>
         <a:tint val="40000"/>
       </a:schemeClr>
     </dgm:fillClrLst>
     <dgm:linClrLst meth="repeat">
-      <a:schemeClr val="accent5">
+      <a:schemeClr val="accent1">
         <a:alpha val="90000"/>
         <a:tint val="40000"/>
       </a:schemeClr>
@@ -690,13 +686,13 @@
   </dgm:styleLbl>
   <dgm:styleLbl name="alignAccFollowNode1">
     <dgm:fillClrLst meth="repeat">
-      <a:schemeClr val="accent5">
+      <a:schemeClr val="accent1">
         <a:alpha val="90000"/>
         <a:tint val="40000"/>
       </a:schemeClr>
     </dgm:fillClrLst>
     <dgm:linClrLst meth="repeat">
-      <a:schemeClr val="accent5">
+      <a:schemeClr val="accent1">
         <a:alpha val="90000"/>
         <a:tint val="40000"/>
       </a:schemeClr>
@@ -710,13 +706,13 @@
   </dgm:styleLbl>
   <dgm:styleLbl name="bgAccFollowNode1">
     <dgm:fillClrLst meth="repeat">
-      <a:schemeClr val="accent5">
+      <a:schemeClr val="accent1">
         <a:alpha val="90000"/>
         <a:tint val="40000"/>
       </a:schemeClr>
     </dgm:fillClrLst>
     <dgm:linClrLst meth="repeat">
-      <a:schemeClr val="accent5">
+      <a:schemeClr val="accent1">
         <a:alpha val="90000"/>
         <a:tint val="40000"/>
       </a:schemeClr>
@@ -735,7 +731,7 @@
       </a:schemeClr>
     </dgm:fillClrLst>
     <dgm:linClrLst meth="repeat">
-      <a:schemeClr val="accent5"/>
+      <a:schemeClr val="accent1"/>
     </dgm:linClrLst>
     <dgm:effectClrLst/>
     <dgm:txLinClrLst/>
@@ -751,7 +747,7 @@
       </a:schemeClr>
     </dgm:fillClrLst>
     <dgm:linClrLst meth="repeat">
-      <a:schemeClr val="accent5"/>
+      <a:schemeClr val="accent1"/>
     </dgm:linClrLst>
     <dgm:effectClrLst/>
     <dgm:txLinClrLst/>
@@ -767,7 +763,7 @@
       </a:schemeClr>
     </dgm:fillClrLst>
     <dgm:linClrLst meth="repeat">
-      <a:schemeClr val="accent5"/>
+      <a:schemeClr val="accent1"/>
     </dgm:linClrLst>
     <dgm:effectClrLst/>
     <dgm:txLinClrLst/>
@@ -783,7 +779,7 @@
       </a:schemeClr>
     </dgm:fillClrLst>
     <dgm:linClrLst meth="repeat">
-      <a:schemeClr val="accent5"/>
+      <a:schemeClr val="accent1"/>
     </dgm:linClrLst>
     <dgm:effectClrLst/>
     <dgm:txLinClrLst/>
@@ -794,12 +790,12 @@
   </dgm:styleLbl>
   <dgm:styleLbl name="bgShp">
     <dgm:fillClrLst meth="repeat">
-      <a:schemeClr val="accent5">
+      <a:schemeClr val="accent1">
         <a:tint val="40000"/>
       </a:schemeClr>
     </dgm:fillClrLst>
     <dgm:linClrLst meth="repeat">
-      <a:schemeClr val="accent5"/>
+      <a:schemeClr val="accent1"/>
     </dgm:linClrLst>
     <dgm:effectClrLst/>
     <dgm:txLinClrLst/>
@@ -810,12 +806,12 @@
   </dgm:styleLbl>
   <dgm:styleLbl name="dkBgShp">
     <dgm:fillClrLst meth="repeat">
-      <a:schemeClr val="accent5">
+      <a:schemeClr val="accent1">
         <a:shade val="80000"/>
       </a:schemeClr>
     </dgm:fillClrLst>
     <dgm:linClrLst meth="repeat">
-      <a:schemeClr val="accent5"/>
+      <a:schemeClr val="accent1"/>
     </dgm:linClrLst>
     <dgm:effectClrLst/>
     <dgm:txLinClrLst/>
@@ -826,13 +822,13 @@
   </dgm:styleLbl>
   <dgm:styleLbl name="trBgShp">
     <dgm:fillClrLst meth="repeat">
-      <a:schemeClr val="accent5">
+      <a:schemeClr val="accent1">
         <a:tint val="50000"/>
         <a:alpha val="40000"/>
       </a:schemeClr>
     </dgm:fillClrLst>
     <dgm:linClrLst meth="repeat">
-      <a:schemeClr val="accent5"/>
+      <a:schemeClr val="accent1"/>
     </dgm:linClrLst>
     <dgm:effectClrLst/>
     <dgm:txLinClrLst/>
@@ -843,7 +839,7 @@
   </dgm:styleLbl>
   <dgm:styleLbl name="fgShp">
     <dgm:fillClrLst meth="repeat">
-      <a:schemeClr val="accent5">
+      <a:schemeClr val="accent1">
         <a:tint val="60000"/>
       </a:schemeClr>
     </dgm:fillClrLst>
@@ -1626,753 +1622,6 @@
 </file>
 
 <file path=ppt/diagrams/colors3.xml><?xml version="1.0" encoding="utf-8"?>
-<dgm:colorsDef xmlns:dgm="http://schemas.openxmlformats.org/drawingml/2006/diagram" xmlns:a="http://schemas.openxmlformats.org/drawingml/2006/main" uniqueId="urn:microsoft.com/office/officeart/2005/8/colors/accent1_2">
-  <dgm:title val=""/>
-  <dgm:desc val=""/>
-  <dgm:catLst>
-    <dgm:cat type="accent1" pri="11200"/>
-  </dgm:catLst>
-  <dgm:styleLbl name="node0">
-    <dgm:fillClrLst meth="repeat">
-      <a:schemeClr val="accent1"/>
-    </dgm:fillClrLst>
-    <dgm:linClrLst meth="repeat">
-      <a:schemeClr val="lt1"/>
-    </dgm:linClrLst>
-    <dgm:effectClrLst/>
-    <dgm:txLinClrLst/>
-    <dgm:txFillClrLst/>
-    <dgm:txEffectClrLst/>
-  </dgm:styleLbl>
-  <dgm:styleLbl name="alignNode1">
-    <dgm:fillClrLst meth="repeat">
-      <a:schemeClr val="accent1"/>
-    </dgm:fillClrLst>
-    <dgm:linClrLst meth="repeat">
-      <a:schemeClr val="accent1"/>
-    </dgm:linClrLst>
-    <dgm:effectClrLst/>
-    <dgm:txLinClrLst/>
-    <dgm:txFillClrLst/>
-    <dgm:txEffectClrLst/>
-  </dgm:styleLbl>
-  <dgm:styleLbl name="node1">
-    <dgm:fillClrLst meth="repeat">
-      <a:schemeClr val="accent1"/>
-    </dgm:fillClrLst>
-    <dgm:linClrLst meth="repeat">
-      <a:schemeClr val="lt1"/>
-    </dgm:linClrLst>
-    <dgm:effectClrLst/>
-    <dgm:txLinClrLst/>
-    <dgm:txFillClrLst/>
-    <dgm:txEffectClrLst/>
-  </dgm:styleLbl>
-  <dgm:styleLbl name="lnNode1">
-    <dgm:fillClrLst meth="repeat">
-      <a:schemeClr val="accent1"/>
-    </dgm:fillClrLst>
-    <dgm:linClrLst meth="repeat">
-      <a:schemeClr val="lt1"/>
-    </dgm:linClrLst>
-    <dgm:effectClrLst/>
-    <dgm:txLinClrLst/>
-    <dgm:txFillClrLst/>
-    <dgm:txEffectClrLst/>
-  </dgm:styleLbl>
-  <dgm:styleLbl name="vennNode1">
-    <dgm:fillClrLst meth="repeat">
-      <a:schemeClr val="accent1">
-        <a:alpha val="50000"/>
-      </a:schemeClr>
-    </dgm:fillClrLst>
-    <dgm:linClrLst meth="repeat">
-      <a:schemeClr val="lt1"/>
-    </dgm:linClrLst>
-    <dgm:effectClrLst/>
-    <dgm:txLinClrLst/>
-    <dgm:txFillClrLst/>
-    <dgm:txEffectClrLst/>
-  </dgm:styleLbl>
-  <dgm:styleLbl name="node2">
-    <dgm:fillClrLst meth="repeat">
-      <a:schemeClr val="accent1"/>
-    </dgm:fillClrLst>
-    <dgm:linClrLst meth="repeat">
-      <a:schemeClr val="lt1"/>
-    </dgm:linClrLst>
-    <dgm:effectClrLst/>
-    <dgm:txLinClrLst/>
-    <dgm:txFillClrLst/>
-    <dgm:txEffectClrLst/>
-  </dgm:styleLbl>
-  <dgm:styleLbl name="node3">
-    <dgm:fillClrLst meth="repeat">
-      <a:schemeClr val="accent1"/>
-    </dgm:fillClrLst>
-    <dgm:linClrLst meth="repeat">
-      <a:schemeClr val="lt1"/>
-    </dgm:linClrLst>
-    <dgm:effectClrLst/>
-    <dgm:txLinClrLst/>
-    <dgm:txFillClrLst/>
-    <dgm:txEffectClrLst/>
-  </dgm:styleLbl>
-  <dgm:styleLbl name="node4">
-    <dgm:fillClrLst meth="repeat">
-      <a:schemeClr val="accent1"/>
-    </dgm:fillClrLst>
-    <dgm:linClrLst meth="repeat">
-      <a:schemeClr val="lt1"/>
-    </dgm:linClrLst>
-    <dgm:effectClrLst/>
-    <dgm:txLinClrLst/>
-    <dgm:txFillClrLst/>
-    <dgm:txEffectClrLst/>
-  </dgm:styleLbl>
-  <dgm:styleLbl name="fgImgPlace1">
-    <dgm:fillClrLst meth="repeat">
-      <a:schemeClr val="accent1">
-        <a:tint val="50000"/>
-      </a:schemeClr>
-    </dgm:fillClrLst>
-    <dgm:linClrLst meth="repeat">
-      <a:schemeClr val="lt1"/>
-    </dgm:linClrLst>
-    <dgm:effectClrLst/>
-    <dgm:txLinClrLst/>
-    <dgm:txFillClrLst meth="repeat">
-      <a:schemeClr val="lt1"/>
-    </dgm:txFillClrLst>
-    <dgm:txEffectClrLst/>
-  </dgm:styleLbl>
-  <dgm:styleLbl name="alignImgPlace1">
-    <dgm:fillClrLst meth="repeat">
-      <a:schemeClr val="accent1">
-        <a:tint val="50000"/>
-      </a:schemeClr>
-    </dgm:fillClrLst>
-    <dgm:linClrLst meth="repeat">
-      <a:schemeClr val="lt1"/>
-    </dgm:linClrLst>
-    <dgm:effectClrLst/>
-    <dgm:txLinClrLst/>
-    <dgm:txFillClrLst meth="repeat">
-      <a:schemeClr val="lt1"/>
-    </dgm:txFillClrLst>
-    <dgm:txEffectClrLst/>
-  </dgm:styleLbl>
-  <dgm:styleLbl name="bgImgPlace1">
-    <dgm:fillClrLst meth="repeat">
-      <a:schemeClr val="accent1">
-        <a:tint val="50000"/>
-      </a:schemeClr>
-    </dgm:fillClrLst>
-    <dgm:linClrLst meth="repeat">
-      <a:schemeClr val="lt1"/>
-    </dgm:linClrLst>
-    <dgm:effectClrLst/>
-    <dgm:txLinClrLst/>
-    <dgm:txFillClrLst meth="repeat">
-      <a:schemeClr val="lt1"/>
-    </dgm:txFillClrLst>
-    <dgm:txEffectClrLst/>
-  </dgm:styleLbl>
-  <dgm:styleLbl name="sibTrans2D1">
-    <dgm:fillClrLst meth="repeat">
-      <a:schemeClr val="accent1">
-        <a:tint val="60000"/>
-      </a:schemeClr>
-    </dgm:fillClrLst>
-    <dgm:linClrLst meth="repeat">
-      <a:schemeClr val="accent1">
-        <a:tint val="60000"/>
-      </a:schemeClr>
-    </dgm:linClrLst>
-    <dgm:effectClrLst/>
-    <dgm:txLinClrLst/>
-    <dgm:txFillClrLst/>
-    <dgm:txEffectClrLst/>
-  </dgm:styleLbl>
-  <dgm:styleLbl name="fgSibTrans2D1">
-    <dgm:fillClrLst meth="repeat">
-      <a:schemeClr val="accent1">
-        <a:tint val="60000"/>
-      </a:schemeClr>
-    </dgm:fillClrLst>
-    <dgm:linClrLst meth="repeat">
-      <a:schemeClr val="accent1">
-        <a:tint val="60000"/>
-      </a:schemeClr>
-    </dgm:linClrLst>
-    <dgm:effectClrLst/>
-    <dgm:txLinClrLst/>
-    <dgm:txFillClrLst/>
-    <dgm:txEffectClrLst/>
-  </dgm:styleLbl>
-  <dgm:styleLbl name="bgSibTrans2D1">
-    <dgm:fillClrLst meth="repeat">
-      <a:schemeClr val="accent1">
-        <a:tint val="60000"/>
-      </a:schemeClr>
-    </dgm:fillClrLst>
-    <dgm:linClrLst meth="repeat">
-      <a:schemeClr val="accent1">
-        <a:tint val="60000"/>
-      </a:schemeClr>
-    </dgm:linClrLst>
-    <dgm:effectClrLst/>
-    <dgm:txLinClrLst/>
-    <dgm:txFillClrLst/>
-    <dgm:txEffectClrLst/>
-  </dgm:styleLbl>
-  <dgm:styleLbl name="sibTrans1D1">
-    <dgm:fillClrLst meth="repeat">
-      <a:schemeClr val="accent1"/>
-    </dgm:fillClrLst>
-    <dgm:linClrLst meth="repeat">
-      <a:schemeClr val="accent1"/>
-    </dgm:linClrLst>
-    <dgm:effectClrLst/>
-    <dgm:txLinClrLst/>
-    <dgm:txFillClrLst meth="repeat">
-      <a:schemeClr val="tx1"/>
-    </dgm:txFillClrLst>
-    <dgm:txEffectClrLst/>
-  </dgm:styleLbl>
-  <dgm:styleLbl name="callout">
-    <dgm:fillClrLst meth="repeat">
-      <a:schemeClr val="accent1"/>
-    </dgm:fillClrLst>
-    <dgm:linClrLst meth="repeat">
-      <a:schemeClr val="accent1">
-        <a:tint val="50000"/>
-      </a:schemeClr>
-    </dgm:linClrLst>
-    <dgm:effectClrLst/>
-    <dgm:txLinClrLst/>
-    <dgm:txFillClrLst meth="repeat">
-      <a:schemeClr val="tx1"/>
-    </dgm:txFillClrLst>
-    <dgm:txEffectClrLst/>
-  </dgm:styleLbl>
-  <dgm:styleLbl name="asst0">
-    <dgm:fillClrLst meth="repeat">
-      <a:schemeClr val="accent1"/>
-    </dgm:fillClrLst>
-    <dgm:linClrLst meth="repeat">
-      <a:schemeClr val="lt1"/>
-    </dgm:linClrLst>
-    <dgm:effectClrLst/>
-    <dgm:txLinClrLst/>
-    <dgm:txFillClrLst/>
-    <dgm:txEffectClrLst/>
-  </dgm:styleLbl>
-  <dgm:styleLbl name="asst1">
-    <dgm:fillClrLst meth="repeat">
-      <a:schemeClr val="accent1"/>
-    </dgm:fillClrLst>
-    <dgm:linClrLst meth="repeat">
-      <a:schemeClr val="lt1"/>
-    </dgm:linClrLst>
-    <dgm:effectClrLst/>
-    <dgm:txLinClrLst/>
-    <dgm:txFillClrLst/>
-    <dgm:txEffectClrLst/>
-  </dgm:styleLbl>
-  <dgm:styleLbl name="asst2">
-    <dgm:fillClrLst meth="repeat">
-      <a:schemeClr val="accent1"/>
-    </dgm:fillClrLst>
-    <dgm:linClrLst meth="repeat">
-      <a:schemeClr val="lt1"/>
-    </dgm:linClrLst>
-    <dgm:effectClrLst/>
-    <dgm:txLinClrLst/>
-    <dgm:txFillClrLst/>
-    <dgm:txEffectClrLst/>
-  </dgm:styleLbl>
-  <dgm:styleLbl name="asst3">
-    <dgm:fillClrLst meth="repeat">
-      <a:schemeClr val="accent1"/>
-    </dgm:fillClrLst>
-    <dgm:linClrLst meth="repeat">
-      <a:schemeClr val="lt1"/>
-    </dgm:linClrLst>
-    <dgm:effectClrLst/>
-    <dgm:txLinClrLst/>
-    <dgm:txFillClrLst/>
-    <dgm:txEffectClrLst/>
-  </dgm:styleLbl>
-  <dgm:styleLbl name="asst4">
-    <dgm:fillClrLst meth="repeat">
-      <a:schemeClr val="accent1"/>
-    </dgm:fillClrLst>
-    <dgm:linClrLst meth="repeat">
-      <a:schemeClr val="lt1"/>
-    </dgm:linClrLst>
-    <dgm:effectClrLst/>
-    <dgm:txLinClrLst/>
-    <dgm:txFillClrLst/>
-    <dgm:txEffectClrLst/>
-  </dgm:styleLbl>
-  <dgm:styleLbl name="parChTrans2D1">
-    <dgm:fillClrLst meth="repeat">
-      <a:schemeClr val="accent1">
-        <a:tint val="60000"/>
-      </a:schemeClr>
-    </dgm:fillClrLst>
-    <dgm:linClrLst meth="repeat">
-      <a:schemeClr val="accent1">
-        <a:tint val="60000"/>
-      </a:schemeClr>
-    </dgm:linClrLst>
-    <dgm:effectClrLst/>
-    <dgm:txLinClrLst/>
-    <dgm:txFillClrLst meth="repeat">
-      <a:schemeClr val="lt1"/>
-    </dgm:txFillClrLst>
-    <dgm:txEffectClrLst/>
-  </dgm:styleLbl>
-  <dgm:styleLbl name="parChTrans2D2">
-    <dgm:fillClrLst meth="repeat">
-      <a:schemeClr val="accent1"/>
-    </dgm:fillClrLst>
-    <dgm:linClrLst meth="repeat">
-      <a:schemeClr val="accent1"/>
-    </dgm:linClrLst>
-    <dgm:effectClrLst/>
-    <dgm:txLinClrLst/>
-    <dgm:txFillClrLst meth="repeat">
-      <a:schemeClr val="lt1"/>
-    </dgm:txFillClrLst>
-    <dgm:txEffectClrLst/>
-  </dgm:styleLbl>
-  <dgm:styleLbl name="parChTrans2D3">
-    <dgm:fillClrLst meth="repeat">
-      <a:schemeClr val="accent1"/>
-    </dgm:fillClrLst>
-    <dgm:linClrLst meth="repeat">
-      <a:schemeClr val="accent1"/>
-    </dgm:linClrLst>
-    <dgm:effectClrLst/>
-    <dgm:txLinClrLst/>
-    <dgm:txFillClrLst meth="repeat">
-      <a:schemeClr val="lt1"/>
-    </dgm:txFillClrLst>
-    <dgm:txEffectClrLst/>
-  </dgm:styleLbl>
-  <dgm:styleLbl name="parChTrans2D4">
-    <dgm:fillClrLst meth="repeat">
-      <a:schemeClr val="accent1"/>
-    </dgm:fillClrLst>
-    <dgm:linClrLst meth="repeat">
-      <a:schemeClr val="accent1"/>
-    </dgm:linClrLst>
-    <dgm:effectClrLst/>
-    <dgm:txLinClrLst/>
-    <dgm:txFillClrLst meth="repeat">
-      <a:schemeClr val="lt1"/>
-    </dgm:txFillClrLst>
-    <dgm:txEffectClrLst/>
-  </dgm:styleLbl>
-  <dgm:styleLbl name="parChTrans1D1">
-    <dgm:fillClrLst meth="repeat">
-      <a:schemeClr val="accent1"/>
-    </dgm:fillClrLst>
-    <dgm:linClrLst meth="repeat">
-      <a:schemeClr val="accent1">
-        <a:shade val="60000"/>
-      </a:schemeClr>
-    </dgm:linClrLst>
-    <dgm:effectClrLst/>
-    <dgm:txLinClrLst/>
-    <dgm:txFillClrLst meth="repeat">
-      <a:schemeClr val="tx1"/>
-    </dgm:txFillClrLst>
-    <dgm:txEffectClrLst/>
-  </dgm:styleLbl>
-  <dgm:styleLbl name="parChTrans1D2">
-    <dgm:fillClrLst meth="repeat">
-      <a:schemeClr val="accent1"/>
-    </dgm:fillClrLst>
-    <dgm:linClrLst meth="repeat">
-      <a:schemeClr val="accent1">
-        <a:shade val="60000"/>
-      </a:schemeClr>
-    </dgm:linClrLst>
-    <dgm:effectClrLst/>
-    <dgm:txLinClrLst/>
-    <dgm:txFillClrLst meth="repeat">
-      <a:schemeClr val="tx1"/>
-    </dgm:txFillClrLst>
-    <dgm:txEffectClrLst/>
-  </dgm:styleLbl>
-  <dgm:styleLbl name="parChTrans1D3">
-    <dgm:fillClrLst meth="repeat">
-      <a:schemeClr val="accent1"/>
-    </dgm:fillClrLst>
-    <dgm:linClrLst meth="repeat">
-      <a:schemeClr val="accent1">
-        <a:shade val="80000"/>
-      </a:schemeClr>
-    </dgm:linClrLst>
-    <dgm:effectClrLst/>
-    <dgm:txLinClrLst/>
-    <dgm:txFillClrLst meth="repeat">
-      <a:schemeClr val="tx1"/>
-    </dgm:txFillClrLst>
-    <dgm:txEffectClrLst/>
-  </dgm:styleLbl>
-  <dgm:styleLbl name="parChTrans1D4">
-    <dgm:fillClrLst meth="repeat">
-      <a:schemeClr val="accent1"/>
-    </dgm:fillClrLst>
-    <dgm:linClrLst meth="repeat">
-      <a:schemeClr val="accent1">
-        <a:shade val="80000"/>
-      </a:schemeClr>
-    </dgm:linClrLst>
-    <dgm:effectClrLst/>
-    <dgm:txLinClrLst/>
-    <dgm:txFillClrLst meth="repeat">
-      <a:schemeClr val="tx1"/>
-    </dgm:txFillClrLst>
-    <dgm:txEffectClrLst/>
-  </dgm:styleLbl>
-  <dgm:styleLbl name="fgAcc1">
-    <dgm:fillClrLst meth="repeat">
-      <a:schemeClr val="lt1">
-        <a:alpha val="90000"/>
-      </a:schemeClr>
-    </dgm:fillClrLst>
-    <dgm:linClrLst meth="repeat">
-      <a:schemeClr val="accent1"/>
-    </dgm:linClrLst>
-    <dgm:effectClrLst/>
-    <dgm:txLinClrLst/>
-    <dgm:txFillClrLst meth="repeat">
-      <a:schemeClr val="dk1"/>
-    </dgm:txFillClrLst>
-    <dgm:txEffectClrLst/>
-  </dgm:styleLbl>
-  <dgm:styleLbl name="conFgAcc1">
-    <dgm:fillClrLst meth="repeat">
-      <a:schemeClr val="lt1">
-        <a:alpha val="90000"/>
-      </a:schemeClr>
-    </dgm:fillClrLst>
-    <dgm:linClrLst meth="repeat">
-      <a:schemeClr val="accent1"/>
-    </dgm:linClrLst>
-    <dgm:effectClrLst/>
-    <dgm:txLinClrLst/>
-    <dgm:txFillClrLst meth="repeat">
-      <a:schemeClr val="dk1"/>
-    </dgm:txFillClrLst>
-    <dgm:txEffectClrLst/>
-  </dgm:styleLbl>
-  <dgm:styleLbl name="alignAcc1">
-    <dgm:fillClrLst meth="repeat">
-      <a:schemeClr val="lt1">
-        <a:alpha val="90000"/>
-      </a:schemeClr>
-    </dgm:fillClrLst>
-    <dgm:linClrLst meth="repeat">
-      <a:schemeClr val="accent1"/>
-    </dgm:linClrLst>
-    <dgm:effectClrLst/>
-    <dgm:txLinClrLst/>
-    <dgm:txFillClrLst meth="repeat">
-      <a:schemeClr val="dk1"/>
-    </dgm:txFillClrLst>
-    <dgm:txEffectClrLst/>
-  </dgm:styleLbl>
-  <dgm:styleLbl name="trAlignAcc1">
-    <dgm:fillClrLst meth="repeat">
-      <a:schemeClr val="lt1">
-        <a:alpha val="40000"/>
-      </a:schemeClr>
-    </dgm:fillClrLst>
-    <dgm:linClrLst meth="repeat">
-      <a:schemeClr val="accent1"/>
-    </dgm:linClrLst>
-    <dgm:effectClrLst/>
-    <dgm:txLinClrLst/>
-    <dgm:txFillClrLst meth="repeat">
-      <a:schemeClr val="dk1"/>
-    </dgm:txFillClrLst>
-    <dgm:txEffectClrLst/>
-  </dgm:styleLbl>
-  <dgm:styleLbl name="bgAcc1">
-    <dgm:fillClrLst meth="repeat">
-      <a:schemeClr val="lt1">
-        <a:alpha val="90000"/>
-      </a:schemeClr>
-    </dgm:fillClrLst>
-    <dgm:linClrLst meth="repeat">
-      <a:schemeClr val="accent1"/>
-    </dgm:linClrLst>
-    <dgm:effectClrLst/>
-    <dgm:txLinClrLst/>
-    <dgm:txFillClrLst meth="repeat">
-      <a:schemeClr val="dk1"/>
-    </dgm:txFillClrLst>
-    <dgm:txEffectClrLst/>
-  </dgm:styleLbl>
-  <dgm:styleLbl name="solidFgAcc1">
-    <dgm:fillClrLst meth="repeat">
-      <a:schemeClr val="lt1"/>
-    </dgm:fillClrLst>
-    <dgm:linClrLst meth="repeat">
-      <a:schemeClr val="accent1"/>
-    </dgm:linClrLst>
-    <dgm:effectClrLst/>
-    <dgm:txLinClrLst/>
-    <dgm:txFillClrLst meth="repeat">
-      <a:schemeClr val="dk1"/>
-    </dgm:txFillClrLst>
-    <dgm:txEffectClrLst/>
-  </dgm:styleLbl>
-  <dgm:styleLbl name="solidAlignAcc1">
-    <dgm:fillClrLst meth="repeat">
-      <a:schemeClr val="lt1"/>
-    </dgm:fillClrLst>
-    <dgm:linClrLst meth="repeat">
-      <a:schemeClr val="accent1"/>
-    </dgm:linClrLst>
-    <dgm:effectClrLst/>
-    <dgm:txLinClrLst/>
-    <dgm:txFillClrLst meth="repeat">
-      <a:schemeClr val="dk1"/>
-    </dgm:txFillClrLst>
-    <dgm:txEffectClrLst/>
-  </dgm:styleLbl>
-  <dgm:styleLbl name="solidBgAcc1">
-    <dgm:fillClrLst meth="repeat">
-      <a:schemeClr val="lt1"/>
-    </dgm:fillClrLst>
-    <dgm:linClrLst meth="repeat">
-      <a:schemeClr val="accent1"/>
-    </dgm:linClrLst>
-    <dgm:effectClrLst/>
-    <dgm:txLinClrLst/>
-    <dgm:txFillClrLst meth="repeat">
-      <a:schemeClr val="dk1"/>
-    </dgm:txFillClrLst>
-    <dgm:txEffectClrLst/>
-  </dgm:styleLbl>
-  <dgm:styleLbl name="fgAccFollowNode1">
-    <dgm:fillClrLst meth="repeat">
-      <a:schemeClr val="accent1">
-        <a:alpha val="90000"/>
-        <a:tint val="40000"/>
-      </a:schemeClr>
-    </dgm:fillClrLst>
-    <dgm:linClrLst meth="repeat">
-      <a:schemeClr val="accent1">
-        <a:alpha val="90000"/>
-        <a:tint val="40000"/>
-      </a:schemeClr>
-    </dgm:linClrLst>
-    <dgm:effectClrLst/>
-    <dgm:txLinClrLst/>
-    <dgm:txFillClrLst meth="repeat">
-      <a:schemeClr val="dk1"/>
-    </dgm:txFillClrLst>
-    <dgm:txEffectClrLst/>
-  </dgm:styleLbl>
-  <dgm:styleLbl name="alignAccFollowNode1">
-    <dgm:fillClrLst meth="repeat">
-      <a:schemeClr val="accent1">
-        <a:alpha val="90000"/>
-        <a:tint val="40000"/>
-      </a:schemeClr>
-    </dgm:fillClrLst>
-    <dgm:linClrLst meth="repeat">
-      <a:schemeClr val="accent1">
-        <a:alpha val="90000"/>
-        <a:tint val="40000"/>
-      </a:schemeClr>
-    </dgm:linClrLst>
-    <dgm:effectClrLst/>
-    <dgm:txLinClrLst/>
-    <dgm:txFillClrLst meth="repeat">
-      <a:schemeClr val="dk1"/>
-    </dgm:txFillClrLst>
-    <dgm:txEffectClrLst/>
-  </dgm:styleLbl>
-  <dgm:styleLbl name="bgAccFollowNode1">
-    <dgm:fillClrLst meth="repeat">
-      <a:schemeClr val="accent1">
-        <a:alpha val="90000"/>
-        <a:tint val="40000"/>
-      </a:schemeClr>
-    </dgm:fillClrLst>
-    <dgm:linClrLst meth="repeat">
-      <a:schemeClr val="accent1">
-        <a:alpha val="90000"/>
-        <a:tint val="40000"/>
-      </a:schemeClr>
-    </dgm:linClrLst>
-    <dgm:effectClrLst/>
-    <dgm:txLinClrLst/>
-    <dgm:txFillClrLst meth="repeat">
-      <a:schemeClr val="dk1"/>
-    </dgm:txFillClrLst>
-    <dgm:txEffectClrLst/>
-  </dgm:styleLbl>
-  <dgm:styleLbl name="fgAcc0">
-    <dgm:fillClrLst meth="repeat">
-      <a:schemeClr val="lt1">
-        <a:alpha val="90000"/>
-      </a:schemeClr>
-    </dgm:fillClrLst>
-    <dgm:linClrLst meth="repeat">
-      <a:schemeClr val="accent1"/>
-    </dgm:linClrLst>
-    <dgm:effectClrLst/>
-    <dgm:txLinClrLst/>
-    <dgm:txFillClrLst meth="repeat">
-      <a:schemeClr val="dk1"/>
-    </dgm:txFillClrLst>
-    <dgm:txEffectClrLst/>
-  </dgm:styleLbl>
-  <dgm:styleLbl name="fgAcc2">
-    <dgm:fillClrLst meth="repeat">
-      <a:schemeClr val="lt1">
-        <a:alpha val="90000"/>
-      </a:schemeClr>
-    </dgm:fillClrLst>
-    <dgm:linClrLst meth="repeat">
-      <a:schemeClr val="accent1"/>
-    </dgm:linClrLst>
-    <dgm:effectClrLst/>
-    <dgm:txLinClrLst/>
-    <dgm:txFillClrLst meth="repeat">
-      <a:schemeClr val="dk1"/>
-    </dgm:txFillClrLst>
-    <dgm:txEffectClrLst/>
-  </dgm:styleLbl>
-  <dgm:styleLbl name="fgAcc3">
-    <dgm:fillClrLst meth="repeat">
-      <a:schemeClr val="lt1">
-        <a:alpha val="90000"/>
-      </a:schemeClr>
-    </dgm:fillClrLst>
-    <dgm:linClrLst meth="repeat">
-      <a:schemeClr val="accent1"/>
-    </dgm:linClrLst>
-    <dgm:effectClrLst/>
-    <dgm:txLinClrLst/>
-    <dgm:txFillClrLst meth="repeat">
-      <a:schemeClr val="dk1"/>
-    </dgm:txFillClrLst>
-    <dgm:txEffectClrLst/>
-  </dgm:styleLbl>
-  <dgm:styleLbl name="fgAcc4">
-    <dgm:fillClrLst meth="repeat">
-      <a:schemeClr val="lt1">
-        <a:alpha val="90000"/>
-      </a:schemeClr>
-    </dgm:fillClrLst>
-    <dgm:linClrLst meth="repeat">
-      <a:schemeClr val="accent1"/>
-    </dgm:linClrLst>
-    <dgm:effectClrLst/>
-    <dgm:txLinClrLst/>
-    <dgm:txFillClrLst meth="repeat">
-      <a:schemeClr val="dk1"/>
-    </dgm:txFillClrLst>
-    <dgm:txEffectClrLst/>
-  </dgm:styleLbl>
-  <dgm:styleLbl name="bgShp">
-    <dgm:fillClrLst meth="repeat">
-      <a:schemeClr val="accent1">
-        <a:tint val="40000"/>
-      </a:schemeClr>
-    </dgm:fillClrLst>
-    <dgm:linClrLst meth="repeat">
-      <a:schemeClr val="accent1"/>
-    </dgm:linClrLst>
-    <dgm:effectClrLst/>
-    <dgm:txLinClrLst/>
-    <dgm:txFillClrLst meth="repeat">
-      <a:schemeClr val="dk1"/>
-    </dgm:txFillClrLst>
-    <dgm:txEffectClrLst/>
-  </dgm:styleLbl>
-  <dgm:styleLbl name="dkBgShp">
-    <dgm:fillClrLst meth="repeat">
-      <a:schemeClr val="accent1">
-        <a:shade val="80000"/>
-      </a:schemeClr>
-    </dgm:fillClrLst>
-    <dgm:linClrLst meth="repeat">
-      <a:schemeClr val="accent1"/>
-    </dgm:linClrLst>
-    <dgm:effectClrLst/>
-    <dgm:txLinClrLst/>
-    <dgm:txFillClrLst meth="repeat">
-      <a:schemeClr val="lt1"/>
-    </dgm:txFillClrLst>
-    <dgm:txEffectClrLst/>
-  </dgm:styleLbl>
-  <dgm:styleLbl name="trBgShp">
-    <dgm:fillClrLst meth="repeat">
-      <a:schemeClr val="accent1">
-        <a:tint val="50000"/>
-        <a:alpha val="40000"/>
-      </a:schemeClr>
-    </dgm:fillClrLst>
-    <dgm:linClrLst meth="repeat">
-      <a:schemeClr val="accent1"/>
-    </dgm:linClrLst>
-    <dgm:effectClrLst/>
-    <dgm:txLinClrLst/>
-    <dgm:txFillClrLst meth="repeat">
-      <a:schemeClr val="lt1"/>
-    </dgm:txFillClrLst>
-    <dgm:txEffectClrLst/>
-  </dgm:styleLbl>
-  <dgm:styleLbl name="fgShp">
-    <dgm:fillClrLst meth="repeat">
-      <a:schemeClr val="accent1">
-        <a:tint val="60000"/>
-      </a:schemeClr>
-    </dgm:fillClrLst>
-    <dgm:linClrLst meth="repeat">
-      <a:schemeClr val="lt1"/>
-    </dgm:linClrLst>
-    <dgm:effectClrLst/>
-    <dgm:txLinClrLst/>
-    <dgm:txFillClrLst meth="repeat">
-      <a:schemeClr val="dk1"/>
-    </dgm:txFillClrLst>
-    <dgm:txEffectClrLst/>
-  </dgm:styleLbl>
-  <dgm:styleLbl name="revTx">
-    <dgm:fillClrLst meth="repeat">
-      <a:schemeClr val="lt1">
-        <a:alpha val="0"/>
-      </a:schemeClr>
-    </dgm:fillClrLst>
-    <dgm:linClrLst meth="repeat">
-      <a:schemeClr val="dk1">
-        <a:alpha val="0"/>
-      </a:schemeClr>
-    </dgm:linClrLst>
-    <dgm:effectClrLst/>
-    <dgm:txLinClrLst/>
-    <dgm:txFillClrLst meth="repeat">
-      <a:schemeClr val="tx1"/>
-    </dgm:txFillClrLst>
-    <dgm:txEffectClrLst/>
-  </dgm:styleLbl>
-</dgm:colorsDef>
-</file>
-
-<file path=ppt/diagrams/colors4.xml><?xml version="1.0" encoding="utf-8"?>
 <dgm:colorsDef xmlns:dgm="http://schemas.openxmlformats.org/drawingml/2006/diagram" xmlns:a="http://schemas.openxmlformats.org/drawingml/2006/main" uniqueId="urn:microsoft.com/office/officeart/2018/5/colors/Iconchunking_neutralbg_colorful1">
   <dgm:title val=""/>
   <dgm:desc val=""/>
@@ -3293,7 +2542,7 @@
 </dgm:colorsDef>
 </file>
 
-<file path=ppt/diagrams/colors5.xml><?xml version="1.0" encoding="utf-8"?>
+<file path=ppt/diagrams/colors4.xml><?xml version="1.0" encoding="utf-8"?>
 <dgm:colorsDef xmlns:dgm="http://schemas.openxmlformats.org/drawingml/2006/diagram" xmlns:a="http://schemas.openxmlformats.org/drawingml/2006/main" uniqueId="urn:microsoft.com/office/officeart/2005/8/colors/accent1_2">
   <dgm:title val=""/>
   <dgm:desc val=""/>
@@ -4040,1064 +3289,7 @@
 </dgm:colorsDef>
 </file>
 
-<file path=ppt/diagrams/colors6.xml><?xml version="1.0" encoding="utf-8"?>
-<dgm:colorsDef xmlns:dgm="http://schemas.openxmlformats.org/drawingml/2006/diagram" xmlns:a="http://schemas.openxmlformats.org/drawingml/2006/main" uniqueId="urn:microsoft.com/office/officeart/2005/8/colors/accent1_2">
-  <dgm:title val=""/>
-  <dgm:desc val=""/>
-  <dgm:catLst>
-    <dgm:cat type="accent1" pri="11200"/>
-  </dgm:catLst>
-  <dgm:styleLbl name="node0">
-    <dgm:fillClrLst meth="repeat">
-      <a:schemeClr val="accent1"/>
-    </dgm:fillClrLst>
-    <dgm:linClrLst meth="repeat">
-      <a:schemeClr val="lt1"/>
-    </dgm:linClrLst>
-    <dgm:effectClrLst/>
-    <dgm:txLinClrLst/>
-    <dgm:txFillClrLst/>
-    <dgm:txEffectClrLst/>
-  </dgm:styleLbl>
-  <dgm:styleLbl name="alignNode1">
-    <dgm:fillClrLst meth="repeat">
-      <a:schemeClr val="accent1"/>
-    </dgm:fillClrLst>
-    <dgm:linClrLst meth="repeat">
-      <a:schemeClr val="accent1"/>
-    </dgm:linClrLst>
-    <dgm:effectClrLst/>
-    <dgm:txLinClrLst/>
-    <dgm:txFillClrLst/>
-    <dgm:txEffectClrLst/>
-  </dgm:styleLbl>
-  <dgm:styleLbl name="node1">
-    <dgm:fillClrLst meth="repeat">
-      <a:schemeClr val="accent1"/>
-    </dgm:fillClrLst>
-    <dgm:linClrLst meth="repeat">
-      <a:schemeClr val="lt1"/>
-    </dgm:linClrLst>
-    <dgm:effectClrLst/>
-    <dgm:txLinClrLst/>
-    <dgm:txFillClrLst/>
-    <dgm:txEffectClrLst/>
-  </dgm:styleLbl>
-  <dgm:styleLbl name="lnNode1">
-    <dgm:fillClrLst meth="repeat">
-      <a:schemeClr val="accent1"/>
-    </dgm:fillClrLst>
-    <dgm:linClrLst meth="repeat">
-      <a:schemeClr val="lt1"/>
-    </dgm:linClrLst>
-    <dgm:effectClrLst/>
-    <dgm:txLinClrLst/>
-    <dgm:txFillClrLst/>
-    <dgm:txEffectClrLst/>
-  </dgm:styleLbl>
-  <dgm:styleLbl name="vennNode1">
-    <dgm:fillClrLst meth="repeat">
-      <a:schemeClr val="accent1">
-        <a:alpha val="50000"/>
-      </a:schemeClr>
-    </dgm:fillClrLst>
-    <dgm:linClrLst meth="repeat">
-      <a:schemeClr val="lt1"/>
-    </dgm:linClrLst>
-    <dgm:effectClrLst/>
-    <dgm:txLinClrLst/>
-    <dgm:txFillClrLst/>
-    <dgm:txEffectClrLst/>
-  </dgm:styleLbl>
-  <dgm:styleLbl name="node2">
-    <dgm:fillClrLst meth="repeat">
-      <a:schemeClr val="accent1"/>
-    </dgm:fillClrLst>
-    <dgm:linClrLst meth="repeat">
-      <a:schemeClr val="lt1"/>
-    </dgm:linClrLst>
-    <dgm:effectClrLst/>
-    <dgm:txLinClrLst/>
-    <dgm:txFillClrLst/>
-    <dgm:txEffectClrLst/>
-  </dgm:styleLbl>
-  <dgm:styleLbl name="node3">
-    <dgm:fillClrLst meth="repeat">
-      <a:schemeClr val="accent1"/>
-    </dgm:fillClrLst>
-    <dgm:linClrLst meth="repeat">
-      <a:schemeClr val="lt1"/>
-    </dgm:linClrLst>
-    <dgm:effectClrLst/>
-    <dgm:txLinClrLst/>
-    <dgm:txFillClrLst/>
-    <dgm:txEffectClrLst/>
-  </dgm:styleLbl>
-  <dgm:styleLbl name="node4">
-    <dgm:fillClrLst meth="repeat">
-      <a:schemeClr val="accent1"/>
-    </dgm:fillClrLst>
-    <dgm:linClrLst meth="repeat">
-      <a:schemeClr val="lt1"/>
-    </dgm:linClrLst>
-    <dgm:effectClrLst/>
-    <dgm:txLinClrLst/>
-    <dgm:txFillClrLst/>
-    <dgm:txEffectClrLst/>
-  </dgm:styleLbl>
-  <dgm:styleLbl name="fgImgPlace1">
-    <dgm:fillClrLst meth="repeat">
-      <a:schemeClr val="accent1">
-        <a:tint val="50000"/>
-      </a:schemeClr>
-    </dgm:fillClrLst>
-    <dgm:linClrLst meth="repeat">
-      <a:schemeClr val="lt1"/>
-    </dgm:linClrLst>
-    <dgm:effectClrLst/>
-    <dgm:txLinClrLst/>
-    <dgm:txFillClrLst meth="repeat">
-      <a:schemeClr val="lt1"/>
-    </dgm:txFillClrLst>
-    <dgm:txEffectClrLst/>
-  </dgm:styleLbl>
-  <dgm:styleLbl name="alignImgPlace1">
-    <dgm:fillClrLst meth="repeat">
-      <a:schemeClr val="accent1">
-        <a:tint val="50000"/>
-      </a:schemeClr>
-    </dgm:fillClrLst>
-    <dgm:linClrLst meth="repeat">
-      <a:schemeClr val="lt1"/>
-    </dgm:linClrLst>
-    <dgm:effectClrLst/>
-    <dgm:txLinClrLst/>
-    <dgm:txFillClrLst meth="repeat">
-      <a:schemeClr val="lt1"/>
-    </dgm:txFillClrLst>
-    <dgm:txEffectClrLst/>
-  </dgm:styleLbl>
-  <dgm:styleLbl name="bgImgPlace1">
-    <dgm:fillClrLst meth="repeat">
-      <a:schemeClr val="accent1">
-        <a:tint val="50000"/>
-      </a:schemeClr>
-    </dgm:fillClrLst>
-    <dgm:linClrLst meth="repeat">
-      <a:schemeClr val="lt1"/>
-    </dgm:linClrLst>
-    <dgm:effectClrLst/>
-    <dgm:txLinClrLst/>
-    <dgm:txFillClrLst meth="repeat">
-      <a:schemeClr val="lt1"/>
-    </dgm:txFillClrLst>
-    <dgm:txEffectClrLst/>
-  </dgm:styleLbl>
-  <dgm:styleLbl name="sibTrans2D1">
-    <dgm:fillClrLst meth="repeat">
-      <a:schemeClr val="accent1">
-        <a:tint val="60000"/>
-      </a:schemeClr>
-    </dgm:fillClrLst>
-    <dgm:linClrLst meth="repeat">
-      <a:schemeClr val="accent1">
-        <a:tint val="60000"/>
-      </a:schemeClr>
-    </dgm:linClrLst>
-    <dgm:effectClrLst/>
-    <dgm:txLinClrLst/>
-    <dgm:txFillClrLst/>
-    <dgm:txEffectClrLst/>
-  </dgm:styleLbl>
-  <dgm:styleLbl name="fgSibTrans2D1">
-    <dgm:fillClrLst meth="repeat">
-      <a:schemeClr val="accent1">
-        <a:tint val="60000"/>
-      </a:schemeClr>
-    </dgm:fillClrLst>
-    <dgm:linClrLst meth="repeat">
-      <a:schemeClr val="accent1">
-        <a:tint val="60000"/>
-      </a:schemeClr>
-    </dgm:linClrLst>
-    <dgm:effectClrLst/>
-    <dgm:txLinClrLst/>
-    <dgm:txFillClrLst/>
-    <dgm:txEffectClrLst/>
-  </dgm:styleLbl>
-  <dgm:styleLbl name="bgSibTrans2D1">
-    <dgm:fillClrLst meth="repeat">
-      <a:schemeClr val="accent1">
-        <a:tint val="60000"/>
-      </a:schemeClr>
-    </dgm:fillClrLst>
-    <dgm:linClrLst meth="repeat">
-      <a:schemeClr val="accent1">
-        <a:tint val="60000"/>
-      </a:schemeClr>
-    </dgm:linClrLst>
-    <dgm:effectClrLst/>
-    <dgm:txLinClrLst/>
-    <dgm:txFillClrLst/>
-    <dgm:txEffectClrLst/>
-  </dgm:styleLbl>
-  <dgm:styleLbl name="sibTrans1D1">
-    <dgm:fillClrLst meth="repeat">
-      <a:schemeClr val="accent1"/>
-    </dgm:fillClrLst>
-    <dgm:linClrLst meth="repeat">
-      <a:schemeClr val="accent1"/>
-    </dgm:linClrLst>
-    <dgm:effectClrLst/>
-    <dgm:txLinClrLst/>
-    <dgm:txFillClrLst meth="repeat">
-      <a:schemeClr val="tx1"/>
-    </dgm:txFillClrLst>
-    <dgm:txEffectClrLst/>
-  </dgm:styleLbl>
-  <dgm:styleLbl name="callout">
-    <dgm:fillClrLst meth="repeat">
-      <a:schemeClr val="accent1"/>
-    </dgm:fillClrLst>
-    <dgm:linClrLst meth="repeat">
-      <a:schemeClr val="accent1">
-        <a:tint val="50000"/>
-      </a:schemeClr>
-    </dgm:linClrLst>
-    <dgm:effectClrLst/>
-    <dgm:txLinClrLst/>
-    <dgm:txFillClrLst meth="repeat">
-      <a:schemeClr val="tx1"/>
-    </dgm:txFillClrLst>
-    <dgm:txEffectClrLst/>
-  </dgm:styleLbl>
-  <dgm:styleLbl name="asst0">
-    <dgm:fillClrLst meth="repeat">
-      <a:schemeClr val="accent1"/>
-    </dgm:fillClrLst>
-    <dgm:linClrLst meth="repeat">
-      <a:schemeClr val="lt1"/>
-    </dgm:linClrLst>
-    <dgm:effectClrLst/>
-    <dgm:txLinClrLst/>
-    <dgm:txFillClrLst/>
-    <dgm:txEffectClrLst/>
-  </dgm:styleLbl>
-  <dgm:styleLbl name="asst1">
-    <dgm:fillClrLst meth="repeat">
-      <a:schemeClr val="accent1"/>
-    </dgm:fillClrLst>
-    <dgm:linClrLst meth="repeat">
-      <a:schemeClr val="lt1"/>
-    </dgm:linClrLst>
-    <dgm:effectClrLst/>
-    <dgm:txLinClrLst/>
-    <dgm:txFillClrLst/>
-    <dgm:txEffectClrLst/>
-  </dgm:styleLbl>
-  <dgm:styleLbl name="asst2">
-    <dgm:fillClrLst meth="repeat">
-      <a:schemeClr val="accent1"/>
-    </dgm:fillClrLst>
-    <dgm:linClrLst meth="repeat">
-      <a:schemeClr val="lt1"/>
-    </dgm:linClrLst>
-    <dgm:effectClrLst/>
-    <dgm:txLinClrLst/>
-    <dgm:txFillClrLst/>
-    <dgm:txEffectClrLst/>
-  </dgm:styleLbl>
-  <dgm:styleLbl name="asst3">
-    <dgm:fillClrLst meth="repeat">
-      <a:schemeClr val="accent1"/>
-    </dgm:fillClrLst>
-    <dgm:linClrLst meth="repeat">
-      <a:schemeClr val="lt1"/>
-    </dgm:linClrLst>
-    <dgm:effectClrLst/>
-    <dgm:txLinClrLst/>
-    <dgm:txFillClrLst/>
-    <dgm:txEffectClrLst/>
-  </dgm:styleLbl>
-  <dgm:styleLbl name="asst4">
-    <dgm:fillClrLst meth="repeat">
-      <a:schemeClr val="accent1"/>
-    </dgm:fillClrLst>
-    <dgm:linClrLst meth="repeat">
-      <a:schemeClr val="lt1"/>
-    </dgm:linClrLst>
-    <dgm:effectClrLst/>
-    <dgm:txLinClrLst/>
-    <dgm:txFillClrLst/>
-    <dgm:txEffectClrLst/>
-  </dgm:styleLbl>
-  <dgm:styleLbl name="parChTrans2D1">
-    <dgm:fillClrLst meth="repeat">
-      <a:schemeClr val="accent1">
-        <a:tint val="60000"/>
-      </a:schemeClr>
-    </dgm:fillClrLst>
-    <dgm:linClrLst meth="repeat">
-      <a:schemeClr val="accent1">
-        <a:tint val="60000"/>
-      </a:schemeClr>
-    </dgm:linClrLst>
-    <dgm:effectClrLst/>
-    <dgm:txLinClrLst/>
-    <dgm:txFillClrLst meth="repeat">
-      <a:schemeClr val="lt1"/>
-    </dgm:txFillClrLst>
-    <dgm:txEffectClrLst/>
-  </dgm:styleLbl>
-  <dgm:styleLbl name="parChTrans2D2">
-    <dgm:fillClrLst meth="repeat">
-      <a:schemeClr val="accent1"/>
-    </dgm:fillClrLst>
-    <dgm:linClrLst meth="repeat">
-      <a:schemeClr val="accent1"/>
-    </dgm:linClrLst>
-    <dgm:effectClrLst/>
-    <dgm:txLinClrLst/>
-    <dgm:txFillClrLst meth="repeat">
-      <a:schemeClr val="lt1"/>
-    </dgm:txFillClrLst>
-    <dgm:txEffectClrLst/>
-  </dgm:styleLbl>
-  <dgm:styleLbl name="parChTrans2D3">
-    <dgm:fillClrLst meth="repeat">
-      <a:schemeClr val="accent1"/>
-    </dgm:fillClrLst>
-    <dgm:linClrLst meth="repeat">
-      <a:schemeClr val="accent1"/>
-    </dgm:linClrLst>
-    <dgm:effectClrLst/>
-    <dgm:txLinClrLst/>
-    <dgm:txFillClrLst meth="repeat">
-      <a:schemeClr val="lt1"/>
-    </dgm:txFillClrLst>
-    <dgm:txEffectClrLst/>
-  </dgm:styleLbl>
-  <dgm:styleLbl name="parChTrans2D4">
-    <dgm:fillClrLst meth="repeat">
-      <a:schemeClr val="accent1"/>
-    </dgm:fillClrLst>
-    <dgm:linClrLst meth="repeat">
-      <a:schemeClr val="accent1"/>
-    </dgm:linClrLst>
-    <dgm:effectClrLst/>
-    <dgm:txLinClrLst/>
-    <dgm:txFillClrLst meth="repeat">
-      <a:schemeClr val="lt1"/>
-    </dgm:txFillClrLst>
-    <dgm:txEffectClrLst/>
-  </dgm:styleLbl>
-  <dgm:styleLbl name="parChTrans1D1">
-    <dgm:fillClrLst meth="repeat">
-      <a:schemeClr val="accent1"/>
-    </dgm:fillClrLst>
-    <dgm:linClrLst meth="repeat">
-      <a:schemeClr val="accent1">
-        <a:shade val="60000"/>
-      </a:schemeClr>
-    </dgm:linClrLst>
-    <dgm:effectClrLst/>
-    <dgm:txLinClrLst/>
-    <dgm:txFillClrLst meth="repeat">
-      <a:schemeClr val="tx1"/>
-    </dgm:txFillClrLst>
-    <dgm:txEffectClrLst/>
-  </dgm:styleLbl>
-  <dgm:styleLbl name="parChTrans1D2">
-    <dgm:fillClrLst meth="repeat">
-      <a:schemeClr val="accent1"/>
-    </dgm:fillClrLst>
-    <dgm:linClrLst meth="repeat">
-      <a:schemeClr val="accent1">
-        <a:shade val="60000"/>
-      </a:schemeClr>
-    </dgm:linClrLst>
-    <dgm:effectClrLst/>
-    <dgm:txLinClrLst/>
-    <dgm:txFillClrLst meth="repeat">
-      <a:schemeClr val="tx1"/>
-    </dgm:txFillClrLst>
-    <dgm:txEffectClrLst/>
-  </dgm:styleLbl>
-  <dgm:styleLbl name="parChTrans1D3">
-    <dgm:fillClrLst meth="repeat">
-      <a:schemeClr val="accent1"/>
-    </dgm:fillClrLst>
-    <dgm:linClrLst meth="repeat">
-      <a:schemeClr val="accent1">
-        <a:shade val="80000"/>
-      </a:schemeClr>
-    </dgm:linClrLst>
-    <dgm:effectClrLst/>
-    <dgm:txLinClrLst/>
-    <dgm:txFillClrLst meth="repeat">
-      <a:schemeClr val="tx1"/>
-    </dgm:txFillClrLst>
-    <dgm:txEffectClrLst/>
-  </dgm:styleLbl>
-  <dgm:styleLbl name="parChTrans1D4">
-    <dgm:fillClrLst meth="repeat">
-      <a:schemeClr val="accent1"/>
-    </dgm:fillClrLst>
-    <dgm:linClrLst meth="repeat">
-      <a:schemeClr val="accent1">
-        <a:shade val="80000"/>
-      </a:schemeClr>
-    </dgm:linClrLst>
-    <dgm:effectClrLst/>
-    <dgm:txLinClrLst/>
-    <dgm:txFillClrLst meth="repeat">
-      <a:schemeClr val="tx1"/>
-    </dgm:txFillClrLst>
-    <dgm:txEffectClrLst/>
-  </dgm:styleLbl>
-  <dgm:styleLbl name="fgAcc1">
-    <dgm:fillClrLst meth="repeat">
-      <a:schemeClr val="lt1">
-        <a:alpha val="90000"/>
-      </a:schemeClr>
-    </dgm:fillClrLst>
-    <dgm:linClrLst meth="repeat">
-      <a:schemeClr val="accent1"/>
-    </dgm:linClrLst>
-    <dgm:effectClrLst/>
-    <dgm:txLinClrLst/>
-    <dgm:txFillClrLst meth="repeat">
-      <a:schemeClr val="dk1"/>
-    </dgm:txFillClrLst>
-    <dgm:txEffectClrLst/>
-  </dgm:styleLbl>
-  <dgm:styleLbl name="conFgAcc1">
-    <dgm:fillClrLst meth="repeat">
-      <a:schemeClr val="lt1">
-        <a:alpha val="90000"/>
-      </a:schemeClr>
-    </dgm:fillClrLst>
-    <dgm:linClrLst meth="repeat">
-      <a:schemeClr val="accent1"/>
-    </dgm:linClrLst>
-    <dgm:effectClrLst/>
-    <dgm:txLinClrLst/>
-    <dgm:txFillClrLst meth="repeat">
-      <a:schemeClr val="dk1"/>
-    </dgm:txFillClrLst>
-    <dgm:txEffectClrLst/>
-  </dgm:styleLbl>
-  <dgm:styleLbl name="alignAcc1">
-    <dgm:fillClrLst meth="repeat">
-      <a:schemeClr val="lt1">
-        <a:alpha val="90000"/>
-      </a:schemeClr>
-    </dgm:fillClrLst>
-    <dgm:linClrLst meth="repeat">
-      <a:schemeClr val="accent1"/>
-    </dgm:linClrLst>
-    <dgm:effectClrLst/>
-    <dgm:txLinClrLst/>
-    <dgm:txFillClrLst meth="repeat">
-      <a:schemeClr val="dk1"/>
-    </dgm:txFillClrLst>
-    <dgm:txEffectClrLst/>
-  </dgm:styleLbl>
-  <dgm:styleLbl name="trAlignAcc1">
-    <dgm:fillClrLst meth="repeat">
-      <a:schemeClr val="lt1">
-        <a:alpha val="40000"/>
-      </a:schemeClr>
-    </dgm:fillClrLst>
-    <dgm:linClrLst meth="repeat">
-      <a:schemeClr val="accent1"/>
-    </dgm:linClrLst>
-    <dgm:effectClrLst/>
-    <dgm:txLinClrLst/>
-    <dgm:txFillClrLst meth="repeat">
-      <a:schemeClr val="dk1"/>
-    </dgm:txFillClrLst>
-    <dgm:txEffectClrLst/>
-  </dgm:styleLbl>
-  <dgm:styleLbl name="bgAcc1">
-    <dgm:fillClrLst meth="repeat">
-      <a:schemeClr val="lt1">
-        <a:alpha val="90000"/>
-      </a:schemeClr>
-    </dgm:fillClrLst>
-    <dgm:linClrLst meth="repeat">
-      <a:schemeClr val="accent1"/>
-    </dgm:linClrLst>
-    <dgm:effectClrLst/>
-    <dgm:txLinClrLst/>
-    <dgm:txFillClrLst meth="repeat">
-      <a:schemeClr val="dk1"/>
-    </dgm:txFillClrLst>
-    <dgm:txEffectClrLst/>
-  </dgm:styleLbl>
-  <dgm:styleLbl name="solidFgAcc1">
-    <dgm:fillClrLst meth="repeat">
-      <a:schemeClr val="lt1"/>
-    </dgm:fillClrLst>
-    <dgm:linClrLst meth="repeat">
-      <a:schemeClr val="accent1"/>
-    </dgm:linClrLst>
-    <dgm:effectClrLst/>
-    <dgm:txLinClrLst/>
-    <dgm:txFillClrLst meth="repeat">
-      <a:schemeClr val="dk1"/>
-    </dgm:txFillClrLst>
-    <dgm:txEffectClrLst/>
-  </dgm:styleLbl>
-  <dgm:styleLbl name="solidAlignAcc1">
-    <dgm:fillClrLst meth="repeat">
-      <a:schemeClr val="lt1"/>
-    </dgm:fillClrLst>
-    <dgm:linClrLst meth="repeat">
-      <a:schemeClr val="accent1"/>
-    </dgm:linClrLst>
-    <dgm:effectClrLst/>
-    <dgm:txLinClrLst/>
-    <dgm:txFillClrLst meth="repeat">
-      <a:schemeClr val="dk1"/>
-    </dgm:txFillClrLst>
-    <dgm:txEffectClrLst/>
-  </dgm:styleLbl>
-  <dgm:styleLbl name="solidBgAcc1">
-    <dgm:fillClrLst meth="repeat">
-      <a:schemeClr val="lt1"/>
-    </dgm:fillClrLst>
-    <dgm:linClrLst meth="repeat">
-      <a:schemeClr val="accent1"/>
-    </dgm:linClrLst>
-    <dgm:effectClrLst/>
-    <dgm:txLinClrLst/>
-    <dgm:txFillClrLst meth="repeat">
-      <a:schemeClr val="dk1"/>
-    </dgm:txFillClrLst>
-    <dgm:txEffectClrLst/>
-  </dgm:styleLbl>
-  <dgm:styleLbl name="fgAccFollowNode1">
-    <dgm:fillClrLst meth="repeat">
-      <a:schemeClr val="accent1">
-        <a:alpha val="90000"/>
-        <a:tint val="40000"/>
-      </a:schemeClr>
-    </dgm:fillClrLst>
-    <dgm:linClrLst meth="repeat">
-      <a:schemeClr val="accent1">
-        <a:alpha val="90000"/>
-        <a:tint val="40000"/>
-      </a:schemeClr>
-    </dgm:linClrLst>
-    <dgm:effectClrLst/>
-    <dgm:txLinClrLst/>
-    <dgm:txFillClrLst meth="repeat">
-      <a:schemeClr val="dk1"/>
-    </dgm:txFillClrLst>
-    <dgm:txEffectClrLst/>
-  </dgm:styleLbl>
-  <dgm:styleLbl name="alignAccFollowNode1">
-    <dgm:fillClrLst meth="repeat">
-      <a:schemeClr val="accent1">
-        <a:alpha val="90000"/>
-        <a:tint val="40000"/>
-      </a:schemeClr>
-    </dgm:fillClrLst>
-    <dgm:linClrLst meth="repeat">
-      <a:schemeClr val="accent1">
-        <a:alpha val="90000"/>
-        <a:tint val="40000"/>
-      </a:schemeClr>
-    </dgm:linClrLst>
-    <dgm:effectClrLst/>
-    <dgm:txLinClrLst/>
-    <dgm:txFillClrLst meth="repeat">
-      <a:schemeClr val="dk1"/>
-    </dgm:txFillClrLst>
-    <dgm:txEffectClrLst/>
-  </dgm:styleLbl>
-  <dgm:styleLbl name="bgAccFollowNode1">
-    <dgm:fillClrLst meth="repeat">
-      <a:schemeClr val="accent1">
-        <a:alpha val="90000"/>
-        <a:tint val="40000"/>
-      </a:schemeClr>
-    </dgm:fillClrLst>
-    <dgm:linClrLst meth="repeat">
-      <a:schemeClr val="accent1">
-        <a:alpha val="90000"/>
-        <a:tint val="40000"/>
-      </a:schemeClr>
-    </dgm:linClrLst>
-    <dgm:effectClrLst/>
-    <dgm:txLinClrLst/>
-    <dgm:txFillClrLst meth="repeat">
-      <a:schemeClr val="dk1"/>
-    </dgm:txFillClrLst>
-    <dgm:txEffectClrLst/>
-  </dgm:styleLbl>
-  <dgm:styleLbl name="fgAcc0">
-    <dgm:fillClrLst meth="repeat">
-      <a:schemeClr val="lt1">
-        <a:alpha val="90000"/>
-      </a:schemeClr>
-    </dgm:fillClrLst>
-    <dgm:linClrLst meth="repeat">
-      <a:schemeClr val="accent1"/>
-    </dgm:linClrLst>
-    <dgm:effectClrLst/>
-    <dgm:txLinClrLst/>
-    <dgm:txFillClrLst meth="repeat">
-      <a:schemeClr val="dk1"/>
-    </dgm:txFillClrLst>
-    <dgm:txEffectClrLst/>
-  </dgm:styleLbl>
-  <dgm:styleLbl name="fgAcc2">
-    <dgm:fillClrLst meth="repeat">
-      <a:schemeClr val="lt1">
-        <a:alpha val="90000"/>
-      </a:schemeClr>
-    </dgm:fillClrLst>
-    <dgm:linClrLst meth="repeat">
-      <a:schemeClr val="accent1"/>
-    </dgm:linClrLst>
-    <dgm:effectClrLst/>
-    <dgm:txLinClrLst/>
-    <dgm:txFillClrLst meth="repeat">
-      <a:schemeClr val="dk1"/>
-    </dgm:txFillClrLst>
-    <dgm:txEffectClrLst/>
-  </dgm:styleLbl>
-  <dgm:styleLbl name="fgAcc3">
-    <dgm:fillClrLst meth="repeat">
-      <a:schemeClr val="lt1">
-        <a:alpha val="90000"/>
-      </a:schemeClr>
-    </dgm:fillClrLst>
-    <dgm:linClrLst meth="repeat">
-      <a:schemeClr val="accent1"/>
-    </dgm:linClrLst>
-    <dgm:effectClrLst/>
-    <dgm:txLinClrLst/>
-    <dgm:txFillClrLst meth="repeat">
-      <a:schemeClr val="dk1"/>
-    </dgm:txFillClrLst>
-    <dgm:txEffectClrLst/>
-  </dgm:styleLbl>
-  <dgm:styleLbl name="fgAcc4">
-    <dgm:fillClrLst meth="repeat">
-      <a:schemeClr val="lt1">
-        <a:alpha val="90000"/>
-      </a:schemeClr>
-    </dgm:fillClrLst>
-    <dgm:linClrLst meth="repeat">
-      <a:schemeClr val="accent1"/>
-    </dgm:linClrLst>
-    <dgm:effectClrLst/>
-    <dgm:txLinClrLst/>
-    <dgm:txFillClrLst meth="repeat">
-      <a:schemeClr val="dk1"/>
-    </dgm:txFillClrLst>
-    <dgm:txEffectClrLst/>
-  </dgm:styleLbl>
-  <dgm:styleLbl name="bgShp">
-    <dgm:fillClrLst meth="repeat">
-      <a:schemeClr val="accent1">
-        <a:tint val="40000"/>
-      </a:schemeClr>
-    </dgm:fillClrLst>
-    <dgm:linClrLst meth="repeat">
-      <a:schemeClr val="accent1"/>
-    </dgm:linClrLst>
-    <dgm:effectClrLst/>
-    <dgm:txLinClrLst/>
-    <dgm:txFillClrLst meth="repeat">
-      <a:schemeClr val="dk1"/>
-    </dgm:txFillClrLst>
-    <dgm:txEffectClrLst/>
-  </dgm:styleLbl>
-  <dgm:styleLbl name="dkBgShp">
-    <dgm:fillClrLst meth="repeat">
-      <a:schemeClr val="accent1">
-        <a:shade val="80000"/>
-      </a:schemeClr>
-    </dgm:fillClrLst>
-    <dgm:linClrLst meth="repeat">
-      <a:schemeClr val="accent1"/>
-    </dgm:linClrLst>
-    <dgm:effectClrLst/>
-    <dgm:txLinClrLst/>
-    <dgm:txFillClrLst meth="repeat">
-      <a:schemeClr val="lt1"/>
-    </dgm:txFillClrLst>
-    <dgm:txEffectClrLst/>
-  </dgm:styleLbl>
-  <dgm:styleLbl name="trBgShp">
-    <dgm:fillClrLst meth="repeat">
-      <a:schemeClr val="accent1">
-        <a:tint val="50000"/>
-        <a:alpha val="40000"/>
-      </a:schemeClr>
-    </dgm:fillClrLst>
-    <dgm:linClrLst meth="repeat">
-      <a:schemeClr val="accent1"/>
-    </dgm:linClrLst>
-    <dgm:effectClrLst/>
-    <dgm:txLinClrLst/>
-    <dgm:txFillClrLst meth="repeat">
-      <a:schemeClr val="lt1"/>
-    </dgm:txFillClrLst>
-    <dgm:txEffectClrLst/>
-  </dgm:styleLbl>
-  <dgm:styleLbl name="fgShp">
-    <dgm:fillClrLst meth="repeat">
-      <a:schemeClr val="accent1">
-        <a:tint val="60000"/>
-      </a:schemeClr>
-    </dgm:fillClrLst>
-    <dgm:linClrLst meth="repeat">
-      <a:schemeClr val="lt1"/>
-    </dgm:linClrLst>
-    <dgm:effectClrLst/>
-    <dgm:txLinClrLst/>
-    <dgm:txFillClrLst meth="repeat">
-      <a:schemeClr val="dk1"/>
-    </dgm:txFillClrLst>
-    <dgm:txEffectClrLst/>
-  </dgm:styleLbl>
-  <dgm:styleLbl name="revTx">
-    <dgm:fillClrLst meth="repeat">
-      <a:schemeClr val="lt1">
-        <a:alpha val="0"/>
-      </a:schemeClr>
-    </dgm:fillClrLst>
-    <dgm:linClrLst meth="repeat">
-      <a:schemeClr val="dk1">
-        <a:alpha val="0"/>
-      </a:schemeClr>
-    </dgm:linClrLst>
-    <dgm:effectClrLst/>
-    <dgm:txLinClrLst/>
-    <dgm:txFillClrLst meth="repeat">
-      <a:schemeClr val="tx1"/>
-    </dgm:txFillClrLst>
-    <dgm:txEffectClrLst/>
-  </dgm:styleLbl>
-</dgm:colorsDef>
-</file>
-
 <file path=ppt/diagrams/data1.xml><?xml version="1.0" encoding="utf-8"?>
-<dgm:dataModel xmlns:dgm="http://schemas.openxmlformats.org/drawingml/2006/diagram" xmlns:a="http://schemas.openxmlformats.org/drawingml/2006/main">
-  <dgm:ptLst>
-    <dgm:pt modelId="{32EC3F94-1832-4F23-A1C2-46BEE24E7994}" type="doc">
-      <dgm:prSet loTypeId="urn:microsoft.com/office/officeart/2005/8/layout/hierarchy1" loCatId="hierarchy" qsTypeId="urn:microsoft.com/office/officeart/2005/8/quickstyle/simple1" qsCatId="simple" csTypeId="urn:microsoft.com/office/officeart/2005/8/colors/accent5_2" csCatId="accent5" phldr="1"/>
-      <dgm:spPr/>
-      <dgm:t>
-        <a:bodyPr/>
-        <a:lstStyle/>
-        <a:p>
-          <a:endParaRPr lang="en-US"/>
-        </a:p>
-      </dgm:t>
-    </dgm:pt>
-    <dgm:pt modelId="{39D3E217-D2A5-49E4-BED8-4404BB8CBBC9}">
-      <dgm:prSet/>
-      <dgm:spPr/>
-      <dgm:t>
-        <a:bodyPr/>
-        <a:lstStyle/>
-        <a:p>
-          <a:r>
-            <a:rPr lang="en-US" dirty="0" err="1"/>
-            <a:t>XGBoost</a:t>
-          </a:r>
-          <a:endParaRPr lang="en-US" dirty="0"/>
-        </a:p>
-      </dgm:t>
-    </dgm:pt>
-    <dgm:pt modelId="{6090F570-29D0-4FC7-939B-269A67DE5506}" type="parTrans" cxnId="{02FB5CF4-9E9D-47E3-81BB-AD14DD5A32E2}">
-      <dgm:prSet/>
-      <dgm:spPr/>
-      <dgm:t>
-        <a:bodyPr/>
-        <a:lstStyle/>
-        <a:p>
-          <a:endParaRPr lang="en-US"/>
-        </a:p>
-      </dgm:t>
-    </dgm:pt>
-    <dgm:pt modelId="{DD23BA97-63C9-4C2D-AC29-0CA4A4BFCD53}" type="sibTrans" cxnId="{02FB5CF4-9E9D-47E3-81BB-AD14DD5A32E2}">
-      <dgm:prSet/>
-      <dgm:spPr/>
-      <dgm:t>
-        <a:bodyPr/>
-        <a:lstStyle/>
-        <a:p>
-          <a:endParaRPr lang="en-US"/>
-        </a:p>
-      </dgm:t>
-    </dgm:pt>
-    <dgm:pt modelId="{017ECD33-1877-4C06-B3AA-9E119FA180BF}">
-      <dgm:prSet/>
-      <dgm:spPr/>
-      <dgm:t>
-        <a:bodyPr/>
-        <a:lstStyle/>
-        <a:p>
-          <a:r>
-            <a:rPr lang="en-US" dirty="0"/>
-            <a:t>Interpretability</a:t>
-          </a:r>
-        </a:p>
-      </dgm:t>
-    </dgm:pt>
-    <dgm:pt modelId="{5640097A-58C9-41E5-A3BB-F2D6C03F85F8}" type="parTrans" cxnId="{751AA516-CEBD-4D43-A264-8C3DE42A3F1F}">
-      <dgm:prSet/>
-      <dgm:spPr/>
-      <dgm:t>
-        <a:bodyPr/>
-        <a:lstStyle/>
-        <a:p>
-          <a:endParaRPr lang="en-US"/>
-        </a:p>
-      </dgm:t>
-    </dgm:pt>
-    <dgm:pt modelId="{E77F0092-683E-47DC-9DF3-73992FD32032}" type="sibTrans" cxnId="{751AA516-CEBD-4D43-A264-8C3DE42A3F1F}">
-      <dgm:prSet/>
-      <dgm:spPr/>
-      <dgm:t>
-        <a:bodyPr/>
-        <a:lstStyle/>
-        <a:p>
-          <a:endParaRPr lang="en-US"/>
-        </a:p>
-      </dgm:t>
-    </dgm:pt>
-    <dgm:pt modelId="{2F5FC69F-911C-42CC-A184-C4241A0628A7}">
-      <dgm:prSet/>
-      <dgm:spPr/>
-      <dgm:t>
-        <a:bodyPr/>
-        <a:lstStyle/>
-        <a:p>
-          <a:r>
-            <a:rPr lang="en-US"/>
-            <a:t>Scorecard </a:t>
-          </a:r>
-        </a:p>
-      </dgm:t>
-    </dgm:pt>
-    <dgm:pt modelId="{8478CC18-B09A-4C0B-B8C9-BDD3A8B092E6}" type="parTrans" cxnId="{10D77B83-E4B3-4027-85A8-91E7D0F011F9}">
-      <dgm:prSet/>
-      <dgm:spPr/>
-      <dgm:t>
-        <a:bodyPr/>
-        <a:lstStyle/>
-        <a:p>
-          <a:endParaRPr lang="en-US"/>
-        </a:p>
-      </dgm:t>
-    </dgm:pt>
-    <dgm:pt modelId="{481A7AB2-9F68-4F43-8122-9AEE87929E09}" type="sibTrans" cxnId="{10D77B83-E4B3-4027-85A8-91E7D0F011F9}">
-      <dgm:prSet/>
-      <dgm:spPr/>
-      <dgm:t>
-        <a:bodyPr/>
-        <a:lstStyle/>
-        <a:p>
-          <a:endParaRPr lang="en-US"/>
-        </a:p>
-      </dgm:t>
-    </dgm:pt>
-    <dgm:pt modelId="{0DD530A8-327D-4CCE-A240-7B85B733DECC}">
-      <dgm:prSet/>
-      <dgm:spPr/>
-      <dgm:t>
-        <a:bodyPr/>
-        <a:lstStyle/>
-        <a:p>
-          <a:r>
-            <a:rPr lang="en-US"/>
-            <a:t>Logistic Regression</a:t>
-          </a:r>
-          <a:endParaRPr lang="en-US" dirty="0"/>
-        </a:p>
-      </dgm:t>
-    </dgm:pt>
-    <dgm:pt modelId="{02F597BD-8E52-4F8F-9F5B-C284872E8323}" type="parTrans" cxnId="{E486D1B2-801F-4672-8D5F-F1FA479BF048}">
-      <dgm:prSet/>
-      <dgm:spPr/>
-      <dgm:t>
-        <a:bodyPr/>
-        <a:lstStyle/>
-        <a:p>
-          <a:endParaRPr lang="en-US"/>
-        </a:p>
-      </dgm:t>
-    </dgm:pt>
-    <dgm:pt modelId="{192249A1-575F-4997-96B0-BF1004336AC2}" type="sibTrans" cxnId="{E486D1B2-801F-4672-8D5F-F1FA479BF048}">
-      <dgm:prSet/>
-      <dgm:spPr/>
-      <dgm:t>
-        <a:bodyPr/>
-        <a:lstStyle/>
-        <a:p>
-          <a:endParaRPr lang="en-US"/>
-        </a:p>
-      </dgm:t>
-    </dgm:pt>
-    <dgm:pt modelId="{84518A59-C3C2-4BA1-9A1E-74FE0E0B822F}" type="pres">
-      <dgm:prSet presAssocID="{32EC3F94-1832-4F23-A1C2-46BEE24E7994}" presName="hierChild1" presStyleCnt="0">
-        <dgm:presLayoutVars>
-          <dgm:chPref val="1"/>
-          <dgm:dir/>
-          <dgm:animOne val="branch"/>
-          <dgm:animLvl val="lvl"/>
-          <dgm:resizeHandles/>
-        </dgm:presLayoutVars>
-      </dgm:prSet>
-      <dgm:spPr/>
-    </dgm:pt>
-    <dgm:pt modelId="{A5E99F3D-61E4-4A6F-962E-DCB5D59847BD}" type="pres">
-      <dgm:prSet presAssocID="{39D3E217-D2A5-49E4-BED8-4404BB8CBBC9}" presName="hierRoot1" presStyleCnt="0"/>
-      <dgm:spPr/>
-    </dgm:pt>
-    <dgm:pt modelId="{07E17B03-3A78-4471-A404-49100EB53D97}" type="pres">
-      <dgm:prSet presAssocID="{39D3E217-D2A5-49E4-BED8-4404BB8CBBC9}" presName="composite" presStyleCnt="0"/>
-      <dgm:spPr/>
-    </dgm:pt>
-    <dgm:pt modelId="{AF0BF783-A1B3-4871-8970-52FFBD4EDC40}" type="pres">
-      <dgm:prSet presAssocID="{39D3E217-D2A5-49E4-BED8-4404BB8CBBC9}" presName="background" presStyleLbl="node0" presStyleIdx="0" presStyleCnt="4"/>
-      <dgm:spPr/>
-    </dgm:pt>
-    <dgm:pt modelId="{0F538862-5B4C-4C09-9D12-710281172052}" type="pres">
-      <dgm:prSet presAssocID="{39D3E217-D2A5-49E4-BED8-4404BB8CBBC9}" presName="text" presStyleLbl="fgAcc0" presStyleIdx="0" presStyleCnt="4">
-        <dgm:presLayoutVars>
-          <dgm:chPref val="3"/>
-        </dgm:presLayoutVars>
-      </dgm:prSet>
-      <dgm:spPr/>
-    </dgm:pt>
-    <dgm:pt modelId="{BB14C854-44F5-48BF-B83C-0F117E571B81}" type="pres">
-      <dgm:prSet presAssocID="{39D3E217-D2A5-49E4-BED8-4404BB8CBBC9}" presName="hierChild2" presStyleCnt="0"/>
-      <dgm:spPr/>
-    </dgm:pt>
-    <dgm:pt modelId="{9BFACD2B-A48C-47CA-AF0B-0B1E8BF899A9}" type="pres">
-      <dgm:prSet presAssocID="{0DD530A8-327D-4CCE-A240-7B85B733DECC}" presName="hierRoot1" presStyleCnt="0"/>
-      <dgm:spPr/>
-    </dgm:pt>
-    <dgm:pt modelId="{2E45E82A-1F9A-4AE9-81F3-40860EC626C6}" type="pres">
-      <dgm:prSet presAssocID="{0DD530A8-327D-4CCE-A240-7B85B733DECC}" presName="composite" presStyleCnt="0"/>
-      <dgm:spPr/>
-    </dgm:pt>
-    <dgm:pt modelId="{51B129EE-E5D8-449C-B657-3AE881514951}" type="pres">
-      <dgm:prSet presAssocID="{0DD530A8-327D-4CCE-A240-7B85B733DECC}" presName="background" presStyleLbl="node0" presStyleIdx="1" presStyleCnt="4"/>
-      <dgm:spPr/>
-    </dgm:pt>
-    <dgm:pt modelId="{0E59A4C3-BE84-44B8-895B-38D62AB26F7D}" type="pres">
-      <dgm:prSet presAssocID="{0DD530A8-327D-4CCE-A240-7B85B733DECC}" presName="text" presStyleLbl="fgAcc0" presStyleIdx="1" presStyleCnt="4">
-        <dgm:presLayoutVars>
-          <dgm:chPref val="3"/>
-        </dgm:presLayoutVars>
-      </dgm:prSet>
-      <dgm:spPr/>
-    </dgm:pt>
-    <dgm:pt modelId="{4D349A22-A63A-4327-AD0C-439EA8FAF898}" type="pres">
-      <dgm:prSet presAssocID="{0DD530A8-327D-4CCE-A240-7B85B733DECC}" presName="hierChild2" presStyleCnt="0"/>
-      <dgm:spPr/>
-    </dgm:pt>
-    <dgm:pt modelId="{C423AC04-B86C-4535-A4BE-EA931AACA8E7}" type="pres">
-      <dgm:prSet presAssocID="{2F5FC69F-911C-42CC-A184-C4241A0628A7}" presName="hierRoot1" presStyleCnt="0"/>
-      <dgm:spPr/>
-    </dgm:pt>
-    <dgm:pt modelId="{5693170E-E248-491D-9A73-6C4A0B33E7E2}" type="pres">
-      <dgm:prSet presAssocID="{2F5FC69F-911C-42CC-A184-C4241A0628A7}" presName="composite" presStyleCnt="0"/>
-      <dgm:spPr/>
-    </dgm:pt>
-    <dgm:pt modelId="{00A86D53-EB9D-4A5F-8714-874A39494FEB}" type="pres">
-      <dgm:prSet presAssocID="{2F5FC69F-911C-42CC-A184-C4241A0628A7}" presName="background" presStyleLbl="node0" presStyleIdx="2" presStyleCnt="4"/>
-      <dgm:spPr/>
-    </dgm:pt>
-    <dgm:pt modelId="{DE0B0DA1-7098-45A3-AC80-EE922FA1B4F9}" type="pres">
-      <dgm:prSet presAssocID="{2F5FC69F-911C-42CC-A184-C4241A0628A7}" presName="text" presStyleLbl="fgAcc0" presStyleIdx="2" presStyleCnt="4">
-        <dgm:presLayoutVars>
-          <dgm:chPref val="3"/>
-        </dgm:presLayoutVars>
-      </dgm:prSet>
-      <dgm:spPr/>
-    </dgm:pt>
-    <dgm:pt modelId="{EAC854E3-6420-4B31-8FA4-12F04368E5A1}" type="pres">
-      <dgm:prSet presAssocID="{2F5FC69F-911C-42CC-A184-C4241A0628A7}" presName="hierChild2" presStyleCnt="0"/>
-      <dgm:spPr/>
-    </dgm:pt>
-    <dgm:pt modelId="{882D8C4B-9AD1-433A-AFBC-9AC3DDF88F16}" type="pres">
-      <dgm:prSet presAssocID="{017ECD33-1877-4C06-B3AA-9E119FA180BF}" presName="hierRoot1" presStyleCnt="0"/>
-      <dgm:spPr/>
-    </dgm:pt>
-    <dgm:pt modelId="{107A008A-1DF1-4077-A5F6-151D7CD72F30}" type="pres">
-      <dgm:prSet presAssocID="{017ECD33-1877-4C06-B3AA-9E119FA180BF}" presName="composite" presStyleCnt="0"/>
-      <dgm:spPr/>
-    </dgm:pt>
-    <dgm:pt modelId="{175C7E4E-C0FA-4441-89B7-43EFF2C64008}" type="pres">
-      <dgm:prSet presAssocID="{017ECD33-1877-4C06-B3AA-9E119FA180BF}" presName="background" presStyleLbl="node0" presStyleIdx="3" presStyleCnt="4"/>
-      <dgm:spPr/>
-    </dgm:pt>
-    <dgm:pt modelId="{FBB3D3D1-A9E1-42D4-88CE-041AF6CB1C72}" type="pres">
-      <dgm:prSet presAssocID="{017ECD33-1877-4C06-B3AA-9E119FA180BF}" presName="text" presStyleLbl="fgAcc0" presStyleIdx="3" presStyleCnt="4">
-        <dgm:presLayoutVars>
-          <dgm:chPref val="3"/>
-        </dgm:presLayoutVars>
-      </dgm:prSet>
-      <dgm:spPr/>
-    </dgm:pt>
-    <dgm:pt modelId="{2300FA04-017A-44CA-841D-1CEAB14937C5}" type="pres">
-      <dgm:prSet presAssocID="{017ECD33-1877-4C06-B3AA-9E119FA180BF}" presName="hierChild2" presStyleCnt="0"/>
-      <dgm:spPr/>
-    </dgm:pt>
-  </dgm:ptLst>
-  <dgm:cxnLst>
-    <dgm:cxn modelId="{751AA516-CEBD-4D43-A264-8C3DE42A3F1F}" srcId="{32EC3F94-1832-4F23-A1C2-46BEE24E7994}" destId="{017ECD33-1877-4C06-B3AA-9E119FA180BF}" srcOrd="3" destOrd="0" parTransId="{5640097A-58C9-41E5-A3BB-F2D6C03F85F8}" sibTransId="{E77F0092-683E-47DC-9DF3-73992FD32032}"/>
-    <dgm:cxn modelId="{4248A417-CCCB-45AB-A92A-3F870D4D3308}" type="presOf" srcId="{2F5FC69F-911C-42CC-A184-C4241A0628A7}" destId="{DE0B0DA1-7098-45A3-AC80-EE922FA1B4F9}" srcOrd="0" destOrd="0" presId="urn:microsoft.com/office/officeart/2005/8/layout/hierarchy1"/>
-    <dgm:cxn modelId="{F84AC251-F3FC-4236-AE6E-8F1C84AF3070}" type="presOf" srcId="{0DD530A8-327D-4CCE-A240-7B85B733DECC}" destId="{0E59A4C3-BE84-44B8-895B-38D62AB26F7D}" srcOrd="0" destOrd="0" presId="urn:microsoft.com/office/officeart/2005/8/layout/hierarchy1"/>
-    <dgm:cxn modelId="{EF5E2373-7ECB-4D8B-BACD-51A9F7AA938F}" type="presOf" srcId="{39D3E217-D2A5-49E4-BED8-4404BB8CBBC9}" destId="{0F538862-5B4C-4C09-9D12-710281172052}" srcOrd="0" destOrd="0" presId="urn:microsoft.com/office/officeart/2005/8/layout/hierarchy1"/>
-    <dgm:cxn modelId="{C1072F74-A6AB-40BA-ABC6-B4BC780AB5FF}" type="presOf" srcId="{017ECD33-1877-4C06-B3AA-9E119FA180BF}" destId="{FBB3D3D1-A9E1-42D4-88CE-041AF6CB1C72}" srcOrd="0" destOrd="0" presId="urn:microsoft.com/office/officeart/2005/8/layout/hierarchy1"/>
-    <dgm:cxn modelId="{10D77B83-E4B3-4027-85A8-91E7D0F011F9}" srcId="{32EC3F94-1832-4F23-A1C2-46BEE24E7994}" destId="{2F5FC69F-911C-42CC-A184-C4241A0628A7}" srcOrd="2" destOrd="0" parTransId="{8478CC18-B09A-4C0B-B8C9-BDD3A8B092E6}" sibTransId="{481A7AB2-9F68-4F43-8122-9AEE87929E09}"/>
-    <dgm:cxn modelId="{E486D1B2-801F-4672-8D5F-F1FA479BF048}" srcId="{32EC3F94-1832-4F23-A1C2-46BEE24E7994}" destId="{0DD530A8-327D-4CCE-A240-7B85B733DECC}" srcOrd="1" destOrd="0" parTransId="{02F597BD-8E52-4F8F-9F5B-C284872E8323}" sibTransId="{192249A1-575F-4997-96B0-BF1004336AC2}"/>
-    <dgm:cxn modelId="{9F7B02D2-6CEA-44FC-BDAA-026FB66F0EE3}" type="presOf" srcId="{32EC3F94-1832-4F23-A1C2-46BEE24E7994}" destId="{84518A59-C3C2-4BA1-9A1E-74FE0E0B822F}" srcOrd="0" destOrd="0" presId="urn:microsoft.com/office/officeart/2005/8/layout/hierarchy1"/>
-    <dgm:cxn modelId="{02FB5CF4-9E9D-47E3-81BB-AD14DD5A32E2}" srcId="{32EC3F94-1832-4F23-A1C2-46BEE24E7994}" destId="{39D3E217-D2A5-49E4-BED8-4404BB8CBBC9}" srcOrd="0" destOrd="0" parTransId="{6090F570-29D0-4FC7-939B-269A67DE5506}" sibTransId="{DD23BA97-63C9-4C2D-AC29-0CA4A4BFCD53}"/>
-    <dgm:cxn modelId="{8E6317A1-1159-4C81-B92F-8EC5A384EC18}" type="presParOf" srcId="{84518A59-C3C2-4BA1-9A1E-74FE0E0B822F}" destId="{A5E99F3D-61E4-4A6F-962E-DCB5D59847BD}" srcOrd="0" destOrd="0" presId="urn:microsoft.com/office/officeart/2005/8/layout/hierarchy1"/>
-    <dgm:cxn modelId="{2DEEED69-B268-4189-B74A-93214BDBE68A}" type="presParOf" srcId="{A5E99F3D-61E4-4A6F-962E-DCB5D59847BD}" destId="{07E17B03-3A78-4471-A404-49100EB53D97}" srcOrd="0" destOrd="0" presId="urn:microsoft.com/office/officeart/2005/8/layout/hierarchy1"/>
-    <dgm:cxn modelId="{900DF791-F010-4EA3-B801-43884645F5E6}" type="presParOf" srcId="{07E17B03-3A78-4471-A404-49100EB53D97}" destId="{AF0BF783-A1B3-4871-8970-52FFBD4EDC40}" srcOrd="0" destOrd="0" presId="urn:microsoft.com/office/officeart/2005/8/layout/hierarchy1"/>
-    <dgm:cxn modelId="{A0605AA5-3DF2-494A-8CC1-05927278265D}" type="presParOf" srcId="{07E17B03-3A78-4471-A404-49100EB53D97}" destId="{0F538862-5B4C-4C09-9D12-710281172052}" srcOrd="1" destOrd="0" presId="urn:microsoft.com/office/officeart/2005/8/layout/hierarchy1"/>
-    <dgm:cxn modelId="{7BBCD7F4-0125-4A08-9D79-32007C043F2A}" type="presParOf" srcId="{A5E99F3D-61E4-4A6F-962E-DCB5D59847BD}" destId="{BB14C854-44F5-48BF-B83C-0F117E571B81}" srcOrd="1" destOrd="0" presId="urn:microsoft.com/office/officeart/2005/8/layout/hierarchy1"/>
-    <dgm:cxn modelId="{DF117F0C-826B-4B26-8829-CAA3CA600170}" type="presParOf" srcId="{84518A59-C3C2-4BA1-9A1E-74FE0E0B822F}" destId="{9BFACD2B-A48C-47CA-AF0B-0B1E8BF899A9}" srcOrd="1" destOrd="0" presId="urn:microsoft.com/office/officeart/2005/8/layout/hierarchy1"/>
-    <dgm:cxn modelId="{BB822B39-1847-4956-8564-22BC712B8BFD}" type="presParOf" srcId="{9BFACD2B-A48C-47CA-AF0B-0B1E8BF899A9}" destId="{2E45E82A-1F9A-4AE9-81F3-40860EC626C6}" srcOrd="0" destOrd="0" presId="urn:microsoft.com/office/officeart/2005/8/layout/hierarchy1"/>
-    <dgm:cxn modelId="{E2A32FC3-5FC4-4C76-A5C5-E53F6A326726}" type="presParOf" srcId="{2E45E82A-1F9A-4AE9-81F3-40860EC626C6}" destId="{51B129EE-E5D8-449C-B657-3AE881514951}" srcOrd="0" destOrd="0" presId="urn:microsoft.com/office/officeart/2005/8/layout/hierarchy1"/>
-    <dgm:cxn modelId="{30681D6F-1249-44BF-A8A4-74702DAEC50E}" type="presParOf" srcId="{2E45E82A-1F9A-4AE9-81F3-40860EC626C6}" destId="{0E59A4C3-BE84-44B8-895B-38D62AB26F7D}" srcOrd="1" destOrd="0" presId="urn:microsoft.com/office/officeart/2005/8/layout/hierarchy1"/>
-    <dgm:cxn modelId="{0F3429B0-28D9-4CDA-838E-9BB8C2844868}" type="presParOf" srcId="{9BFACD2B-A48C-47CA-AF0B-0B1E8BF899A9}" destId="{4D349A22-A63A-4327-AD0C-439EA8FAF898}" srcOrd="1" destOrd="0" presId="urn:microsoft.com/office/officeart/2005/8/layout/hierarchy1"/>
-    <dgm:cxn modelId="{2978609D-6A2C-4191-A139-6C8A3E84F3D5}" type="presParOf" srcId="{84518A59-C3C2-4BA1-9A1E-74FE0E0B822F}" destId="{C423AC04-B86C-4535-A4BE-EA931AACA8E7}" srcOrd="2" destOrd="0" presId="urn:microsoft.com/office/officeart/2005/8/layout/hierarchy1"/>
-    <dgm:cxn modelId="{C003EB95-A0E3-4409-8932-18B3BBD461A6}" type="presParOf" srcId="{C423AC04-B86C-4535-A4BE-EA931AACA8E7}" destId="{5693170E-E248-491D-9A73-6C4A0B33E7E2}" srcOrd="0" destOrd="0" presId="urn:microsoft.com/office/officeart/2005/8/layout/hierarchy1"/>
-    <dgm:cxn modelId="{5CC131EB-75FD-4F68-B98B-F962CD2B0B97}" type="presParOf" srcId="{5693170E-E248-491D-9A73-6C4A0B33E7E2}" destId="{00A86D53-EB9D-4A5F-8714-874A39494FEB}" srcOrd="0" destOrd="0" presId="urn:microsoft.com/office/officeart/2005/8/layout/hierarchy1"/>
-    <dgm:cxn modelId="{D963A4EB-4339-4C86-A0AB-CAF905A35ACB}" type="presParOf" srcId="{5693170E-E248-491D-9A73-6C4A0B33E7E2}" destId="{DE0B0DA1-7098-45A3-AC80-EE922FA1B4F9}" srcOrd="1" destOrd="0" presId="urn:microsoft.com/office/officeart/2005/8/layout/hierarchy1"/>
-    <dgm:cxn modelId="{AD087280-3384-4934-B016-3FB42EA129B8}" type="presParOf" srcId="{C423AC04-B86C-4535-A4BE-EA931AACA8E7}" destId="{EAC854E3-6420-4B31-8FA4-12F04368E5A1}" srcOrd="1" destOrd="0" presId="urn:microsoft.com/office/officeart/2005/8/layout/hierarchy1"/>
-    <dgm:cxn modelId="{B1B11CC1-8BA3-47C4-B7F3-D6E43F79E42A}" type="presParOf" srcId="{84518A59-C3C2-4BA1-9A1E-74FE0E0B822F}" destId="{882D8C4B-9AD1-433A-AFBC-9AC3DDF88F16}" srcOrd="3" destOrd="0" presId="urn:microsoft.com/office/officeart/2005/8/layout/hierarchy1"/>
-    <dgm:cxn modelId="{77DF3D94-2B7F-40D5-BA1E-FBFD3EA9C08D}" type="presParOf" srcId="{882D8C4B-9AD1-433A-AFBC-9AC3DDF88F16}" destId="{107A008A-1DF1-4077-A5F6-151D7CD72F30}" srcOrd="0" destOrd="0" presId="urn:microsoft.com/office/officeart/2005/8/layout/hierarchy1"/>
-    <dgm:cxn modelId="{C0C7B97F-D2B4-48B0-A302-C3C04A8B7EA3}" type="presParOf" srcId="{107A008A-1DF1-4077-A5F6-151D7CD72F30}" destId="{175C7E4E-C0FA-4441-89B7-43EFF2C64008}" srcOrd="0" destOrd="0" presId="urn:microsoft.com/office/officeart/2005/8/layout/hierarchy1"/>
-    <dgm:cxn modelId="{D0C24BF4-53BD-4825-BE72-32D7891A4926}" type="presParOf" srcId="{107A008A-1DF1-4077-A5F6-151D7CD72F30}" destId="{FBB3D3D1-A9E1-42D4-88CE-041AF6CB1C72}" srcOrd="1" destOrd="0" presId="urn:microsoft.com/office/officeart/2005/8/layout/hierarchy1"/>
-    <dgm:cxn modelId="{83CBAEFA-D4A1-4F89-B1F4-33E9B73AB0F0}" type="presParOf" srcId="{882D8C4B-9AD1-433A-AFBC-9AC3DDF88F16}" destId="{2300FA04-017A-44CA-841D-1CEAB14937C5}" srcOrd="1" destOrd="0" presId="urn:microsoft.com/office/officeart/2005/8/layout/hierarchy1"/>
-  </dgm:cxnLst>
-  <dgm:bg/>
-  <dgm:whole/>
-  <dgm:extLst>
-    <a:ext uri="http://schemas.microsoft.com/office/drawing/2008/diagram">
-      <dsp:dataModelExt xmlns:dsp="http://schemas.microsoft.com/office/drawing/2008/diagram" relId="rId6" minVer="http://schemas.openxmlformats.org/drawingml/2006/diagram"/>
-    </a:ext>
-  </dgm:extLst>
-</dgm:dataModel>
-</file>
-
-<file path=ppt/diagrams/data2.xml><?xml version="1.0" encoding="utf-8"?>
 <dgm:dataModel xmlns:dgm="http://schemas.openxmlformats.org/drawingml/2006/diagram" xmlns:a="http://schemas.openxmlformats.org/drawingml/2006/main">
   <dgm:ptLst>
     <dgm:pt modelId="{578B2E52-C3F0-4B58-BC5E-F325B4334454}" type="doc">
@@ -5588,13 +3780,13 @@
   <dgm:whole/>
   <dgm:extLst>
     <a:ext uri="http://schemas.microsoft.com/office/drawing/2008/diagram">
-      <dsp:dataModelExt xmlns:dsp="http://schemas.microsoft.com/office/drawing/2008/diagram" relId="rId6" minVer="http://schemas.openxmlformats.org/drawingml/2006/diagram"/>
+      <dsp:dataModelExt xmlns:dsp="http://schemas.microsoft.com/office/drawing/2008/diagram" relId="rId7" minVer="http://schemas.openxmlformats.org/drawingml/2006/diagram"/>
     </a:ext>
   </dgm:extLst>
 </dgm:dataModel>
 </file>
 
-<file path=ppt/diagrams/data3.xml><?xml version="1.0" encoding="utf-8"?>
+<file path=ppt/diagrams/data2.xml><?xml version="1.0" encoding="utf-8"?>
 <dgm:dataModel xmlns:dgm="http://schemas.openxmlformats.org/drawingml/2006/diagram" xmlns:a="http://schemas.openxmlformats.org/drawingml/2006/main">
   <dgm:ptLst>
     <dgm:pt modelId="{1ECCAF61-2D2E-4531-9D7A-67EC15CFF056}" type="doc">
@@ -5688,7 +3880,7 @@
         <a:lstStyle/>
         <a:p>
           <a:r>
-            <a:rPr lang="en-US"/>
+            <a:rPr lang="en-US" dirty="0"/>
             <a:t>Int64, float64 and object</a:t>
           </a:r>
         </a:p>
@@ -5980,7 +4172,7 @@
 </dgm:dataModel>
 </file>
 
-<file path=ppt/diagrams/data4.xml><?xml version="1.0" encoding="utf-8"?>
+<file path=ppt/diagrams/data3.xml><?xml version="1.0" encoding="utf-8"?>
 <dgm:dataModel xmlns:dgm="http://schemas.openxmlformats.org/drawingml/2006/diagram" xmlns:a="http://schemas.openxmlformats.org/drawingml/2006/main">
   <dgm:ptLst>
     <dgm:pt modelId="{4216DF24-E252-4A56-B96D-7A2D9D7B67C0}" type="doc">
@@ -6441,233 +4633,13 @@
   <dgm:whole/>
   <dgm:extLst>
     <a:ext uri="http://schemas.microsoft.com/office/drawing/2008/diagram">
-      <dsp:dataModelExt xmlns:dsp="http://schemas.microsoft.com/office/drawing/2008/diagram" relId="rId6" minVer="http://schemas.openxmlformats.org/drawingml/2006/diagram"/>
+      <dsp:dataModelExt xmlns:dsp="http://schemas.microsoft.com/office/drawing/2008/diagram" relId="rId7" minVer="http://schemas.openxmlformats.org/drawingml/2006/diagram"/>
     </a:ext>
   </dgm:extLst>
 </dgm:dataModel>
 </file>
 
-<file path=ppt/diagrams/data5.xml><?xml version="1.0" encoding="utf-8"?>
-<dgm:dataModel xmlns:dgm="http://schemas.openxmlformats.org/drawingml/2006/diagram" xmlns:a="http://schemas.openxmlformats.org/drawingml/2006/main">
-  <dgm:ptLst>
-    <dgm:pt modelId="{DBFB3EE2-2CDC-47E0-833D-C0449DF9BE18}" type="doc">
-      <dgm:prSet loTypeId="urn:microsoft.com/office/officeart/2018/2/layout/IconLabelList" loCatId="icon" qsTypeId="urn:microsoft.com/office/officeart/2005/8/quickstyle/simple1" qsCatId="simple" csTypeId="urn:microsoft.com/office/officeart/2005/8/colors/accent1_2" csCatId="accent1" phldr="1"/>
-      <dgm:spPr/>
-      <dgm:t>
-        <a:bodyPr/>
-        <a:lstStyle/>
-        <a:p>
-          <a:endParaRPr lang="en-US"/>
-        </a:p>
-      </dgm:t>
-    </dgm:pt>
-    <dgm:pt modelId="{E6B2D56F-A9DE-466A-ACEF-AF08C1BA92BF}">
-      <dgm:prSet/>
-      <dgm:spPr/>
-      <dgm:t>
-        <a:bodyPr/>
-        <a:lstStyle/>
-        <a:p>
-          <a:pPr>
-            <a:lnSpc>
-              <a:spcPct val="100000"/>
-            </a:lnSpc>
-          </a:pPr>
-          <a:r>
-            <a:rPr lang="en-US"/>
-            <a:t>Scaling </a:t>
-          </a:r>
-        </a:p>
-      </dgm:t>
-    </dgm:pt>
-    <dgm:pt modelId="{3C7C90CD-2825-450A-AEFA-561E0444277C}" type="parTrans" cxnId="{A46DC3D2-AA5F-4545-AB72-8318E744F842}">
-      <dgm:prSet/>
-      <dgm:spPr/>
-      <dgm:t>
-        <a:bodyPr/>
-        <a:lstStyle/>
-        <a:p>
-          <a:endParaRPr lang="en-US"/>
-        </a:p>
-      </dgm:t>
-    </dgm:pt>
-    <dgm:pt modelId="{0137421C-5449-4962-AF69-DCFBFF2083AB}" type="sibTrans" cxnId="{A46DC3D2-AA5F-4545-AB72-8318E744F842}">
-      <dgm:prSet/>
-      <dgm:spPr/>
-      <dgm:t>
-        <a:bodyPr/>
-        <a:lstStyle/>
-        <a:p>
-          <a:endParaRPr lang="en-US"/>
-        </a:p>
-      </dgm:t>
-    </dgm:pt>
-    <dgm:pt modelId="{27ADB691-8F77-41E6-9E23-849EDB6854F4}">
-      <dgm:prSet/>
-      <dgm:spPr/>
-      <dgm:t>
-        <a:bodyPr/>
-        <a:lstStyle/>
-        <a:p>
-          <a:pPr>
-            <a:lnSpc>
-              <a:spcPct val="100000"/>
-            </a:lnSpc>
-          </a:pPr>
-          <a:r>
-            <a:rPr lang="en-US"/>
-            <a:t>Class Imbalance resolution using SMOTE</a:t>
-          </a:r>
-        </a:p>
-      </dgm:t>
-    </dgm:pt>
-    <dgm:pt modelId="{59D81A2C-4387-4640-B1ED-86289FA76BB1}" type="parTrans" cxnId="{47D385FB-8900-4266-838D-BD790D0C869E}">
-      <dgm:prSet/>
-      <dgm:spPr/>
-      <dgm:t>
-        <a:bodyPr/>
-        <a:lstStyle/>
-        <a:p>
-          <a:endParaRPr lang="en-US"/>
-        </a:p>
-      </dgm:t>
-    </dgm:pt>
-    <dgm:pt modelId="{23FFF612-77B5-466B-BFE1-D14ED2C887A3}" type="sibTrans" cxnId="{47D385FB-8900-4266-838D-BD790D0C869E}">
-      <dgm:prSet/>
-      <dgm:spPr/>
-      <dgm:t>
-        <a:bodyPr/>
-        <a:lstStyle/>
-        <a:p>
-          <a:endParaRPr lang="en-US"/>
-        </a:p>
-      </dgm:t>
-    </dgm:pt>
-    <dgm:pt modelId="{100AED28-2CB2-4E62-BFC0-F9CE1FC5E783}" type="pres">
-      <dgm:prSet presAssocID="{DBFB3EE2-2CDC-47E0-833D-C0449DF9BE18}" presName="root" presStyleCnt="0">
-        <dgm:presLayoutVars>
-          <dgm:dir/>
-          <dgm:resizeHandles val="exact"/>
-        </dgm:presLayoutVars>
-      </dgm:prSet>
-      <dgm:spPr/>
-    </dgm:pt>
-    <dgm:pt modelId="{218E2F40-8FCA-441C-B6D4-26EC3B28E731}" type="pres">
-      <dgm:prSet presAssocID="{E6B2D56F-A9DE-466A-ACEF-AF08C1BA92BF}" presName="compNode" presStyleCnt="0"/>
-      <dgm:spPr/>
-    </dgm:pt>
-    <dgm:pt modelId="{38D7371B-A423-4531-BFD6-15F2DB814E11}" type="pres">
-      <dgm:prSet presAssocID="{E6B2D56F-A9DE-466A-ACEF-AF08C1BA92BF}" presName="iconRect" presStyleLbl="node1" presStyleIdx="0" presStyleCnt="2"/>
-      <dgm:spPr>
-        <a:blipFill>
-          <a:blip xmlns:r="http://schemas.openxmlformats.org/officeDocument/2006/relationships" r:embed="rId1">
-            <a:extLst>
-              <a:ext uri="{28A0092B-C50C-407E-A947-70E740481C1C}">
-                <a14:useLocalDpi xmlns:a14="http://schemas.microsoft.com/office/drawing/2010/main" val="0"/>
-              </a:ext>
-              <a:ext uri="{96DAC541-7B7A-43D3-8B79-37D633B846F1}">
-                <asvg:svgBlip xmlns:asvg="http://schemas.microsoft.com/office/drawing/2016/SVG/main" r:embed="rId2"/>
-              </a:ext>
-            </a:extLst>
-          </a:blip>
-          <a:stretch>
-            <a:fillRect/>
-          </a:stretch>
-        </a:blipFill>
-      </dgm:spPr>
-      <dgm:extLst>
-        <a:ext uri="{E40237B7-FDA0-4F09-8148-C483321AD2D9}">
-          <dgm14:cNvPr xmlns:dgm14="http://schemas.microsoft.com/office/drawing/2010/diagram" id="0" name="" descr="Workflow"/>
-        </a:ext>
-      </dgm:extLst>
-    </dgm:pt>
-    <dgm:pt modelId="{023DBFE6-CF76-490C-9F36-CAEBAD1ED334}" type="pres">
-      <dgm:prSet presAssocID="{E6B2D56F-A9DE-466A-ACEF-AF08C1BA92BF}" presName="spaceRect" presStyleCnt="0"/>
-      <dgm:spPr/>
-    </dgm:pt>
-    <dgm:pt modelId="{DFB1D16E-99EC-430C-9B5E-7B03955BDCBD}" type="pres">
-      <dgm:prSet presAssocID="{E6B2D56F-A9DE-466A-ACEF-AF08C1BA92BF}" presName="textRect" presStyleLbl="revTx" presStyleIdx="0" presStyleCnt="2">
-        <dgm:presLayoutVars>
-          <dgm:chMax val="1"/>
-          <dgm:chPref val="1"/>
-        </dgm:presLayoutVars>
-      </dgm:prSet>
-      <dgm:spPr/>
-    </dgm:pt>
-    <dgm:pt modelId="{029604FC-EE19-4088-9C85-1E555901739B}" type="pres">
-      <dgm:prSet presAssocID="{0137421C-5449-4962-AF69-DCFBFF2083AB}" presName="sibTrans" presStyleCnt="0"/>
-      <dgm:spPr/>
-    </dgm:pt>
-    <dgm:pt modelId="{5344385D-8BF6-49C5-BD23-37893D267EB1}" type="pres">
-      <dgm:prSet presAssocID="{27ADB691-8F77-41E6-9E23-849EDB6854F4}" presName="compNode" presStyleCnt="0"/>
-      <dgm:spPr/>
-    </dgm:pt>
-    <dgm:pt modelId="{C24E866C-B296-48FB-8B90-8389CE419C29}" type="pres">
-      <dgm:prSet presAssocID="{27ADB691-8F77-41E6-9E23-849EDB6854F4}" presName="iconRect" presStyleLbl="node1" presStyleIdx="1" presStyleCnt="2"/>
-      <dgm:spPr>
-        <a:blipFill>
-          <a:blip xmlns:r="http://schemas.openxmlformats.org/officeDocument/2006/relationships" r:embed="rId3">
-            <a:extLst>
-              <a:ext uri="{28A0092B-C50C-407E-A947-70E740481C1C}">
-                <a14:useLocalDpi xmlns:a14="http://schemas.microsoft.com/office/drawing/2010/main" val="0"/>
-              </a:ext>
-              <a:ext uri="{96DAC541-7B7A-43D3-8B79-37D633B846F1}">
-                <asvg:svgBlip xmlns:asvg="http://schemas.microsoft.com/office/drawing/2016/SVG/main" r:embed="rId4"/>
-              </a:ext>
-            </a:extLst>
-          </a:blip>
-          <a:stretch>
-            <a:fillRect/>
-          </a:stretch>
-        </a:blipFill>
-      </dgm:spPr>
-      <dgm:extLst>
-        <a:ext uri="{E40237B7-FDA0-4F09-8148-C483321AD2D9}">
-          <dgm14:cNvPr xmlns:dgm14="http://schemas.microsoft.com/office/drawing/2010/diagram" id="0" name="" descr="Scales of Justice"/>
-        </a:ext>
-      </dgm:extLst>
-    </dgm:pt>
-    <dgm:pt modelId="{1C6DD796-19FC-4C56-BBC2-650D22C7487E}" type="pres">
-      <dgm:prSet presAssocID="{27ADB691-8F77-41E6-9E23-849EDB6854F4}" presName="spaceRect" presStyleCnt="0"/>
-      <dgm:spPr/>
-    </dgm:pt>
-    <dgm:pt modelId="{5A087439-EFB7-4559-BB30-55D6F2B9B290}" type="pres">
-      <dgm:prSet presAssocID="{27ADB691-8F77-41E6-9E23-849EDB6854F4}" presName="textRect" presStyleLbl="revTx" presStyleIdx="1" presStyleCnt="2">
-        <dgm:presLayoutVars>
-          <dgm:chMax val="1"/>
-          <dgm:chPref val="1"/>
-        </dgm:presLayoutVars>
-      </dgm:prSet>
-      <dgm:spPr/>
-    </dgm:pt>
-  </dgm:ptLst>
-  <dgm:cxnLst>
-    <dgm:cxn modelId="{0D3ACBA1-CE57-4BAA-BD1D-DCA50E80135E}" type="presOf" srcId="{27ADB691-8F77-41E6-9E23-849EDB6854F4}" destId="{5A087439-EFB7-4559-BB30-55D6F2B9B290}" srcOrd="0" destOrd="0" presId="urn:microsoft.com/office/officeart/2018/2/layout/IconLabelList"/>
-    <dgm:cxn modelId="{B56861B3-248B-42EE-8A30-182D8DCAD87D}" type="presOf" srcId="{E6B2D56F-A9DE-466A-ACEF-AF08C1BA92BF}" destId="{DFB1D16E-99EC-430C-9B5E-7B03955BDCBD}" srcOrd="0" destOrd="0" presId="urn:microsoft.com/office/officeart/2018/2/layout/IconLabelList"/>
-    <dgm:cxn modelId="{A46DC3D2-AA5F-4545-AB72-8318E744F842}" srcId="{DBFB3EE2-2CDC-47E0-833D-C0449DF9BE18}" destId="{E6B2D56F-A9DE-466A-ACEF-AF08C1BA92BF}" srcOrd="0" destOrd="0" parTransId="{3C7C90CD-2825-450A-AEFA-561E0444277C}" sibTransId="{0137421C-5449-4962-AF69-DCFBFF2083AB}"/>
-    <dgm:cxn modelId="{6BFD67EC-0676-40E8-BF30-2F028D52FAD8}" type="presOf" srcId="{DBFB3EE2-2CDC-47E0-833D-C0449DF9BE18}" destId="{100AED28-2CB2-4E62-BFC0-F9CE1FC5E783}" srcOrd="0" destOrd="0" presId="urn:microsoft.com/office/officeart/2018/2/layout/IconLabelList"/>
-    <dgm:cxn modelId="{47D385FB-8900-4266-838D-BD790D0C869E}" srcId="{DBFB3EE2-2CDC-47E0-833D-C0449DF9BE18}" destId="{27ADB691-8F77-41E6-9E23-849EDB6854F4}" srcOrd="1" destOrd="0" parTransId="{59D81A2C-4387-4640-B1ED-86289FA76BB1}" sibTransId="{23FFF612-77B5-466B-BFE1-D14ED2C887A3}"/>
-    <dgm:cxn modelId="{2E7490D7-9C7B-4672-8411-58C325FD9787}" type="presParOf" srcId="{100AED28-2CB2-4E62-BFC0-F9CE1FC5E783}" destId="{218E2F40-8FCA-441C-B6D4-26EC3B28E731}" srcOrd="0" destOrd="0" presId="urn:microsoft.com/office/officeart/2018/2/layout/IconLabelList"/>
-    <dgm:cxn modelId="{6A5FC1F5-A65F-43FF-A852-BB8001AD41F5}" type="presParOf" srcId="{218E2F40-8FCA-441C-B6D4-26EC3B28E731}" destId="{38D7371B-A423-4531-BFD6-15F2DB814E11}" srcOrd="0" destOrd="0" presId="urn:microsoft.com/office/officeart/2018/2/layout/IconLabelList"/>
-    <dgm:cxn modelId="{95A3D96C-BC0B-4BCE-AA4F-454642F5E1FE}" type="presParOf" srcId="{218E2F40-8FCA-441C-B6D4-26EC3B28E731}" destId="{023DBFE6-CF76-490C-9F36-CAEBAD1ED334}" srcOrd="1" destOrd="0" presId="urn:microsoft.com/office/officeart/2018/2/layout/IconLabelList"/>
-    <dgm:cxn modelId="{D9CF2695-6F41-4FBD-A7AE-5BFA0407A9F0}" type="presParOf" srcId="{218E2F40-8FCA-441C-B6D4-26EC3B28E731}" destId="{DFB1D16E-99EC-430C-9B5E-7B03955BDCBD}" srcOrd="2" destOrd="0" presId="urn:microsoft.com/office/officeart/2018/2/layout/IconLabelList"/>
-    <dgm:cxn modelId="{AF8E6AF6-8770-4992-B7B0-AD7B672BF2A1}" type="presParOf" srcId="{100AED28-2CB2-4E62-BFC0-F9CE1FC5E783}" destId="{029604FC-EE19-4088-9C85-1E555901739B}" srcOrd="1" destOrd="0" presId="urn:microsoft.com/office/officeart/2018/2/layout/IconLabelList"/>
-    <dgm:cxn modelId="{7E1D94FB-FA3E-4911-B85D-B38A62F4EC36}" type="presParOf" srcId="{100AED28-2CB2-4E62-BFC0-F9CE1FC5E783}" destId="{5344385D-8BF6-49C5-BD23-37893D267EB1}" srcOrd="2" destOrd="0" presId="urn:microsoft.com/office/officeart/2018/2/layout/IconLabelList"/>
-    <dgm:cxn modelId="{F5297539-BBC8-464E-949B-0734EF5B9D1E}" type="presParOf" srcId="{5344385D-8BF6-49C5-BD23-37893D267EB1}" destId="{C24E866C-B296-48FB-8B90-8389CE419C29}" srcOrd="0" destOrd="0" presId="urn:microsoft.com/office/officeart/2018/2/layout/IconLabelList"/>
-    <dgm:cxn modelId="{8213684B-E502-4C6E-9B97-DFA2BF9EE489}" type="presParOf" srcId="{5344385D-8BF6-49C5-BD23-37893D267EB1}" destId="{1C6DD796-19FC-4C56-BBC2-650D22C7487E}" srcOrd="1" destOrd="0" presId="urn:microsoft.com/office/officeart/2018/2/layout/IconLabelList"/>
-    <dgm:cxn modelId="{93042F86-92F1-4DDF-8E96-4E775A44D2D1}" type="presParOf" srcId="{5344385D-8BF6-49C5-BD23-37893D267EB1}" destId="{5A087439-EFB7-4559-BB30-55D6F2B9B290}" srcOrd="2" destOrd="0" presId="urn:microsoft.com/office/officeart/2018/2/layout/IconLabelList"/>
-  </dgm:cxnLst>
-  <dgm:bg/>
-  <dgm:whole/>
-  <dgm:extLst>
-    <a:ext uri="http://schemas.microsoft.com/office/drawing/2008/diagram">
-      <dsp:dataModelExt xmlns:dsp="http://schemas.microsoft.com/office/drawing/2008/diagram" relId="rId6" minVer="http://schemas.openxmlformats.org/drawingml/2006/diagram"/>
-    </a:ext>
-  </dgm:extLst>
-</dgm:dataModel>
-</file>
-
-<file path=ppt/diagrams/data6.xml><?xml version="1.0" encoding="utf-8"?>
+<file path=ppt/diagrams/data4.xml><?xml version="1.0" encoding="utf-8"?>
 <dgm:dataModel xmlns:dgm="http://schemas.openxmlformats.org/drawingml/2006/diagram" xmlns:a="http://schemas.openxmlformats.org/drawingml/2006/main">
   <dgm:ptLst>
     <dgm:pt modelId="{66C84A02-BAEB-45DA-8FA9-F0C906428B97}" type="doc">
@@ -6909,544 +4881,6 @@
 </file>
 
 <file path=ppt/diagrams/drawing1.xml><?xml version="1.0" encoding="utf-8"?>
-<dsp:drawing xmlns:dgm="http://schemas.openxmlformats.org/drawingml/2006/diagram" xmlns:dsp="http://schemas.microsoft.com/office/drawing/2008/diagram" xmlns:a="http://schemas.openxmlformats.org/drawingml/2006/main">
-  <dsp:spTree>
-    <dsp:nvGrpSpPr>
-      <dsp:cNvPr id="0" name=""/>
-      <dsp:cNvGrpSpPr/>
-    </dsp:nvGrpSpPr>
-    <dsp:grpSpPr/>
-    <dsp:sp modelId="{AF0BF783-A1B3-4871-8970-52FFBD4EDC40}">
-      <dsp:nvSpPr>
-        <dsp:cNvPr id="0" name=""/>
-        <dsp:cNvSpPr/>
-      </dsp:nvSpPr>
-      <dsp:spPr>
-        <a:xfrm>
-          <a:off x="3080" y="1361187"/>
-          <a:ext cx="2199649" cy="1396777"/>
-        </a:xfrm>
-        <a:prstGeom prst="roundRect">
-          <a:avLst>
-            <a:gd name="adj" fmla="val 10000"/>
-          </a:avLst>
-        </a:prstGeom>
-        <a:solidFill>
-          <a:schemeClr val="accent5">
-            <a:hueOff val="0"/>
-            <a:satOff val="0"/>
-            <a:lumOff val="0"/>
-            <a:alphaOff val="0"/>
-          </a:schemeClr>
-        </a:solidFill>
-        <a:ln w="12700" cap="flat" cmpd="sng" algn="ctr">
-          <a:solidFill>
-            <a:schemeClr val="lt1">
-              <a:hueOff val="0"/>
-              <a:satOff val="0"/>
-              <a:lumOff val="0"/>
-              <a:alphaOff val="0"/>
-            </a:schemeClr>
-          </a:solidFill>
-          <a:prstDash val="solid"/>
-          <a:miter lim="800000"/>
-        </a:ln>
-        <a:effectLst/>
-      </dsp:spPr>
-      <dsp:style>
-        <a:lnRef idx="2">
-          <a:scrgbClr r="0" g="0" b="0"/>
-        </a:lnRef>
-        <a:fillRef idx="1">
-          <a:scrgbClr r="0" g="0" b="0"/>
-        </a:fillRef>
-        <a:effectRef idx="0">
-          <a:scrgbClr r="0" g="0" b="0"/>
-        </a:effectRef>
-        <a:fontRef idx="minor">
-          <a:schemeClr val="lt1"/>
-        </a:fontRef>
-      </dsp:style>
-    </dsp:sp>
-    <dsp:sp modelId="{0F538862-5B4C-4C09-9D12-710281172052}">
-      <dsp:nvSpPr>
-        <dsp:cNvPr id="0" name=""/>
-        <dsp:cNvSpPr/>
-      </dsp:nvSpPr>
-      <dsp:spPr>
-        <a:xfrm>
-          <a:off x="247486" y="1593372"/>
-          <a:ext cx="2199649" cy="1396777"/>
-        </a:xfrm>
-        <a:prstGeom prst="roundRect">
-          <a:avLst>
-            <a:gd name="adj" fmla="val 10000"/>
-          </a:avLst>
-        </a:prstGeom>
-        <a:solidFill>
-          <a:schemeClr val="lt1">
-            <a:alpha val="90000"/>
-            <a:hueOff val="0"/>
-            <a:satOff val="0"/>
-            <a:lumOff val="0"/>
-            <a:alphaOff val="0"/>
-          </a:schemeClr>
-        </a:solidFill>
-        <a:ln w="12700" cap="flat" cmpd="sng" algn="ctr">
-          <a:solidFill>
-            <a:schemeClr val="accent5">
-              <a:hueOff val="0"/>
-              <a:satOff val="0"/>
-              <a:lumOff val="0"/>
-              <a:alphaOff val="0"/>
-            </a:schemeClr>
-          </a:solidFill>
-          <a:prstDash val="solid"/>
-          <a:miter lim="800000"/>
-        </a:ln>
-        <a:effectLst/>
-      </dsp:spPr>
-      <dsp:style>
-        <a:lnRef idx="2">
-          <a:scrgbClr r="0" g="0" b="0"/>
-        </a:lnRef>
-        <a:fillRef idx="1">
-          <a:scrgbClr r="0" g="0" b="0"/>
-        </a:fillRef>
-        <a:effectRef idx="0">
-          <a:scrgbClr r="0" g="0" b="0"/>
-        </a:effectRef>
-        <a:fontRef idx="minor"/>
-      </dsp:style>
-      <dsp:txBody>
-        <a:bodyPr spcFirstLastPara="0" vert="horz" wrap="square" lIns="91440" tIns="91440" rIns="91440" bIns="91440" numCol="1" spcCol="1270" anchor="ctr" anchorCtr="0">
-          <a:noAutofit/>
-        </a:bodyPr>
-        <a:lstStyle/>
-        <a:p>
-          <a:pPr marL="0" lvl="0" indent="0" algn="ctr" defTabSz="1066800">
-            <a:lnSpc>
-              <a:spcPct val="90000"/>
-            </a:lnSpc>
-            <a:spcBef>
-              <a:spcPct val="0"/>
-            </a:spcBef>
-            <a:spcAft>
-              <a:spcPct val="35000"/>
-            </a:spcAft>
-            <a:buNone/>
-          </a:pPr>
-          <a:r>
-            <a:rPr lang="en-US" sz="2400" kern="1200" dirty="0" err="1"/>
-            <a:t>XGBoost</a:t>
-          </a:r>
-          <a:endParaRPr lang="en-US" sz="2400" kern="1200" dirty="0"/>
-        </a:p>
-      </dsp:txBody>
-      <dsp:txXfrm>
-        <a:off x="288396" y="1634282"/>
-        <a:ext cx="2117829" cy="1314957"/>
-      </dsp:txXfrm>
-    </dsp:sp>
-    <dsp:sp modelId="{51B129EE-E5D8-449C-B657-3AE881514951}">
-      <dsp:nvSpPr>
-        <dsp:cNvPr id="0" name=""/>
-        <dsp:cNvSpPr/>
-      </dsp:nvSpPr>
-      <dsp:spPr>
-        <a:xfrm>
-          <a:off x="2691541" y="1361187"/>
-          <a:ext cx="2199649" cy="1396777"/>
-        </a:xfrm>
-        <a:prstGeom prst="roundRect">
-          <a:avLst>
-            <a:gd name="adj" fmla="val 10000"/>
-          </a:avLst>
-        </a:prstGeom>
-        <a:solidFill>
-          <a:schemeClr val="accent5">
-            <a:hueOff val="0"/>
-            <a:satOff val="0"/>
-            <a:lumOff val="0"/>
-            <a:alphaOff val="0"/>
-          </a:schemeClr>
-        </a:solidFill>
-        <a:ln w="12700" cap="flat" cmpd="sng" algn="ctr">
-          <a:solidFill>
-            <a:schemeClr val="lt1">
-              <a:hueOff val="0"/>
-              <a:satOff val="0"/>
-              <a:lumOff val="0"/>
-              <a:alphaOff val="0"/>
-            </a:schemeClr>
-          </a:solidFill>
-          <a:prstDash val="solid"/>
-          <a:miter lim="800000"/>
-        </a:ln>
-        <a:effectLst/>
-      </dsp:spPr>
-      <dsp:style>
-        <a:lnRef idx="2">
-          <a:scrgbClr r="0" g="0" b="0"/>
-        </a:lnRef>
-        <a:fillRef idx="1">
-          <a:scrgbClr r="0" g="0" b="0"/>
-        </a:fillRef>
-        <a:effectRef idx="0">
-          <a:scrgbClr r="0" g="0" b="0"/>
-        </a:effectRef>
-        <a:fontRef idx="minor">
-          <a:schemeClr val="lt1"/>
-        </a:fontRef>
-      </dsp:style>
-    </dsp:sp>
-    <dsp:sp modelId="{0E59A4C3-BE84-44B8-895B-38D62AB26F7D}">
-      <dsp:nvSpPr>
-        <dsp:cNvPr id="0" name=""/>
-        <dsp:cNvSpPr/>
-      </dsp:nvSpPr>
-      <dsp:spPr>
-        <a:xfrm>
-          <a:off x="2935947" y="1593372"/>
-          <a:ext cx="2199649" cy="1396777"/>
-        </a:xfrm>
-        <a:prstGeom prst="roundRect">
-          <a:avLst>
-            <a:gd name="adj" fmla="val 10000"/>
-          </a:avLst>
-        </a:prstGeom>
-        <a:solidFill>
-          <a:schemeClr val="lt1">
-            <a:alpha val="90000"/>
-            <a:hueOff val="0"/>
-            <a:satOff val="0"/>
-            <a:lumOff val="0"/>
-            <a:alphaOff val="0"/>
-          </a:schemeClr>
-        </a:solidFill>
-        <a:ln w="12700" cap="flat" cmpd="sng" algn="ctr">
-          <a:solidFill>
-            <a:schemeClr val="accent5">
-              <a:hueOff val="0"/>
-              <a:satOff val="0"/>
-              <a:lumOff val="0"/>
-              <a:alphaOff val="0"/>
-            </a:schemeClr>
-          </a:solidFill>
-          <a:prstDash val="solid"/>
-          <a:miter lim="800000"/>
-        </a:ln>
-        <a:effectLst/>
-      </dsp:spPr>
-      <dsp:style>
-        <a:lnRef idx="2">
-          <a:scrgbClr r="0" g="0" b="0"/>
-        </a:lnRef>
-        <a:fillRef idx="1">
-          <a:scrgbClr r="0" g="0" b="0"/>
-        </a:fillRef>
-        <a:effectRef idx="0">
-          <a:scrgbClr r="0" g="0" b="0"/>
-        </a:effectRef>
-        <a:fontRef idx="minor"/>
-      </dsp:style>
-      <dsp:txBody>
-        <a:bodyPr spcFirstLastPara="0" vert="horz" wrap="square" lIns="91440" tIns="91440" rIns="91440" bIns="91440" numCol="1" spcCol="1270" anchor="ctr" anchorCtr="0">
-          <a:noAutofit/>
-        </a:bodyPr>
-        <a:lstStyle/>
-        <a:p>
-          <a:pPr marL="0" lvl="0" indent="0" algn="ctr" defTabSz="1066800">
-            <a:lnSpc>
-              <a:spcPct val="90000"/>
-            </a:lnSpc>
-            <a:spcBef>
-              <a:spcPct val="0"/>
-            </a:spcBef>
-            <a:spcAft>
-              <a:spcPct val="35000"/>
-            </a:spcAft>
-            <a:buNone/>
-          </a:pPr>
-          <a:r>
-            <a:rPr lang="en-US" sz="2400" kern="1200"/>
-            <a:t>Logistic Regression</a:t>
-          </a:r>
-          <a:endParaRPr lang="en-US" sz="2400" kern="1200" dirty="0"/>
-        </a:p>
-      </dsp:txBody>
-      <dsp:txXfrm>
-        <a:off x="2976857" y="1634282"/>
-        <a:ext cx="2117829" cy="1314957"/>
-      </dsp:txXfrm>
-    </dsp:sp>
-    <dsp:sp modelId="{00A86D53-EB9D-4A5F-8714-874A39494FEB}">
-      <dsp:nvSpPr>
-        <dsp:cNvPr id="0" name=""/>
-        <dsp:cNvSpPr/>
-      </dsp:nvSpPr>
-      <dsp:spPr>
-        <a:xfrm>
-          <a:off x="5380002" y="1361187"/>
-          <a:ext cx="2199649" cy="1396777"/>
-        </a:xfrm>
-        <a:prstGeom prst="roundRect">
-          <a:avLst>
-            <a:gd name="adj" fmla="val 10000"/>
-          </a:avLst>
-        </a:prstGeom>
-        <a:solidFill>
-          <a:schemeClr val="accent5">
-            <a:hueOff val="0"/>
-            <a:satOff val="0"/>
-            <a:lumOff val="0"/>
-            <a:alphaOff val="0"/>
-          </a:schemeClr>
-        </a:solidFill>
-        <a:ln w="12700" cap="flat" cmpd="sng" algn="ctr">
-          <a:solidFill>
-            <a:schemeClr val="lt1">
-              <a:hueOff val="0"/>
-              <a:satOff val="0"/>
-              <a:lumOff val="0"/>
-              <a:alphaOff val="0"/>
-            </a:schemeClr>
-          </a:solidFill>
-          <a:prstDash val="solid"/>
-          <a:miter lim="800000"/>
-        </a:ln>
-        <a:effectLst/>
-      </dsp:spPr>
-      <dsp:style>
-        <a:lnRef idx="2">
-          <a:scrgbClr r="0" g="0" b="0"/>
-        </a:lnRef>
-        <a:fillRef idx="1">
-          <a:scrgbClr r="0" g="0" b="0"/>
-        </a:fillRef>
-        <a:effectRef idx="0">
-          <a:scrgbClr r="0" g="0" b="0"/>
-        </a:effectRef>
-        <a:fontRef idx="minor">
-          <a:schemeClr val="lt1"/>
-        </a:fontRef>
-      </dsp:style>
-    </dsp:sp>
-    <dsp:sp modelId="{DE0B0DA1-7098-45A3-AC80-EE922FA1B4F9}">
-      <dsp:nvSpPr>
-        <dsp:cNvPr id="0" name=""/>
-        <dsp:cNvSpPr/>
-      </dsp:nvSpPr>
-      <dsp:spPr>
-        <a:xfrm>
-          <a:off x="5624408" y="1593372"/>
-          <a:ext cx="2199649" cy="1396777"/>
-        </a:xfrm>
-        <a:prstGeom prst="roundRect">
-          <a:avLst>
-            <a:gd name="adj" fmla="val 10000"/>
-          </a:avLst>
-        </a:prstGeom>
-        <a:solidFill>
-          <a:schemeClr val="lt1">
-            <a:alpha val="90000"/>
-            <a:hueOff val="0"/>
-            <a:satOff val="0"/>
-            <a:lumOff val="0"/>
-            <a:alphaOff val="0"/>
-          </a:schemeClr>
-        </a:solidFill>
-        <a:ln w="12700" cap="flat" cmpd="sng" algn="ctr">
-          <a:solidFill>
-            <a:schemeClr val="accent5">
-              <a:hueOff val="0"/>
-              <a:satOff val="0"/>
-              <a:lumOff val="0"/>
-              <a:alphaOff val="0"/>
-            </a:schemeClr>
-          </a:solidFill>
-          <a:prstDash val="solid"/>
-          <a:miter lim="800000"/>
-        </a:ln>
-        <a:effectLst/>
-      </dsp:spPr>
-      <dsp:style>
-        <a:lnRef idx="2">
-          <a:scrgbClr r="0" g="0" b="0"/>
-        </a:lnRef>
-        <a:fillRef idx="1">
-          <a:scrgbClr r="0" g="0" b="0"/>
-        </a:fillRef>
-        <a:effectRef idx="0">
-          <a:scrgbClr r="0" g="0" b="0"/>
-        </a:effectRef>
-        <a:fontRef idx="minor"/>
-      </dsp:style>
-      <dsp:txBody>
-        <a:bodyPr spcFirstLastPara="0" vert="horz" wrap="square" lIns="91440" tIns="91440" rIns="91440" bIns="91440" numCol="1" spcCol="1270" anchor="ctr" anchorCtr="0">
-          <a:noAutofit/>
-        </a:bodyPr>
-        <a:lstStyle/>
-        <a:p>
-          <a:pPr marL="0" lvl="0" indent="0" algn="ctr" defTabSz="1066800">
-            <a:lnSpc>
-              <a:spcPct val="90000"/>
-            </a:lnSpc>
-            <a:spcBef>
-              <a:spcPct val="0"/>
-            </a:spcBef>
-            <a:spcAft>
-              <a:spcPct val="35000"/>
-            </a:spcAft>
-            <a:buNone/>
-          </a:pPr>
-          <a:r>
-            <a:rPr lang="en-US" sz="2400" kern="1200"/>
-            <a:t>Scorecard </a:t>
-          </a:r>
-        </a:p>
-      </dsp:txBody>
-      <dsp:txXfrm>
-        <a:off x="5665318" y="1634282"/>
-        <a:ext cx="2117829" cy="1314957"/>
-      </dsp:txXfrm>
-    </dsp:sp>
-    <dsp:sp modelId="{175C7E4E-C0FA-4441-89B7-43EFF2C64008}">
-      <dsp:nvSpPr>
-        <dsp:cNvPr id="0" name=""/>
-        <dsp:cNvSpPr/>
-      </dsp:nvSpPr>
-      <dsp:spPr>
-        <a:xfrm>
-          <a:off x="8068463" y="1361187"/>
-          <a:ext cx="2199649" cy="1396777"/>
-        </a:xfrm>
-        <a:prstGeom prst="roundRect">
-          <a:avLst>
-            <a:gd name="adj" fmla="val 10000"/>
-          </a:avLst>
-        </a:prstGeom>
-        <a:solidFill>
-          <a:schemeClr val="accent5">
-            <a:hueOff val="0"/>
-            <a:satOff val="0"/>
-            <a:lumOff val="0"/>
-            <a:alphaOff val="0"/>
-          </a:schemeClr>
-        </a:solidFill>
-        <a:ln w="12700" cap="flat" cmpd="sng" algn="ctr">
-          <a:solidFill>
-            <a:schemeClr val="lt1">
-              <a:hueOff val="0"/>
-              <a:satOff val="0"/>
-              <a:lumOff val="0"/>
-              <a:alphaOff val="0"/>
-            </a:schemeClr>
-          </a:solidFill>
-          <a:prstDash val="solid"/>
-          <a:miter lim="800000"/>
-        </a:ln>
-        <a:effectLst/>
-      </dsp:spPr>
-      <dsp:style>
-        <a:lnRef idx="2">
-          <a:scrgbClr r="0" g="0" b="0"/>
-        </a:lnRef>
-        <a:fillRef idx="1">
-          <a:scrgbClr r="0" g="0" b="0"/>
-        </a:fillRef>
-        <a:effectRef idx="0">
-          <a:scrgbClr r="0" g="0" b="0"/>
-        </a:effectRef>
-        <a:fontRef idx="minor">
-          <a:schemeClr val="lt1"/>
-        </a:fontRef>
-      </dsp:style>
-    </dsp:sp>
-    <dsp:sp modelId="{FBB3D3D1-A9E1-42D4-88CE-041AF6CB1C72}">
-      <dsp:nvSpPr>
-        <dsp:cNvPr id="0" name=""/>
-        <dsp:cNvSpPr/>
-      </dsp:nvSpPr>
-      <dsp:spPr>
-        <a:xfrm>
-          <a:off x="8312869" y="1593372"/>
-          <a:ext cx="2199649" cy="1396777"/>
-        </a:xfrm>
-        <a:prstGeom prst="roundRect">
-          <a:avLst>
-            <a:gd name="adj" fmla="val 10000"/>
-          </a:avLst>
-        </a:prstGeom>
-        <a:solidFill>
-          <a:schemeClr val="lt1">
-            <a:alpha val="90000"/>
-            <a:hueOff val="0"/>
-            <a:satOff val="0"/>
-            <a:lumOff val="0"/>
-            <a:alphaOff val="0"/>
-          </a:schemeClr>
-        </a:solidFill>
-        <a:ln w="12700" cap="flat" cmpd="sng" algn="ctr">
-          <a:solidFill>
-            <a:schemeClr val="accent5">
-              <a:hueOff val="0"/>
-              <a:satOff val="0"/>
-              <a:lumOff val="0"/>
-              <a:alphaOff val="0"/>
-            </a:schemeClr>
-          </a:solidFill>
-          <a:prstDash val="solid"/>
-          <a:miter lim="800000"/>
-        </a:ln>
-        <a:effectLst/>
-      </dsp:spPr>
-      <dsp:style>
-        <a:lnRef idx="2">
-          <a:scrgbClr r="0" g="0" b="0"/>
-        </a:lnRef>
-        <a:fillRef idx="1">
-          <a:scrgbClr r="0" g="0" b="0"/>
-        </a:fillRef>
-        <a:effectRef idx="0">
-          <a:scrgbClr r="0" g="0" b="0"/>
-        </a:effectRef>
-        <a:fontRef idx="minor"/>
-      </dsp:style>
-      <dsp:txBody>
-        <a:bodyPr spcFirstLastPara="0" vert="horz" wrap="square" lIns="91440" tIns="91440" rIns="91440" bIns="91440" numCol="1" spcCol="1270" anchor="ctr" anchorCtr="0">
-          <a:noAutofit/>
-        </a:bodyPr>
-        <a:lstStyle/>
-        <a:p>
-          <a:pPr marL="0" lvl="0" indent="0" algn="ctr" defTabSz="1066800">
-            <a:lnSpc>
-              <a:spcPct val="90000"/>
-            </a:lnSpc>
-            <a:spcBef>
-              <a:spcPct val="0"/>
-            </a:spcBef>
-            <a:spcAft>
-              <a:spcPct val="35000"/>
-            </a:spcAft>
-            <a:buNone/>
-          </a:pPr>
-          <a:r>
-            <a:rPr lang="en-US" sz="2400" kern="1200" dirty="0"/>
-            <a:t>Interpretability</a:t>
-          </a:r>
-        </a:p>
-      </dsp:txBody>
-      <dsp:txXfrm>
-        <a:off x="8353779" y="1634282"/>
-        <a:ext cx="2117829" cy="1314957"/>
-      </dsp:txXfrm>
-    </dsp:sp>
-  </dsp:spTree>
-</dsp:drawing>
-</file>
-
-<file path=ppt/diagrams/drawing2.xml><?xml version="1.0" encoding="utf-8"?>
 <dsp:drawing xmlns:dgm="http://schemas.openxmlformats.org/drawingml/2006/diagram" xmlns:dsp="http://schemas.microsoft.com/office/drawing/2008/diagram" xmlns:a="http://schemas.openxmlformats.org/drawingml/2006/main">
   <dsp:spTree>
     <dsp:nvGrpSpPr>
@@ -8655,7 +6089,7 @@
 </dsp:drawing>
 </file>
 
-<file path=ppt/diagrams/drawing3.xml><?xml version="1.0" encoding="utf-8"?>
+<file path=ppt/diagrams/drawing2.xml><?xml version="1.0" encoding="utf-8"?>
 <dsp:drawing xmlns:dgm="http://schemas.openxmlformats.org/drawingml/2006/diagram" xmlns:dsp="http://schemas.microsoft.com/office/drawing/2008/diagram" xmlns:a="http://schemas.openxmlformats.org/drawingml/2006/main">
   <dsp:spTree>
     <dsp:nvGrpSpPr>
@@ -8983,7 +6417,7 @@
             <a:buNone/>
           </a:pPr>
           <a:r>
-            <a:rPr lang="en-US" sz="3100" kern="1200"/>
+            <a:rPr lang="en-US" sz="3100" kern="1200" dirty="0"/>
             <a:t>Int64, float64 and object</a:t>
           </a:r>
         </a:p>
@@ -9327,7 +6761,7 @@
 </dsp:drawing>
 </file>
 
-<file path=ppt/diagrams/drawing4.xml><?xml version="1.0" encoding="utf-8"?>
+<file path=ppt/diagrams/drawing3.xml><?xml version="1.0" encoding="utf-8"?>
 <dsp:drawing xmlns:dgm="http://schemas.openxmlformats.org/drawingml/2006/diagram" xmlns:dsp="http://schemas.microsoft.com/office/drawing/2008/diagram" xmlns:a="http://schemas.openxmlformats.org/drawingml/2006/main">
   <dsp:spTree>
     <dsp:nvGrpSpPr>
@@ -9342,8 +6776,8 @@
       </dsp:nvSpPr>
       <dsp:spPr>
         <a:xfrm>
-          <a:off x="0" y="2284"/>
-          <a:ext cx="6263640" cy="1157919"/>
+          <a:off x="0" y="1792"/>
+          <a:ext cx="6011962" cy="908308"/>
         </a:xfrm>
         <a:prstGeom prst="roundRect">
           <a:avLst>
@@ -9384,8 +6818,8 @@
       </dsp:nvSpPr>
       <dsp:spPr>
         <a:xfrm>
-          <a:off x="350270" y="262816"/>
-          <a:ext cx="636855" cy="636855"/>
+          <a:off x="274763" y="206161"/>
+          <a:ext cx="499569" cy="499569"/>
         </a:xfrm>
         <a:prstGeom prst="rect">
           <a:avLst/>
@@ -9435,8 +6869,8 @@
       </dsp:nvSpPr>
       <dsp:spPr>
         <a:xfrm>
-          <a:off x="1337397" y="2284"/>
-          <a:ext cx="4926242" cy="1157919"/>
+          <a:off x="1049096" y="1792"/>
+          <a:ext cx="4962865" cy="908308"/>
         </a:xfrm>
         <a:prstGeom prst="rect">
           <a:avLst/>
@@ -9460,12 +6894,12 @@
         <a:fontRef idx="minor"/>
       </dsp:style>
       <dsp:txBody>
-        <a:bodyPr spcFirstLastPara="0" vert="horz" wrap="square" lIns="122547" tIns="122547" rIns="122547" bIns="122547" numCol="1" spcCol="1270" anchor="ctr" anchorCtr="0">
+        <a:bodyPr spcFirstLastPara="0" vert="horz" wrap="square" lIns="96129" tIns="96129" rIns="96129" bIns="96129" numCol="1" spcCol="1270" anchor="ctr" anchorCtr="0">
           <a:noAutofit/>
         </a:bodyPr>
         <a:lstStyle/>
         <a:p>
-          <a:pPr marL="0" lvl="0" indent="0" algn="l" defTabSz="711200">
+          <a:pPr marL="0" lvl="0" indent="0" algn="l" defTabSz="755650">
             <a:lnSpc>
               <a:spcPct val="90000"/>
             </a:lnSpc>
@@ -9478,27 +6912,27 @@
             <a:buNone/>
           </a:pPr>
           <a:r>
-            <a:rPr lang="en-US" sz="1600" i="1" kern="1200" dirty="0" err="1"/>
+            <a:rPr lang="en-US" sz="1700" i="1" kern="1200" dirty="0" err="1"/>
             <a:t>df.plot</a:t>
           </a:r>
           <a:r>
-            <a:rPr lang="en-US" sz="1600" i="1" kern="1200" dirty="0"/>
+            <a:rPr lang="en-US" sz="1700" i="1" kern="1200" dirty="0"/>
             <a:t>(kind='</a:t>
           </a:r>
           <a:r>
-            <a:rPr lang="en-US" sz="1600" i="1" kern="1200" dirty="0" err="1"/>
+            <a:rPr lang="en-US" sz="1700" i="1" kern="1200" dirty="0" err="1"/>
             <a:t>scatter',x</a:t>
           </a:r>
           <a:r>
-            <a:rPr lang="en-US" sz="1600" i="1" kern="1200" dirty="0"/>
+            <a:rPr lang="en-US" sz="1700" i="1" kern="1200" dirty="0"/>
             <a:t>==’ ',y=’’)</a:t>
           </a:r>
-          <a:endParaRPr lang="en-US" sz="1600" kern="1200" dirty="0"/>
+          <a:endParaRPr lang="en-US" sz="1700" kern="1200" dirty="0"/>
         </a:p>
       </dsp:txBody>
       <dsp:txXfrm>
-        <a:off x="1337397" y="2284"/>
-        <a:ext cx="4926242" cy="1157919"/>
+        <a:off x="1049096" y="1792"/>
+        <a:ext cx="4962865" cy="908308"/>
       </dsp:txXfrm>
     </dsp:sp>
     <dsp:sp modelId="{7611AB3D-503B-4305-9BA5-D3823FD1CCE4}">
@@ -9508,8 +6942,8 @@
       </dsp:nvSpPr>
       <dsp:spPr>
         <a:xfrm>
-          <a:off x="0" y="1449684"/>
-          <a:ext cx="6263640" cy="1157919"/>
+          <a:off x="0" y="1137178"/>
+          <a:ext cx="6011962" cy="908308"/>
         </a:xfrm>
         <a:prstGeom prst="roundRect">
           <a:avLst>
@@ -9550,8 +6984,8 @@
       </dsp:nvSpPr>
       <dsp:spPr>
         <a:xfrm>
-          <a:off x="350270" y="1710216"/>
-          <a:ext cx="636855" cy="636855"/>
+          <a:off x="274763" y="1341547"/>
+          <a:ext cx="499569" cy="499569"/>
         </a:xfrm>
         <a:prstGeom prst="rect">
           <a:avLst/>
@@ -9601,8 +7035,8 @@
       </dsp:nvSpPr>
       <dsp:spPr>
         <a:xfrm>
-          <a:off x="1337397" y="1449684"/>
-          <a:ext cx="4926242" cy="1157919"/>
+          <a:off x="1049096" y="1137178"/>
+          <a:ext cx="4962865" cy="908308"/>
         </a:xfrm>
         <a:prstGeom prst="rect">
           <a:avLst/>
@@ -9626,12 +7060,12 @@
         <a:fontRef idx="minor"/>
       </dsp:style>
       <dsp:txBody>
-        <a:bodyPr spcFirstLastPara="0" vert="horz" wrap="square" lIns="122547" tIns="122547" rIns="122547" bIns="122547" numCol="1" spcCol="1270" anchor="ctr" anchorCtr="0">
+        <a:bodyPr spcFirstLastPara="0" vert="horz" wrap="square" lIns="96129" tIns="96129" rIns="96129" bIns="96129" numCol="1" spcCol="1270" anchor="ctr" anchorCtr="0">
           <a:noAutofit/>
         </a:bodyPr>
         <a:lstStyle/>
         <a:p>
-          <a:pPr marL="0" lvl="0" indent="0" algn="l" defTabSz="711200">
+          <a:pPr marL="0" lvl="0" indent="0" algn="l" defTabSz="755650">
             <a:lnSpc>
               <a:spcPct val="90000"/>
             </a:lnSpc>
@@ -9644,38 +7078,38 @@
             <a:buNone/>
           </a:pPr>
           <a:r>
-            <a:rPr lang="en-US" sz="1600" i="1" kern="1200" dirty="0" err="1"/>
+            <a:rPr lang="en-US" sz="1700" i="1" kern="1200" dirty="0" err="1"/>
             <a:t>df.plot</a:t>
           </a:r>
           <a:r>
-            <a:rPr lang="en-US" sz="1600" i="1" kern="1200" dirty="0"/>
+            <a:rPr lang="en-US" sz="1700" i="1" kern="1200" dirty="0"/>
             <a:t>(kind='</a:t>
           </a:r>
           <a:r>
-            <a:rPr lang="en-US" sz="1600" i="1" kern="1200" dirty="0" err="1"/>
+            <a:rPr lang="en-US" sz="1700" i="1" kern="1200" dirty="0" err="1"/>
             <a:t>pie',legend</a:t>
           </a:r>
           <a:r>
-            <a:rPr lang="en-US" sz="1600" i="1" kern="1200" dirty="0"/>
+            <a:rPr lang="en-US" sz="1700" i="1" kern="1200" dirty="0"/>
             <a:t>=</a:t>
           </a:r>
           <a:r>
-            <a:rPr lang="en-US" sz="1600" i="1" kern="1200" dirty="0" err="1"/>
+            <a:rPr lang="en-US" sz="1700" i="1" kern="1200" dirty="0" err="1"/>
             <a:t>True,figsize</a:t>
           </a:r>
           <a:r>
-            <a:rPr lang="en-US" sz="1600" i="1" kern="1200" dirty="0"/>
+            <a:rPr lang="en-US" sz="1700" i="1" kern="1200" dirty="0"/>
             <a:t>=(12,12))</a:t>
           </a:r>
           <a:r>
-            <a:rPr lang="en-US" sz="1600" kern="1200" dirty="0"/>
+            <a:rPr lang="en-US" sz="1700" kern="1200" dirty="0"/>
             <a:t>.</a:t>
           </a:r>
         </a:p>
       </dsp:txBody>
       <dsp:txXfrm>
-        <a:off x="1337397" y="1449684"/>
-        <a:ext cx="4926242" cy="1157919"/>
+        <a:off x="1049096" y="1137178"/>
+        <a:ext cx="4962865" cy="908308"/>
       </dsp:txXfrm>
     </dsp:sp>
     <dsp:sp modelId="{F30A252D-5C87-4953-A3FA-96018F26165E}">
@@ -9685,8 +7119,8 @@
       </dsp:nvSpPr>
       <dsp:spPr>
         <a:xfrm>
-          <a:off x="0" y="2897083"/>
-          <a:ext cx="6263640" cy="1157919"/>
+          <a:off x="0" y="2272564"/>
+          <a:ext cx="6011962" cy="908308"/>
         </a:xfrm>
         <a:prstGeom prst="roundRect">
           <a:avLst>
@@ -9727,8 +7161,8 @@
       </dsp:nvSpPr>
       <dsp:spPr>
         <a:xfrm>
-          <a:off x="350270" y="3157615"/>
-          <a:ext cx="636855" cy="636855"/>
+          <a:off x="274763" y="2476933"/>
+          <a:ext cx="499569" cy="499569"/>
         </a:xfrm>
         <a:prstGeom prst="rect">
           <a:avLst/>
@@ -9778,8 +7212,8 @@
       </dsp:nvSpPr>
       <dsp:spPr>
         <a:xfrm>
-          <a:off x="1337397" y="2897083"/>
-          <a:ext cx="4926242" cy="1157919"/>
+          <a:off x="1049096" y="2272564"/>
+          <a:ext cx="4962865" cy="908308"/>
         </a:xfrm>
         <a:prstGeom prst="rect">
           <a:avLst/>
@@ -9803,12 +7237,12 @@
         <a:fontRef idx="minor"/>
       </dsp:style>
       <dsp:txBody>
-        <a:bodyPr spcFirstLastPara="0" vert="horz" wrap="square" lIns="122547" tIns="122547" rIns="122547" bIns="122547" numCol="1" spcCol="1270" anchor="ctr" anchorCtr="0">
+        <a:bodyPr spcFirstLastPara="0" vert="horz" wrap="square" lIns="96129" tIns="96129" rIns="96129" bIns="96129" numCol="1" spcCol="1270" anchor="ctr" anchorCtr="0">
           <a:noAutofit/>
         </a:bodyPr>
         <a:lstStyle/>
         <a:p>
-          <a:pPr marL="0" lvl="0" indent="0" algn="l" defTabSz="711200">
+          <a:pPr marL="0" lvl="0" indent="0" algn="l" defTabSz="755650">
             <a:lnSpc>
               <a:spcPct val="90000"/>
             </a:lnSpc>
@@ -9821,19 +7255,19 @@
             <a:buNone/>
           </a:pPr>
           <a:r>
-            <a:rPr lang="en-US" sz="1600" i="1" kern="1200" dirty="0" err="1"/>
+            <a:rPr lang="en-US" sz="1700" i="1" kern="1200" dirty="0" err="1"/>
             <a:t>df.plot</a:t>
           </a:r>
           <a:r>
-            <a:rPr lang="en-US" sz="1600" i="1" kern="1200" dirty="0"/>
+            <a:rPr lang="en-US" sz="1700" i="1" kern="1200" dirty="0"/>
             <a:t>(kind='bar’)</a:t>
           </a:r>
-          <a:endParaRPr lang="en-US" sz="1600" kern="1200" dirty="0"/>
+          <a:endParaRPr lang="en-US" sz="1700" kern="1200" dirty="0"/>
         </a:p>
       </dsp:txBody>
       <dsp:txXfrm>
-        <a:off x="1337397" y="2897083"/>
-        <a:ext cx="4926242" cy="1157919"/>
+        <a:off x="1049096" y="2272564"/>
+        <a:ext cx="4962865" cy="908308"/>
       </dsp:txXfrm>
     </dsp:sp>
     <dsp:sp modelId="{AC460B3B-74F2-47F9-8E79-B8F677AA8BEE}">
@@ -9843,8 +7277,8 @@
       </dsp:nvSpPr>
       <dsp:spPr>
         <a:xfrm>
-          <a:off x="0" y="4344483"/>
-          <a:ext cx="6263640" cy="1157919"/>
+          <a:off x="0" y="3407950"/>
+          <a:ext cx="6011962" cy="908308"/>
         </a:xfrm>
         <a:prstGeom prst="roundRect">
           <a:avLst>
@@ -9885,8 +7319,8 @@
       </dsp:nvSpPr>
       <dsp:spPr>
         <a:xfrm>
-          <a:off x="350270" y="4605015"/>
-          <a:ext cx="636855" cy="636855"/>
+          <a:off x="274763" y="3612319"/>
+          <a:ext cx="499569" cy="499569"/>
         </a:xfrm>
         <a:prstGeom prst="rect">
           <a:avLst/>
@@ -9936,8 +7370,8 @@
       </dsp:nvSpPr>
       <dsp:spPr>
         <a:xfrm>
-          <a:off x="1337397" y="4344483"/>
-          <a:ext cx="4926242" cy="1157919"/>
+          <a:off x="1049096" y="3407950"/>
+          <a:ext cx="4962865" cy="908308"/>
         </a:xfrm>
         <a:prstGeom prst="rect">
           <a:avLst/>
@@ -9961,12 +7395,12 @@
         <a:fontRef idx="minor"/>
       </dsp:style>
       <dsp:txBody>
-        <a:bodyPr spcFirstLastPara="0" vert="horz" wrap="square" lIns="122547" tIns="122547" rIns="122547" bIns="122547" numCol="1" spcCol="1270" anchor="ctr" anchorCtr="0">
+        <a:bodyPr spcFirstLastPara="0" vert="horz" wrap="square" lIns="96129" tIns="96129" rIns="96129" bIns="96129" numCol="1" spcCol="1270" anchor="ctr" anchorCtr="0">
           <a:noAutofit/>
         </a:bodyPr>
         <a:lstStyle/>
         <a:p>
-          <a:pPr marL="0" lvl="0" indent="0" algn="l" defTabSz="711200">
+          <a:pPr marL="0" lvl="0" indent="0" algn="l" defTabSz="755650">
             <a:lnSpc>
               <a:spcPct val="90000"/>
             </a:lnSpc>
@@ -9979,268 +7413,22 @@
             <a:buNone/>
           </a:pPr>
           <a:r>
-            <a:rPr lang="en-US" sz="1600" i="1" kern="1200"/>
+            <a:rPr lang="en-US" sz="1700" i="1" kern="1200"/>
             <a:t>plt.boxplot</a:t>
           </a:r>
-          <a:endParaRPr lang="en-US" sz="1600" kern="1200"/>
+          <a:endParaRPr lang="en-US" sz="1700" kern="1200"/>
         </a:p>
       </dsp:txBody>
       <dsp:txXfrm>
-        <a:off x="1337397" y="4344483"/>
-        <a:ext cx="4926242" cy="1157919"/>
+        <a:off x="1049096" y="3407950"/>
+        <a:ext cx="4962865" cy="908308"/>
       </dsp:txXfrm>
     </dsp:sp>
   </dsp:spTree>
 </dsp:drawing>
 </file>
 
-<file path=ppt/diagrams/drawing5.xml><?xml version="1.0" encoding="utf-8"?>
-<dsp:drawing xmlns:dgm="http://schemas.openxmlformats.org/drawingml/2006/diagram" xmlns:dsp="http://schemas.microsoft.com/office/drawing/2008/diagram" xmlns:a="http://schemas.openxmlformats.org/drawingml/2006/main">
-  <dsp:spTree>
-    <dsp:nvGrpSpPr>
-      <dsp:cNvPr id="0" name=""/>
-      <dsp:cNvGrpSpPr/>
-    </dsp:nvGrpSpPr>
-    <dsp:grpSpPr/>
-    <dsp:sp modelId="{38D7371B-A423-4531-BFD6-15F2DB814E11}">
-      <dsp:nvSpPr>
-        <dsp:cNvPr id="0" name=""/>
-        <dsp:cNvSpPr/>
-      </dsp:nvSpPr>
-      <dsp:spPr>
-        <a:xfrm>
-          <a:off x="622021" y="1213077"/>
-          <a:ext cx="916312" cy="916312"/>
-        </a:xfrm>
-        <a:prstGeom prst="rect">
-          <a:avLst/>
-        </a:prstGeom>
-        <a:blipFill>
-          <a:blip xmlns:r="http://schemas.openxmlformats.org/officeDocument/2006/relationships" r:embed="rId1">
-            <a:extLst>
-              <a:ext uri="{28A0092B-C50C-407E-A947-70E740481C1C}">
-                <a14:useLocalDpi xmlns:a14="http://schemas.microsoft.com/office/drawing/2010/main" val="0"/>
-              </a:ext>
-              <a:ext uri="{96DAC541-7B7A-43D3-8B79-37D633B846F1}">
-                <asvg:svgBlip xmlns:asvg="http://schemas.microsoft.com/office/drawing/2016/SVG/main" r:embed="rId2"/>
-              </a:ext>
-            </a:extLst>
-          </a:blip>
-          <a:stretch>
-            <a:fillRect/>
-          </a:stretch>
-        </a:blipFill>
-        <a:ln w="12700" cap="flat" cmpd="sng" algn="ctr">
-          <a:solidFill>
-            <a:schemeClr val="lt1">
-              <a:hueOff val="0"/>
-              <a:satOff val="0"/>
-              <a:lumOff val="0"/>
-              <a:alphaOff val="0"/>
-            </a:schemeClr>
-          </a:solidFill>
-          <a:prstDash val="solid"/>
-          <a:miter lim="800000"/>
-        </a:ln>
-        <a:effectLst/>
-      </dsp:spPr>
-      <dsp:style>
-        <a:lnRef idx="2">
-          <a:scrgbClr r="0" g="0" b="0"/>
-        </a:lnRef>
-        <a:fillRef idx="1">
-          <a:scrgbClr r="0" g="0" b="0"/>
-        </a:fillRef>
-        <a:effectRef idx="0">
-          <a:scrgbClr r="0" g="0" b="0"/>
-        </a:effectRef>
-        <a:fontRef idx="minor">
-          <a:schemeClr val="lt1"/>
-        </a:fontRef>
-      </dsp:style>
-    </dsp:sp>
-    <dsp:sp modelId="{DFB1D16E-99EC-430C-9B5E-7B03955BDCBD}">
-      <dsp:nvSpPr>
-        <dsp:cNvPr id="0" name=""/>
-        <dsp:cNvSpPr/>
-      </dsp:nvSpPr>
-      <dsp:spPr>
-        <a:xfrm>
-          <a:off x="62053" y="2418260"/>
-          <a:ext cx="2036250" cy="720000"/>
-        </a:xfrm>
-        <a:prstGeom prst="rect">
-          <a:avLst/>
-        </a:prstGeom>
-        <a:noFill/>
-        <a:ln>
-          <a:noFill/>
-        </a:ln>
-        <a:effectLst/>
-      </dsp:spPr>
-      <dsp:style>
-        <a:lnRef idx="0">
-          <a:scrgbClr r="0" g="0" b="0"/>
-        </a:lnRef>
-        <a:fillRef idx="0">
-          <a:scrgbClr r="0" g="0" b="0"/>
-        </a:fillRef>
-        <a:effectRef idx="0">
-          <a:scrgbClr r="0" g="0" b="0"/>
-        </a:effectRef>
-        <a:fontRef idx="minor"/>
-      </dsp:style>
-      <dsp:txBody>
-        <a:bodyPr spcFirstLastPara="0" vert="horz" wrap="square" lIns="0" tIns="0" rIns="0" bIns="0" numCol="1" spcCol="1270" anchor="t" anchorCtr="0">
-          <a:noAutofit/>
-        </a:bodyPr>
-        <a:lstStyle/>
-        <a:p>
-          <a:pPr marL="0" lvl="0" indent="0" algn="ctr" defTabSz="711200">
-            <a:lnSpc>
-              <a:spcPct val="100000"/>
-            </a:lnSpc>
-            <a:spcBef>
-              <a:spcPct val="0"/>
-            </a:spcBef>
-            <a:spcAft>
-              <a:spcPct val="35000"/>
-            </a:spcAft>
-            <a:buNone/>
-          </a:pPr>
-          <a:r>
-            <a:rPr lang="en-US" sz="1600" kern="1200"/>
-            <a:t>Scaling </a:t>
-          </a:r>
-        </a:p>
-      </dsp:txBody>
-      <dsp:txXfrm>
-        <a:off x="62053" y="2418260"/>
-        <a:ext cx="2036250" cy="720000"/>
-      </dsp:txXfrm>
-    </dsp:sp>
-    <dsp:sp modelId="{C24E866C-B296-48FB-8B90-8389CE419C29}">
-      <dsp:nvSpPr>
-        <dsp:cNvPr id="0" name=""/>
-        <dsp:cNvSpPr/>
-      </dsp:nvSpPr>
-      <dsp:spPr>
-        <a:xfrm>
-          <a:off x="3014615" y="1213077"/>
-          <a:ext cx="916312" cy="916312"/>
-        </a:xfrm>
-        <a:prstGeom prst="rect">
-          <a:avLst/>
-        </a:prstGeom>
-        <a:blipFill>
-          <a:blip xmlns:r="http://schemas.openxmlformats.org/officeDocument/2006/relationships" r:embed="rId3">
-            <a:extLst>
-              <a:ext uri="{28A0092B-C50C-407E-A947-70E740481C1C}">
-                <a14:useLocalDpi xmlns:a14="http://schemas.microsoft.com/office/drawing/2010/main" val="0"/>
-              </a:ext>
-              <a:ext uri="{96DAC541-7B7A-43D3-8B79-37D633B846F1}">
-                <asvg:svgBlip xmlns:asvg="http://schemas.microsoft.com/office/drawing/2016/SVG/main" r:embed="rId4"/>
-              </a:ext>
-            </a:extLst>
-          </a:blip>
-          <a:stretch>
-            <a:fillRect/>
-          </a:stretch>
-        </a:blipFill>
-        <a:ln w="12700" cap="flat" cmpd="sng" algn="ctr">
-          <a:solidFill>
-            <a:schemeClr val="lt1">
-              <a:hueOff val="0"/>
-              <a:satOff val="0"/>
-              <a:lumOff val="0"/>
-              <a:alphaOff val="0"/>
-            </a:schemeClr>
-          </a:solidFill>
-          <a:prstDash val="solid"/>
-          <a:miter lim="800000"/>
-        </a:ln>
-        <a:effectLst/>
-      </dsp:spPr>
-      <dsp:style>
-        <a:lnRef idx="2">
-          <a:scrgbClr r="0" g="0" b="0"/>
-        </a:lnRef>
-        <a:fillRef idx="1">
-          <a:scrgbClr r="0" g="0" b="0"/>
-        </a:fillRef>
-        <a:effectRef idx="0">
-          <a:scrgbClr r="0" g="0" b="0"/>
-        </a:effectRef>
-        <a:fontRef idx="minor">
-          <a:schemeClr val="lt1"/>
-        </a:fontRef>
-      </dsp:style>
-    </dsp:sp>
-    <dsp:sp modelId="{5A087439-EFB7-4559-BB30-55D6F2B9B290}">
-      <dsp:nvSpPr>
-        <dsp:cNvPr id="0" name=""/>
-        <dsp:cNvSpPr/>
-      </dsp:nvSpPr>
-      <dsp:spPr>
-        <a:xfrm>
-          <a:off x="2454646" y="2418260"/>
-          <a:ext cx="2036250" cy="720000"/>
-        </a:xfrm>
-        <a:prstGeom prst="rect">
-          <a:avLst/>
-        </a:prstGeom>
-        <a:noFill/>
-        <a:ln>
-          <a:noFill/>
-        </a:ln>
-        <a:effectLst/>
-      </dsp:spPr>
-      <dsp:style>
-        <a:lnRef idx="0">
-          <a:scrgbClr r="0" g="0" b="0"/>
-        </a:lnRef>
-        <a:fillRef idx="0">
-          <a:scrgbClr r="0" g="0" b="0"/>
-        </a:fillRef>
-        <a:effectRef idx="0">
-          <a:scrgbClr r="0" g="0" b="0"/>
-        </a:effectRef>
-        <a:fontRef idx="minor"/>
-      </dsp:style>
-      <dsp:txBody>
-        <a:bodyPr spcFirstLastPara="0" vert="horz" wrap="square" lIns="0" tIns="0" rIns="0" bIns="0" numCol="1" spcCol="1270" anchor="t" anchorCtr="0">
-          <a:noAutofit/>
-        </a:bodyPr>
-        <a:lstStyle/>
-        <a:p>
-          <a:pPr marL="0" lvl="0" indent="0" algn="ctr" defTabSz="711200">
-            <a:lnSpc>
-              <a:spcPct val="100000"/>
-            </a:lnSpc>
-            <a:spcBef>
-              <a:spcPct val="0"/>
-            </a:spcBef>
-            <a:spcAft>
-              <a:spcPct val="35000"/>
-            </a:spcAft>
-            <a:buNone/>
-          </a:pPr>
-          <a:r>
-            <a:rPr lang="en-US" sz="1600" kern="1200"/>
-            <a:t>Class Imbalance resolution using SMOTE</a:t>
-          </a:r>
-        </a:p>
-      </dsp:txBody>
-      <dsp:txXfrm>
-        <a:off x="2454646" y="2418260"/>
-        <a:ext cx="2036250" cy="720000"/>
-      </dsp:txXfrm>
-    </dsp:sp>
-  </dsp:spTree>
-</dsp:drawing>
-</file>
-
-<file path=ppt/diagrams/drawing6.xml><?xml version="1.0" encoding="utf-8"?>
+<file path=ppt/diagrams/drawing4.xml><?xml version="1.0" encoding="utf-8"?>
 <dsp:drawing xmlns:dgm="http://schemas.openxmlformats.org/drawingml/2006/diagram" xmlns:dsp="http://schemas.microsoft.com/office/drawing/2008/diagram" xmlns:a="http://schemas.openxmlformats.org/drawingml/2006/main">
   <dsp:spTree>
     <dsp:nvGrpSpPr>
@@ -10646,569 +7834,6 @@
 </file>
 
 <file path=ppt/diagrams/layout1.xml><?xml version="1.0" encoding="utf-8"?>
-<dgm:layoutDef xmlns:dgm="http://schemas.openxmlformats.org/drawingml/2006/diagram" xmlns:a="http://schemas.openxmlformats.org/drawingml/2006/main" uniqueId="urn:microsoft.com/office/officeart/2005/8/layout/hierarchy1">
-  <dgm:title val=""/>
-  <dgm:desc val=""/>
-  <dgm:catLst>
-    <dgm:cat type="hierarchy" pri="2000"/>
-  </dgm:catLst>
-  <dgm:sampData>
-    <dgm:dataModel>
-      <dgm:ptLst>
-        <dgm:pt modelId="0" type="doc"/>
-        <dgm:pt modelId="1">
-          <dgm:prSet phldr="1"/>
-        </dgm:pt>
-        <dgm:pt modelId="2">
-          <dgm:prSet phldr="1"/>
-        </dgm:pt>
-        <dgm:pt modelId="21">
-          <dgm:prSet phldr="1"/>
-        </dgm:pt>
-        <dgm:pt modelId="22">
-          <dgm:prSet phldr="1"/>
-        </dgm:pt>
-        <dgm:pt modelId="3">
-          <dgm:prSet phldr="1"/>
-        </dgm:pt>
-        <dgm:pt modelId="31">
-          <dgm:prSet phldr="1"/>
-        </dgm:pt>
-      </dgm:ptLst>
-      <dgm:cxnLst>
-        <dgm:cxn modelId="4" srcId="0" destId="1" srcOrd="0" destOrd="0"/>
-        <dgm:cxn modelId="5" srcId="1" destId="2" srcOrd="0" destOrd="0"/>
-        <dgm:cxn modelId="6" srcId="1" destId="3" srcOrd="1" destOrd="0"/>
-        <dgm:cxn modelId="23" srcId="2" destId="21" srcOrd="0" destOrd="0"/>
-        <dgm:cxn modelId="24" srcId="2" destId="22" srcOrd="1" destOrd="0"/>
-        <dgm:cxn modelId="33" srcId="3" destId="31" srcOrd="0" destOrd="0"/>
-      </dgm:cxnLst>
-      <dgm:bg/>
-      <dgm:whole/>
-    </dgm:dataModel>
-  </dgm:sampData>
-  <dgm:styleData>
-    <dgm:dataModel>
-      <dgm:ptLst>
-        <dgm:pt modelId="0" type="doc"/>
-        <dgm:pt modelId="1"/>
-        <dgm:pt modelId="11"/>
-        <dgm:pt modelId="12"/>
-      </dgm:ptLst>
-      <dgm:cxnLst>
-        <dgm:cxn modelId="2" srcId="0" destId="1" srcOrd="0" destOrd="0"/>
-        <dgm:cxn modelId="13" srcId="1" destId="11" srcOrd="0" destOrd="0"/>
-        <dgm:cxn modelId="14" srcId="1" destId="12" srcOrd="1" destOrd="0"/>
-      </dgm:cxnLst>
-      <dgm:bg/>
-      <dgm:whole/>
-    </dgm:dataModel>
-  </dgm:styleData>
-  <dgm:clrData>
-    <dgm:dataModel>
-      <dgm:ptLst>
-        <dgm:pt modelId="0" type="doc"/>
-        <dgm:pt modelId="1"/>
-        <dgm:pt modelId="2"/>
-        <dgm:pt modelId="21"/>
-        <dgm:pt modelId="211"/>
-        <dgm:pt modelId="3"/>
-        <dgm:pt modelId="31"/>
-        <dgm:pt modelId="311"/>
-      </dgm:ptLst>
-      <dgm:cxnLst>
-        <dgm:cxn modelId="4" srcId="0" destId="1" srcOrd="0" destOrd="0"/>
-        <dgm:cxn modelId="5" srcId="1" destId="2" srcOrd="0" destOrd="0"/>
-        <dgm:cxn modelId="6" srcId="1" destId="3" srcOrd="1" destOrd="0"/>
-        <dgm:cxn modelId="23" srcId="2" destId="21" srcOrd="0" destOrd="0"/>
-        <dgm:cxn modelId="24" srcId="21" destId="211" srcOrd="0" destOrd="0"/>
-        <dgm:cxn modelId="33" srcId="3" destId="31" srcOrd="0" destOrd="0"/>
-        <dgm:cxn modelId="34" srcId="31" destId="311" srcOrd="0" destOrd="0"/>
-      </dgm:cxnLst>
-      <dgm:bg/>
-      <dgm:whole/>
-    </dgm:dataModel>
-  </dgm:clrData>
-  <dgm:layoutNode name="hierChild1">
-    <dgm:varLst>
-      <dgm:chPref val="1"/>
-      <dgm:dir/>
-      <dgm:animOne val="branch"/>
-      <dgm:animLvl val="lvl"/>
-      <dgm:resizeHandles/>
-    </dgm:varLst>
-    <dgm:choose name="Name0">
-      <dgm:if name="Name1" func="var" arg="dir" op="equ" val="norm">
-        <dgm:alg type="hierChild">
-          <dgm:param type="linDir" val="fromL"/>
-        </dgm:alg>
-      </dgm:if>
-      <dgm:else name="Name2">
-        <dgm:alg type="hierChild">
-          <dgm:param type="linDir" val="fromR"/>
-        </dgm:alg>
-      </dgm:else>
-    </dgm:choose>
-    <dgm:shape xmlns:r="http://schemas.openxmlformats.org/officeDocument/2006/relationships" r:blip="">
-      <dgm:adjLst/>
-    </dgm:shape>
-    <dgm:presOf/>
-    <dgm:constrLst>
-      <dgm:constr type="primFontSz" for="des" ptType="node" op="equ" val="65"/>
-      <dgm:constr type="w" for="des" forName="composite" refType="w"/>
-      <dgm:constr type="h" for="des" forName="composite" refType="w" refFor="des" refForName="composite" fact="0.667"/>
-      <dgm:constr type="w" for="des" forName="composite2" refType="w" refFor="des" refForName="composite"/>
-      <dgm:constr type="h" for="des" forName="composite2" refType="h" refFor="des" refForName="composite"/>
-      <dgm:constr type="w" for="des" forName="composite3" refType="w" refFor="des" refForName="composite"/>
-      <dgm:constr type="h" for="des" forName="composite3" refType="h" refFor="des" refForName="composite"/>
-      <dgm:constr type="w" for="des" forName="composite4" refType="w" refFor="des" refForName="composite"/>
-      <dgm:constr type="h" for="des" forName="composite4" refType="h" refFor="des" refForName="composite"/>
-      <dgm:constr type="w" for="des" forName="composite5" refType="w" refFor="des" refForName="composite"/>
-      <dgm:constr type="h" for="des" forName="composite5" refType="h" refFor="des" refForName="composite"/>
-      <dgm:constr type="sibSp" refType="w" refFor="des" refForName="composite" fact="0.1"/>
-      <dgm:constr type="sibSp" for="des" forName="hierChild2" refType="sibSp"/>
-      <dgm:constr type="sibSp" for="des" forName="hierChild3" refType="sibSp"/>
-      <dgm:constr type="sibSp" for="des" forName="hierChild4" refType="sibSp"/>
-      <dgm:constr type="sibSp" for="des" forName="hierChild5" refType="sibSp"/>
-      <dgm:constr type="sibSp" for="des" forName="hierChild6" refType="sibSp"/>
-      <dgm:constr type="sp" for="des" forName="hierRoot1" refType="h" refFor="des" refForName="composite" fact="0.25"/>
-      <dgm:constr type="sp" for="des" forName="hierRoot2" refType="sp" refFor="des" refForName="hierRoot1"/>
-      <dgm:constr type="sp" for="des" forName="hierRoot3" refType="sp" refFor="des" refForName="hierRoot1"/>
-      <dgm:constr type="sp" for="des" forName="hierRoot4" refType="sp" refFor="des" refForName="hierRoot1"/>
-      <dgm:constr type="sp" for="des" forName="hierRoot5" refType="sp" refFor="des" refForName="hierRoot1"/>
-    </dgm:constrLst>
-    <dgm:ruleLst/>
-    <dgm:forEach name="Name3" axis="ch">
-      <dgm:forEach name="Name4" axis="self" ptType="node">
-        <dgm:layoutNode name="hierRoot1">
-          <dgm:alg type="hierRoot"/>
-          <dgm:shape xmlns:r="http://schemas.openxmlformats.org/officeDocument/2006/relationships" r:blip="">
-            <dgm:adjLst/>
-          </dgm:shape>
-          <dgm:presOf/>
-          <dgm:constrLst>
-            <dgm:constr type="bendDist" for="des" ptType="parTrans" refType="sp" fact="0.5"/>
-          </dgm:constrLst>
-          <dgm:ruleLst/>
-          <dgm:layoutNode name="composite">
-            <dgm:alg type="composite"/>
-            <dgm:shape xmlns:r="http://schemas.openxmlformats.org/officeDocument/2006/relationships" r:blip="">
-              <dgm:adjLst/>
-            </dgm:shape>
-            <dgm:presOf/>
-            <dgm:constrLst>
-              <dgm:constr type="w" for="ch" forName="background" refType="w" fact="0.9"/>
-              <dgm:constr type="h" for="ch" forName="background" refType="w" refFor="ch" refForName="background" fact="0.635"/>
-              <dgm:constr type="t" for="ch" forName="background"/>
-              <dgm:constr type="l" for="ch" forName="background"/>
-              <dgm:constr type="w" for="ch" forName="text" refType="w" fact="0.9"/>
-              <dgm:constr type="h" for="ch" forName="text" refType="w" refFor="ch" refForName="text" fact="0.635"/>
-              <dgm:constr type="t" for="ch" forName="text" refType="w" fact="0.095"/>
-              <dgm:constr type="l" for="ch" forName="text" refType="w" fact="0.1"/>
-            </dgm:constrLst>
-            <dgm:ruleLst/>
-            <dgm:layoutNode name="background" styleLbl="node0" moveWith="text">
-              <dgm:alg type="sp"/>
-              <dgm:shape xmlns:r="http://schemas.openxmlformats.org/officeDocument/2006/relationships" type="roundRect" r:blip="">
-                <dgm:adjLst>
-                  <dgm:adj idx="1" val="0.1"/>
-                </dgm:adjLst>
-              </dgm:shape>
-              <dgm:presOf/>
-              <dgm:constrLst/>
-              <dgm:ruleLst/>
-            </dgm:layoutNode>
-            <dgm:layoutNode name="text" styleLbl="fgAcc0">
-              <dgm:varLst>
-                <dgm:chPref val="3"/>
-              </dgm:varLst>
-              <dgm:alg type="tx"/>
-              <dgm:shape xmlns:r="http://schemas.openxmlformats.org/officeDocument/2006/relationships" type="roundRect" r:blip="">
-                <dgm:adjLst>
-                  <dgm:adj idx="1" val="0.1"/>
-                </dgm:adjLst>
-              </dgm:shape>
-              <dgm:presOf axis="self"/>
-              <dgm:constrLst>
-                <dgm:constr type="tMarg" refType="primFontSz" fact="0.3"/>
-                <dgm:constr type="bMarg" refType="primFontSz" fact="0.3"/>
-                <dgm:constr type="lMarg" refType="primFontSz" fact="0.3"/>
-                <dgm:constr type="rMarg" refType="primFontSz" fact="0.3"/>
-              </dgm:constrLst>
-              <dgm:ruleLst>
-                <dgm:rule type="primFontSz" val="5" fact="NaN" max="NaN"/>
-              </dgm:ruleLst>
-            </dgm:layoutNode>
-          </dgm:layoutNode>
-          <dgm:layoutNode name="hierChild2">
-            <dgm:choose name="Name5">
-              <dgm:if name="Name6" func="var" arg="dir" op="equ" val="norm">
-                <dgm:alg type="hierChild">
-                  <dgm:param type="linDir" val="fromL"/>
-                </dgm:alg>
-              </dgm:if>
-              <dgm:else name="Name7">
-                <dgm:alg type="hierChild">
-                  <dgm:param type="linDir" val="fromR"/>
-                </dgm:alg>
-              </dgm:else>
-            </dgm:choose>
-            <dgm:shape xmlns:r="http://schemas.openxmlformats.org/officeDocument/2006/relationships" r:blip="">
-              <dgm:adjLst/>
-            </dgm:shape>
-            <dgm:presOf/>
-            <dgm:constrLst/>
-            <dgm:ruleLst/>
-            <dgm:forEach name="Name8" axis="ch">
-              <dgm:forEach name="Name9" axis="self" ptType="parTrans" cnt="1">
-                <dgm:layoutNode name="Name10">
-                  <dgm:alg type="conn">
-                    <dgm:param type="dim" val="1D"/>
-                    <dgm:param type="endSty" val="noArr"/>
-                    <dgm:param type="connRout" val="bend"/>
-                    <dgm:param type="bendPt" val="end"/>
-                    <dgm:param type="begPts" val="bCtr"/>
-                    <dgm:param type="endPts" val="tCtr"/>
-                    <dgm:param type="srcNode" val="background"/>
-                    <dgm:param type="dstNode" val="background2"/>
-                  </dgm:alg>
-                  <dgm:shape xmlns:r="http://schemas.openxmlformats.org/officeDocument/2006/relationships" type="conn" r:blip="" zOrderOff="-999">
-                    <dgm:adjLst/>
-                  </dgm:shape>
-                  <dgm:presOf axis="self"/>
-                  <dgm:constrLst>
-                    <dgm:constr type="begPad"/>
-                    <dgm:constr type="endPad"/>
-                  </dgm:constrLst>
-                  <dgm:ruleLst/>
-                </dgm:layoutNode>
-              </dgm:forEach>
-              <dgm:forEach name="Name11" axis="self" ptType="node">
-                <dgm:layoutNode name="hierRoot2">
-                  <dgm:alg type="hierRoot"/>
-                  <dgm:shape xmlns:r="http://schemas.openxmlformats.org/officeDocument/2006/relationships" r:blip="">
-                    <dgm:adjLst/>
-                  </dgm:shape>
-                  <dgm:presOf/>
-                  <dgm:constrLst>
-                    <dgm:constr type="bendDist" for="des" ptType="parTrans" refType="sp" fact="0.5"/>
-                  </dgm:constrLst>
-                  <dgm:ruleLst/>
-                  <dgm:layoutNode name="composite2">
-                    <dgm:alg type="composite"/>
-                    <dgm:shape xmlns:r="http://schemas.openxmlformats.org/officeDocument/2006/relationships" r:blip="">
-                      <dgm:adjLst/>
-                    </dgm:shape>
-                    <dgm:presOf/>
-                    <dgm:constrLst>
-                      <dgm:constr type="w" for="ch" forName="background2" refType="w" fact="0.9"/>
-                      <dgm:constr type="h" for="ch" forName="background2" refType="w" refFor="ch" refForName="background2" fact="0.635"/>
-                      <dgm:constr type="t" for="ch" forName="background2"/>
-                      <dgm:constr type="l" for="ch" forName="background2"/>
-                      <dgm:constr type="w" for="ch" forName="text2" refType="w" fact="0.9"/>
-                      <dgm:constr type="h" for="ch" forName="text2" refType="w" refFor="ch" refForName="text2" fact="0.635"/>
-                      <dgm:constr type="t" for="ch" forName="text2" refType="w" fact="0.095"/>
-                      <dgm:constr type="l" for="ch" forName="text2" refType="w" fact="0.1"/>
-                    </dgm:constrLst>
-                    <dgm:ruleLst/>
-                    <dgm:layoutNode name="background2" moveWith="text2">
-                      <dgm:alg type="sp"/>
-                      <dgm:shape xmlns:r="http://schemas.openxmlformats.org/officeDocument/2006/relationships" type="roundRect" r:blip="">
-                        <dgm:adjLst>
-                          <dgm:adj idx="1" val="0.1"/>
-                        </dgm:adjLst>
-                      </dgm:shape>
-                      <dgm:presOf/>
-                      <dgm:constrLst/>
-                      <dgm:ruleLst/>
-                    </dgm:layoutNode>
-                    <dgm:layoutNode name="text2" styleLbl="fgAcc2">
-                      <dgm:varLst>
-                        <dgm:chPref val="3"/>
-                      </dgm:varLst>
-                      <dgm:alg type="tx"/>
-                      <dgm:shape xmlns:r="http://schemas.openxmlformats.org/officeDocument/2006/relationships" type="roundRect" r:blip="">
-                        <dgm:adjLst>
-                          <dgm:adj idx="1" val="0.1"/>
-                        </dgm:adjLst>
-                      </dgm:shape>
-                      <dgm:presOf axis="self"/>
-                      <dgm:constrLst>
-                        <dgm:constr type="tMarg" refType="primFontSz" fact="0.3"/>
-                        <dgm:constr type="bMarg" refType="primFontSz" fact="0.3"/>
-                        <dgm:constr type="lMarg" refType="primFontSz" fact="0.3"/>
-                        <dgm:constr type="rMarg" refType="primFontSz" fact="0.3"/>
-                      </dgm:constrLst>
-                      <dgm:ruleLst>
-                        <dgm:rule type="primFontSz" val="5" fact="NaN" max="NaN"/>
-                      </dgm:ruleLst>
-                    </dgm:layoutNode>
-                  </dgm:layoutNode>
-                  <dgm:layoutNode name="hierChild3">
-                    <dgm:choose name="Name12">
-                      <dgm:if name="Name13" func="var" arg="dir" op="equ" val="norm">
-                        <dgm:alg type="hierChild">
-                          <dgm:param type="linDir" val="fromL"/>
-                        </dgm:alg>
-                      </dgm:if>
-                      <dgm:else name="Name14">
-                        <dgm:alg type="hierChild">
-                          <dgm:param type="linDir" val="fromR"/>
-                        </dgm:alg>
-                      </dgm:else>
-                    </dgm:choose>
-                    <dgm:shape xmlns:r="http://schemas.openxmlformats.org/officeDocument/2006/relationships" r:blip="">
-                      <dgm:adjLst/>
-                    </dgm:shape>
-                    <dgm:presOf/>
-                    <dgm:constrLst/>
-                    <dgm:ruleLst/>
-                    <dgm:forEach name="Name15" axis="ch">
-                      <dgm:forEach name="Name16" axis="self" ptType="parTrans" cnt="1">
-                        <dgm:layoutNode name="Name17">
-                          <dgm:alg type="conn">
-                            <dgm:param type="dim" val="1D"/>
-                            <dgm:param type="endSty" val="noArr"/>
-                            <dgm:param type="connRout" val="bend"/>
-                            <dgm:param type="bendPt" val="end"/>
-                            <dgm:param type="begPts" val="bCtr"/>
-                            <dgm:param type="endPts" val="tCtr"/>
-                            <dgm:param type="srcNode" val="background2"/>
-                            <dgm:param type="dstNode" val="background3"/>
-                          </dgm:alg>
-                          <dgm:shape xmlns:r="http://schemas.openxmlformats.org/officeDocument/2006/relationships" type="conn" r:blip="" zOrderOff="-999">
-                            <dgm:adjLst/>
-                          </dgm:shape>
-                          <dgm:presOf axis="self"/>
-                          <dgm:constrLst>
-                            <dgm:constr type="begPad"/>
-                            <dgm:constr type="endPad"/>
-                          </dgm:constrLst>
-                          <dgm:ruleLst/>
-                        </dgm:layoutNode>
-                      </dgm:forEach>
-                      <dgm:forEach name="Name18" axis="self" ptType="node">
-                        <dgm:layoutNode name="hierRoot3">
-                          <dgm:alg type="hierRoot"/>
-                          <dgm:shape xmlns:r="http://schemas.openxmlformats.org/officeDocument/2006/relationships" r:blip="">
-                            <dgm:adjLst/>
-                          </dgm:shape>
-                          <dgm:presOf/>
-                          <dgm:constrLst>
-                            <dgm:constr type="bendDist" for="des" ptType="parTrans" refType="sp" fact="0.5"/>
-                          </dgm:constrLst>
-                          <dgm:ruleLst/>
-                          <dgm:layoutNode name="composite3">
-                            <dgm:alg type="composite"/>
-                            <dgm:shape xmlns:r="http://schemas.openxmlformats.org/officeDocument/2006/relationships" r:blip="">
-                              <dgm:adjLst/>
-                            </dgm:shape>
-                            <dgm:presOf/>
-                            <dgm:constrLst>
-                              <dgm:constr type="w" for="ch" forName="background3" refType="w" fact="0.9"/>
-                              <dgm:constr type="h" for="ch" forName="background3" refType="w" refFor="ch" refForName="background3" fact="0.635"/>
-                              <dgm:constr type="t" for="ch" forName="background3"/>
-                              <dgm:constr type="l" for="ch" forName="background3"/>
-                              <dgm:constr type="w" for="ch" forName="text3" refType="w" fact="0.9"/>
-                              <dgm:constr type="h" for="ch" forName="text3" refType="w" refFor="ch" refForName="text3" fact="0.635"/>
-                              <dgm:constr type="t" for="ch" forName="text3" refType="w" fact="0.095"/>
-                              <dgm:constr type="l" for="ch" forName="text3" refType="w" fact="0.1"/>
-                            </dgm:constrLst>
-                            <dgm:ruleLst/>
-                            <dgm:layoutNode name="background3" moveWith="text3">
-                              <dgm:alg type="sp"/>
-                              <dgm:shape xmlns:r="http://schemas.openxmlformats.org/officeDocument/2006/relationships" type="roundRect" r:blip="">
-                                <dgm:adjLst>
-                                  <dgm:adj idx="1" val="0.1"/>
-                                </dgm:adjLst>
-                              </dgm:shape>
-                              <dgm:presOf/>
-                              <dgm:constrLst/>
-                              <dgm:ruleLst/>
-                            </dgm:layoutNode>
-                            <dgm:layoutNode name="text3" styleLbl="fgAcc3">
-                              <dgm:varLst>
-                                <dgm:chPref val="3"/>
-                              </dgm:varLst>
-                              <dgm:alg type="tx"/>
-                              <dgm:shape xmlns:r="http://schemas.openxmlformats.org/officeDocument/2006/relationships" type="roundRect" r:blip="">
-                                <dgm:adjLst>
-                                  <dgm:adj idx="1" val="0.1"/>
-                                </dgm:adjLst>
-                              </dgm:shape>
-                              <dgm:presOf axis="self"/>
-                              <dgm:constrLst>
-                                <dgm:constr type="tMarg" refType="primFontSz" fact="0.3"/>
-                                <dgm:constr type="bMarg" refType="primFontSz" fact="0.3"/>
-                                <dgm:constr type="lMarg" refType="primFontSz" fact="0.3"/>
-                                <dgm:constr type="rMarg" refType="primFontSz" fact="0.3"/>
-                              </dgm:constrLst>
-                              <dgm:ruleLst>
-                                <dgm:rule type="primFontSz" val="5" fact="NaN" max="NaN"/>
-                              </dgm:ruleLst>
-                            </dgm:layoutNode>
-                          </dgm:layoutNode>
-                          <dgm:layoutNode name="hierChild4">
-                            <dgm:choose name="Name19">
-                              <dgm:if name="Name20" func="var" arg="dir" op="equ" val="norm">
-                                <dgm:alg type="hierChild">
-                                  <dgm:param type="linDir" val="fromL"/>
-                                </dgm:alg>
-                              </dgm:if>
-                              <dgm:else name="Name21">
-                                <dgm:alg type="hierChild">
-                                  <dgm:param type="linDir" val="fromR"/>
-                                </dgm:alg>
-                              </dgm:else>
-                            </dgm:choose>
-                            <dgm:shape xmlns:r="http://schemas.openxmlformats.org/officeDocument/2006/relationships" r:blip="">
-                              <dgm:adjLst/>
-                            </dgm:shape>
-                            <dgm:presOf/>
-                            <dgm:constrLst/>
-                            <dgm:ruleLst/>
-                            <dgm:forEach name="repeat" axis="ch">
-                              <dgm:forEach name="Name22" axis="self" ptType="parTrans" cnt="1">
-                                <dgm:layoutNode name="Name23">
-                                  <dgm:choose name="Name24">
-                                    <dgm:if name="Name25" axis="self" func="depth" op="lte" val="4">
-                                      <dgm:alg type="conn">
-                                        <dgm:param type="dim" val="1D"/>
-                                        <dgm:param type="endSty" val="noArr"/>
-                                        <dgm:param type="connRout" val="bend"/>
-                                        <dgm:param type="bendPt" val="end"/>
-                                        <dgm:param type="begPts" val="bCtr"/>
-                                        <dgm:param type="endPts" val="tCtr"/>
-                                        <dgm:param type="srcNode" val="background3"/>
-                                        <dgm:param type="dstNode" val="background4"/>
-                                      </dgm:alg>
-                                    </dgm:if>
-                                    <dgm:else name="Name26">
-                                      <dgm:alg type="conn">
-                                        <dgm:param type="dim" val="1D"/>
-                                        <dgm:param type="endSty" val="noArr"/>
-                                        <dgm:param type="connRout" val="bend"/>
-                                        <dgm:param type="bendPt" val="end"/>
-                                        <dgm:param type="begPts" val="bCtr"/>
-                                        <dgm:param type="endPts" val="tCtr"/>
-                                        <dgm:param type="srcNode" val="background4"/>
-                                        <dgm:param type="dstNode" val="background4"/>
-                                      </dgm:alg>
-                                    </dgm:else>
-                                  </dgm:choose>
-                                  <dgm:shape xmlns:r="http://schemas.openxmlformats.org/officeDocument/2006/relationships" type="conn" r:blip="" zOrderOff="-999">
-                                    <dgm:adjLst/>
-                                  </dgm:shape>
-                                  <dgm:presOf axis="self"/>
-                                  <dgm:constrLst>
-                                    <dgm:constr type="begPad"/>
-                                    <dgm:constr type="endPad"/>
-                                  </dgm:constrLst>
-                                  <dgm:ruleLst/>
-                                </dgm:layoutNode>
-                              </dgm:forEach>
-                              <dgm:forEach name="Name27" axis="self" ptType="node">
-                                <dgm:layoutNode name="hierRoot4">
-                                  <dgm:alg type="hierRoot"/>
-                                  <dgm:shape xmlns:r="http://schemas.openxmlformats.org/officeDocument/2006/relationships" r:blip="">
-                                    <dgm:adjLst/>
-                                  </dgm:shape>
-                                  <dgm:presOf/>
-                                  <dgm:constrLst>
-                                    <dgm:constr type="bendDist" for="des" ptType="parTrans" refType="sp" fact="0.5"/>
-                                  </dgm:constrLst>
-                                  <dgm:ruleLst/>
-                                  <dgm:layoutNode name="composite4">
-                                    <dgm:alg type="composite"/>
-                                    <dgm:shape xmlns:r="http://schemas.openxmlformats.org/officeDocument/2006/relationships" r:blip="">
-                                      <dgm:adjLst/>
-                                    </dgm:shape>
-                                    <dgm:presOf/>
-                                    <dgm:constrLst>
-                                      <dgm:constr type="w" for="ch" forName="background4" refType="w" fact="0.9"/>
-                                      <dgm:constr type="h" for="ch" forName="background4" refType="w" refFor="ch" refForName="background4" fact="0.635"/>
-                                      <dgm:constr type="t" for="ch" forName="background4"/>
-                                      <dgm:constr type="l" for="ch" forName="background4"/>
-                                      <dgm:constr type="w" for="ch" forName="text4" refType="w" fact="0.9"/>
-                                      <dgm:constr type="h" for="ch" forName="text4" refType="w" refFor="ch" refForName="text4" fact="0.635"/>
-                                      <dgm:constr type="t" for="ch" forName="text4" refType="w" fact="0.095"/>
-                                      <dgm:constr type="l" for="ch" forName="text4" refType="w" fact="0.1"/>
-                                    </dgm:constrLst>
-                                    <dgm:ruleLst/>
-                                    <dgm:layoutNode name="background4" moveWith="text4">
-                                      <dgm:alg type="sp"/>
-                                      <dgm:shape xmlns:r="http://schemas.openxmlformats.org/officeDocument/2006/relationships" type="roundRect" r:blip="">
-                                        <dgm:adjLst>
-                                          <dgm:adj idx="1" val="0.1"/>
-                                        </dgm:adjLst>
-                                      </dgm:shape>
-                                      <dgm:presOf/>
-                                      <dgm:constrLst/>
-                                      <dgm:ruleLst/>
-                                    </dgm:layoutNode>
-                                    <dgm:layoutNode name="text4" styleLbl="fgAcc4">
-                                      <dgm:varLst>
-                                        <dgm:chPref val="3"/>
-                                      </dgm:varLst>
-                                      <dgm:alg type="tx"/>
-                                      <dgm:shape xmlns:r="http://schemas.openxmlformats.org/officeDocument/2006/relationships" type="roundRect" r:blip="">
-                                        <dgm:adjLst>
-                                          <dgm:adj idx="1" val="0.1"/>
-                                        </dgm:adjLst>
-                                      </dgm:shape>
-                                      <dgm:presOf axis="self"/>
-                                      <dgm:constrLst>
-                                        <dgm:constr type="tMarg" refType="primFontSz" fact="0.3"/>
-                                        <dgm:constr type="bMarg" refType="primFontSz" fact="0.3"/>
-                                        <dgm:constr type="lMarg" refType="primFontSz" fact="0.3"/>
-                                        <dgm:constr type="rMarg" refType="primFontSz" fact="0.3"/>
-                                      </dgm:constrLst>
-                                      <dgm:ruleLst>
-                                        <dgm:rule type="primFontSz" val="5" fact="NaN" max="NaN"/>
-                                      </dgm:ruleLst>
-                                    </dgm:layoutNode>
-                                  </dgm:layoutNode>
-                                  <dgm:layoutNode name="hierChild5">
-                                    <dgm:choose name="Name28">
-                                      <dgm:if name="Name29" func="var" arg="dir" op="equ" val="norm">
-                                        <dgm:alg type="hierChild">
-                                          <dgm:param type="linDir" val="fromL"/>
-                                        </dgm:alg>
-                                      </dgm:if>
-                                      <dgm:else name="Name30">
-                                        <dgm:alg type="hierChild">
-                                          <dgm:param type="linDir" val="fromR"/>
-                                        </dgm:alg>
-                                      </dgm:else>
-                                    </dgm:choose>
-                                    <dgm:shape xmlns:r="http://schemas.openxmlformats.org/officeDocument/2006/relationships" r:blip="">
-                                      <dgm:adjLst/>
-                                    </dgm:shape>
-                                    <dgm:presOf/>
-                                    <dgm:constrLst/>
-                                    <dgm:ruleLst/>
-                                    <dgm:forEach name="Name31" ref="repeat"/>
-                                  </dgm:layoutNode>
-                                </dgm:layoutNode>
-                              </dgm:forEach>
-                            </dgm:forEach>
-                          </dgm:layoutNode>
-                        </dgm:layoutNode>
-                      </dgm:forEach>
-                    </dgm:forEach>
-                  </dgm:layoutNode>
-                </dgm:layoutNode>
-              </dgm:forEach>
-            </dgm:forEach>
-          </dgm:layoutNode>
-        </dgm:layoutNode>
-      </dgm:forEach>
-    </dgm:forEach>
-  </dgm:layoutNode>
-</dgm:layoutDef>
-</file>
-
-<file path=ppt/diagrams/layout2.xml><?xml version="1.0" encoding="utf-8"?>
 <dgm:layoutDef xmlns:dgm="http://schemas.openxmlformats.org/drawingml/2006/diagram" xmlns:a="http://schemas.openxmlformats.org/drawingml/2006/main" uniqueId="urn:microsoft.com/office/officeart/2016/7/layout/RepeatingBendingProcessNew">
   <dgm:title val="Repeating Bending Process New"/>
   <dgm:desc val=""/>
@@ -11400,7 +8025,7 @@
 </dgm:layoutDef>
 </file>
 
-<file path=ppt/diagrams/layout3.xml><?xml version="1.0" encoding="utf-8"?>
+<file path=ppt/diagrams/layout2.xml><?xml version="1.0" encoding="utf-8"?>
 <dgm:layoutDef xmlns:dgm="http://schemas.openxmlformats.org/drawingml/2006/diagram" xmlns:a="http://schemas.openxmlformats.org/drawingml/2006/main" uniqueId="urn:microsoft.com/office/officeart/2008/layout/LinedList">
   <dgm:title val=""/>
   <dgm:desc val=""/>
@@ -11866,7 +8491,7 @@
 </dgm:layoutDef>
 </file>
 
-<file path=ppt/diagrams/layout4.xml><?xml version="1.0" encoding="utf-8"?>
+<file path=ppt/diagrams/layout3.xml><?xml version="1.0" encoding="utf-8"?>
 <dgm:layoutDef xmlns:dgm="http://schemas.openxmlformats.org/drawingml/2006/diagram" xmlns:a="http://schemas.openxmlformats.org/drawingml/2006/main" uniqueId="urn:microsoft.com/office/officeart/2018/2/layout/IconVerticalSolidList">
   <dgm:title val="Icon Vertical Solid List"/>
   <dgm:desc val="Use to show a series of visuals from top to bottom with Level 1 or Level 1 and Level 2 text grouped in a shape. Works best with icons or small pictures with lengthier descriptions."/>
@@ -12160,197 +8785,7 @@
 </dgm:layoutDef>
 </file>
 
-<file path=ppt/diagrams/layout5.xml><?xml version="1.0" encoding="utf-8"?>
-<dgm:layoutDef xmlns:dgm="http://schemas.openxmlformats.org/drawingml/2006/diagram" xmlns:a="http://schemas.openxmlformats.org/drawingml/2006/main" uniqueId="urn:microsoft.com/office/officeart/2018/2/layout/IconLabelList">
-  <dgm:title val="Icon Label List"/>
-  <dgm:desc val="Use to show non-sequential or grouped chunks of information accompanied by a related visuals. Works best with icons or small pictures with short text captions."/>
-  <dgm:catLst>
-    <dgm:cat type="icon" pri="500"/>
-  </dgm:catLst>
-  <dgm:sampData useDef="1">
-    <dgm:dataModel>
-      <dgm:ptLst/>
-      <dgm:bg/>
-      <dgm:whole/>
-    </dgm:dataModel>
-  </dgm:sampData>
-  <dgm:styleData useDef="1">
-    <dgm:dataModel>
-      <dgm:ptLst/>
-      <dgm:bg/>
-      <dgm:whole/>
-    </dgm:dataModel>
-  </dgm:styleData>
-  <dgm:clrData useDef="1">
-    <dgm:dataModel>
-      <dgm:ptLst/>
-      <dgm:bg/>
-      <dgm:whole/>
-    </dgm:dataModel>
-  </dgm:clrData>
-  <dgm:layoutNode name="root">
-    <dgm:varLst>
-      <dgm:dir/>
-      <dgm:resizeHandles val="exact"/>
-    </dgm:varLst>
-    <dgm:choose name="Name0">
-      <dgm:if name="Name1" axis="self" func="var" arg="dir" op="equ" val="norm">
-        <dgm:alg type="snake">
-          <dgm:param type="grDir" val="tL"/>
-          <dgm:param type="flowDir" val="row"/>
-          <dgm:param type="contDir" val="sameDir"/>
-          <dgm:param type="off" val="ctr"/>
-          <dgm:param type="vertAlign" val="mid"/>
-          <dgm:param type="horzAlign" val="ctr"/>
-        </dgm:alg>
-      </dgm:if>
-      <dgm:else name="Name2">
-        <dgm:alg type="snake">
-          <dgm:param type="grDir" val="tR"/>
-          <dgm:param type="flowDir" val="row"/>
-          <dgm:param type="contDir" val="sameDir"/>
-          <dgm:param type="off" val="ctr"/>
-          <dgm:param type="vertAlign" val="mid"/>
-          <dgm:param type="horzAlign" val="ctr"/>
-        </dgm:alg>
-      </dgm:else>
-    </dgm:choose>
-    <dgm:shape xmlns:r="http://schemas.openxmlformats.org/officeDocument/2006/relationships" r:blip="">
-      <dgm:adjLst/>
-    </dgm:shape>
-    <dgm:presOf/>
-    <dgm:choose name="Name3">
-      <dgm:if name="Name4" axis="ch" ptType="node" func="cnt" op="lte" val="2">
-        <dgm:constrLst>
-          <dgm:constr type="h" for="ch" forName="compNode" refType="h" fact="0.4"/>
-          <dgm:constr type="w" for="ch" forName="compNode" val="120"/>
-          <dgm:constr type="w" for="ch" forName="sibTrans" refType="w" refFor="ch" refForName="compNode" fact="0.175"/>
-          <dgm:constr type="sp" refType="w" refFor="ch" refForName="compNode" op="equ" fact="0.25"/>
-          <dgm:constr type="primFontSz" for="des" ptType="node" op="equ" val="50"/>
-          <dgm:constr type="h" for="des" forName="compNode" op="equ"/>
-          <dgm:constr type="h" for="des" forName="textRect" op="equ"/>
-        </dgm:constrLst>
-      </dgm:if>
-      <dgm:if name="Name5" axis="ch" ptType="node" func="cnt" op="lte" val="4">
-        <dgm:constrLst>
-          <dgm:constr type="h" for="ch" forName="compNode" refType="h" fact="0.4"/>
-          <dgm:constr type="w" for="ch" forName="compNode" refType="w"/>
-          <dgm:constr type="w" for="ch" forName="sibTrans" refType="w" refFor="ch" refForName="compNode" fact="0.175"/>
-          <dgm:constr type="sp" refType="w" refFor="ch" refForName="compNode" op="equ" fact="0.25"/>
-          <dgm:constr type="primFontSz" for="des" ptType="node" op="equ" val="36"/>
-          <dgm:constr type="h" for="des" forName="compNode" op="equ"/>
-          <dgm:constr type="h" for="des" forName="textRect" op="equ"/>
-        </dgm:constrLst>
-      </dgm:if>
-      <dgm:else name="Name6">
-        <dgm:constrLst>
-          <dgm:constr type="h" for="ch" forName="compNode" refType="h" fact="0.4"/>
-          <dgm:constr type="w" for="ch" forName="compNode" refType="w"/>
-          <dgm:constr type="w" for="ch" forName="sibTrans" refType="w" refFor="ch" refForName="compNode" fact="0.175"/>
-          <dgm:constr type="sp" refType="w" refFor="ch" refForName="compNode" op="equ" fact="0.25"/>
-          <dgm:constr type="primFontSz" for="des" ptType="node" op="equ" val="24"/>
-          <dgm:constr type="h" for="des" forName="compNode" op="equ"/>
-          <dgm:constr type="h" for="des" forName="textRect" op="equ"/>
-        </dgm:constrLst>
-      </dgm:else>
-    </dgm:choose>
-    <dgm:ruleLst>
-      <dgm:rule type="w" for="ch" forName="compNode" val="50" fact="NaN" max="NaN"/>
-    </dgm:ruleLst>
-    <dgm:forEach name="Name7" axis="ch" ptType="node">
-      <dgm:layoutNode name="compNode">
-        <dgm:alg type="composite"/>
-        <dgm:shape xmlns:r="http://schemas.openxmlformats.org/officeDocument/2006/relationships" r:blip="">
-          <dgm:adjLst/>
-        </dgm:shape>
-        <dgm:presOf axis="self"/>
-        <dgm:constrLst>
-          <dgm:constr type="w" for="ch" forName="iconRect" refType="w" fact="0.45"/>
-          <dgm:constr type="h" for="ch" forName="iconRect" refType="w" refFor="ch" refForName="iconRect"/>
-          <dgm:constr type="ctrX" for="ch" forName="iconRect" refType="w" fact="0.5"/>
-          <dgm:constr type="t" for="ch" forName="iconRect"/>
-          <dgm:constr type="h" for="ch" forName="spaceRect" refType="h" fact="0.15"/>
-          <dgm:constr type="w" for="ch" forName="spaceRect" refType="w"/>
-          <dgm:constr type="l" for="ch" forName="spaceRect"/>
-          <dgm:constr type="t" for="ch" forName="spaceRect" refType="b" refFor="ch" refForName="iconRect"/>
-          <dgm:constr type="h" for="ch" forName="textRect" val="20"/>
-          <dgm:constr type="w" for="ch" forName="textRect" refType="w"/>
-          <dgm:constr type="l" for="ch" forName="textRect"/>
-          <dgm:constr type="t" for="ch" forName="textRect" refType="b" refFor="ch" refForName="spaceRect"/>
-        </dgm:constrLst>
-        <dgm:ruleLst>
-          <dgm:rule type="h" val="INF" fact="NaN" max="NaN"/>
-        </dgm:ruleLst>
-        <dgm:layoutNode name="iconRect" styleLbl="node1">
-          <dgm:alg type="sp"/>
-          <dgm:shape xmlns:r="http://schemas.openxmlformats.org/officeDocument/2006/relationships" type="rect" r:blip="" blipPhldr="1">
-            <dgm:adjLst/>
-          </dgm:shape>
-          <dgm:presOf/>
-          <dgm:constrLst/>
-          <dgm:ruleLst/>
-        </dgm:layoutNode>
-        <dgm:layoutNode name="spaceRect">
-          <dgm:alg type="sp"/>
-          <dgm:shape xmlns:r="http://schemas.openxmlformats.org/officeDocument/2006/relationships" r:blip="">
-            <dgm:adjLst/>
-          </dgm:shape>
-          <dgm:presOf/>
-          <dgm:constrLst/>
-          <dgm:ruleLst/>
-        </dgm:layoutNode>
-        <dgm:layoutNode name="textRect" styleLbl="revTx">
-          <dgm:varLst>
-            <dgm:chMax val="1"/>
-            <dgm:chPref val="1"/>
-          </dgm:varLst>
-          <dgm:alg type="tx">
-            <dgm:param type="txAnchorVert" val="t"/>
-          </dgm:alg>
-          <dgm:shape xmlns:r="http://schemas.openxmlformats.org/officeDocument/2006/relationships" type="rect" r:blip="">
-            <dgm:adjLst/>
-          </dgm:shape>
-          <dgm:presOf axis="self" ptType="node"/>
-          <dgm:constrLst>
-            <dgm:constr type="lMarg"/>
-            <dgm:constr type="rMarg"/>
-            <dgm:constr type="tMarg"/>
-            <dgm:constr type="bMarg"/>
-          </dgm:constrLst>
-          <dgm:ruleLst>
-            <dgm:rule type="primFontSz" val="11" fact="NaN" max="NaN"/>
-            <dgm:rule type="h" val="INF" fact="NaN" max="NaN"/>
-          </dgm:ruleLst>
-        </dgm:layoutNode>
-      </dgm:layoutNode>
-      <dgm:forEach name="Name8" axis="followSib" ptType="sibTrans" cnt="1">
-        <dgm:layoutNode name="sibTrans">
-          <dgm:alg type="sp"/>
-          <dgm:shape xmlns:r="http://schemas.openxmlformats.org/officeDocument/2006/relationships" r:blip="">
-            <dgm:adjLst/>
-          </dgm:shape>
-          <dgm:presOf axis="self"/>
-          <dgm:constrLst/>
-          <dgm:ruleLst/>
-        </dgm:layoutNode>
-      </dgm:forEach>
-    </dgm:forEach>
-  </dgm:layoutNode>
-  <dgm:extLst>
-    <a:ext uri="{68A01E43-0DF5-4B5B-8FA6-DAF915123BFB}">
-      <dgm1612:lstStyle xmlns:dgm1612="http://schemas.microsoft.com/office/drawing/2016/12/diagram">
-        <a:lvl1pPr>
-          <a:lnSpc>
-            <a:spcPct val="100000"/>
-          </a:lnSpc>
-        </a:lvl1pPr>
-      </dgm1612:lstStyle>
-    </a:ext>
-  </dgm:extLst>
-</dgm:layoutDef>
-</file>
-
-<file path=ppt/diagrams/layout6.xml><?xml version="1.0" encoding="utf-8"?>
+<file path=ppt/diagrams/layout4.xml><?xml version="1.0" encoding="utf-8"?>
 <dgm:layoutDef xmlns:dgm="http://schemas.openxmlformats.org/drawingml/2006/diagram" xmlns:a="http://schemas.openxmlformats.org/drawingml/2006/main" uniqueId="urn:microsoft.com/office/officeart/2005/8/layout/hierarchy1">
   <dgm:title val=""/>
   <dgm:desc val=""/>
@@ -17049,2074 +13484,6 @@
 </dgm:styleDef>
 </file>
 
-<file path=ppt/diagrams/quickStyle5.xml><?xml version="1.0" encoding="utf-8"?>
-<dgm:styleDef xmlns:dgm="http://schemas.openxmlformats.org/drawingml/2006/diagram" xmlns:a="http://schemas.openxmlformats.org/drawingml/2006/main" uniqueId="urn:microsoft.com/office/officeart/2005/8/quickstyle/simple1">
-  <dgm:title val=""/>
-  <dgm:desc val=""/>
-  <dgm:catLst>
-    <dgm:cat type="simple" pri="10100"/>
-  </dgm:catLst>
-  <dgm:scene3d>
-    <a:camera prst="orthographicFront"/>
-    <a:lightRig rig="threePt" dir="t"/>
-  </dgm:scene3d>
-  <dgm:styleLbl name="node0">
-    <dgm:scene3d>
-      <a:camera prst="orthographicFront"/>
-      <a:lightRig rig="threePt" dir="t"/>
-    </dgm:scene3d>
-    <dgm:sp3d/>
-    <dgm:txPr/>
-    <dgm:style>
-      <a:lnRef idx="2">
-        <a:scrgbClr r="0" g="0" b="0"/>
-      </a:lnRef>
-      <a:fillRef idx="1">
-        <a:scrgbClr r="0" g="0" b="0"/>
-      </a:fillRef>
-      <a:effectRef idx="0">
-        <a:scrgbClr r="0" g="0" b="0"/>
-      </a:effectRef>
-      <a:fontRef idx="minor">
-        <a:schemeClr val="lt1"/>
-      </a:fontRef>
-    </dgm:style>
-  </dgm:styleLbl>
-  <dgm:styleLbl name="lnNode1">
-    <dgm:scene3d>
-      <a:camera prst="orthographicFront"/>
-      <a:lightRig rig="threePt" dir="t"/>
-    </dgm:scene3d>
-    <dgm:sp3d/>
-    <dgm:txPr/>
-    <dgm:style>
-      <a:lnRef idx="2">
-        <a:scrgbClr r="0" g="0" b="0"/>
-      </a:lnRef>
-      <a:fillRef idx="1">
-        <a:scrgbClr r="0" g="0" b="0"/>
-      </a:fillRef>
-      <a:effectRef idx="0">
-        <a:scrgbClr r="0" g="0" b="0"/>
-      </a:effectRef>
-      <a:fontRef idx="minor">
-        <a:schemeClr val="lt1"/>
-      </a:fontRef>
-    </dgm:style>
-  </dgm:styleLbl>
-  <dgm:styleLbl name="vennNode1">
-    <dgm:scene3d>
-      <a:camera prst="orthographicFront"/>
-      <a:lightRig rig="threePt" dir="t"/>
-    </dgm:scene3d>
-    <dgm:sp3d/>
-    <dgm:txPr/>
-    <dgm:style>
-      <a:lnRef idx="2">
-        <a:scrgbClr r="0" g="0" b="0"/>
-      </a:lnRef>
-      <a:fillRef idx="1">
-        <a:scrgbClr r="0" g="0" b="0"/>
-      </a:fillRef>
-      <a:effectRef idx="0">
-        <a:scrgbClr r="0" g="0" b="0"/>
-      </a:effectRef>
-      <a:fontRef idx="minor">
-        <a:schemeClr val="tx1"/>
-      </a:fontRef>
-    </dgm:style>
-  </dgm:styleLbl>
-  <dgm:styleLbl name="alignNode1">
-    <dgm:scene3d>
-      <a:camera prst="orthographicFront"/>
-      <a:lightRig rig="threePt" dir="t"/>
-    </dgm:scene3d>
-    <dgm:sp3d/>
-    <dgm:txPr/>
-    <dgm:style>
-      <a:lnRef idx="2">
-        <a:scrgbClr r="0" g="0" b="0"/>
-      </a:lnRef>
-      <a:fillRef idx="1">
-        <a:scrgbClr r="0" g="0" b="0"/>
-      </a:fillRef>
-      <a:effectRef idx="0">
-        <a:scrgbClr r="0" g="0" b="0"/>
-      </a:effectRef>
-      <a:fontRef idx="minor">
-        <a:schemeClr val="lt1"/>
-      </a:fontRef>
-    </dgm:style>
-  </dgm:styleLbl>
-  <dgm:styleLbl name="node1">
-    <dgm:scene3d>
-      <a:camera prst="orthographicFront"/>
-      <a:lightRig rig="threePt" dir="t"/>
-    </dgm:scene3d>
-    <dgm:sp3d/>
-    <dgm:txPr/>
-    <dgm:style>
-      <a:lnRef idx="2">
-        <a:scrgbClr r="0" g="0" b="0"/>
-      </a:lnRef>
-      <a:fillRef idx="1">
-        <a:scrgbClr r="0" g="0" b="0"/>
-      </a:fillRef>
-      <a:effectRef idx="0">
-        <a:scrgbClr r="0" g="0" b="0"/>
-      </a:effectRef>
-      <a:fontRef idx="minor">
-        <a:schemeClr val="lt1"/>
-      </a:fontRef>
-    </dgm:style>
-  </dgm:styleLbl>
-  <dgm:styleLbl name="node2">
-    <dgm:scene3d>
-      <a:camera prst="orthographicFront"/>
-      <a:lightRig rig="threePt" dir="t"/>
-    </dgm:scene3d>
-    <dgm:sp3d/>
-    <dgm:txPr/>
-    <dgm:style>
-      <a:lnRef idx="2">
-        <a:scrgbClr r="0" g="0" b="0"/>
-      </a:lnRef>
-      <a:fillRef idx="1">
-        <a:scrgbClr r="0" g="0" b="0"/>
-      </a:fillRef>
-      <a:effectRef idx="0">
-        <a:scrgbClr r="0" g="0" b="0"/>
-      </a:effectRef>
-      <a:fontRef idx="minor">
-        <a:schemeClr val="lt1"/>
-      </a:fontRef>
-    </dgm:style>
-  </dgm:styleLbl>
-  <dgm:styleLbl name="node3">
-    <dgm:scene3d>
-      <a:camera prst="orthographicFront"/>
-      <a:lightRig rig="threePt" dir="t"/>
-    </dgm:scene3d>
-    <dgm:sp3d/>
-    <dgm:txPr/>
-    <dgm:style>
-      <a:lnRef idx="2">
-        <a:scrgbClr r="0" g="0" b="0"/>
-      </a:lnRef>
-      <a:fillRef idx="1">
-        <a:scrgbClr r="0" g="0" b="0"/>
-      </a:fillRef>
-      <a:effectRef idx="0">
-        <a:scrgbClr r="0" g="0" b="0"/>
-      </a:effectRef>
-      <a:fontRef idx="minor">
-        <a:schemeClr val="lt1"/>
-      </a:fontRef>
-    </dgm:style>
-  </dgm:styleLbl>
-  <dgm:styleLbl name="node4">
-    <dgm:scene3d>
-      <a:camera prst="orthographicFront"/>
-      <a:lightRig rig="threePt" dir="t"/>
-    </dgm:scene3d>
-    <dgm:sp3d/>
-    <dgm:txPr/>
-    <dgm:style>
-      <a:lnRef idx="2">
-        <a:scrgbClr r="0" g="0" b="0"/>
-      </a:lnRef>
-      <a:fillRef idx="1">
-        <a:scrgbClr r="0" g="0" b="0"/>
-      </a:fillRef>
-      <a:effectRef idx="0">
-        <a:scrgbClr r="0" g="0" b="0"/>
-      </a:effectRef>
-      <a:fontRef idx="minor">
-        <a:schemeClr val="lt1"/>
-      </a:fontRef>
-    </dgm:style>
-  </dgm:styleLbl>
-  <dgm:styleLbl name="fgImgPlace1">
-    <dgm:scene3d>
-      <a:camera prst="orthographicFront"/>
-      <a:lightRig rig="threePt" dir="t"/>
-    </dgm:scene3d>
-    <dgm:sp3d/>
-    <dgm:txPr/>
-    <dgm:style>
-      <a:lnRef idx="2">
-        <a:scrgbClr r="0" g="0" b="0"/>
-      </a:lnRef>
-      <a:fillRef idx="1">
-        <a:scrgbClr r="0" g="0" b="0"/>
-      </a:fillRef>
-      <a:effectRef idx="0">
-        <a:scrgbClr r="0" g="0" b="0"/>
-      </a:effectRef>
-      <a:fontRef idx="minor"/>
-    </dgm:style>
-  </dgm:styleLbl>
-  <dgm:styleLbl name="alignImgPlace1">
-    <dgm:scene3d>
-      <a:camera prst="orthographicFront"/>
-      <a:lightRig rig="threePt" dir="t"/>
-    </dgm:scene3d>
-    <dgm:sp3d/>
-    <dgm:txPr/>
-    <dgm:style>
-      <a:lnRef idx="2">
-        <a:scrgbClr r="0" g="0" b="0"/>
-      </a:lnRef>
-      <a:fillRef idx="1">
-        <a:scrgbClr r="0" g="0" b="0"/>
-      </a:fillRef>
-      <a:effectRef idx="0">
-        <a:scrgbClr r="0" g="0" b="0"/>
-      </a:effectRef>
-      <a:fontRef idx="minor"/>
-    </dgm:style>
-  </dgm:styleLbl>
-  <dgm:styleLbl name="bgImgPlace1">
-    <dgm:scene3d>
-      <a:camera prst="orthographicFront"/>
-      <a:lightRig rig="threePt" dir="t"/>
-    </dgm:scene3d>
-    <dgm:sp3d/>
-    <dgm:txPr/>
-    <dgm:style>
-      <a:lnRef idx="2">
-        <a:scrgbClr r="0" g="0" b="0"/>
-      </a:lnRef>
-      <a:fillRef idx="1">
-        <a:scrgbClr r="0" g="0" b="0"/>
-      </a:fillRef>
-      <a:effectRef idx="0">
-        <a:scrgbClr r="0" g="0" b="0"/>
-      </a:effectRef>
-      <a:fontRef idx="minor"/>
-    </dgm:style>
-  </dgm:styleLbl>
-  <dgm:styleLbl name="sibTrans2D1">
-    <dgm:scene3d>
-      <a:camera prst="orthographicFront"/>
-      <a:lightRig rig="threePt" dir="t"/>
-    </dgm:scene3d>
-    <dgm:sp3d/>
-    <dgm:txPr/>
-    <dgm:style>
-      <a:lnRef idx="0">
-        <a:scrgbClr r="0" g="0" b="0"/>
-      </a:lnRef>
-      <a:fillRef idx="1">
-        <a:scrgbClr r="0" g="0" b="0"/>
-      </a:fillRef>
-      <a:effectRef idx="0">
-        <a:scrgbClr r="0" g="0" b="0"/>
-      </a:effectRef>
-      <a:fontRef idx="minor">
-        <a:schemeClr val="lt1"/>
-      </a:fontRef>
-    </dgm:style>
-  </dgm:styleLbl>
-  <dgm:styleLbl name="fgSibTrans2D1">
-    <dgm:scene3d>
-      <a:camera prst="orthographicFront"/>
-      <a:lightRig rig="threePt" dir="t"/>
-    </dgm:scene3d>
-    <dgm:sp3d/>
-    <dgm:txPr/>
-    <dgm:style>
-      <a:lnRef idx="0">
-        <a:scrgbClr r="0" g="0" b="0"/>
-      </a:lnRef>
-      <a:fillRef idx="1">
-        <a:scrgbClr r="0" g="0" b="0"/>
-      </a:fillRef>
-      <a:effectRef idx="0">
-        <a:scrgbClr r="0" g="0" b="0"/>
-      </a:effectRef>
-      <a:fontRef idx="minor">
-        <a:schemeClr val="lt1"/>
-      </a:fontRef>
-    </dgm:style>
-  </dgm:styleLbl>
-  <dgm:styleLbl name="bgSibTrans2D1">
-    <dgm:scene3d>
-      <a:camera prst="orthographicFront"/>
-      <a:lightRig rig="threePt" dir="t"/>
-    </dgm:scene3d>
-    <dgm:sp3d/>
-    <dgm:txPr/>
-    <dgm:style>
-      <a:lnRef idx="0">
-        <a:scrgbClr r="0" g="0" b="0"/>
-      </a:lnRef>
-      <a:fillRef idx="1">
-        <a:scrgbClr r="0" g="0" b="0"/>
-      </a:fillRef>
-      <a:effectRef idx="0">
-        <a:scrgbClr r="0" g="0" b="0"/>
-      </a:effectRef>
-      <a:fontRef idx="minor">
-        <a:schemeClr val="lt1"/>
-      </a:fontRef>
-    </dgm:style>
-  </dgm:styleLbl>
-  <dgm:styleLbl name="sibTrans1D1">
-    <dgm:scene3d>
-      <a:camera prst="orthographicFront"/>
-      <a:lightRig rig="threePt" dir="t"/>
-    </dgm:scene3d>
-    <dgm:sp3d/>
-    <dgm:txPr/>
-    <dgm:style>
-      <a:lnRef idx="1">
-        <a:scrgbClr r="0" g="0" b="0"/>
-      </a:lnRef>
-      <a:fillRef idx="0">
-        <a:scrgbClr r="0" g="0" b="0"/>
-      </a:fillRef>
-      <a:effectRef idx="0">
-        <a:scrgbClr r="0" g="0" b="0"/>
-      </a:effectRef>
-      <a:fontRef idx="minor"/>
-    </dgm:style>
-  </dgm:styleLbl>
-  <dgm:styleLbl name="callout">
-    <dgm:scene3d>
-      <a:camera prst="orthographicFront"/>
-      <a:lightRig rig="threePt" dir="t"/>
-    </dgm:scene3d>
-    <dgm:sp3d/>
-    <dgm:txPr/>
-    <dgm:style>
-      <a:lnRef idx="2">
-        <a:scrgbClr r="0" g="0" b="0"/>
-      </a:lnRef>
-      <a:fillRef idx="1">
-        <a:scrgbClr r="0" g="0" b="0"/>
-      </a:fillRef>
-      <a:effectRef idx="0">
-        <a:scrgbClr r="0" g="0" b="0"/>
-      </a:effectRef>
-      <a:fontRef idx="minor"/>
-    </dgm:style>
-  </dgm:styleLbl>
-  <dgm:styleLbl name="asst0">
-    <dgm:scene3d>
-      <a:camera prst="orthographicFront"/>
-      <a:lightRig rig="threePt" dir="t"/>
-    </dgm:scene3d>
-    <dgm:sp3d/>
-    <dgm:txPr/>
-    <dgm:style>
-      <a:lnRef idx="2">
-        <a:scrgbClr r="0" g="0" b="0"/>
-      </a:lnRef>
-      <a:fillRef idx="1">
-        <a:scrgbClr r="0" g="0" b="0"/>
-      </a:fillRef>
-      <a:effectRef idx="0">
-        <a:scrgbClr r="0" g="0" b="0"/>
-      </a:effectRef>
-      <a:fontRef idx="minor">
-        <a:schemeClr val="lt1"/>
-      </a:fontRef>
-    </dgm:style>
-  </dgm:styleLbl>
-  <dgm:styleLbl name="asst1">
-    <dgm:scene3d>
-      <a:camera prst="orthographicFront"/>
-      <a:lightRig rig="threePt" dir="t"/>
-    </dgm:scene3d>
-    <dgm:sp3d/>
-    <dgm:txPr/>
-    <dgm:style>
-      <a:lnRef idx="2">
-        <a:scrgbClr r="0" g="0" b="0"/>
-      </a:lnRef>
-      <a:fillRef idx="1">
-        <a:scrgbClr r="0" g="0" b="0"/>
-      </a:fillRef>
-      <a:effectRef idx="0">
-        <a:scrgbClr r="0" g="0" b="0"/>
-      </a:effectRef>
-      <a:fontRef idx="minor">
-        <a:schemeClr val="lt1"/>
-      </a:fontRef>
-    </dgm:style>
-  </dgm:styleLbl>
-  <dgm:styleLbl name="asst2">
-    <dgm:scene3d>
-      <a:camera prst="orthographicFront"/>
-      <a:lightRig rig="threePt" dir="t"/>
-    </dgm:scene3d>
-    <dgm:sp3d/>
-    <dgm:txPr/>
-    <dgm:style>
-      <a:lnRef idx="2">
-        <a:scrgbClr r="0" g="0" b="0"/>
-      </a:lnRef>
-      <a:fillRef idx="1">
-        <a:scrgbClr r="0" g="0" b="0"/>
-      </a:fillRef>
-      <a:effectRef idx="0">
-        <a:scrgbClr r="0" g="0" b="0"/>
-      </a:effectRef>
-      <a:fontRef idx="minor">
-        <a:schemeClr val="lt1"/>
-      </a:fontRef>
-    </dgm:style>
-  </dgm:styleLbl>
-  <dgm:styleLbl name="asst3">
-    <dgm:scene3d>
-      <a:camera prst="orthographicFront"/>
-      <a:lightRig rig="threePt" dir="t"/>
-    </dgm:scene3d>
-    <dgm:sp3d/>
-    <dgm:txPr/>
-    <dgm:style>
-      <a:lnRef idx="2">
-        <a:scrgbClr r="0" g="0" b="0"/>
-      </a:lnRef>
-      <a:fillRef idx="1">
-        <a:scrgbClr r="0" g="0" b="0"/>
-      </a:fillRef>
-      <a:effectRef idx="0">
-        <a:scrgbClr r="0" g="0" b="0"/>
-      </a:effectRef>
-      <a:fontRef idx="minor">
-        <a:schemeClr val="lt1"/>
-      </a:fontRef>
-    </dgm:style>
-  </dgm:styleLbl>
-  <dgm:styleLbl name="asst4">
-    <dgm:scene3d>
-      <a:camera prst="orthographicFront"/>
-      <a:lightRig rig="threePt" dir="t"/>
-    </dgm:scene3d>
-    <dgm:sp3d/>
-    <dgm:txPr/>
-    <dgm:style>
-      <a:lnRef idx="2">
-        <a:scrgbClr r="0" g="0" b="0"/>
-      </a:lnRef>
-      <a:fillRef idx="1">
-        <a:scrgbClr r="0" g="0" b="0"/>
-      </a:fillRef>
-      <a:effectRef idx="0">
-        <a:scrgbClr r="0" g="0" b="0"/>
-      </a:effectRef>
-      <a:fontRef idx="minor">
-        <a:schemeClr val="lt1"/>
-      </a:fontRef>
-    </dgm:style>
-  </dgm:styleLbl>
-  <dgm:styleLbl name="parChTrans2D1">
-    <dgm:scene3d>
-      <a:camera prst="orthographicFront"/>
-      <a:lightRig rig="threePt" dir="t"/>
-    </dgm:scene3d>
-    <dgm:sp3d/>
-    <dgm:txPr/>
-    <dgm:style>
-      <a:lnRef idx="2">
-        <a:scrgbClr r="0" g="0" b="0"/>
-      </a:lnRef>
-      <a:fillRef idx="1">
-        <a:scrgbClr r="0" g="0" b="0"/>
-      </a:fillRef>
-      <a:effectRef idx="0">
-        <a:scrgbClr r="0" g="0" b="0"/>
-      </a:effectRef>
-      <a:fontRef idx="minor">
-        <a:schemeClr val="lt1"/>
-      </a:fontRef>
-    </dgm:style>
-  </dgm:styleLbl>
-  <dgm:styleLbl name="parChTrans2D2">
-    <dgm:scene3d>
-      <a:camera prst="orthographicFront"/>
-      <a:lightRig rig="threePt" dir="t"/>
-    </dgm:scene3d>
-    <dgm:sp3d/>
-    <dgm:txPr/>
-    <dgm:style>
-      <a:lnRef idx="2">
-        <a:scrgbClr r="0" g="0" b="0"/>
-      </a:lnRef>
-      <a:fillRef idx="1">
-        <a:scrgbClr r="0" g="0" b="0"/>
-      </a:fillRef>
-      <a:effectRef idx="0">
-        <a:scrgbClr r="0" g="0" b="0"/>
-      </a:effectRef>
-      <a:fontRef idx="minor">
-        <a:schemeClr val="lt1"/>
-      </a:fontRef>
-    </dgm:style>
-  </dgm:styleLbl>
-  <dgm:styleLbl name="parChTrans2D3">
-    <dgm:scene3d>
-      <a:camera prst="orthographicFront"/>
-      <a:lightRig rig="threePt" dir="t"/>
-    </dgm:scene3d>
-    <dgm:sp3d/>
-    <dgm:txPr/>
-    <dgm:style>
-      <a:lnRef idx="2">
-        <a:scrgbClr r="0" g="0" b="0"/>
-      </a:lnRef>
-      <a:fillRef idx="1">
-        <a:scrgbClr r="0" g="0" b="0"/>
-      </a:fillRef>
-      <a:effectRef idx="0">
-        <a:scrgbClr r="0" g="0" b="0"/>
-      </a:effectRef>
-      <a:fontRef idx="minor">
-        <a:schemeClr val="lt1"/>
-      </a:fontRef>
-    </dgm:style>
-  </dgm:styleLbl>
-  <dgm:styleLbl name="parChTrans2D4">
-    <dgm:scene3d>
-      <a:camera prst="orthographicFront"/>
-      <a:lightRig rig="threePt" dir="t"/>
-    </dgm:scene3d>
-    <dgm:sp3d/>
-    <dgm:txPr/>
-    <dgm:style>
-      <a:lnRef idx="2">
-        <a:scrgbClr r="0" g="0" b="0"/>
-      </a:lnRef>
-      <a:fillRef idx="1">
-        <a:scrgbClr r="0" g="0" b="0"/>
-      </a:fillRef>
-      <a:effectRef idx="0">
-        <a:scrgbClr r="0" g="0" b="0"/>
-      </a:effectRef>
-      <a:fontRef idx="minor">
-        <a:schemeClr val="lt1"/>
-      </a:fontRef>
-    </dgm:style>
-  </dgm:styleLbl>
-  <dgm:styleLbl name="parChTrans1D1">
-    <dgm:scene3d>
-      <a:camera prst="orthographicFront"/>
-      <a:lightRig rig="threePt" dir="t"/>
-    </dgm:scene3d>
-    <dgm:sp3d/>
-    <dgm:txPr/>
-    <dgm:style>
-      <a:lnRef idx="2">
-        <a:scrgbClr r="0" g="0" b="0"/>
-      </a:lnRef>
-      <a:fillRef idx="0">
-        <a:scrgbClr r="0" g="0" b="0"/>
-      </a:fillRef>
-      <a:effectRef idx="0">
-        <a:scrgbClr r="0" g="0" b="0"/>
-      </a:effectRef>
-      <a:fontRef idx="minor"/>
-    </dgm:style>
-  </dgm:styleLbl>
-  <dgm:styleLbl name="parChTrans1D2">
-    <dgm:scene3d>
-      <a:camera prst="orthographicFront"/>
-      <a:lightRig rig="threePt" dir="t"/>
-    </dgm:scene3d>
-    <dgm:sp3d/>
-    <dgm:txPr/>
-    <dgm:style>
-      <a:lnRef idx="2">
-        <a:scrgbClr r="0" g="0" b="0"/>
-      </a:lnRef>
-      <a:fillRef idx="0">
-        <a:scrgbClr r="0" g="0" b="0"/>
-      </a:fillRef>
-      <a:effectRef idx="0">
-        <a:scrgbClr r="0" g="0" b="0"/>
-      </a:effectRef>
-      <a:fontRef idx="minor"/>
-    </dgm:style>
-  </dgm:styleLbl>
-  <dgm:styleLbl name="parChTrans1D3">
-    <dgm:scene3d>
-      <a:camera prst="orthographicFront"/>
-      <a:lightRig rig="threePt" dir="t"/>
-    </dgm:scene3d>
-    <dgm:sp3d/>
-    <dgm:txPr/>
-    <dgm:style>
-      <a:lnRef idx="2">
-        <a:scrgbClr r="0" g="0" b="0"/>
-      </a:lnRef>
-      <a:fillRef idx="0">
-        <a:scrgbClr r="0" g="0" b="0"/>
-      </a:fillRef>
-      <a:effectRef idx="0">
-        <a:scrgbClr r="0" g="0" b="0"/>
-      </a:effectRef>
-      <a:fontRef idx="minor"/>
-    </dgm:style>
-  </dgm:styleLbl>
-  <dgm:styleLbl name="parChTrans1D4">
-    <dgm:scene3d>
-      <a:camera prst="orthographicFront"/>
-      <a:lightRig rig="threePt" dir="t"/>
-    </dgm:scene3d>
-    <dgm:sp3d/>
-    <dgm:txPr/>
-    <dgm:style>
-      <a:lnRef idx="2">
-        <a:scrgbClr r="0" g="0" b="0"/>
-      </a:lnRef>
-      <a:fillRef idx="0">
-        <a:scrgbClr r="0" g="0" b="0"/>
-      </a:fillRef>
-      <a:effectRef idx="0">
-        <a:scrgbClr r="0" g="0" b="0"/>
-      </a:effectRef>
-      <a:fontRef idx="minor"/>
-    </dgm:style>
-  </dgm:styleLbl>
-  <dgm:styleLbl name="fgAcc1">
-    <dgm:scene3d>
-      <a:camera prst="orthographicFront"/>
-      <a:lightRig rig="threePt" dir="t"/>
-    </dgm:scene3d>
-    <dgm:sp3d/>
-    <dgm:txPr/>
-    <dgm:style>
-      <a:lnRef idx="2">
-        <a:scrgbClr r="0" g="0" b="0"/>
-      </a:lnRef>
-      <a:fillRef idx="1">
-        <a:scrgbClr r="0" g="0" b="0"/>
-      </a:fillRef>
-      <a:effectRef idx="0">
-        <a:scrgbClr r="0" g="0" b="0"/>
-      </a:effectRef>
-      <a:fontRef idx="minor"/>
-    </dgm:style>
-  </dgm:styleLbl>
-  <dgm:styleLbl name="conFgAcc1">
-    <dgm:scene3d>
-      <a:camera prst="orthographicFront"/>
-      <a:lightRig rig="threePt" dir="t"/>
-    </dgm:scene3d>
-    <dgm:sp3d/>
-    <dgm:txPr/>
-    <dgm:style>
-      <a:lnRef idx="2">
-        <a:scrgbClr r="0" g="0" b="0"/>
-      </a:lnRef>
-      <a:fillRef idx="1">
-        <a:scrgbClr r="0" g="0" b="0"/>
-      </a:fillRef>
-      <a:effectRef idx="0">
-        <a:scrgbClr r="0" g="0" b="0"/>
-      </a:effectRef>
-      <a:fontRef idx="minor"/>
-    </dgm:style>
-  </dgm:styleLbl>
-  <dgm:styleLbl name="alignAcc1">
-    <dgm:scene3d>
-      <a:camera prst="orthographicFront"/>
-      <a:lightRig rig="threePt" dir="t"/>
-    </dgm:scene3d>
-    <dgm:sp3d/>
-    <dgm:txPr/>
-    <dgm:style>
-      <a:lnRef idx="2">
-        <a:scrgbClr r="0" g="0" b="0"/>
-      </a:lnRef>
-      <a:fillRef idx="1">
-        <a:scrgbClr r="0" g="0" b="0"/>
-      </a:fillRef>
-      <a:effectRef idx="0">
-        <a:scrgbClr r="0" g="0" b="0"/>
-      </a:effectRef>
-      <a:fontRef idx="minor"/>
-    </dgm:style>
-  </dgm:styleLbl>
-  <dgm:styleLbl name="trAlignAcc1">
-    <dgm:scene3d>
-      <a:camera prst="orthographicFront"/>
-      <a:lightRig rig="threePt" dir="t"/>
-    </dgm:scene3d>
-    <dgm:sp3d/>
-    <dgm:txPr/>
-    <dgm:style>
-      <a:lnRef idx="1">
-        <a:scrgbClr r="0" g="0" b="0"/>
-      </a:lnRef>
-      <a:fillRef idx="1">
-        <a:scrgbClr r="0" g="0" b="0"/>
-      </a:fillRef>
-      <a:effectRef idx="0">
-        <a:scrgbClr r="0" g="0" b="0"/>
-      </a:effectRef>
-      <a:fontRef idx="minor"/>
-    </dgm:style>
-  </dgm:styleLbl>
-  <dgm:styleLbl name="bgAcc1">
-    <dgm:scene3d>
-      <a:camera prst="orthographicFront"/>
-      <a:lightRig rig="threePt" dir="t"/>
-    </dgm:scene3d>
-    <dgm:sp3d/>
-    <dgm:txPr/>
-    <dgm:style>
-      <a:lnRef idx="2">
-        <a:scrgbClr r="0" g="0" b="0"/>
-      </a:lnRef>
-      <a:fillRef idx="1">
-        <a:scrgbClr r="0" g="0" b="0"/>
-      </a:fillRef>
-      <a:effectRef idx="0">
-        <a:scrgbClr r="0" g="0" b="0"/>
-      </a:effectRef>
-      <a:fontRef idx="minor"/>
-    </dgm:style>
-  </dgm:styleLbl>
-  <dgm:styleLbl name="solidFgAcc1">
-    <dgm:scene3d>
-      <a:camera prst="orthographicFront"/>
-      <a:lightRig rig="threePt" dir="t"/>
-    </dgm:scene3d>
-    <dgm:sp3d/>
-    <dgm:txPr/>
-    <dgm:style>
-      <a:lnRef idx="2">
-        <a:scrgbClr r="0" g="0" b="0"/>
-      </a:lnRef>
-      <a:fillRef idx="1">
-        <a:scrgbClr r="0" g="0" b="0"/>
-      </a:fillRef>
-      <a:effectRef idx="0">
-        <a:scrgbClr r="0" g="0" b="0"/>
-      </a:effectRef>
-      <a:fontRef idx="minor"/>
-    </dgm:style>
-  </dgm:styleLbl>
-  <dgm:styleLbl name="solidAlignAcc1">
-    <dgm:scene3d>
-      <a:camera prst="orthographicFront"/>
-      <a:lightRig rig="threePt" dir="t"/>
-    </dgm:scene3d>
-    <dgm:sp3d/>
-    <dgm:txPr/>
-    <dgm:style>
-      <a:lnRef idx="2">
-        <a:scrgbClr r="0" g="0" b="0"/>
-      </a:lnRef>
-      <a:fillRef idx="1">
-        <a:scrgbClr r="0" g="0" b="0"/>
-      </a:fillRef>
-      <a:effectRef idx="0">
-        <a:scrgbClr r="0" g="0" b="0"/>
-      </a:effectRef>
-      <a:fontRef idx="minor"/>
-    </dgm:style>
-  </dgm:styleLbl>
-  <dgm:styleLbl name="solidBgAcc1">
-    <dgm:scene3d>
-      <a:camera prst="orthographicFront"/>
-      <a:lightRig rig="threePt" dir="t"/>
-    </dgm:scene3d>
-    <dgm:sp3d/>
-    <dgm:txPr/>
-    <dgm:style>
-      <a:lnRef idx="2">
-        <a:scrgbClr r="0" g="0" b="0"/>
-      </a:lnRef>
-      <a:fillRef idx="1">
-        <a:scrgbClr r="0" g="0" b="0"/>
-      </a:fillRef>
-      <a:effectRef idx="0">
-        <a:scrgbClr r="0" g="0" b="0"/>
-      </a:effectRef>
-      <a:fontRef idx="minor"/>
-    </dgm:style>
-  </dgm:styleLbl>
-  <dgm:styleLbl name="fgAccFollowNode1">
-    <dgm:scene3d>
-      <a:camera prst="orthographicFront"/>
-      <a:lightRig rig="threePt" dir="t"/>
-    </dgm:scene3d>
-    <dgm:sp3d/>
-    <dgm:txPr/>
-    <dgm:style>
-      <a:lnRef idx="2">
-        <a:scrgbClr r="0" g="0" b="0"/>
-      </a:lnRef>
-      <a:fillRef idx="1">
-        <a:scrgbClr r="0" g="0" b="0"/>
-      </a:fillRef>
-      <a:effectRef idx="0">
-        <a:scrgbClr r="0" g="0" b="0"/>
-      </a:effectRef>
-      <a:fontRef idx="minor"/>
-    </dgm:style>
-  </dgm:styleLbl>
-  <dgm:styleLbl name="alignAccFollowNode1">
-    <dgm:scene3d>
-      <a:camera prst="orthographicFront"/>
-      <a:lightRig rig="threePt" dir="t"/>
-    </dgm:scene3d>
-    <dgm:sp3d/>
-    <dgm:txPr/>
-    <dgm:style>
-      <a:lnRef idx="2">
-        <a:scrgbClr r="0" g="0" b="0"/>
-      </a:lnRef>
-      <a:fillRef idx="1">
-        <a:scrgbClr r="0" g="0" b="0"/>
-      </a:fillRef>
-      <a:effectRef idx="0">
-        <a:scrgbClr r="0" g="0" b="0"/>
-      </a:effectRef>
-      <a:fontRef idx="minor"/>
-    </dgm:style>
-  </dgm:styleLbl>
-  <dgm:styleLbl name="bgAccFollowNode1">
-    <dgm:scene3d>
-      <a:camera prst="orthographicFront"/>
-      <a:lightRig rig="threePt" dir="t"/>
-    </dgm:scene3d>
-    <dgm:sp3d/>
-    <dgm:txPr/>
-    <dgm:style>
-      <a:lnRef idx="2">
-        <a:scrgbClr r="0" g="0" b="0"/>
-      </a:lnRef>
-      <a:fillRef idx="1">
-        <a:scrgbClr r="0" g="0" b="0"/>
-      </a:fillRef>
-      <a:effectRef idx="0">
-        <a:scrgbClr r="0" g="0" b="0"/>
-      </a:effectRef>
-      <a:fontRef idx="minor"/>
-    </dgm:style>
-  </dgm:styleLbl>
-  <dgm:styleLbl name="fgAcc0">
-    <dgm:scene3d>
-      <a:camera prst="orthographicFront"/>
-      <a:lightRig rig="threePt" dir="t"/>
-    </dgm:scene3d>
-    <dgm:sp3d/>
-    <dgm:txPr/>
-    <dgm:style>
-      <a:lnRef idx="2">
-        <a:scrgbClr r="0" g="0" b="0"/>
-      </a:lnRef>
-      <a:fillRef idx="1">
-        <a:scrgbClr r="0" g="0" b="0"/>
-      </a:fillRef>
-      <a:effectRef idx="0">
-        <a:scrgbClr r="0" g="0" b="0"/>
-      </a:effectRef>
-      <a:fontRef idx="minor"/>
-    </dgm:style>
-  </dgm:styleLbl>
-  <dgm:styleLbl name="fgAcc2">
-    <dgm:scene3d>
-      <a:camera prst="orthographicFront"/>
-      <a:lightRig rig="threePt" dir="t"/>
-    </dgm:scene3d>
-    <dgm:sp3d/>
-    <dgm:txPr/>
-    <dgm:style>
-      <a:lnRef idx="2">
-        <a:scrgbClr r="0" g="0" b="0"/>
-      </a:lnRef>
-      <a:fillRef idx="1">
-        <a:scrgbClr r="0" g="0" b="0"/>
-      </a:fillRef>
-      <a:effectRef idx="0">
-        <a:scrgbClr r="0" g="0" b="0"/>
-      </a:effectRef>
-      <a:fontRef idx="minor"/>
-    </dgm:style>
-  </dgm:styleLbl>
-  <dgm:styleLbl name="fgAcc3">
-    <dgm:scene3d>
-      <a:camera prst="orthographicFront"/>
-      <a:lightRig rig="threePt" dir="t"/>
-    </dgm:scene3d>
-    <dgm:sp3d/>
-    <dgm:txPr/>
-    <dgm:style>
-      <a:lnRef idx="2">
-        <a:scrgbClr r="0" g="0" b="0"/>
-      </a:lnRef>
-      <a:fillRef idx="1">
-        <a:scrgbClr r="0" g="0" b="0"/>
-      </a:fillRef>
-      <a:effectRef idx="0">
-        <a:scrgbClr r="0" g="0" b="0"/>
-      </a:effectRef>
-      <a:fontRef idx="minor"/>
-    </dgm:style>
-  </dgm:styleLbl>
-  <dgm:styleLbl name="fgAcc4">
-    <dgm:scene3d>
-      <a:camera prst="orthographicFront"/>
-      <a:lightRig rig="threePt" dir="t"/>
-    </dgm:scene3d>
-    <dgm:sp3d/>
-    <dgm:txPr/>
-    <dgm:style>
-      <a:lnRef idx="2">
-        <a:scrgbClr r="0" g="0" b="0"/>
-      </a:lnRef>
-      <a:fillRef idx="1">
-        <a:scrgbClr r="0" g="0" b="0"/>
-      </a:fillRef>
-      <a:effectRef idx="0">
-        <a:scrgbClr r="0" g="0" b="0"/>
-      </a:effectRef>
-      <a:fontRef idx="minor"/>
-    </dgm:style>
-  </dgm:styleLbl>
-  <dgm:styleLbl name="bgShp">
-    <dgm:scene3d>
-      <a:camera prst="orthographicFront"/>
-      <a:lightRig rig="threePt" dir="t"/>
-    </dgm:scene3d>
-    <dgm:sp3d/>
-    <dgm:txPr/>
-    <dgm:style>
-      <a:lnRef idx="0">
-        <a:scrgbClr r="0" g="0" b="0"/>
-      </a:lnRef>
-      <a:fillRef idx="1">
-        <a:scrgbClr r="0" g="0" b="0"/>
-      </a:fillRef>
-      <a:effectRef idx="0">
-        <a:scrgbClr r="0" g="0" b="0"/>
-      </a:effectRef>
-      <a:fontRef idx="minor"/>
-    </dgm:style>
-  </dgm:styleLbl>
-  <dgm:styleLbl name="dkBgShp">
-    <dgm:scene3d>
-      <a:camera prst="orthographicFront"/>
-      <a:lightRig rig="threePt" dir="t"/>
-    </dgm:scene3d>
-    <dgm:sp3d/>
-    <dgm:txPr/>
-    <dgm:style>
-      <a:lnRef idx="0">
-        <a:scrgbClr r="0" g="0" b="0"/>
-      </a:lnRef>
-      <a:fillRef idx="1">
-        <a:scrgbClr r="0" g="0" b="0"/>
-      </a:fillRef>
-      <a:effectRef idx="0">
-        <a:scrgbClr r="0" g="0" b="0"/>
-      </a:effectRef>
-      <a:fontRef idx="minor"/>
-    </dgm:style>
-  </dgm:styleLbl>
-  <dgm:styleLbl name="trBgShp">
-    <dgm:scene3d>
-      <a:camera prst="orthographicFront"/>
-      <a:lightRig rig="threePt" dir="t"/>
-    </dgm:scene3d>
-    <dgm:sp3d/>
-    <dgm:txPr/>
-    <dgm:style>
-      <a:lnRef idx="0">
-        <a:scrgbClr r="0" g="0" b="0"/>
-      </a:lnRef>
-      <a:fillRef idx="1">
-        <a:scrgbClr r="0" g="0" b="0"/>
-      </a:fillRef>
-      <a:effectRef idx="0">
-        <a:scrgbClr r="0" g="0" b="0"/>
-      </a:effectRef>
-      <a:fontRef idx="minor"/>
-    </dgm:style>
-  </dgm:styleLbl>
-  <dgm:styleLbl name="fgShp">
-    <dgm:scene3d>
-      <a:camera prst="orthographicFront"/>
-      <a:lightRig rig="threePt" dir="t"/>
-    </dgm:scene3d>
-    <dgm:sp3d/>
-    <dgm:txPr/>
-    <dgm:style>
-      <a:lnRef idx="2">
-        <a:scrgbClr r="0" g="0" b="0"/>
-      </a:lnRef>
-      <a:fillRef idx="1">
-        <a:scrgbClr r="0" g="0" b="0"/>
-      </a:fillRef>
-      <a:effectRef idx="0">
-        <a:scrgbClr r="0" g="0" b="0"/>
-      </a:effectRef>
-      <a:fontRef idx="minor"/>
-    </dgm:style>
-  </dgm:styleLbl>
-  <dgm:styleLbl name="revTx">
-    <dgm:scene3d>
-      <a:camera prst="orthographicFront"/>
-      <a:lightRig rig="threePt" dir="t"/>
-    </dgm:scene3d>
-    <dgm:sp3d/>
-    <dgm:txPr/>
-    <dgm:style>
-      <a:lnRef idx="0">
-        <a:scrgbClr r="0" g="0" b="0"/>
-      </a:lnRef>
-      <a:fillRef idx="0">
-        <a:scrgbClr r="0" g="0" b="0"/>
-      </a:fillRef>
-      <a:effectRef idx="0">
-        <a:scrgbClr r="0" g="0" b="0"/>
-      </a:effectRef>
-      <a:fontRef idx="minor"/>
-    </dgm:style>
-  </dgm:styleLbl>
-</dgm:styleDef>
-</file>
-
-<file path=ppt/diagrams/quickStyle6.xml><?xml version="1.0" encoding="utf-8"?>
-<dgm:styleDef xmlns:dgm="http://schemas.openxmlformats.org/drawingml/2006/diagram" xmlns:a="http://schemas.openxmlformats.org/drawingml/2006/main" uniqueId="urn:microsoft.com/office/officeart/2005/8/quickstyle/simple1">
-  <dgm:title val=""/>
-  <dgm:desc val=""/>
-  <dgm:catLst>
-    <dgm:cat type="simple" pri="10100"/>
-  </dgm:catLst>
-  <dgm:scene3d>
-    <a:camera prst="orthographicFront"/>
-    <a:lightRig rig="threePt" dir="t"/>
-  </dgm:scene3d>
-  <dgm:styleLbl name="node0">
-    <dgm:scene3d>
-      <a:camera prst="orthographicFront"/>
-      <a:lightRig rig="threePt" dir="t"/>
-    </dgm:scene3d>
-    <dgm:sp3d/>
-    <dgm:txPr/>
-    <dgm:style>
-      <a:lnRef idx="2">
-        <a:scrgbClr r="0" g="0" b="0"/>
-      </a:lnRef>
-      <a:fillRef idx="1">
-        <a:scrgbClr r="0" g="0" b="0"/>
-      </a:fillRef>
-      <a:effectRef idx="0">
-        <a:scrgbClr r="0" g="0" b="0"/>
-      </a:effectRef>
-      <a:fontRef idx="minor">
-        <a:schemeClr val="lt1"/>
-      </a:fontRef>
-    </dgm:style>
-  </dgm:styleLbl>
-  <dgm:styleLbl name="lnNode1">
-    <dgm:scene3d>
-      <a:camera prst="orthographicFront"/>
-      <a:lightRig rig="threePt" dir="t"/>
-    </dgm:scene3d>
-    <dgm:sp3d/>
-    <dgm:txPr/>
-    <dgm:style>
-      <a:lnRef idx="2">
-        <a:scrgbClr r="0" g="0" b="0"/>
-      </a:lnRef>
-      <a:fillRef idx="1">
-        <a:scrgbClr r="0" g="0" b="0"/>
-      </a:fillRef>
-      <a:effectRef idx="0">
-        <a:scrgbClr r="0" g="0" b="0"/>
-      </a:effectRef>
-      <a:fontRef idx="minor">
-        <a:schemeClr val="lt1"/>
-      </a:fontRef>
-    </dgm:style>
-  </dgm:styleLbl>
-  <dgm:styleLbl name="vennNode1">
-    <dgm:scene3d>
-      <a:camera prst="orthographicFront"/>
-      <a:lightRig rig="threePt" dir="t"/>
-    </dgm:scene3d>
-    <dgm:sp3d/>
-    <dgm:txPr/>
-    <dgm:style>
-      <a:lnRef idx="2">
-        <a:scrgbClr r="0" g="0" b="0"/>
-      </a:lnRef>
-      <a:fillRef idx="1">
-        <a:scrgbClr r="0" g="0" b="0"/>
-      </a:fillRef>
-      <a:effectRef idx="0">
-        <a:scrgbClr r="0" g="0" b="0"/>
-      </a:effectRef>
-      <a:fontRef idx="minor">
-        <a:schemeClr val="tx1"/>
-      </a:fontRef>
-    </dgm:style>
-  </dgm:styleLbl>
-  <dgm:styleLbl name="alignNode1">
-    <dgm:scene3d>
-      <a:camera prst="orthographicFront"/>
-      <a:lightRig rig="threePt" dir="t"/>
-    </dgm:scene3d>
-    <dgm:sp3d/>
-    <dgm:txPr/>
-    <dgm:style>
-      <a:lnRef idx="2">
-        <a:scrgbClr r="0" g="0" b="0"/>
-      </a:lnRef>
-      <a:fillRef idx="1">
-        <a:scrgbClr r="0" g="0" b="0"/>
-      </a:fillRef>
-      <a:effectRef idx="0">
-        <a:scrgbClr r="0" g="0" b="0"/>
-      </a:effectRef>
-      <a:fontRef idx="minor">
-        <a:schemeClr val="lt1"/>
-      </a:fontRef>
-    </dgm:style>
-  </dgm:styleLbl>
-  <dgm:styleLbl name="node1">
-    <dgm:scene3d>
-      <a:camera prst="orthographicFront"/>
-      <a:lightRig rig="threePt" dir="t"/>
-    </dgm:scene3d>
-    <dgm:sp3d/>
-    <dgm:txPr/>
-    <dgm:style>
-      <a:lnRef idx="2">
-        <a:scrgbClr r="0" g="0" b="0"/>
-      </a:lnRef>
-      <a:fillRef idx="1">
-        <a:scrgbClr r="0" g="0" b="0"/>
-      </a:fillRef>
-      <a:effectRef idx="0">
-        <a:scrgbClr r="0" g="0" b="0"/>
-      </a:effectRef>
-      <a:fontRef idx="minor">
-        <a:schemeClr val="lt1"/>
-      </a:fontRef>
-    </dgm:style>
-  </dgm:styleLbl>
-  <dgm:styleLbl name="node2">
-    <dgm:scene3d>
-      <a:camera prst="orthographicFront"/>
-      <a:lightRig rig="threePt" dir="t"/>
-    </dgm:scene3d>
-    <dgm:sp3d/>
-    <dgm:txPr/>
-    <dgm:style>
-      <a:lnRef idx="2">
-        <a:scrgbClr r="0" g="0" b="0"/>
-      </a:lnRef>
-      <a:fillRef idx="1">
-        <a:scrgbClr r="0" g="0" b="0"/>
-      </a:fillRef>
-      <a:effectRef idx="0">
-        <a:scrgbClr r="0" g="0" b="0"/>
-      </a:effectRef>
-      <a:fontRef idx="minor">
-        <a:schemeClr val="lt1"/>
-      </a:fontRef>
-    </dgm:style>
-  </dgm:styleLbl>
-  <dgm:styleLbl name="node3">
-    <dgm:scene3d>
-      <a:camera prst="orthographicFront"/>
-      <a:lightRig rig="threePt" dir="t"/>
-    </dgm:scene3d>
-    <dgm:sp3d/>
-    <dgm:txPr/>
-    <dgm:style>
-      <a:lnRef idx="2">
-        <a:scrgbClr r="0" g="0" b="0"/>
-      </a:lnRef>
-      <a:fillRef idx="1">
-        <a:scrgbClr r="0" g="0" b="0"/>
-      </a:fillRef>
-      <a:effectRef idx="0">
-        <a:scrgbClr r="0" g="0" b="0"/>
-      </a:effectRef>
-      <a:fontRef idx="minor">
-        <a:schemeClr val="lt1"/>
-      </a:fontRef>
-    </dgm:style>
-  </dgm:styleLbl>
-  <dgm:styleLbl name="node4">
-    <dgm:scene3d>
-      <a:camera prst="orthographicFront"/>
-      <a:lightRig rig="threePt" dir="t"/>
-    </dgm:scene3d>
-    <dgm:sp3d/>
-    <dgm:txPr/>
-    <dgm:style>
-      <a:lnRef idx="2">
-        <a:scrgbClr r="0" g="0" b="0"/>
-      </a:lnRef>
-      <a:fillRef idx="1">
-        <a:scrgbClr r="0" g="0" b="0"/>
-      </a:fillRef>
-      <a:effectRef idx="0">
-        <a:scrgbClr r="0" g="0" b="0"/>
-      </a:effectRef>
-      <a:fontRef idx="minor">
-        <a:schemeClr val="lt1"/>
-      </a:fontRef>
-    </dgm:style>
-  </dgm:styleLbl>
-  <dgm:styleLbl name="fgImgPlace1">
-    <dgm:scene3d>
-      <a:camera prst="orthographicFront"/>
-      <a:lightRig rig="threePt" dir="t"/>
-    </dgm:scene3d>
-    <dgm:sp3d/>
-    <dgm:txPr/>
-    <dgm:style>
-      <a:lnRef idx="2">
-        <a:scrgbClr r="0" g="0" b="0"/>
-      </a:lnRef>
-      <a:fillRef idx="1">
-        <a:scrgbClr r="0" g="0" b="0"/>
-      </a:fillRef>
-      <a:effectRef idx="0">
-        <a:scrgbClr r="0" g="0" b="0"/>
-      </a:effectRef>
-      <a:fontRef idx="minor"/>
-    </dgm:style>
-  </dgm:styleLbl>
-  <dgm:styleLbl name="alignImgPlace1">
-    <dgm:scene3d>
-      <a:camera prst="orthographicFront"/>
-      <a:lightRig rig="threePt" dir="t"/>
-    </dgm:scene3d>
-    <dgm:sp3d/>
-    <dgm:txPr/>
-    <dgm:style>
-      <a:lnRef idx="2">
-        <a:scrgbClr r="0" g="0" b="0"/>
-      </a:lnRef>
-      <a:fillRef idx="1">
-        <a:scrgbClr r="0" g="0" b="0"/>
-      </a:fillRef>
-      <a:effectRef idx="0">
-        <a:scrgbClr r="0" g="0" b="0"/>
-      </a:effectRef>
-      <a:fontRef idx="minor"/>
-    </dgm:style>
-  </dgm:styleLbl>
-  <dgm:styleLbl name="bgImgPlace1">
-    <dgm:scene3d>
-      <a:camera prst="orthographicFront"/>
-      <a:lightRig rig="threePt" dir="t"/>
-    </dgm:scene3d>
-    <dgm:sp3d/>
-    <dgm:txPr/>
-    <dgm:style>
-      <a:lnRef idx="2">
-        <a:scrgbClr r="0" g="0" b="0"/>
-      </a:lnRef>
-      <a:fillRef idx="1">
-        <a:scrgbClr r="0" g="0" b="0"/>
-      </a:fillRef>
-      <a:effectRef idx="0">
-        <a:scrgbClr r="0" g="0" b="0"/>
-      </a:effectRef>
-      <a:fontRef idx="minor"/>
-    </dgm:style>
-  </dgm:styleLbl>
-  <dgm:styleLbl name="sibTrans2D1">
-    <dgm:scene3d>
-      <a:camera prst="orthographicFront"/>
-      <a:lightRig rig="threePt" dir="t"/>
-    </dgm:scene3d>
-    <dgm:sp3d/>
-    <dgm:txPr/>
-    <dgm:style>
-      <a:lnRef idx="0">
-        <a:scrgbClr r="0" g="0" b="0"/>
-      </a:lnRef>
-      <a:fillRef idx="1">
-        <a:scrgbClr r="0" g="0" b="0"/>
-      </a:fillRef>
-      <a:effectRef idx="0">
-        <a:scrgbClr r="0" g="0" b="0"/>
-      </a:effectRef>
-      <a:fontRef idx="minor">
-        <a:schemeClr val="lt1"/>
-      </a:fontRef>
-    </dgm:style>
-  </dgm:styleLbl>
-  <dgm:styleLbl name="fgSibTrans2D1">
-    <dgm:scene3d>
-      <a:camera prst="orthographicFront"/>
-      <a:lightRig rig="threePt" dir="t"/>
-    </dgm:scene3d>
-    <dgm:sp3d/>
-    <dgm:txPr/>
-    <dgm:style>
-      <a:lnRef idx="0">
-        <a:scrgbClr r="0" g="0" b="0"/>
-      </a:lnRef>
-      <a:fillRef idx="1">
-        <a:scrgbClr r="0" g="0" b="0"/>
-      </a:fillRef>
-      <a:effectRef idx="0">
-        <a:scrgbClr r="0" g="0" b="0"/>
-      </a:effectRef>
-      <a:fontRef idx="minor">
-        <a:schemeClr val="lt1"/>
-      </a:fontRef>
-    </dgm:style>
-  </dgm:styleLbl>
-  <dgm:styleLbl name="bgSibTrans2D1">
-    <dgm:scene3d>
-      <a:camera prst="orthographicFront"/>
-      <a:lightRig rig="threePt" dir="t"/>
-    </dgm:scene3d>
-    <dgm:sp3d/>
-    <dgm:txPr/>
-    <dgm:style>
-      <a:lnRef idx="0">
-        <a:scrgbClr r="0" g="0" b="0"/>
-      </a:lnRef>
-      <a:fillRef idx="1">
-        <a:scrgbClr r="0" g="0" b="0"/>
-      </a:fillRef>
-      <a:effectRef idx="0">
-        <a:scrgbClr r="0" g="0" b="0"/>
-      </a:effectRef>
-      <a:fontRef idx="minor">
-        <a:schemeClr val="lt1"/>
-      </a:fontRef>
-    </dgm:style>
-  </dgm:styleLbl>
-  <dgm:styleLbl name="sibTrans1D1">
-    <dgm:scene3d>
-      <a:camera prst="orthographicFront"/>
-      <a:lightRig rig="threePt" dir="t"/>
-    </dgm:scene3d>
-    <dgm:sp3d/>
-    <dgm:txPr/>
-    <dgm:style>
-      <a:lnRef idx="1">
-        <a:scrgbClr r="0" g="0" b="0"/>
-      </a:lnRef>
-      <a:fillRef idx="0">
-        <a:scrgbClr r="0" g="0" b="0"/>
-      </a:fillRef>
-      <a:effectRef idx="0">
-        <a:scrgbClr r="0" g="0" b="0"/>
-      </a:effectRef>
-      <a:fontRef idx="minor"/>
-    </dgm:style>
-  </dgm:styleLbl>
-  <dgm:styleLbl name="callout">
-    <dgm:scene3d>
-      <a:camera prst="orthographicFront"/>
-      <a:lightRig rig="threePt" dir="t"/>
-    </dgm:scene3d>
-    <dgm:sp3d/>
-    <dgm:txPr/>
-    <dgm:style>
-      <a:lnRef idx="2">
-        <a:scrgbClr r="0" g="0" b="0"/>
-      </a:lnRef>
-      <a:fillRef idx="1">
-        <a:scrgbClr r="0" g="0" b="0"/>
-      </a:fillRef>
-      <a:effectRef idx="0">
-        <a:scrgbClr r="0" g="0" b="0"/>
-      </a:effectRef>
-      <a:fontRef idx="minor"/>
-    </dgm:style>
-  </dgm:styleLbl>
-  <dgm:styleLbl name="asst0">
-    <dgm:scene3d>
-      <a:camera prst="orthographicFront"/>
-      <a:lightRig rig="threePt" dir="t"/>
-    </dgm:scene3d>
-    <dgm:sp3d/>
-    <dgm:txPr/>
-    <dgm:style>
-      <a:lnRef idx="2">
-        <a:scrgbClr r="0" g="0" b="0"/>
-      </a:lnRef>
-      <a:fillRef idx="1">
-        <a:scrgbClr r="0" g="0" b="0"/>
-      </a:fillRef>
-      <a:effectRef idx="0">
-        <a:scrgbClr r="0" g="0" b="0"/>
-      </a:effectRef>
-      <a:fontRef idx="minor">
-        <a:schemeClr val="lt1"/>
-      </a:fontRef>
-    </dgm:style>
-  </dgm:styleLbl>
-  <dgm:styleLbl name="asst1">
-    <dgm:scene3d>
-      <a:camera prst="orthographicFront"/>
-      <a:lightRig rig="threePt" dir="t"/>
-    </dgm:scene3d>
-    <dgm:sp3d/>
-    <dgm:txPr/>
-    <dgm:style>
-      <a:lnRef idx="2">
-        <a:scrgbClr r="0" g="0" b="0"/>
-      </a:lnRef>
-      <a:fillRef idx="1">
-        <a:scrgbClr r="0" g="0" b="0"/>
-      </a:fillRef>
-      <a:effectRef idx="0">
-        <a:scrgbClr r="0" g="0" b="0"/>
-      </a:effectRef>
-      <a:fontRef idx="minor">
-        <a:schemeClr val="lt1"/>
-      </a:fontRef>
-    </dgm:style>
-  </dgm:styleLbl>
-  <dgm:styleLbl name="asst2">
-    <dgm:scene3d>
-      <a:camera prst="orthographicFront"/>
-      <a:lightRig rig="threePt" dir="t"/>
-    </dgm:scene3d>
-    <dgm:sp3d/>
-    <dgm:txPr/>
-    <dgm:style>
-      <a:lnRef idx="2">
-        <a:scrgbClr r="0" g="0" b="0"/>
-      </a:lnRef>
-      <a:fillRef idx="1">
-        <a:scrgbClr r="0" g="0" b="0"/>
-      </a:fillRef>
-      <a:effectRef idx="0">
-        <a:scrgbClr r="0" g="0" b="0"/>
-      </a:effectRef>
-      <a:fontRef idx="minor">
-        <a:schemeClr val="lt1"/>
-      </a:fontRef>
-    </dgm:style>
-  </dgm:styleLbl>
-  <dgm:styleLbl name="asst3">
-    <dgm:scene3d>
-      <a:camera prst="orthographicFront"/>
-      <a:lightRig rig="threePt" dir="t"/>
-    </dgm:scene3d>
-    <dgm:sp3d/>
-    <dgm:txPr/>
-    <dgm:style>
-      <a:lnRef idx="2">
-        <a:scrgbClr r="0" g="0" b="0"/>
-      </a:lnRef>
-      <a:fillRef idx="1">
-        <a:scrgbClr r="0" g="0" b="0"/>
-      </a:fillRef>
-      <a:effectRef idx="0">
-        <a:scrgbClr r="0" g="0" b="0"/>
-      </a:effectRef>
-      <a:fontRef idx="minor">
-        <a:schemeClr val="lt1"/>
-      </a:fontRef>
-    </dgm:style>
-  </dgm:styleLbl>
-  <dgm:styleLbl name="asst4">
-    <dgm:scene3d>
-      <a:camera prst="orthographicFront"/>
-      <a:lightRig rig="threePt" dir="t"/>
-    </dgm:scene3d>
-    <dgm:sp3d/>
-    <dgm:txPr/>
-    <dgm:style>
-      <a:lnRef idx="2">
-        <a:scrgbClr r="0" g="0" b="0"/>
-      </a:lnRef>
-      <a:fillRef idx="1">
-        <a:scrgbClr r="0" g="0" b="0"/>
-      </a:fillRef>
-      <a:effectRef idx="0">
-        <a:scrgbClr r="0" g="0" b="0"/>
-      </a:effectRef>
-      <a:fontRef idx="minor">
-        <a:schemeClr val="lt1"/>
-      </a:fontRef>
-    </dgm:style>
-  </dgm:styleLbl>
-  <dgm:styleLbl name="parChTrans2D1">
-    <dgm:scene3d>
-      <a:camera prst="orthographicFront"/>
-      <a:lightRig rig="threePt" dir="t"/>
-    </dgm:scene3d>
-    <dgm:sp3d/>
-    <dgm:txPr/>
-    <dgm:style>
-      <a:lnRef idx="2">
-        <a:scrgbClr r="0" g="0" b="0"/>
-      </a:lnRef>
-      <a:fillRef idx="1">
-        <a:scrgbClr r="0" g="0" b="0"/>
-      </a:fillRef>
-      <a:effectRef idx="0">
-        <a:scrgbClr r="0" g="0" b="0"/>
-      </a:effectRef>
-      <a:fontRef idx="minor">
-        <a:schemeClr val="lt1"/>
-      </a:fontRef>
-    </dgm:style>
-  </dgm:styleLbl>
-  <dgm:styleLbl name="parChTrans2D2">
-    <dgm:scene3d>
-      <a:camera prst="orthographicFront"/>
-      <a:lightRig rig="threePt" dir="t"/>
-    </dgm:scene3d>
-    <dgm:sp3d/>
-    <dgm:txPr/>
-    <dgm:style>
-      <a:lnRef idx="2">
-        <a:scrgbClr r="0" g="0" b="0"/>
-      </a:lnRef>
-      <a:fillRef idx="1">
-        <a:scrgbClr r="0" g="0" b="0"/>
-      </a:fillRef>
-      <a:effectRef idx="0">
-        <a:scrgbClr r="0" g="0" b="0"/>
-      </a:effectRef>
-      <a:fontRef idx="minor">
-        <a:schemeClr val="lt1"/>
-      </a:fontRef>
-    </dgm:style>
-  </dgm:styleLbl>
-  <dgm:styleLbl name="parChTrans2D3">
-    <dgm:scene3d>
-      <a:camera prst="orthographicFront"/>
-      <a:lightRig rig="threePt" dir="t"/>
-    </dgm:scene3d>
-    <dgm:sp3d/>
-    <dgm:txPr/>
-    <dgm:style>
-      <a:lnRef idx="2">
-        <a:scrgbClr r="0" g="0" b="0"/>
-      </a:lnRef>
-      <a:fillRef idx="1">
-        <a:scrgbClr r="0" g="0" b="0"/>
-      </a:fillRef>
-      <a:effectRef idx="0">
-        <a:scrgbClr r="0" g="0" b="0"/>
-      </a:effectRef>
-      <a:fontRef idx="minor">
-        <a:schemeClr val="lt1"/>
-      </a:fontRef>
-    </dgm:style>
-  </dgm:styleLbl>
-  <dgm:styleLbl name="parChTrans2D4">
-    <dgm:scene3d>
-      <a:camera prst="orthographicFront"/>
-      <a:lightRig rig="threePt" dir="t"/>
-    </dgm:scene3d>
-    <dgm:sp3d/>
-    <dgm:txPr/>
-    <dgm:style>
-      <a:lnRef idx="2">
-        <a:scrgbClr r="0" g="0" b="0"/>
-      </a:lnRef>
-      <a:fillRef idx="1">
-        <a:scrgbClr r="0" g="0" b="0"/>
-      </a:fillRef>
-      <a:effectRef idx="0">
-        <a:scrgbClr r="0" g="0" b="0"/>
-      </a:effectRef>
-      <a:fontRef idx="minor">
-        <a:schemeClr val="lt1"/>
-      </a:fontRef>
-    </dgm:style>
-  </dgm:styleLbl>
-  <dgm:styleLbl name="parChTrans1D1">
-    <dgm:scene3d>
-      <a:camera prst="orthographicFront"/>
-      <a:lightRig rig="threePt" dir="t"/>
-    </dgm:scene3d>
-    <dgm:sp3d/>
-    <dgm:txPr/>
-    <dgm:style>
-      <a:lnRef idx="2">
-        <a:scrgbClr r="0" g="0" b="0"/>
-      </a:lnRef>
-      <a:fillRef idx="0">
-        <a:scrgbClr r="0" g="0" b="0"/>
-      </a:fillRef>
-      <a:effectRef idx="0">
-        <a:scrgbClr r="0" g="0" b="0"/>
-      </a:effectRef>
-      <a:fontRef idx="minor"/>
-    </dgm:style>
-  </dgm:styleLbl>
-  <dgm:styleLbl name="parChTrans1D2">
-    <dgm:scene3d>
-      <a:camera prst="orthographicFront"/>
-      <a:lightRig rig="threePt" dir="t"/>
-    </dgm:scene3d>
-    <dgm:sp3d/>
-    <dgm:txPr/>
-    <dgm:style>
-      <a:lnRef idx="2">
-        <a:scrgbClr r="0" g="0" b="0"/>
-      </a:lnRef>
-      <a:fillRef idx="0">
-        <a:scrgbClr r="0" g="0" b="0"/>
-      </a:fillRef>
-      <a:effectRef idx="0">
-        <a:scrgbClr r="0" g="0" b="0"/>
-      </a:effectRef>
-      <a:fontRef idx="minor"/>
-    </dgm:style>
-  </dgm:styleLbl>
-  <dgm:styleLbl name="parChTrans1D3">
-    <dgm:scene3d>
-      <a:camera prst="orthographicFront"/>
-      <a:lightRig rig="threePt" dir="t"/>
-    </dgm:scene3d>
-    <dgm:sp3d/>
-    <dgm:txPr/>
-    <dgm:style>
-      <a:lnRef idx="2">
-        <a:scrgbClr r="0" g="0" b="0"/>
-      </a:lnRef>
-      <a:fillRef idx="0">
-        <a:scrgbClr r="0" g="0" b="0"/>
-      </a:fillRef>
-      <a:effectRef idx="0">
-        <a:scrgbClr r="0" g="0" b="0"/>
-      </a:effectRef>
-      <a:fontRef idx="minor"/>
-    </dgm:style>
-  </dgm:styleLbl>
-  <dgm:styleLbl name="parChTrans1D4">
-    <dgm:scene3d>
-      <a:camera prst="orthographicFront"/>
-      <a:lightRig rig="threePt" dir="t"/>
-    </dgm:scene3d>
-    <dgm:sp3d/>
-    <dgm:txPr/>
-    <dgm:style>
-      <a:lnRef idx="2">
-        <a:scrgbClr r="0" g="0" b="0"/>
-      </a:lnRef>
-      <a:fillRef idx="0">
-        <a:scrgbClr r="0" g="0" b="0"/>
-      </a:fillRef>
-      <a:effectRef idx="0">
-        <a:scrgbClr r="0" g="0" b="0"/>
-      </a:effectRef>
-      <a:fontRef idx="minor"/>
-    </dgm:style>
-  </dgm:styleLbl>
-  <dgm:styleLbl name="fgAcc1">
-    <dgm:scene3d>
-      <a:camera prst="orthographicFront"/>
-      <a:lightRig rig="threePt" dir="t"/>
-    </dgm:scene3d>
-    <dgm:sp3d/>
-    <dgm:txPr/>
-    <dgm:style>
-      <a:lnRef idx="2">
-        <a:scrgbClr r="0" g="0" b="0"/>
-      </a:lnRef>
-      <a:fillRef idx="1">
-        <a:scrgbClr r="0" g="0" b="0"/>
-      </a:fillRef>
-      <a:effectRef idx="0">
-        <a:scrgbClr r="0" g="0" b="0"/>
-      </a:effectRef>
-      <a:fontRef idx="minor"/>
-    </dgm:style>
-  </dgm:styleLbl>
-  <dgm:styleLbl name="conFgAcc1">
-    <dgm:scene3d>
-      <a:camera prst="orthographicFront"/>
-      <a:lightRig rig="threePt" dir="t"/>
-    </dgm:scene3d>
-    <dgm:sp3d/>
-    <dgm:txPr/>
-    <dgm:style>
-      <a:lnRef idx="2">
-        <a:scrgbClr r="0" g="0" b="0"/>
-      </a:lnRef>
-      <a:fillRef idx="1">
-        <a:scrgbClr r="0" g="0" b="0"/>
-      </a:fillRef>
-      <a:effectRef idx="0">
-        <a:scrgbClr r="0" g="0" b="0"/>
-      </a:effectRef>
-      <a:fontRef idx="minor"/>
-    </dgm:style>
-  </dgm:styleLbl>
-  <dgm:styleLbl name="alignAcc1">
-    <dgm:scene3d>
-      <a:camera prst="orthographicFront"/>
-      <a:lightRig rig="threePt" dir="t"/>
-    </dgm:scene3d>
-    <dgm:sp3d/>
-    <dgm:txPr/>
-    <dgm:style>
-      <a:lnRef idx="2">
-        <a:scrgbClr r="0" g="0" b="0"/>
-      </a:lnRef>
-      <a:fillRef idx="1">
-        <a:scrgbClr r="0" g="0" b="0"/>
-      </a:fillRef>
-      <a:effectRef idx="0">
-        <a:scrgbClr r="0" g="0" b="0"/>
-      </a:effectRef>
-      <a:fontRef idx="minor"/>
-    </dgm:style>
-  </dgm:styleLbl>
-  <dgm:styleLbl name="trAlignAcc1">
-    <dgm:scene3d>
-      <a:camera prst="orthographicFront"/>
-      <a:lightRig rig="threePt" dir="t"/>
-    </dgm:scene3d>
-    <dgm:sp3d/>
-    <dgm:txPr/>
-    <dgm:style>
-      <a:lnRef idx="1">
-        <a:scrgbClr r="0" g="0" b="0"/>
-      </a:lnRef>
-      <a:fillRef idx="1">
-        <a:scrgbClr r="0" g="0" b="0"/>
-      </a:fillRef>
-      <a:effectRef idx="0">
-        <a:scrgbClr r="0" g="0" b="0"/>
-      </a:effectRef>
-      <a:fontRef idx="minor"/>
-    </dgm:style>
-  </dgm:styleLbl>
-  <dgm:styleLbl name="bgAcc1">
-    <dgm:scene3d>
-      <a:camera prst="orthographicFront"/>
-      <a:lightRig rig="threePt" dir="t"/>
-    </dgm:scene3d>
-    <dgm:sp3d/>
-    <dgm:txPr/>
-    <dgm:style>
-      <a:lnRef idx="2">
-        <a:scrgbClr r="0" g="0" b="0"/>
-      </a:lnRef>
-      <a:fillRef idx="1">
-        <a:scrgbClr r="0" g="0" b="0"/>
-      </a:fillRef>
-      <a:effectRef idx="0">
-        <a:scrgbClr r="0" g="0" b="0"/>
-      </a:effectRef>
-      <a:fontRef idx="minor"/>
-    </dgm:style>
-  </dgm:styleLbl>
-  <dgm:styleLbl name="solidFgAcc1">
-    <dgm:scene3d>
-      <a:camera prst="orthographicFront"/>
-      <a:lightRig rig="threePt" dir="t"/>
-    </dgm:scene3d>
-    <dgm:sp3d/>
-    <dgm:txPr/>
-    <dgm:style>
-      <a:lnRef idx="2">
-        <a:scrgbClr r="0" g="0" b="0"/>
-      </a:lnRef>
-      <a:fillRef idx="1">
-        <a:scrgbClr r="0" g="0" b="0"/>
-      </a:fillRef>
-      <a:effectRef idx="0">
-        <a:scrgbClr r="0" g="0" b="0"/>
-      </a:effectRef>
-      <a:fontRef idx="minor"/>
-    </dgm:style>
-  </dgm:styleLbl>
-  <dgm:styleLbl name="solidAlignAcc1">
-    <dgm:scene3d>
-      <a:camera prst="orthographicFront"/>
-      <a:lightRig rig="threePt" dir="t"/>
-    </dgm:scene3d>
-    <dgm:sp3d/>
-    <dgm:txPr/>
-    <dgm:style>
-      <a:lnRef idx="2">
-        <a:scrgbClr r="0" g="0" b="0"/>
-      </a:lnRef>
-      <a:fillRef idx="1">
-        <a:scrgbClr r="0" g="0" b="0"/>
-      </a:fillRef>
-      <a:effectRef idx="0">
-        <a:scrgbClr r="0" g="0" b="0"/>
-      </a:effectRef>
-      <a:fontRef idx="minor"/>
-    </dgm:style>
-  </dgm:styleLbl>
-  <dgm:styleLbl name="solidBgAcc1">
-    <dgm:scene3d>
-      <a:camera prst="orthographicFront"/>
-      <a:lightRig rig="threePt" dir="t"/>
-    </dgm:scene3d>
-    <dgm:sp3d/>
-    <dgm:txPr/>
-    <dgm:style>
-      <a:lnRef idx="2">
-        <a:scrgbClr r="0" g="0" b="0"/>
-      </a:lnRef>
-      <a:fillRef idx="1">
-        <a:scrgbClr r="0" g="0" b="0"/>
-      </a:fillRef>
-      <a:effectRef idx="0">
-        <a:scrgbClr r="0" g="0" b="0"/>
-      </a:effectRef>
-      <a:fontRef idx="minor"/>
-    </dgm:style>
-  </dgm:styleLbl>
-  <dgm:styleLbl name="fgAccFollowNode1">
-    <dgm:scene3d>
-      <a:camera prst="orthographicFront"/>
-      <a:lightRig rig="threePt" dir="t"/>
-    </dgm:scene3d>
-    <dgm:sp3d/>
-    <dgm:txPr/>
-    <dgm:style>
-      <a:lnRef idx="2">
-        <a:scrgbClr r="0" g="0" b="0"/>
-      </a:lnRef>
-      <a:fillRef idx="1">
-        <a:scrgbClr r="0" g="0" b="0"/>
-      </a:fillRef>
-      <a:effectRef idx="0">
-        <a:scrgbClr r="0" g="0" b="0"/>
-      </a:effectRef>
-      <a:fontRef idx="minor"/>
-    </dgm:style>
-  </dgm:styleLbl>
-  <dgm:styleLbl name="alignAccFollowNode1">
-    <dgm:scene3d>
-      <a:camera prst="orthographicFront"/>
-      <a:lightRig rig="threePt" dir="t"/>
-    </dgm:scene3d>
-    <dgm:sp3d/>
-    <dgm:txPr/>
-    <dgm:style>
-      <a:lnRef idx="2">
-        <a:scrgbClr r="0" g="0" b="0"/>
-      </a:lnRef>
-      <a:fillRef idx="1">
-        <a:scrgbClr r="0" g="0" b="0"/>
-      </a:fillRef>
-      <a:effectRef idx="0">
-        <a:scrgbClr r="0" g="0" b="0"/>
-      </a:effectRef>
-      <a:fontRef idx="minor"/>
-    </dgm:style>
-  </dgm:styleLbl>
-  <dgm:styleLbl name="bgAccFollowNode1">
-    <dgm:scene3d>
-      <a:camera prst="orthographicFront"/>
-      <a:lightRig rig="threePt" dir="t"/>
-    </dgm:scene3d>
-    <dgm:sp3d/>
-    <dgm:txPr/>
-    <dgm:style>
-      <a:lnRef idx="2">
-        <a:scrgbClr r="0" g="0" b="0"/>
-      </a:lnRef>
-      <a:fillRef idx="1">
-        <a:scrgbClr r="0" g="0" b="0"/>
-      </a:fillRef>
-      <a:effectRef idx="0">
-        <a:scrgbClr r="0" g="0" b="0"/>
-      </a:effectRef>
-      <a:fontRef idx="minor"/>
-    </dgm:style>
-  </dgm:styleLbl>
-  <dgm:styleLbl name="fgAcc0">
-    <dgm:scene3d>
-      <a:camera prst="orthographicFront"/>
-      <a:lightRig rig="threePt" dir="t"/>
-    </dgm:scene3d>
-    <dgm:sp3d/>
-    <dgm:txPr/>
-    <dgm:style>
-      <a:lnRef idx="2">
-        <a:scrgbClr r="0" g="0" b="0"/>
-      </a:lnRef>
-      <a:fillRef idx="1">
-        <a:scrgbClr r="0" g="0" b="0"/>
-      </a:fillRef>
-      <a:effectRef idx="0">
-        <a:scrgbClr r="0" g="0" b="0"/>
-      </a:effectRef>
-      <a:fontRef idx="minor"/>
-    </dgm:style>
-  </dgm:styleLbl>
-  <dgm:styleLbl name="fgAcc2">
-    <dgm:scene3d>
-      <a:camera prst="orthographicFront"/>
-      <a:lightRig rig="threePt" dir="t"/>
-    </dgm:scene3d>
-    <dgm:sp3d/>
-    <dgm:txPr/>
-    <dgm:style>
-      <a:lnRef idx="2">
-        <a:scrgbClr r="0" g="0" b="0"/>
-      </a:lnRef>
-      <a:fillRef idx="1">
-        <a:scrgbClr r="0" g="0" b="0"/>
-      </a:fillRef>
-      <a:effectRef idx="0">
-        <a:scrgbClr r="0" g="0" b="0"/>
-      </a:effectRef>
-      <a:fontRef idx="minor"/>
-    </dgm:style>
-  </dgm:styleLbl>
-  <dgm:styleLbl name="fgAcc3">
-    <dgm:scene3d>
-      <a:camera prst="orthographicFront"/>
-      <a:lightRig rig="threePt" dir="t"/>
-    </dgm:scene3d>
-    <dgm:sp3d/>
-    <dgm:txPr/>
-    <dgm:style>
-      <a:lnRef idx="2">
-        <a:scrgbClr r="0" g="0" b="0"/>
-      </a:lnRef>
-      <a:fillRef idx="1">
-        <a:scrgbClr r="0" g="0" b="0"/>
-      </a:fillRef>
-      <a:effectRef idx="0">
-        <a:scrgbClr r="0" g="0" b="0"/>
-      </a:effectRef>
-      <a:fontRef idx="minor"/>
-    </dgm:style>
-  </dgm:styleLbl>
-  <dgm:styleLbl name="fgAcc4">
-    <dgm:scene3d>
-      <a:camera prst="orthographicFront"/>
-      <a:lightRig rig="threePt" dir="t"/>
-    </dgm:scene3d>
-    <dgm:sp3d/>
-    <dgm:txPr/>
-    <dgm:style>
-      <a:lnRef idx="2">
-        <a:scrgbClr r="0" g="0" b="0"/>
-      </a:lnRef>
-      <a:fillRef idx="1">
-        <a:scrgbClr r="0" g="0" b="0"/>
-      </a:fillRef>
-      <a:effectRef idx="0">
-        <a:scrgbClr r="0" g="0" b="0"/>
-      </a:effectRef>
-      <a:fontRef idx="minor"/>
-    </dgm:style>
-  </dgm:styleLbl>
-  <dgm:styleLbl name="bgShp">
-    <dgm:scene3d>
-      <a:camera prst="orthographicFront"/>
-      <a:lightRig rig="threePt" dir="t"/>
-    </dgm:scene3d>
-    <dgm:sp3d/>
-    <dgm:txPr/>
-    <dgm:style>
-      <a:lnRef idx="0">
-        <a:scrgbClr r="0" g="0" b="0"/>
-      </a:lnRef>
-      <a:fillRef idx="1">
-        <a:scrgbClr r="0" g="0" b="0"/>
-      </a:fillRef>
-      <a:effectRef idx="0">
-        <a:scrgbClr r="0" g="0" b="0"/>
-      </a:effectRef>
-      <a:fontRef idx="minor"/>
-    </dgm:style>
-  </dgm:styleLbl>
-  <dgm:styleLbl name="dkBgShp">
-    <dgm:scene3d>
-      <a:camera prst="orthographicFront"/>
-      <a:lightRig rig="threePt" dir="t"/>
-    </dgm:scene3d>
-    <dgm:sp3d/>
-    <dgm:txPr/>
-    <dgm:style>
-      <a:lnRef idx="0">
-        <a:scrgbClr r="0" g="0" b="0"/>
-      </a:lnRef>
-      <a:fillRef idx="1">
-        <a:scrgbClr r="0" g="0" b="0"/>
-      </a:fillRef>
-      <a:effectRef idx="0">
-        <a:scrgbClr r="0" g="0" b="0"/>
-      </a:effectRef>
-      <a:fontRef idx="minor"/>
-    </dgm:style>
-  </dgm:styleLbl>
-  <dgm:styleLbl name="trBgShp">
-    <dgm:scene3d>
-      <a:camera prst="orthographicFront"/>
-      <a:lightRig rig="threePt" dir="t"/>
-    </dgm:scene3d>
-    <dgm:sp3d/>
-    <dgm:txPr/>
-    <dgm:style>
-      <a:lnRef idx="0">
-        <a:scrgbClr r="0" g="0" b="0"/>
-      </a:lnRef>
-      <a:fillRef idx="1">
-        <a:scrgbClr r="0" g="0" b="0"/>
-      </a:fillRef>
-      <a:effectRef idx="0">
-        <a:scrgbClr r="0" g="0" b="0"/>
-      </a:effectRef>
-      <a:fontRef idx="minor"/>
-    </dgm:style>
-  </dgm:styleLbl>
-  <dgm:styleLbl name="fgShp">
-    <dgm:scene3d>
-      <a:camera prst="orthographicFront"/>
-      <a:lightRig rig="threePt" dir="t"/>
-    </dgm:scene3d>
-    <dgm:sp3d/>
-    <dgm:txPr/>
-    <dgm:style>
-      <a:lnRef idx="2">
-        <a:scrgbClr r="0" g="0" b="0"/>
-      </a:lnRef>
-      <a:fillRef idx="1">
-        <a:scrgbClr r="0" g="0" b="0"/>
-      </a:fillRef>
-      <a:effectRef idx="0">
-        <a:scrgbClr r="0" g="0" b="0"/>
-      </a:effectRef>
-      <a:fontRef idx="minor"/>
-    </dgm:style>
-  </dgm:styleLbl>
-  <dgm:styleLbl name="revTx">
-    <dgm:scene3d>
-      <a:camera prst="orthographicFront"/>
-      <a:lightRig rig="threePt" dir="t"/>
-    </dgm:scene3d>
-    <dgm:sp3d/>
-    <dgm:txPr/>
-    <dgm:style>
-      <a:lnRef idx="0">
-        <a:scrgbClr r="0" g="0" b="0"/>
-      </a:lnRef>
-      <a:fillRef idx="0">
-        <a:scrgbClr r="0" g="0" b="0"/>
-      </a:fillRef>
-      <a:effectRef idx="0">
-        <a:scrgbClr r="0" g="0" b="0"/>
-      </a:effectRef>
-      <a:fontRef idx="minor"/>
-    </dgm:style>
-  </dgm:styleLbl>
-</dgm:styleDef>
-</file>
-
 <file path=ppt/notesMasters/notesMaster1.xml><?xml version="1.0" encoding="utf-8"?>
 <p:notesMaster xmlns:a="http://schemas.openxmlformats.org/drawingml/2006/main" xmlns:r="http://schemas.openxmlformats.org/officeDocument/2006/relationships" xmlns:p="http://schemas.openxmlformats.org/presentationml/2006/main">
   <p:cSld>
@@ -19199,7 +13566,7 @@
           <a:p>
             <a:fld id="{E9F3EA71-50B8-4341-92E0-83E82817306A}" type="datetimeFigureOut">
               <a:rPr lang="en-US" smtClean="0"/>
-              <a:t>11/29/22</a:t>
+              <a:t>12/1/22</a:t>
             </a:fld>
             <a:endParaRPr lang="en-US"/>
           </a:p>
@@ -19550,6 +13917,174 @@
 </p:notes>
 </file>
 
+<file path=ppt/notesSlides/notesSlide2.xml><?xml version="1.0" encoding="utf-8"?>
+<p:notes xmlns:a="http://schemas.openxmlformats.org/drawingml/2006/main" xmlns:r="http://schemas.openxmlformats.org/officeDocument/2006/relationships" xmlns:p="http://schemas.openxmlformats.org/presentationml/2006/main">
+  <p:cSld>
+    <p:spTree>
+      <p:nvGrpSpPr>
+        <p:cNvPr id="1" name=""/>
+        <p:cNvGrpSpPr/>
+        <p:nvPr/>
+      </p:nvGrpSpPr>
+      <p:grpSpPr>
+        <a:xfrm>
+          <a:off x="0" y="0"/>
+          <a:ext cx="0" cy="0"/>
+          <a:chOff x="0" y="0"/>
+          <a:chExt cx="0" cy="0"/>
+        </a:xfrm>
+      </p:grpSpPr>
+      <p:sp>
+        <p:nvSpPr>
+          <p:cNvPr id="2" name="Slide Image Placeholder 1"/>
+          <p:cNvSpPr>
+            <a:spLocks noGrp="1" noRot="1" noChangeAspect="1"/>
+          </p:cNvSpPr>
+          <p:nvPr>
+            <p:ph type="sldImg"/>
+          </p:nvPr>
+        </p:nvSpPr>
+        <p:spPr/>
+      </p:sp>
+      <p:sp>
+        <p:nvSpPr>
+          <p:cNvPr id="3" name="Notes Placeholder 2"/>
+          <p:cNvSpPr>
+            <a:spLocks noGrp="1"/>
+          </p:cNvSpPr>
+          <p:nvPr>
+            <p:ph type="body" idx="1"/>
+          </p:nvPr>
+        </p:nvSpPr>
+        <p:spPr/>
+        <p:txBody>
+          <a:bodyPr/>
+          <a:lstStyle/>
+          <a:p>
+            <a:endParaRPr lang="en-US" dirty="0"/>
+          </a:p>
+        </p:txBody>
+      </p:sp>
+      <p:sp>
+        <p:nvSpPr>
+          <p:cNvPr id="4" name="Slide Number Placeholder 3"/>
+          <p:cNvSpPr>
+            <a:spLocks noGrp="1"/>
+          </p:cNvSpPr>
+          <p:nvPr>
+            <p:ph type="sldNum" sz="quarter" idx="5"/>
+          </p:nvPr>
+        </p:nvSpPr>
+        <p:spPr/>
+        <p:txBody>
+          <a:bodyPr/>
+          <a:lstStyle/>
+          <a:p>
+            <a:fld id="{A8DE15AA-2410-D34C-9743-FCDEFA83D907}" type="slidenum">
+              <a:rPr lang="en-US" smtClean="0"/>
+              <a:t>2</a:t>
+            </a:fld>
+            <a:endParaRPr lang="en-US"/>
+          </a:p>
+        </p:txBody>
+      </p:sp>
+    </p:spTree>
+    <p:extLst>
+      <p:ext uri="{BB962C8B-B14F-4D97-AF65-F5344CB8AC3E}">
+        <p14:creationId xmlns:p14="http://schemas.microsoft.com/office/powerpoint/2010/main" val="1847264898"/>
+      </p:ext>
+    </p:extLst>
+  </p:cSld>
+  <p:clrMapOvr>
+    <a:masterClrMapping/>
+  </p:clrMapOvr>
+</p:notes>
+</file>
+
+<file path=ppt/notesSlides/notesSlide3.xml><?xml version="1.0" encoding="utf-8"?>
+<p:notes xmlns:a="http://schemas.openxmlformats.org/drawingml/2006/main" xmlns:r="http://schemas.openxmlformats.org/officeDocument/2006/relationships" xmlns:p="http://schemas.openxmlformats.org/presentationml/2006/main">
+  <p:cSld>
+    <p:spTree>
+      <p:nvGrpSpPr>
+        <p:cNvPr id="1" name=""/>
+        <p:cNvGrpSpPr/>
+        <p:nvPr/>
+      </p:nvGrpSpPr>
+      <p:grpSpPr>
+        <a:xfrm>
+          <a:off x="0" y="0"/>
+          <a:ext cx="0" cy="0"/>
+          <a:chOff x="0" y="0"/>
+          <a:chExt cx="0" cy="0"/>
+        </a:xfrm>
+      </p:grpSpPr>
+      <p:sp>
+        <p:nvSpPr>
+          <p:cNvPr id="2" name="Slide Image Placeholder 1"/>
+          <p:cNvSpPr>
+            <a:spLocks noGrp="1" noRot="1" noChangeAspect="1"/>
+          </p:cNvSpPr>
+          <p:nvPr>
+            <p:ph type="sldImg"/>
+          </p:nvPr>
+        </p:nvSpPr>
+        <p:spPr/>
+      </p:sp>
+      <p:sp>
+        <p:nvSpPr>
+          <p:cNvPr id="3" name="Notes Placeholder 2"/>
+          <p:cNvSpPr>
+            <a:spLocks noGrp="1"/>
+          </p:cNvSpPr>
+          <p:nvPr>
+            <p:ph type="body" idx="1"/>
+          </p:nvPr>
+        </p:nvSpPr>
+        <p:spPr/>
+        <p:txBody>
+          <a:bodyPr/>
+          <a:lstStyle/>
+          <a:p>
+            <a:endParaRPr lang="en-US" dirty="0"/>
+          </a:p>
+        </p:txBody>
+      </p:sp>
+      <p:sp>
+        <p:nvSpPr>
+          <p:cNvPr id="4" name="Slide Number Placeholder 3"/>
+          <p:cNvSpPr>
+            <a:spLocks noGrp="1"/>
+          </p:cNvSpPr>
+          <p:nvPr>
+            <p:ph type="sldNum" sz="quarter" idx="5"/>
+          </p:nvPr>
+        </p:nvSpPr>
+        <p:spPr/>
+        <p:txBody>
+          <a:bodyPr/>
+          <a:lstStyle/>
+          <a:p>
+            <a:fld id="{A8DE15AA-2410-D34C-9743-FCDEFA83D907}" type="slidenum">
+              <a:rPr lang="en-US" smtClean="0"/>
+              <a:t>3</a:t>
+            </a:fld>
+            <a:endParaRPr lang="en-US"/>
+          </a:p>
+        </p:txBody>
+      </p:sp>
+    </p:spTree>
+    <p:extLst>
+      <p:ext uri="{BB962C8B-B14F-4D97-AF65-F5344CB8AC3E}">
+        <p14:creationId xmlns:p14="http://schemas.microsoft.com/office/powerpoint/2010/main" val="1501014993"/>
+      </p:ext>
+    </p:extLst>
+  </p:cSld>
+  <p:clrMapOvr>
+    <a:masterClrMapping/>
+  </p:clrMapOvr>
+</p:notes>
+</file>
+
 <file path=ppt/slideLayouts/slideLayout1.xml><?xml version="1.0" encoding="utf-8"?>
 <p:sldLayout xmlns:a="http://schemas.openxmlformats.org/drawingml/2006/main" xmlns:r="http://schemas.openxmlformats.org/officeDocument/2006/relationships" xmlns:p="http://schemas.openxmlformats.org/presentationml/2006/main" type="title" preserve="1">
   <p:cSld name="Title Slide">
@@ -19697,7 +14232,7 @@
           <a:p>
             <a:fld id="{6E667092-0106-9A4B-BD35-1DD4762A1E3B}" type="datetimeFigureOut">
               <a:rPr lang="en-US" smtClean="0"/>
-              <a:t>11/29/22</a:t>
+              <a:t>12/1/22</a:t>
             </a:fld>
             <a:endParaRPr lang="en-US"/>
           </a:p>
@@ -19895,7 +14430,7 @@
           <a:p>
             <a:fld id="{6E667092-0106-9A4B-BD35-1DD4762A1E3B}" type="datetimeFigureOut">
               <a:rPr lang="en-US" smtClean="0"/>
-              <a:t>11/29/22</a:t>
+              <a:t>12/1/22</a:t>
             </a:fld>
             <a:endParaRPr lang="en-US"/>
           </a:p>
@@ -20103,7 +14638,7 @@
           <a:p>
             <a:fld id="{6E667092-0106-9A4B-BD35-1DD4762A1E3B}" type="datetimeFigureOut">
               <a:rPr lang="en-US" smtClean="0"/>
-              <a:t>11/29/22</a:t>
+              <a:t>12/1/22</a:t>
             </a:fld>
             <a:endParaRPr lang="en-US"/>
           </a:p>
@@ -20301,7 +14836,7 @@
           <a:p>
             <a:fld id="{6E667092-0106-9A4B-BD35-1DD4762A1E3B}" type="datetimeFigureOut">
               <a:rPr lang="en-US" smtClean="0"/>
-              <a:t>11/29/22</a:t>
+              <a:t>12/1/22</a:t>
             </a:fld>
             <a:endParaRPr lang="en-US"/>
           </a:p>
@@ -20576,7 +15111,7 @@
           <a:p>
             <a:fld id="{6E667092-0106-9A4B-BD35-1DD4762A1E3B}" type="datetimeFigureOut">
               <a:rPr lang="en-US" smtClean="0"/>
-              <a:t>11/29/22</a:t>
+              <a:t>12/1/22</a:t>
             </a:fld>
             <a:endParaRPr lang="en-US"/>
           </a:p>
@@ -20841,7 +15376,7 @@
           <a:p>
             <a:fld id="{6E667092-0106-9A4B-BD35-1DD4762A1E3B}" type="datetimeFigureOut">
               <a:rPr lang="en-US" smtClean="0"/>
-              <a:t>11/29/22</a:t>
+              <a:t>12/1/22</a:t>
             </a:fld>
             <a:endParaRPr lang="en-US"/>
           </a:p>
@@ -21253,7 +15788,7 @@
           <a:p>
             <a:fld id="{6E667092-0106-9A4B-BD35-1DD4762A1E3B}" type="datetimeFigureOut">
               <a:rPr lang="en-US" smtClean="0"/>
-              <a:t>11/29/22</a:t>
+              <a:t>12/1/22</a:t>
             </a:fld>
             <a:endParaRPr lang="en-US"/>
           </a:p>
@@ -21394,7 +15929,7 @@
           <a:p>
             <a:fld id="{6E667092-0106-9A4B-BD35-1DD4762A1E3B}" type="datetimeFigureOut">
               <a:rPr lang="en-US" smtClean="0"/>
-              <a:t>11/29/22</a:t>
+              <a:t>12/1/22</a:t>
             </a:fld>
             <a:endParaRPr lang="en-US"/>
           </a:p>
@@ -21507,7 +16042,7 @@
           <a:p>
             <a:fld id="{6E667092-0106-9A4B-BD35-1DD4762A1E3B}" type="datetimeFigureOut">
               <a:rPr lang="en-US" smtClean="0"/>
-              <a:t>11/29/22</a:t>
+              <a:t>12/1/22</a:t>
             </a:fld>
             <a:endParaRPr lang="en-US"/>
           </a:p>
@@ -21818,7 +16353,7 @@
           <a:p>
             <a:fld id="{6E667092-0106-9A4B-BD35-1DD4762A1E3B}" type="datetimeFigureOut">
               <a:rPr lang="en-US" smtClean="0"/>
-              <a:t>11/29/22</a:t>
+              <a:t>12/1/22</a:t>
             </a:fld>
             <a:endParaRPr lang="en-US"/>
           </a:p>
@@ -22106,7 +16641,7 @@
           <a:p>
             <a:fld id="{6E667092-0106-9A4B-BD35-1DD4762A1E3B}" type="datetimeFigureOut">
               <a:rPr lang="en-US" smtClean="0"/>
-              <a:t>11/29/22</a:t>
+              <a:t>12/1/22</a:t>
             </a:fld>
             <a:endParaRPr lang="en-US"/>
           </a:p>
@@ -22347,7 +16882,7 @@
           <a:p>
             <a:fld id="{6E667092-0106-9A4B-BD35-1DD4762A1E3B}" type="datetimeFigureOut">
               <a:rPr lang="en-US" smtClean="0"/>
-              <a:t>11/29/22</a:t>
+              <a:t>12/1/22</a:t>
             </a:fld>
             <a:endParaRPr lang="en-US"/>
           </a:p>
@@ -22970,8 +17505,8 @@
         </p:nvSpPr>
         <p:spPr>
           <a:xfrm>
-            <a:off x="952228" y="743447"/>
-            <a:ext cx="3973385" cy="3692028"/>
+            <a:off x="535665" y="2775856"/>
+            <a:ext cx="3973385" cy="2070933"/>
           </a:xfrm>
           <a:noFill/>
         </p:spPr>
@@ -22983,10 +17518,10 @@
           <a:p>
             <a:pPr algn="l"/>
             <a:r>
-              <a:rPr lang="en-US" sz="5200" b="1"/>
+              <a:rPr lang="en-US" sz="4000" b="1" dirty="0"/>
               <a:t>Credit Risk Evaluation using Machine Learning</a:t>
             </a:r>
-            <a:endParaRPr lang="en-US" sz="5200"/>
+            <a:endParaRPr lang="en-US" sz="4000" dirty="0"/>
           </a:p>
         </p:txBody>
       </p:sp>
@@ -23008,7 +17543,7 @@
         </p:nvSpPr>
         <p:spPr>
           <a:xfrm>
-            <a:off x="952229" y="4629234"/>
+            <a:off x="535665" y="5042288"/>
             <a:ext cx="3973386" cy="1485319"/>
           </a:xfrm>
           <a:noFill/>
@@ -23021,27 +17556,27 @@
           <a:p>
             <a:pPr algn="l"/>
             <a:r>
-              <a:rPr lang="en-US"/>
+              <a:rPr lang="en-US" dirty="0"/>
               <a:t>By</a:t>
             </a:r>
             <a:r>
-              <a:rPr lang="en-US" i="1"/>
+              <a:rPr lang="en-US" i="1" dirty="0"/>
               <a:t> Surya </a:t>
             </a:r>
             <a:r>
-              <a:rPr lang="en-US"/>
+              <a:rPr lang="en-US" dirty="0"/>
               <a:t>Vaddhiparthy</a:t>
             </a:r>
-            <a:endParaRPr lang="en-US" i="1"/>
+            <a:endParaRPr lang="en-US" i="1" dirty="0"/>
           </a:p>
           <a:p>
             <a:pPr algn="l"/>
             <a:r>
-              <a:rPr lang="en-US"/>
+              <a:rPr lang="en-US" dirty="0"/>
               <a:t>Under the guidance of Professor </a:t>
             </a:r>
             <a:r>
-              <a:rPr lang="en-US">
+              <a:rPr lang="en-US" dirty="0">
                 <a:effectLst/>
                 <a:latin typeface="Calibri" panose="020F0502020204030204" pitchFamily="34" charset="0"/>
                 <a:ea typeface="Times New Roman" panose="02020603050405020304" pitchFamily="18" charset="0"/>
@@ -23049,16 +17584,76 @@
               <a:t>Dr. Guan Yue Hong</a:t>
             </a:r>
             <a:r>
-              <a:rPr lang="en-US">
+              <a:rPr lang="en-US" dirty="0">
                 <a:effectLst/>
               </a:rPr>
               <a:t> </a:t>
             </a:r>
-            <a:endParaRPr lang="en-US" i="1"/>
+            <a:endParaRPr lang="en-US" i="1" dirty="0"/>
           </a:p>
           <a:p>
             <a:pPr algn="l"/>
-            <a:endParaRPr lang="en-US"/>
+            <a:endParaRPr lang="en-US" dirty="0"/>
+          </a:p>
+        </p:txBody>
+      </p:sp>
+      <p:sp>
+        <p:nvSpPr>
+          <p:cNvPr id="4" name="TextBox 3">
+            <a:extLst>
+              <a:ext uri="{FF2B5EF4-FFF2-40B4-BE49-F238E27FC236}">
+                <a16:creationId xmlns:a16="http://schemas.microsoft.com/office/drawing/2014/main" id="{A4BFB0EF-AAD6-85F2-7DFA-E14BFD5D7290}"/>
+              </a:ext>
+            </a:extLst>
+          </p:cNvPr>
+          <p:cNvSpPr txBox="1"/>
+          <p:nvPr/>
+        </p:nvSpPr>
+        <p:spPr>
+          <a:xfrm>
+            <a:off x="532616" y="2580357"/>
+            <a:ext cx="2984938" cy="646331"/>
+          </a:xfrm>
+          <a:prstGeom prst="rect">
+            <a:avLst/>
+          </a:prstGeom>
+          <a:noFill/>
+        </p:spPr>
+        <p:txBody>
+          <a:bodyPr wrap="square" rtlCol="0">
+            <a:spAutoFit/>
+          </a:bodyPr>
+          <a:lstStyle/>
+          <a:p>
+            <a:pPr marL="0" marR="0" algn="ctr">
+              <a:spcBef>
+                <a:spcPts val="0"/>
+              </a:spcBef>
+              <a:spcAft>
+                <a:spcPts val="0"/>
+              </a:spcAft>
+            </a:pPr>
+            <a:r>
+              <a:rPr lang="en-US" sz="1800" dirty="0">
+                <a:solidFill>
+                  <a:srgbClr val="000000"/>
+                </a:solidFill>
+                <a:effectLst/>
+                <a:latin typeface="Calibri" panose="020F0502020204030204" pitchFamily="34" charset="0"/>
+                <a:ea typeface="Times New Roman" panose="02020603050405020304" pitchFamily="18" charset="0"/>
+                <a:cs typeface="Calibri" panose="020F0502020204030204" pitchFamily="34" charset="0"/>
+              </a:rPr>
+              <a:t>CS-5820 Project Group # 10</a:t>
+            </a:r>
+            <a:endParaRPr lang="en-US" sz="1800" dirty="0">
+              <a:effectLst/>
+              <a:latin typeface="Calibri" panose="020F0502020204030204" pitchFamily="34" charset="0"/>
+              <a:ea typeface="Times New Roman" panose="02020603050405020304" pitchFamily="18" charset="0"/>
+              <a:cs typeface="Calibri" panose="020F0502020204030204" pitchFamily="34" charset="0"/>
+            </a:endParaRPr>
+          </a:p>
+          <a:p>
+            <a:endParaRPr lang="en-US" dirty="0"/>
           </a:p>
         </p:txBody>
       </p:sp>
@@ -23076,442 +17671,6 @@
 </file>
 
 <file path=ppt/slides/slide10.xml><?xml version="1.0" encoding="utf-8"?>
-<p:sld xmlns:a="http://schemas.openxmlformats.org/drawingml/2006/main" xmlns:r="http://schemas.openxmlformats.org/officeDocument/2006/relationships" xmlns:p="http://schemas.openxmlformats.org/presentationml/2006/main">
-  <p:cSld>
-    <p:spTree>
-      <p:nvGrpSpPr>
-        <p:cNvPr id="1" name=""/>
-        <p:cNvGrpSpPr/>
-        <p:nvPr/>
-      </p:nvGrpSpPr>
-      <p:grpSpPr>
-        <a:xfrm>
-          <a:off x="0" y="0"/>
-          <a:ext cx="0" cy="0"/>
-          <a:chOff x="0" y="0"/>
-          <a:chExt cx="0" cy="0"/>
-        </a:xfrm>
-      </p:grpSpPr>
-      <p:sp>
-        <p:nvSpPr>
-          <p:cNvPr id="2" name="Title 1">
-            <a:extLst>
-              <a:ext uri="{FF2B5EF4-FFF2-40B4-BE49-F238E27FC236}">
-                <a16:creationId xmlns:a16="http://schemas.microsoft.com/office/drawing/2014/main" id="{93F99033-F1E4-6777-46F0-D3480DA643BA}"/>
-              </a:ext>
-            </a:extLst>
-          </p:cNvPr>
-          <p:cNvSpPr>
-            <a:spLocks noGrp="1"/>
-          </p:cNvSpPr>
-          <p:nvPr>
-            <p:ph type="title"/>
-          </p:nvPr>
-        </p:nvSpPr>
-        <p:spPr>
-          <a:xfrm>
-            <a:off x="838199" y="291090"/>
-            <a:ext cx="10515599" cy="932688"/>
-          </a:xfrm>
-        </p:spPr>
-        <p:txBody>
-          <a:bodyPr vert="horz" lIns="91440" tIns="45720" rIns="91440" bIns="45720" rtlCol="0" anchor="b">
-            <a:normAutofit/>
-          </a:bodyPr>
-          <a:lstStyle/>
-          <a:p>
-            <a:r>
-              <a:rPr lang="en-US" sz="3000" kern="1200" dirty="0">
-                <a:solidFill>
-                  <a:schemeClr val="tx1"/>
-                </a:solidFill>
-                <a:latin typeface="+mj-lt"/>
-                <a:ea typeface="+mj-ea"/>
-                <a:cs typeface="+mj-cs"/>
-              </a:rPr>
-              <a:t>Logistic Regression</a:t>
-            </a:r>
-          </a:p>
-        </p:txBody>
-      </p:sp>
-      <p:pic>
-        <p:nvPicPr>
-          <p:cNvPr id="3" name="Picture 2" descr="Table&#10;&#10;Description automatically generated">
-            <a:extLst>
-              <a:ext uri="{FF2B5EF4-FFF2-40B4-BE49-F238E27FC236}">
-                <a16:creationId xmlns:a16="http://schemas.microsoft.com/office/drawing/2014/main" id="{123F6264-22F2-535D-6EEE-C75DBBF22793}"/>
-              </a:ext>
-            </a:extLst>
-          </p:cNvPr>
-          <p:cNvPicPr>
-            <a:picLocks noChangeAspect="1"/>
-          </p:cNvPicPr>
-          <p:nvPr/>
-        </p:nvPicPr>
-        <p:blipFill>
-          <a:blip r:embed="rId2"/>
-          <a:stretch>
-            <a:fillRect/>
-          </a:stretch>
-        </p:blipFill>
-        <p:spPr>
-          <a:xfrm>
-            <a:off x="838199" y="2156466"/>
-            <a:ext cx="11080739" cy="3270949"/>
-          </a:xfrm>
-          <a:prstGeom prst="rect">
-            <a:avLst/>
-          </a:prstGeom>
-        </p:spPr>
-      </p:pic>
-    </p:spTree>
-    <p:extLst>
-      <p:ext uri="{BB962C8B-B14F-4D97-AF65-F5344CB8AC3E}">
-        <p14:creationId xmlns:p14="http://schemas.microsoft.com/office/powerpoint/2010/main" val="1309752860"/>
-      </p:ext>
-    </p:extLst>
-  </p:cSld>
-  <p:clrMapOvr>
-    <a:masterClrMapping/>
-  </p:clrMapOvr>
-</p:sld>
-</file>
-
-<file path=ppt/slides/slide11.xml><?xml version="1.0" encoding="utf-8"?>
-<p:sld xmlns:a="http://schemas.openxmlformats.org/drawingml/2006/main" xmlns:r="http://schemas.openxmlformats.org/officeDocument/2006/relationships" xmlns:p="http://schemas.openxmlformats.org/presentationml/2006/main">
-  <p:cSld>
-    <p:spTree>
-      <p:nvGrpSpPr>
-        <p:cNvPr id="1" name=""/>
-        <p:cNvGrpSpPr/>
-        <p:nvPr/>
-      </p:nvGrpSpPr>
-      <p:grpSpPr>
-        <a:xfrm>
-          <a:off x="0" y="0"/>
-          <a:ext cx="0" cy="0"/>
-          <a:chOff x="0" y="0"/>
-          <a:chExt cx="0" cy="0"/>
-        </a:xfrm>
-      </p:grpSpPr>
-      <p:pic>
-        <p:nvPicPr>
-          <p:cNvPr id="7" name="Picture 2" descr="Project Jupyter | Try Jupyter">
-            <a:hlinkClick r:id="rId2"/>
-            <a:extLst>
-              <a:ext uri="{FF2B5EF4-FFF2-40B4-BE49-F238E27FC236}">
-                <a16:creationId xmlns:a16="http://schemas.microsoft.com/office/drawing/2014/main" id="{FEEF4023-5DEB-9523-DE06-B9EAB257E3AA}"/>
-              </a:ext>
-            </a:extLst>
-          </p:cNvPr>
-          <p:cNvPicPr>
-            <a:picLocks noChangeAspect="1" noChangeArrowheads="1"/>
-          </p:cNvPicPr>
-          <p:nvPr/>
-        </p:nvPicPr>
-        <p:blipFill>
-          <a:blip r:embed="rId3">
-            <a:extLst>
-              <a:ext uri="{28A0092B-C50C-407E-A947-70E740481C1C}">
-                <a14:useLocalDpi xmlns:a14="http://schemas.microsoft.com/office/drawing/2010/main" val="0"/>
-              </a:ext>
-            </a:extLst>
-          </a:blip>
-          <a:srcRect/>
-          <a:stretch>
-            <a:fillRect/>
-          </a:stretch>
-        </p:blipFill>
-        <p:spPr bwMode="auto">
-          <a:xfrm>
-            <a:off x="9973435" y="5629351"/>
-            <a:ext cx="2218565" cy="1166536"/>
-          </a:xfrm>
-          <a:prstGeom prst="rect">
-            <a:avLst/>
-          </a:prstGeom>
-          <a:noFill/>
-          <a:extLst>
-            <a:ext uri="{909E8E84-426E-40DD-AFC4-6F175D3DCCD1}">
-              <a14:hiddenFill xmlns:a14="http://schemas.microsoft.com/office/drawing/2010/main">
-                <a:solidFill>
-                  <a:srgbClr val="FFFFFF"/>
-                </a:solidFill>
-              </a14:hiddenFill>
-            </a:ext>
-          </a:extLst>
-        </p:spPr>
-      </p:pic>
-      <p:pic>
-        <p:nvPicPr>
-          <p:cNvPr id="1026" name="Picture 2" descr="Coin Toss GIFs | Tenor">
-            <a:extLst>
-              <a:ext uri="{FF2B5EF4-FFF2-40B4-BE49-F238E27FC236}">
-                <a16:creationId xmlns:a16="http://schemas.microsoft.com/office/drawing/2014/main" id="{48B733A4-0599-15D5-E6C8-E302F688CA3B}"/>
-              </a:ext>
-            </a:extLst>
-          </p:cNvPr>
-          <p:cNvPicPr>
-            <a:picLocks noChangeAspect="1" noChangeArrowheads="1"/>
-          </p:cNvPicPr>
-          <p:nvPr/>
-        </p:nvPicPr>
-        <p:blipFill>
-          <a:blip r:embed="rId4">
-            <a:extLst>
-              <a:ext uri="{28A0092B-C50C-407E-A947-70E740481C1C}">
-                <a14:useLocalDpi xmlns:a14="http://schemas.microsoft.com/office/drawing/2010/main" val="0"/>
-              </a:ext>
-            </a:extLst>
-          </a:blip>
-          <a:srcRect/>
-          <a:stretch>
-            <a:fillRect/>
-          </a:stretch>
-        </p:blipFill>
-        <p:spPr bwMode="auto">
-          <a:xfrm>
-            <a:off x="2290918" y="79939"/>
-            <a:ext cx="6493993" cy="5549412"/>
-          </a:xfrm>
-          <a:prstGeom prst="rect">
-            <a:avLst/>
-          </a:prstGeom>
-          <a:noFill/>
-          <a:extLst>
-            <a:ext uri="{909E8E84-426E-40DD-AFC4-6F175D3DCCD1}">
-              <a14:hiddenFill xmlns:a14="http://schemas.microsoft.com/office/drawing/2010/main">
-                <a:solidFill>
-                  <a:srgbClr val="FFFFFF"/>
-                </a:solidFill>
-              </a14:hiddenFill>
-            </a:ext>
-          </a:extLst>
-        </p:spPr>
-      </p:pic>
-      <p:sp>
-        <p:nvSpPr>
-          <p:cNvPr id="10" name="TextBox 9">
-            <a:extLst>
-              <a:ext uri="{FF2B5EF4-FFF2-40B4-BE49-F238E27FC236}">
-                <a16:creationId xmlns:a16="http://schemas.microsoft.com/office/drawing/2014/main" id="{9A0A0DAA-36D0-DCE2-2526-F27B4B0E7166}"/>
-              </a:ext>
-            </a:extLst>
-          </p:cNvPr>
-          <p:cNvSpPr txBox="1"/>
-          <p:nvPr/>
-        </p:nvSpPr>
-        <p:spPr>
-          <a:xfrm>
-            <a:off x="3593206" y="5808372"/>
-            <a:ext cx="3889419" cy="369332"/>
-          </a:xfrm>
-          <a:prstGeom prst="rect">
-            <a:avLst/>
-          </a:prstGeom>
-          <a:noFill/>
-        </p:spPr>
-        <p:txBody>
-          <a:bodyPr wrap="square" rtlCol="0">
-            <a:spAutoFit/>
-          </a:bodyPr>
-          <a:lstStyle/>
-          <a:p>
-            <a:r>
-              <a:rPr lang="en-US" dirty="0"/>
-              <a:t>Image courtesy: ABC Network</a:t>
-            </a:r>
-          </a:p>
-        </p:txBody>
-      </p:sp>
-    </p:spTree>
-    <p:extLst>
-      <p:ext uri="{BB962C8B-B14F-4D97-AF65-F5344CB8AC3E}">
-        <p14:creationId xmlns:p14="http://schemas.microsoft.com/office/powerpoint/2010/main" val="1565468178"/>
-      </p:ext>
-    </p:extLst>
-  </p:cSld>
-  <p:clrMapOvr>
-    <a:masterClrMapping/>
-  </p:clrMapOvr>
-</p:sld>
-</file>
-
-<file path=ppt/slides/slide12.xml><?xml version="1.0" encoding="utf-8"?>
-<p:sld xmlns:a="http://schemas.openxmlformats.org/drawingml/2006/main" xmlns:r="http://schemas.openxmlformats.org/officeDocument/2006/relationships" xmlns:p="http://schemas.openxmlformats.org/presentationml/2006/main">
-  <p:cSld>
-    <p:spTree>
-      <p:nvGrpSpPr>
-        <p:cNvPr id="1" name=""/>
-        <p:cNvGrpSpPr/>
-        <p:nvPr/>
-      </p:nvGrpSpPr>
-      <p:grpSpPr>
-        <a:xfrm>
-          <a:off x="0" y="0"/>
-          <a:ext cx="0" cy="0"/>
-          <a:chOff x="0" y="0"/>
-          <a:chExt cx="0" cy="0"/>
-        </a:xfrm>
-      </p:grpSpPr>
-      <p:pic>
-        <p:nvPicPr>
-          <p:cNvPr id="4" name="Picture 3">
-            <a:extLst>
-              <a:ext uri="{FF2B5EF4-FFF2-40B4-BE49-F238E27FC236}">
-                <a16:creationId xmlns:a16="http://schemas.microsoft.com/office/drawing/2014/main" id="{68574149-BD51-1F94-821A-30D9EBFB3011}"/>
-              </a:ext>
-            </a:extLst>
-          </p:cNvPr>
-          <p:cNvPicPr>
-            <a:picLocks noChangeAspect="1"/>
-          </p:cNvPicPr>
-          <p:nvPr/>
-        </p:nvPicPr>
-        <p:blipFill>
-          <a:blip r:embed="rId2"/>
-          <a:stretch>
-            <a:fillRect/>
-          </a:stretch>
-        </p:blipFill>
-        <p:spPr>
-          <a:xfrm>
-            <a:off x="1819275" y="581191"/>
-            <a:ext cx="8553450" cy="5695618"/>
-          </a:xfrm>
-          <a:prstGeom prst="rect">
-            <a:avLst/>
-          </a:prstGeom>
-        </p:spPr>
-      </p:pic>
-    </p:spTree>
-    <p:extLst>
-      <p:ext uri="{BB962C8B-B14F-4D97-AF65-F5344CB8AC3E}">
-        <p14:creationId xmlns:p14="http://schemas.microsoft.com/office/powerpoint/2010/main" val="1982428743"/>
-      </p:ext>
-    </p:extLst>
-  </p:cSld>
-  <p:clrMapOvr>
-    <a:masterClrMapping/>
-  </p:clrMapOvr>
-</p:sld>
-</file>
-
-<file path=ppt/slides/slide13.xml><?xml version="1.0" encoding="utf-8"?>
-<p:sld xmlns:a="http://schemas.openxmlformats.org/drawingml/2006/main" xmlns:r="http://schemas.openxmlformats.org/officeDocument/2006/relationships" xmlns:p="http://schemas.openxmlformats.org/presentationml/2006/main">
-  <p:cSld>
-    <p:spTree>
-      <p:nvGrpSpPr>
-        <p:cNvPr id="1" name=""/>
-        <p:cNvGrpSpPr/>
-        <p:nvPr/>
-      </p:nvGrpSpPr>
-      <p:grpSpPr>
-        <a:xfrm>
-          <a:off x="0" y="0"/>
-          <a:ext cx="0" cy="0"/>
-          <a:chOff x="0" y="0"/>
-          <a:chExt cx="0" cy="0"/>
-        </a:xfrm>
-      </p:grpSpPr>
-      <p:sp>
-        <p:nvSpPr>
-          <p:cNvPr id="2" name="Title 1">
-            <a:extLst>
-              <a:ext uri="{FF2B5EF4-FFF2-40B4-BE49-F238E27FC236}">
-                <a16:creationId xmlns:a16="http://schemas.microsoft.com/office/drawing/2014/main" id="{49B3501D-AED8-1E30-D21D-886B9E09BFA3}"/>
-              </a:ext>
-            </a:extLst>
-          </p:cNvPr>
-          <p:cNvSpPr>
-            <a:spLocks noGrp="1"/>
-          </p:cNvSpPr>
-          <p:nvPr>
-            <p:ph type="title"/>
-          </p:nvPr>
-        </p:nvSpPr>
-        <p:spPr/>
-        <p:txBody>
-          <a:bodyPr/>
-          <a:lstStyle/>
-          <a:p>
-            <a:r>
-              <a:rPr lang="en-US" dirty="0"/>
-              <a:t>Preparing the data for Machine Learning</a:t>
-            </a:r>
-          </a:p>
-        </p:txBody>
-      </p:sp>
-      <p:graphicFrame>
-        <p:nvGraphicFramePr>
-          <p:cNvPr id="6" name="Content Placeholder 2">
-            <a:extLst>
-              <a:ext uri="{FF2B5EF4-FFF2-40B4-BE49-F238E27FC236}">
-                <a16:creationId xmlns:a16="http://schemas.microsoft.com/office/drawing/2014/main" id="{EABD3B72-010C-48FF-184F-FEB11E8CE86E}"/>
-              </a:ext>
-            </a:extLst>
-          </p:cNvPr>
-          <p:cNvGraphicFramePr>
-            <a:graphicFrameLocks noGrp="1"/>
-          </p:cNvGraphicFramePr>
-          <p:nvPr>
-            <p:ph idx="1"/>
-          </p:nvPr>
-        </p:nvGraphicFramePr>
-        <p:xfrm>
-          <a:off x="838200" y="1825625"/>
-          <a:ext cx="4552950" cy="4351338"/>
-        </p:xfrm>
-        <a:graphic>
-          <a:graphicData uri="http://schemas.openxmlformats.org/drawingml/2006/diagram">
-            <dgm:relIds xmlns:dgm="http://schemas.openxmlformats.org/drawingml/2006/diagram" xmlns:r="http://schemas.openxmlformats.org/officeDocument/2006/relationships" r:dm="rId2" r:lo="rId3" r:qs="rId4" r:cs="rId5"/>
-          </a:graphicData>
-        </a:graphic>
-      </p:graphicFrame>
-      <p:pic>
-        <p:nvPicPr>
-          <p:cNvPr id="4" name="Picture 3" descr="Chart, bar chart, histogram&#10;&#10;Description automatically generated">
-            <a:extLst>
-              <a:ext uri="{FF2B5EF4-FFF2-40B4-BE49-F238E27FC236}">
-                <a16:creationId xmlns:a16="http://schemas.microsoft.com/office/drawing/2014/main" id="{44090077-78B0-9F87-6BC3-902F3DAF23E0}"/>
-              </a:ext>
-            </a:extLst>
-          </p:cNvPr>
-          <p:cNvPicPr>
-            <a:picLocks noChangeAspect="1"/>
-          </p:cNvPicPr>
-          <p:nvPr/>
-        </p:nvPicPr>
-        <p:blipFill>
-          <a:blip r:embed="rId7"/>
-          <a:stretch>
-            <a:fillRect/>
-          </a:stretch>
-        </p:blipFill>
-        <p:spPr>
-          <a:xfrm>
-            <a:off x="5680057" y="1690688"/>
-            <a:ext cx="6511943" cy="4351338"/>
-          </a:xfrm>
-          <a:prstGeom prst="rect">
-            <a:avLst/>
-          </a:prstGeom>
-        </p:spPr>
-      </p:pic>
-    </p:spTree>
-    <p:extLst>
-      <p:ext uri="{BB962C8B-B14F-4D97-AF65-F5344CB8AC3E}">
-        <p14:creationId xmlns:p14="http://schemas.microsoft.com/office/powerpoint/2010/main" val="3300480234"/>
-      </p:ext>
-    </p:extLst>
-  </p:cSld>
-  <p:clrMapOvr>
-    <a:masterClrMapping/>
-  </p:clrMapOvr>
-</p:sld>
-</file>
-
-<file path=ppt/slides/slide14.xml><?xml version="1.0" encoding="utf-8"?>
 <p:sld xmlns:a="http://schemas.openxmlformats.org/drawingml/2006/main" xmlns:r="http://schemas.openxmlformats.org/officeDocument/2006/relationships" xmlns:p="http://schemas.openxmlformats.org/presentationml/2006/main">
   <p:cSld>
     <p:bg>
@@ -23721,7 +17880,7 @@
 </p:sld>
 </file>
 
-<file path=ppt/slides/slide15.xml><?xml version="1.0" encoding="utf-8"?>
+<file path=ppt/slides/slide11.xml><?xml version="1.0" encoding="utf-8"?>
 <p:sld xmlns:a="http://schemas.openxmlformats.org/drawingml/2006/main" xmlns:r="http://schemas.openxmlformats.org/officeDocument/2006/relationships" xmlns:p="http://schemas.openxmlformats.org/presentationml/2006/main">
   <p:cSld>
     <p:bg>
@@ -24393,7 +18552,7 @@
 </p:sld>
 </file>
 
-<file path=ppt/slides/slide16.xml><?xml version="1.0" encoding="utf-8"?>
+<file path=ppt/slides/slide12.xml><?xml version="1.0" encoding="utf-8"?>
 <p:sld xmlns:a="http://schemas.openxmlformats.org/drawingml/2006/main" xmlns:r="http://schemas.openxmlformats.org/officeDocument/2006/relationships" xmlns:p="http://schemas.openxmlformats.org/presentationml/2006/main">
   <p:cSld>
     <p:spTree>
@@ -24483,7 +18642,7 @@
 </p:sld>
 </file>
 
-<file path=ppt/slides/slide17.xml><?xml version="1.0" encoding="utf-8"?>
+<file path=ppt/slides/slide13.xml><?xml version="1.0" encoding="utf-8"?>
 <p:sld xmlns:a="http://schemas.openxmlformats.org/drawingml/2006/main" xmlns:r="http://schemas.openxmlformats.org/officeDocument/2006/relationships" xmlns:p="http://schemas.openxmlformats.org/presentationml/2006/main">
   <p:cSld>
     <p:bg>
@@ -24814,189 +18973,6 @@
           <a:chExt cx="0" cy="0"/>
         </a:xfrm>
       </p:grpSpPr>
-      <p:sp>
-        <p:nvSpPr>
-          <p:cNvPr id="2" name="Title 1">
-            <a:extLst>
-              <a:ext uri="{FF2B5EF4-FFF2-40B4-BE49-F238E27FC236}">
-                <a16:creationId xmlns:a16="http://schemas.microsoft.com/office/drawing/2014/main" id="{1C6CE741-C5CC-9E7F-6EFD-45C62D21EB05}"/>
-              </a:ext>
-            </a:extLst>
-          </p:cNvPr>
-          <p:cNvSpPr>
-            <a:spLocks noGrp="1"/>
-          </p:cNvSpPr>
-          <p:nvPr>
-            <p:ph type="title"/>
-          </p:nvPr>
-        </p:nvSpPr>
-        <p:spPr>
-          <a:xfrm>
-            <a:off x="1913468" y="365125"/>
-            <a:ext cx="9440332" cy="1325563"/>
-          </a:xfrm>
-        </p:spPr>
-        <p:txBody>
-          <a:bodyPr>
-            <a:normAutofit/>
-          </a:bodyPr>
-          <a:lstStyle/>
-          <a:p>
-            <a:r>
-              <a:rPr lang="en-US" sz="5400"/>
-              <a:t>Fintech Companies</a:t>
-            </a:r>
-          </a:p>
-        </p:txBody>
-      </p:sp>
-      <p:sp>
-        <p:nvSpPr>
-          <p:cNvPr id="10" name="Rectangle 9">
-            <a:extLst>
-              <a:ext uri="{FF2B5EF4-FFF2-40B4-BE49-F238E27FC236}">
-                <a16:creationId xmlns:a16="http://schemas.microsoft.com/office/drawing/2014/main" id="{FF0330B1-AAAC-427D-8A95-40380162BC65}"/>
-              </a:ext>
-              <a:ext uri="{C183D7F6-B498-43B3-948B-1728B52AA6E4}">
-                <adec:decorative xmlns:adec="http://schemas.microsoft.com/office/drawing/2017/decorative" val="1"/>
-              </a:ext>
-            </a:extLst>
-          </p:cNvPr>
-          <p:cNvSpPr>
-            <a:spLocks noGrp="1" noRot="1" noChangeAspect="1" noMove="1" noResize="1" noEditPoints="1" noAdjustHandles="1" noChangeArrowheads="1" noChangeShapeType="1" noTextEdit="1"/>
-          </p:cNvSpPr>
-          <p:nvPr>
-            <p:extLst>
-              <p:ext uri="{386F3935-93C4-4BCD-93E2-E3B085C9AB24}">
-                <p16:designElem xmlns:p16="http://schemas.microsoft.com/office/powerpoint/2015/main" val="1"/>
-              </p:ext>
-            </p:extLst>
-          </p:nvPr>
-        </p:nvSpPr>
-        <p:spPr>
-          <a:xfrm>
-            <a:off x="0" y="0"/>
-            <a:ext cx="126124" cy="6858000"/>
-          </a:xfrm>
-          <a:prstGeom prst="rect">
-            <a:avLst/>
-          </a:prstGeom>
-          <a:solidFill>
-            <a:srgbClr val="4472C4"/>
-          </a:solidFill>
-          <a:ln w="12700" cap="flat" cmpd="sng" algn="ctr">
-            <a:noFill/>
-            <a:prstDash val="solid"/>
-            <a:miter lim="800000"/>
-          </a:ln>
-          <a:effectLst/>
-        </p:spPr>
-        <p:txBody>
-          <a:bodyPr rtlCol="0" anchor="ctr"/>
-          <a:lstStyle/>
-          <a:p>
-            <a:pPr marL="0" marR="0" lvl="0" indent="0" algn="ctr" defTabSz="914400" eaLnBrk="1" fontAlgn="auto" latinLnBrk="0" hangingPunct="1">
-              <a:lnSpc>
-                <a:spcPct val="100000"/>
-              </a:lnSpc>
-              <a:spcBef>
-                <a:spcPts val="0"/>
-              </a:spcBef>
-              <a:spcAft>
-                <a:spcPts val="0"/>
-              </a:spcAft>
-              <a:buClrTx/>
-              <a:buSzTx/>
-              <a:buFontTx/>
-              <a:buNone/>
-              <a:tabLst/>
-              <a:defRPr/>
-            </a:pPr>
-            <a:endParaRPr kumimoji="0" lang="en-US" sz="1800" b="0" i="0" u="none" strike="noStrike" kern="0" cap="none" spc="0" normalizeH="0" baseline="0" noProof="0">
-              <a:ln>
-                <a:noFill/>
-              </a:ln>
-              <a:solidFill>
-                <a:prstClr val="white"/>
-              </a:solidFill>
-              <a:effectLst/>
-              <a:uLnTx/>
-              <a:uFillTx/>
-              <a:latin typeface="Calibri" panose="020F0502020204030204"/>
-              <a:ea typeface="+mn-ea"/>
-              <a:cs typeface="+mn-cs"/>
-            </a:endParaRPr>
-          </a:p>
-        </p:txBody>
-      </p:sp>
-      <p:graphicFrame>
-        <p:nvGraphicFramePr>
-          <p:cNvPr id="5" name="Content Placeholder 2">
-            <a:extLst>
-              <a:ext uri="{FF2B5EF4-FFF2-40B4-BE49-F238E27FC236}">
-                <a16:creationId xmlns:a16="http://schemas.microsoft.com/office/drawing/2014/main" id="{A74E51B8-25DA-69BE-4D41-6A934F97ADF1}"/>
-              </a:ext>
-            </a:extLst>
-          </p:cNvPr>
-          <p:cNvGraphicFramePr>
-            <a:graphicFrameLocks noGrp="1"/>
-          </p:cNvGraphicFramePr>
-          <p:nvPr>
-            <p:ph idx="1"/>
-            <p:extLst>
-              <p:ext uri="{D42A27DB-BD31-4B8C-83A1-F6EECF244321}">
-                <p14:modId xmlns:p14="http://schemas.microsoft.com/office/powerpoint/2010/main" val="1212064489"/>
-              </p:ext>
-            </p:extLst>
-          </p:nvPr>
-        </p:nvGraphicFramePr>
-        <p:xfrm>
-          <a:off x="838200" y="1825625"/>
-          <a:ext cx="10515600" cy="4351338"/>
-        </p:xfrm>
-        <a:graphic>
-          <a:graphicData uri="http://schemas.openxmlformats.org/drawingml/2006/diagram">
-            <dgm:relIds xmlns:dgm="http://schemas.openxmlformats.org/drawingml/2006/diagram" xmlns:r="http://schemas.openxmlformats.org/officeDocument/2006/relationships" r:dm="rId2" r:lo="rId3" r:qs="rId4" r:cs="rId5"/>
-          </a:graphicData>
-        </a:graphic>
-      </p:graphicFrame>
-    </p:spTree>
-    <p:extLst>
-      <p:ext uri="{BB962C8B-B14F-4D97-AF65-F5344CB8AC3E}">
-        <p14:creationId xmlns:p14="http://schemas.microsoft.com/office/powerpoint/2010/main" val="4270524257"/>
-      </p:ext>
-    </p:extLst>
-  </p:cSld>
-  <p:clrMapOvr>
-    <a:masterClrMapping/>
-  </p:clrMapOvr>
-</p:sld>
-</file>
-
-<file path=ppt/slides/slide3.xml><?xml version="1.0" encoding="utf-8"?>
-<p:sld xmlns:a="http://schemas.openxmlformats.org/drawingml/2006/main" xmlns:r="http://schemas.openxmlformats.org/officeDocument/2006/relationships" xmlns:p="http://schemas.openxmlformats.org/presentationml/2006/main">
-  <p:cSld>
-    <p:bg>
-      <p:bgPr>
-        <a:solidFill>
-          <a:schemeClr val="bg1"/>
-        </a:solidFill>
-        <a:effectLst/>
-      </p:bgPr>
-    </p:bg>
-    <p:spTree>
-      <p:nvGrpSpPr>
-        <p:cNvPr id="1" name=""/>
-        <p:cNvGrpSpPr/>
-        <p:nvPr/>
-      </p:nvGrpSpPr>
-      <p:grpSpPr>
-        <a:xfrm>
-          <a:off x="0" y="0"/>
-          <a:ext cx="0" cy="0"/>
-          <a:chOff x="0" y="0"/>
-          <a:chExt cx="0" cy="0"/>
-        </a:xfrm>
-      </p:grpSpPr>
       <p:sp useBgFill="1">
         <p:nvSpPr>
           <p:cNvPr id="26" name="Rectangle 25">
@@ -25072,7 +19048,7 @@
           <p:nvPr/>
         </p:nvPicPr>
         <p:blipFill rotWithShape="1">
-          <a:blip r:embed="rId2"/>
+          <a:blip r:embed="rId3"/>
           <a:srcRect t="14449"/>
           <a:stretch/>
         </p:blipFill>
@@ -25481,7 +19457,7 @@
 </p:sld>
 </file>
 
-<file path=ppt/slides/slide4.xml><?xml version="1.0" encoding="utf-8"?>
+<file path=ppt/slides/slide3.xml><?xml version="1.0" encoding="utf-8"?>
 <p:sld xmlns:a="http://schemas.openxmlformats.org/drawingml/2006/main" xmlns:r="http://schemas.openxmlformats.org/officeDocument/2006/relationships" xmlns:p="http://schemas.openxmlformats.org/presentationml/2006/main">
   <p:cSld>
     <p:spTree>
@@ -25553,14 +19529,14 @@
         </p:xfrm>
         <a:graphic>
           <a:graphicData uri="http://schemas.openxmlformats.org/drawingml/2006/diagram">
-            <dgm:relIds xmlns:dgm="http://schemas.openxmlformats.org/drawingml/2006/diagram" xmlns:r="http://schemas.openxmlformats.org/officeDocument/2006/relationships" r:dm="rId2" r:lo="rId3" r:qs="rId4" r:cs="rId5"/>
+            <dgm:relIds xmlns:dgm="http://schemas.openxmlformats.org/drawingml/2006/diagram" xmlns:r="http://schemas.openxmlformats.org/officeDocument/2006/relationships" r:dm="rId3" r:lo="rId4" r:qs="rId5" r:cs="rId6"/>
           </a:graphicData>
         </a:graphic>
       </p:graphicFrame>
       <p:pic>
         <p:nvPicPr>
           <p:cNvPr id="1026" name="Picture 2" descr="Project Jupyter | Try Jupyter">
-            <a:hlinkClick r:id="rId7"/>
+            <a:hlinkClick r:id="rId8"/>
             <a:extLst>
               <a:ext uri="{FF2B5EF4-FFF2-40B4-BE49-F238E27FC236}">
                 <a16:creationId xmlns:a16="http://schemas.microsoft.com/office/drawing/2014/main" id="{1F3F8A05-2A4B-0050-033B-103546755931}"/>
@@ -25573,7 +19549,7 @@
           <p:nvPr/>
         </p:nvPicPr>
         <p:blipFill>
-          <a:blip r:embed="rId8">
+          <a:blip r:embed="rId9">
             <a:extLst>
               <a:ext uri="{28A0092B-C50C-407E-A947-70E740481C1C}">
                 <a14:useLocalDpi xmlns:a14="http://schemas.microsoft.com/office/drawing/2010/main" val="0"/>
@@ -25699,7 +19675,7 @@
 </p:sld>
 </file>
 
-<file path=ppt/slides/slide5.xml><?xml version="1.0" encoding="utf-8"?>
+<file path=ppt/slides/slide4.xml><?xml version="1.0" encoding="utf-8"?>
 <p:sld xmlns:a="http://schemas.openxmlformats.org/drawingml/2006/main" xmlns:r="http://schemas.openxmlformats.org/officeDocument/2006/relationships" xmlns:p="http://schemas.openxmlformats.org/presentationml/2006/main">
   <p:cSld>
     <p:spTree>
@@ -25716,12 +19692,42 @@
           <a:chExt cx="0" cy="0"/>
         </a:xfrm>
       </p:grpSpPr>
+      <p:pic>
+        <p:nvPicPr>
+          <p:cNvPr id="4" name="Picture 3">
+            <a:extLst>
+              <a:ext uri="{FF2B5EF4-FFF2-40B4-BE49-F238E27FC236}">
+                <a16:creationId xmlns:a16="http://schemas.microsoft.com/office/drawing/2014/main" id="{4920EB2C-10C9-0F58-0A4C-FCD4C870D4D2}"/>
+              </a:ext>
+            </a:extLst>
+          </p:cNvPr>
+          <p:cNvPicPr>
+            <a:picLocks noChangeAspect="1"/>
+          </p:cNvPicPr>
+          <p:nvPr/>
+        </p:nvPicPr>
+        <p:blipFill>
+          <a:blip r:embed="rId2"/>
+          <a:stretch>
+            <a:fillRect/>
+          </a:stretch>
+        </p:blipFill>
+        <p:spPr>
+          <a:xfrm>
+            <a:off x="1164772" y="1049836"/>
+            <a:ext cx="9361712" cy="5808164"/>
+          </a:xfrm>
+          <a:prstGeom prst="rect">
+            <a:avLst/>
+          </a:prstGeom>
+        </p:spPr>
+      </p:pic>
       <p:sp>
         <p:nvSpPr>
-          <p:cNvPr id="2" name="Title 1">
+          <p:cNvPr id="5" name="Title 1">
             <a:extLst>
               <a:ext uri="{FF2B5EF4-FFF2-40B4-BE49-F238E27FC236}">
-                <a16:creationId xmlns:a16="http://schemas.microsoft.com/office/drawing/2014/main" id="{C19C09D8-FA0C-82CC-CEE4-B879DA67E7C1}"/>
+                <a16:creationId xmlns:a16="http://schemas.microsoft.com/office/drawing/2014/main" id="{AE942BB6-7F74-35B7-E8D2-591C8632BF57}"/>
               </a:ext>
             </a:extLst>
           </p:cNvPr>
@@ -25732,379 +19738,28 @@
             <p:ph type="title"/>
           </p:nvPr>
         </p:nvSpPr>
-        <p:spPr/>
+        <p:spPr>
+          <a:xfrm>
+            <a:off x="2269671" y="136525"/>
+            <a:ext cx="7652657" cy="777875"/>
+          </a:xfrm>
+        </p:spPr>
         <p:txBody>
           <a:bodyPr/>
           <a:lstStyle/>
           <a:p>
+            <a:pPr algn="ctr"/>
             <a:r>
               <a:rPr lang="en-US" dirty="0"/>
-              <a:t>EDA and Data wrangling methods used</a:t>
+              <a:t>Data</a:t>
             </a:r>
-          </a:p>
-        </p:txBody>
-      </p:sp>
-      <p:graphicFrame>
-        <p:nvGraphicFramePr>
-          <p:cNvPr id="6" name="Content Placeholder 2">
-            <a:extLst>
-              <a:ext uri="{FF2B5EF4-FFF2-40B4-BE49-F238E27FC236}">
-                <a16:creationId xmlns:a16="http://schemas.microsoft.com/office/drawing/2014/main" id="{79BE0D7D-8FFD-DFA0-4B24-9BB9B76D987E}"/>
-              </a:ext>
-            </a:extLst>
-          </p:cNvPr>
-          <p:cNvGraphicFramePr>
-            <a:graphicFrameLocks noGrp="1"/>
-          </p:cNvGraphicFramePr>
-          <p:nvPr>
-            <p:ph idx="1"/>
-            <p:extLst>
-              <p:ext uri="{D42A27DB-BD31-4B8C-83A1-F6EECF244321}">
-                <p14:modId xmlns:p14="http://schemas.microsoft.com/office/powerpoint/2010/main" val="2777157107"/>
-              </p:ext>
-            </p:extLst>
-          </p:nvPr>
-        </p:nvGraphicFramePr>
-        <p:xfrm>
-          <a:off x="838200" y="1825625"/>
-          <a:ext cx="4381500" cy="4098925"/>
-        </p:xfrm>
-        <a:graphic>
-          <a:graphicData uri="http://schemas.openxmlformats.org/drawingml/2006/diagram">
-            <dgm:relIds xmlns:dgm="http://schemas.openxmlformats.org/drawingml/2006/diagram" xmlns:r="http://schemas.openxmlformats.org/officeDocument/2006/relationships" r:dm="rId2" r:lo="rId3" r:qs="rId4" r:cs="rId5"/>
-          </a:graphicData>
-        </a:graphic>
-      </p:graphicFrame>
-      <p:sp>
-        <p:nvSpPr>
-          <p:cNvPr id="4" name="TextBox 3">
-            <a:extLst>
-              <a:ext uri="{FF2B5EF4-FFF2-40B4-BE49-F238E27FC236}">
-                <a16:creationId xmlns:a16="http://schemas.microsoft.com/office/drawing/2014/main" id="{14B1F1A3-21F3-D1D5-0478-E1E57B33C194}"/>
-              </a:ext>
-            </a:extLst>
-          </p:cNvPr>
-          <p:cNvSpPr txBox="1"/>
-          <p:nvPr/>
-        </p:nvSpPr>
-        <p:spPr>
-          <a:xfrm>
-            <a:off x="6819900" y="2038350"/>
-            <a:ext cx="3829050" cy="3693319"/>
-          </a:xfrm>
-          <a:prstGeom prst="rect">
-            <a:avLst/>
-          </a:prstGeom>
-          <a:noFill/>
-        </p:spPr>
-        <p:txBody>
-          <a:bodyPr wrap="square" rtlCol="0">
-            <a:spAutoFit/>
-          </a:bodyPr>
-          <a:lstStyle/>
-          <a:p>
-            <a:pPr marL="342900" marR="0" lvl="0" indent="-342900" algn="just">
-              <a:spcBef>
-                <a:spcPts val="0"/>
-              </a:spcBef>
-              <a:spcAft>
-                <a:spcPts val="0"/>
-              </a:spcAft>
-              <a:buFont typeface="+mj-lt"/>
-              <a:buAutoNum type="alphaLcParenR"/>
-            </a:pPr>
-            <a:r>
-              <a:rPr lang="en-US" sz="1800" i="1">
-                <a:solidFill>
-                  <a:srgbClr val="404040"/>
-                </a:solidFill>
-                <a:effectLst/>
-                <a:latin typeface="Calibri" panose="020F0502020204030204" pitchFamily="34" charset="0"/>
-                <a:ea typeface="Times New Roman" panose="02020603050405020304" pitchFamily="18" charset="0"/>
-                <a:cs typeface="Calibri" panose="020F0502020204030204" pitchFamily="34" charset="0"/>
-              </a:rPr>
-              <a:t>pd.read_csv:</a:t>
-            </a:r>
-            <a:r>
-              <a:rPr lang="en-US" sz="1800">
-                <a:solidFill>
-                  <a:srgbClr val="000000"/>
-                </a:solidFill>
-                <a:effectLst/>
-                <a:latin typeface="Calibri" panose="020F0502020204030204" pitchFamily="34" charset="0"/>
-                <a:ea typeface="Times New Roman" panose="02020603050405020304" pitchFamily="18" charset="0"/>
-                <a:cs typeface="Calibri" panose="020F0502020204030204" pitchFamily="34" charset="0"/>
-              </a:rPr>
-              <a:t> </a:t>
-            </a:r>
-          </a:p>
-          <a:p>
-            <a:pPr marL="342900" marR="0" lvl="0" indent="-342900" algn="just">
-              <a:spcBef>
-                <a:spcPts val="0"/>
-              </a:spcBef>
-              <a:spcAft>
-                <a:spcPts val="0"/>
-              </a:spcAft>
-              <a:buFont typeface="+mj-lt"/>
-              <a:buAutoNum type="alphaLcParenR"/>
-            </a:pPr>
-            <a:r>
-              <a:rPr lang="en-US" sz="1800" i="1">
-                <a:solidFill>
-                  <a:srgbClr val="404040"/>
-                </a:solidFill>
-                <a:effectLst/>
-                <a:latin typeface="Calibri" panose="020F0502020204030204" pitchFamily="34" charset="0"/>
-                <a:ea typeface="Times New Roman" panose="02020603050405020304" pitchFamily="18" charset="0"/>
-                <a:cs typeface="Calibri" panose="020F0502020204030204" pitchFamily="34" charset="0"/>
-              </a:rPr>
-              <a:t>df.head(): df.rename(columns=str.lower):</a:t>
-            </a:r>
-            <a:endParaRPr lang="en-US" sz="1800">
-              <a:effectLst/>
-              <a:latin typeface="Calibri" panose="020F0502020204030204" pitchFamily="34" charset="0"/>
-              <a:ea typeface="Times New Roman" panose="02020603050405020304" pitchFamily="18" charset="0"/>
-              <a:cs typeface="Calibri" panose="020F0502020204030204" pitchFamily="34" charset="0"/>
-            </a:endParaRPr>
-          </a:p>
-          <a:p>
-            <a:pPr marL="342900" marR="0" lvl="0" indent="-342900" algn="just">
-              <a:spcBef>
-                <a:spcPts val="0"/>
-              </a:spcBef>
-              <a:spcAft>
-                <a:spcPts val="0"/>
-              </a:spcAft>
-              <a:buFont typeface="+mj-lt"/>
-              <a:buAutoNum type="alphaLcParenR"/>
-            </a:pPr>
-            <a:r>
-              <a:rPr lang="en-US" sz="1800" i="1">
-                <a:solidFill>
-                  <a:srgbClr val="404040"/>
-                </a:solidFill>
-                <a:effectLst/>
-                <a:latin typeface="Calibri" panose="020F0502020204030204" pitchFamily="34" charset="0"/>
-                <a:ea typeface="Times New Roman" panose="02020603050405020304" pitchFamily="18" charset="0"/>
-                <a:cs typeface="Calibri" panose="020F0502020204030204" pitchFamily="34" charset="0"/>
-              </a:rPr>
-              <a:t>pd.set_option:</a:t>
-            </a:r>
-            <a:r>
-              <a:rPr lang="en-US" sz="1800">
-                <a:solidFill>
-                  <a:srgbClr val="000000"/>
-                </a:solidFill>
-                <a:effectLst/>
-                <a:latin typeface="Calibri" panose="020F0502020204030204" pitchFamily="34" charset="0"/>
-                <a:ea typeface="Times New Roman" panose="02020603050405020304" pitchFamily="18" charset="0"/>
-                <a:cs typeface="Calibri" panose="020F0502020204030204" pitchFamily="34" charset="0"/>
-              </a:rPr>
-              <a:t> </a:t>
-            </a:r>
-          </a:p>
-          <a:p>
-            <a:pPr marL="342900" marR="0" lvl="0" indent="-342900" algn="just">
-              <a:spcBef>
-                <a:spcPts val="0"/>
-              </a:spcBef>
-              <a:spcAft>
-                <a:spcPts val="0"/>
-              </a:spcAft>
-              <a:buFont typeface="+mj-lt"/>
-              <a:buAutoNum type="alphaLcParenR"/>
-            </a:pPr>
-            <a:r>
-              <a:rPr lang="en-US" sz="1800" i="1">
-                <a:solidFill>
-                  <a:srgbClr val="404040"/>
-                </a:solidFill>
-                <a:effectLst/>
-                <a:latin typeface="Calibri" panose="020F0502020204030204" pitchFamily="34" charset="0"/>
-                <a:ea typeface="Times New Roman" panose="02020603050405020304" pitchFamily="18" charset="0"/>
-                <a:cs typeface="Calibri" panose="020F0502020204030204" pitchFamily="34" charset="0"/>
-              </a:rPr>
-              <a:t>df.dtypes:</a:t>
-            </a:r>
-            <a:r>
-              <a:rPr lang="en-US" sz="1800">
-                <a:solidFill>
-                  <a:srgbClr val="000000"/>
-                </a:solidFill>
-                <a:effectLst/>
-                <a:latin typeface="Calibri" panose="020F0502020204030204" pitchFamily="34" charset="0"/>
-                <a:ea typeface="Times New Roman" panose="02020603050405020304" pitchFamily="18" charset="0"/>
-                <a:cs typeface="Calibri" panose="020F0502020204030204" pitchFamily="34" charset="0"/>
-              </a:rPr>
-              <a:t> </a:t>
-            </a:r>
-          </a:p>
-          <a:p>
-            <a:pPr marL="342900" marR="0" lvl="0" indent="-342900" algn="just">
-              <a:spcBef>
-                <a:spcPts val="0"/>
-              </a:spcBef>
-              <a:spcAft>
-                <a:spcPts val="0"/>
-              </a:spcAft>
-              <a:buFont typeface="+mj-lt"/>
-              <a:buAutoNum type="alphaLcParenR"/>
-            </a:pPr>
-            <a:r>
-              <a:rPr lang="en-US" sz="1800" i="1">
-                <a:solidFill>
-                  <a:srgbClr val="404040"/>
-                </a:solidFill>
-                <a:effectLst/>
-                <a:latin typeface="Calibri" panose="020F0502020204030204" pitchFamily="34" charset="0"/>
-                <a:ea typeface="Times New Roman" panose="02020603050405020304" pitchFamily="18" charset="0"/>
-                <a:cs typeface="Calibri" panose="020F0502020204030204" pitchFamily="34" charset="0"/>
-              </a:rPr>
-              <a:t>df.target.unique():</a:t>
-            </a:r>
-            <a:r>
-              <a:rPr lang="en-US" sz="1800">
-                <a:solidFill>
-                  <a:srgbClr val="000000"/>
-                </a:solidFill>
-                <a:effectLst/>
-                <a:latin typeface="Calibri" panose="020F0502020204030204" pitchFamily="34" charset="0"/>
-                <a:ea typeface="Times New Roman" panose="02020603050405020304" pitchFamily="18" charset="0"/>
-                <a:cs typeface="Calibri" panose="020F0502020204030204" pitchFamily="34" charset="0"/>
-              </a:rPr>
-              <a:t> </a:t>
-            </a:r>
-          </a:p>
-          <a:p>
-            <a:pPr marL="342900" marR="0" lvl="0" indent="-342900" algn="just">
-              <a:spcBef>
-                <a:spcPts val="0"/>
-              </a:spcBef>
-              <a:spcAft>
-                <a:spcPts val="0"/>
-              </a:spcAft>
-              <a:buFont typeface="+mj-lt"/>
-              <a:buAutoNum type="alphaLcParenR"/>
-            </a:pPr>
-            <a:r>
-              <a:rPr lang="en-US" sz="1800" i="1">
-                <a:solidFill>
-                  <a:srgbClr val="404040"/>
-                </a:solidFill>
-                <a:effectLst/>
-                <a:latin typeface="Calibri" panose="020F0502020204030204" pitchFamily="34" charset="0"/>
-                <a:ea typeface="Times New Roman" panose="02020603050405020304" pitchFamily="18" charset="0"/>
-                <a:cs typeface="Calibri" panose="020F0502020204030204" pitchFamily="34" charset="0"/>
-              </a:rPr>
-              <a:t>df.describe().T</a:t>
-            </a:r>
-          </a:p>
-          <a:p>
-            <a:pPr marL="342900" marR="0" lvl="0" indent="-342900" algn="just">
-              <a:spcBef>
-                <a:spcPts val="0"/>
-              </a:spcBef>
-              <a:spcAft>
-                <a:spcPts val="0"/>
-              </a:spcAft>
-              <a:buFont typeface="+mj-lt"/>
-              <a:buAutoNum type="alphaLcParenR"/>
-            </a:pPr>
-            <a:r>
-              <a:rPr lang="en-US" sz="1800" i="1">
-                <a:solidFill>
-                  <a:srgbClr val="404040"/>
-                </a:solidFill>
-                <a:effectLst/>
-                <a:latin typeface="Calibri" panose="020F0502020204030204" pitchFamily="34" charset="0"/>
-                <a:ea typeface="Times New Roman" panose="02020603050405020304" pitchFamily="18" charset="0"/>
-                <a:cs typeface="Calibri" panose="020F0502020204030204" pitchFamily="34" charset="0"/>
-              </a:rPr>
-              <a:t>df_missing=df.isna().sum():</a:t>
-            </a:r>
-            <a:r>
-              <a:rPr lang="en-US" sz="1800">
-                <a:solidFill>
-                  <a:srgbClr val="000000"/>
-                </a:solidFill>
-                <a:effectLst/>
-                <a:latin typeface="Calibri" panose="020F0502020204030204" pitchFamily="34" charset="0"/>
-                <a:ea typeface="Times New Roman" panose="02020603050405020304" pitchFamily="18" charset="0"/>
-              </a:rPr>
-              <a:t> </a:t>
-            </a:r>
-          </a:p>
-          <a:p>
-            <a:pPr marL="342900" marR="0" lvl="0" indent="-342900" algn="just">
-              <a:spcBef>
-                <a:spcPts val="0"/>
-              </a:spcBef>
-              <a:spcAft>
-                <a:spcPts val="0"/>
-              </a:spcAft>
-              <a:buFont typeface="+mj-lt"/>
-              <a:buAutoNum type="alphaLcParenR"/>
-            </a:pPr>
-            <a:r>
-              <a:rPr lang="en-US" sz="1800" i="1">
-                <a:solidFill>
-                  <a:srgbClr val="404040"/>
-                </a:solidFill>
-                <a:effectLst/>
-                <a:latin typeface="Calibri" panose="020F0502020204030204" pitchFamily="34" charset="0"/>
-                <a:ea typeface="Times New Roman" panose="02020603050405020304" pitchFamily="18" charset="0"/>
-                <a:cs typeface="Calibri" panose="020F0502020204030204" pitchFamily="34" charset="0"/>
-              </a:rPr>
-              <a:t>df[['occupation_type']].fillna(value='Unknown’):</a:t>
-            </a:r>
-            <a:r>
-              <a:rPr lang="en-US" sz="1800">
-                <a:solidFill>
-                  <a:srgbClr val="000000"/>
-                </a:solidFill>
-                <a:effectLst/>
-                <a:latin typeface="Calibri" panose="020F0502020204030204" pitchFamily="34" charset="0"/>
-                <a:ea typeface="Times New Roman" panose="02020603050405020304" pitchFamily="18" charset="0"/>
-              </a:rPr>
-              <a:t> </a:t>
-            </a:r>
-          </a:p>
-          <a:p>
-            <a:pPr marL="342900" indent="-342900" algn="just">
-              <a:buFont typeface="+mj-lt"/>
-              <a:buAutoNum type="alphaLcParenR"/>
-            </a:pPr>
-            <a:r>
-              <a:rPr lang="en-US" sz="1800" i="1">
-                <a:solidFill>
-                  <a:srgbClr val="404040"/>
-                </a:solidFill>
-                <a:effectLst/>
-                <a:latin typeface="Calibri" panose="020F0502020204030204" pitchFamily="34" charset="0"/>
-                <a:ea typeface="Times New Roman" panose="02020603050405020304" pitchFamily="18" charset="0"/>
-                <a:cs typeface="Calibri" panose="020F0502020204030204" pitchFamily="34" charset="0"/>
-              </a:rPr>
-              <a:t>outliers = df[((df&lt;(q1-1.5*IQR)) | (df&gt;(q3+1.5*IQR)))]</a:t>
-            </a:r>
-          </a:p>
-          <a:p>
-            <a:pPr marR="0" lvl="0" algn="just">
-              <a:spcBef>
-                <a:spcPts val="0"/>
-              </a:spcBef>
-              <a:spcAft>
-                <a:spcPts val="0"/>
-              </a:spcAft>
-            </a:pPr>
-            <a:endParaRPr lang="en-US" dirty="0"/>
           </a:p>
         </p:txBody>
       </p:sp>
     </p:spTree>
     <p:extLst>
       <p:ext uri="{BB962C8B-B14F-4D97-AF65-F5344CB8AC3E}">
-        <p14:creationId xmlns:p14="http://schemas.microsoft.com/office/powerpoint/2010/main" val="4122418468"/>
+        <p14:creationId xmlns:p14="http://schemas.microsoft.com/office/powerpoint/2010/main" val="3066771286"/>
       </p:ext>
     </p:extLst>
   </p:cSld>
@@ -26114,7 +19769,7 @@
 </p:sld>
 </file>
 
-<file path=ppt/slides/slide6.xml><?xml version="1.0" encoding="utf-8"?>
+<file path=ppt/slides/slide5.xml><?xml version="1.0" encoding="utf-8"?>
 <p:sld xmlns:a="http://schemas.openxmlformats.org/drawingml/2006/main" xmlns:r="http://schemas.openxmlformats.org/officeDocument/2006/relationships" xmlns:p="http://schemas.openxmlformats.org/presentationml/2006/main">
   <p:cSld>
     <p:bg>
@@ -26201,10 +19856,10 @@
       </p:sp>
       <p:sp>
         <p:nvSpPr>
-          <p:cNvPr id="5" name="Title 1">
+          <p:cNvPr id="3" name="Title 2">
             <a:extLst>
               <a:ext uri="{FF2B5EF4-FFF2-40B4-BE49-F238E27FC236}">
-                <a16:creationId xmlns:a16="http://schemas.microsoft.com/office/drawing/2014/main" id="{F987D6AB-2999-B86B-01CA-7A2CB979F6FC}"/>
+                <a16:creationId xmlns:a16="http://schemas.microsoft.com/office/drawing/2014/main" id="{2584BB98-746F-66AD-18DA-03277CE41447}"/>
               </a:ext>
             </a:extLst>
           </p:cNvPr>
@@ -26215,49 +19870,42 @@
             <p:ph type="title"/>
           </p:nvPr>
         </p:nvSpPr>
-        <p:spPr>
-          <a:xfrm>
-            <a:off x="838200" y="557189"/>
-            <a:ext cx="3374136" cy="5567891"/>
-          </a:xfrm>
-        </p:spPr>
+        <p:spPr/>
         <p:txBody>
-          <a:bodyPr>
-            <a:normAutofit/>
-          </a:bodyPr>
+          <a:bodyPr/>
           <a:lstStyle/>
           <a:p>
+            <a:pPr algn="ctr"/>
             <a:r>
-              <a:rPr lang="en-US" sz="4800"/>
-              <a:t>Data Visualization</a:t>
+              <a:rPr lang="en-US" dirty="0"/>
+              <a:t>Exploratory Data Analysis and  Data Wrangling</a:t>
             </a:r>
           </a:p>
         </p:txBody>
       </p:sp>
       <p:graphicFrame>
         <p:nvGraphicFramePr>
-          <p:cNvPr id="17" name="Content Placeholder 2">
+          <p:cNvPr id="4" name="Content Placeholder 2">
             <a:extLst>
               <a:ext uri="{FF2B5EF4-FFF2-40B4-BE49-F238E27FC236}">
-                <a16:creationId xmlns:a16="http://schemas.microsoft.com/office/drawing/2014/main" id="{7E398731-90C6-28EB-CBA7-63B31CC58422}"/>
+                <a16:creationId xmlns:a16="http://schemas.microsoft.com/office/drawing/2014/main" id="{79EEF2C4-9C4D-3FE8-F989-4A1823BC45FA}"/>
               </a:ext>
             </a:extLst>
           </p:cNvPr>
           <p:cNvGraphicFramePr>
-            <a:graphicFrameLocks noGrp="1"/>
+            <a:graphicFrameLocks/>
           </p:cNvGraphicFramePr>
           <p:nvPr>
-            <p:ph idx="1"/>
             <p:extLst>
               <p:ext uri="{D42A27DB-BD31-4B8C-83A1-F6EECF244321}">
-                <p14:modId xmlns:p14="http://schemas.microsoft.com/office/powerpoint/2010/main" val="570200177"/>
+                <p14:modId xmlns:p14="http://schemas.microsoft.com/office/powerpoint/2010/main" val="3507635696"/>
               </p:ext>
             </p:extLst>
           </p:nvPr>
         </p:nvGraphicFramePr>
         <p:xfrm>
-          <a:off x="5093208" y="620392"/>
-          <a:ext cx="6263640" cy="5504688"/>
+          <a:off x="3903725" y="2055813"/>
+          <a:ext cx="4381500" cy="4098925"/>
         </p:xfrm>
         <a:graphic>
           <a:graphicData uri="http://schemas.openxmlformats.org/drawingml/2006/diagram">
@@ -26278,7 +19926,7 @@
 </p:sld>
 </file>
 
-<file path=ppt/slides/slide7.xml><?xml version="1.0" encoding="utf-8"?>
+<file path=ppt/slides/slide6.xml><?xml version="1.0" encoding="utf-8"?>
 <p:sld xmlns:a="http://schemas.openxmlformats.org/drawingml/2006/main" xmlns:r="http://schemas.openxmlformats.org/officeDocument/2006/relationships" xmlns:p="http://schemas.openxmlformats.org/presentationml/2006/main">
   <p:cSld>
     <p:bg>
@@ -26325,14 +19973,81 @@
         </p:blipFill>
         <p:spPr>
           <a:xfrm>
-            <a:off x="1723299" y="372571"/>
-            <a:ext cx="8745401" cy="6112857"/>
+            <a:off x="366856" y="1634752"/>
+            <a:ext cx="5369420" cy="3753115"/>
           </a:xfrm>
           <a:prstGeom prst="rect">
             <a:avLst/>
           </a:prstGeom>
         </p:spPr>
       </p:pic>
+      <p:graphicFrame>
+        <p:nvGraphicFramePr>
+          <p:cNvPr id="2" name="Content Placeholder 2">
+            <a:extLst>
+              <a:ext uri="{FF2B5EF4-FFF2-40B4-BE49-F238E27FC236}">
+                <a16:creationId xmlns:a16="http://schemas.microsoft.com/office/drawing/2014/main" id="{86BF53AB-4A93-ABA1-0430-EB582A5279F3}"/>
+              </a:ext>
+            </a:extLst>
+          </p:cNvPr>
+          <p:cNvGraphicFramePr>
+            <a:graphicFrameLocks noGrp="1"/>
+          </p:cNvGraphicFramePr>
+          <p:nvPr>
+            <p:ph idx="1"/>
+            <p:extLst>
+              <p:ext uri="{D42A27DB-BD31-4B8C-83A1-F6EECF244321}">
+                <p14:modId xmlns:p14="http://schemas.microsoft.com/office/powerpoint/2010/main" val="2061892604"/>
+              </p:ext>
+            </p:extLst>
+          </p:nvPr>
+        </p:nvGraphicFramePr>
+        <p:xfrm>
+          <a:off x="6096000" y="1352285"/>
+          <a:ext cx="6011962" cy="4318051"/>
+        </p:xfrm>
+        <a:graphic>
+          <a:graphicData uri="http://schemas.openxmlformats.org/drawingml/2006/diagram">
+            <dgm:relIds xmlns:dgm="http://schemas.openxmlformats.org/drawingml/2006/diagram" xmlns:r="http://schemas.openxmlformats.org/officeDocument/2006/relationships" r:dm="rId3" r:lo="rId4" r:qs="rId5" r:cs="rId6"/>
+          </a:graphicData>
+        </a:graphic>
+      </p:graphicFrame>
+      <p:sp>
+        <p:nvSpPr>
+          <p:cNvPr id="4" name="TextBox 3">
+            <a:extLst>
+              <a:ext uri="{FF2B5EF4-FFF2-40B4-BE49-F238E27FC236}">
+                <a16:creationId xmlns:a16="http://schemas.microsoft.com/office/drawing/2014/main" id="{1FA185D9-5455-8AD2-EDAC-E9C828D3484F}"/>
+              </a:ext>
+            </a:extLst>
+          </p:cNvPr>
+          <p:cNvSpPr txBox="1"/>
+          <p:nvPr/>
+        </p:nvSpPr>
+        <p:spPr>
+          <a:xfrm>
+            <a:off x="3051566" y="418223"/>
+            <a:ext cx="6096000" cy="769441"/>
+          </a:xfrm>
+          <a:prstGeom prst="rect">
+            <a:avLst/>
+          </a:prstGeom>
+          <a:noFill/>
+        </p:spPr>
+        <p:txBody>
+          <a:bodyPr wrap="square">
+            <a:spAutoFit/>
+          </a:bodyPr>
+          <a:lstStyle/>
+          <a:p>
+            <a:pPr algn="ctr"/>
+            <a:r>
+              <a:rPr lang="en-US" sz="4400" dirty="0"/>
+              <a:t>Data Visualization</a:t>
+            </a:r>
+          </a:p>
+        </p:txBody>
+      </p:sp>
     </p:spTree>
     <p:extLst>
       <p:ext uri="{BB962C8B-B14F-4D97-AF65-F5344CB8AC3E}">
@@ -26346,84 +20061,7 @@
 </p:sld>
 </file>
 
-<file path=ppt/slides/slide8.xml><?xml version="1.0" encoding="utf-8"?>
-<p:sld xmlns:a="http://schemas.openxmlformats.org/drawingml/2006/main" xmlns:r="http://schemas.openxmlformats.org/officeDocument/2006/relationships" xmlns:p="http://schemas.openxmlformats.org/presentationml/2006/main">
-  <p:cSld>
-    <p:spTree>
-      <p:nvGrpSpPr>
-        <p:cNvPr id="1" name=""/>
-        <p:cNvGrpSpPr/>
-        <p:nvPr/>
-      </p:nvGrpSpPr>
-      <p:grpSpPr>
-        <a:xfrm>
-          <a:off x="0" y="0"/>
-          <a:ext cx="0" cy="0"/>
-          <a:chOff x="0" y="0"/>
-          <a:chExt cx="0" cy="0"/>
-        </a:xfrm>
-      </p:grpSpPr>
-      <p:pic>
-        <p:nvPicPr>
-          <p:cNvPr id="2050" name="Picture 2">
-            <a:extLst>
-              <a:ext uri="{FF2B5EF4-FFF2-40B4-BE49-F238E27FC236}">
-                <a16:creationId xmlns:a16="http://schemas.microsoft.com/office/drawing/2014/main" id="{95A2CB80-6BB3-01A4-9C94-B8A696781631}"/>
-              </a:ext>
-            </a:extLst>
-          </p:cNvPr>
-          <p:cNvPicPr>
-            <a:picLocks noChangeAspect="1" noChangeArrowheads="1"/>
-          </p:cNvPicPr>
-          <p:nvPr/>
-        </p:nvPicPr>
-        <p:blipFill>
-          <a:blip r:embed="rId2">
-            <a:extLst>
-              <a:ext uri="{28A0092B-C50C-407E-A947-70E740481C1C}">
-                <a14:useLocalDpi xmlns:a14="http://schemas.microsoft.com/office/drawing/2010/main" val="0"/>
-              </a:ext>
-            </a:extLst>
-          </a:blip>
-          <a:srcRect/>
-          <a:stretch>
-            <a:fillRect/>
-          </a:stretch>
-        </p:blipFill>
-        <p:spPr bwMode="auto">
-          <a:xfrm>
-            <a:off x="2824163" y="114300"/>
-            <a:ext cx="6543675" cy="6629400"/>
-          </a:xfrm>
-          <a:prstGeom prst="rect">
-            <a:avLst/>
-          </a:prstGeom>
-          <a:noFill/>
-          <a:extLst>
-            <a:ext uri="{909E8E84-426E-40DD-AFC4-6F175D3DCCD1}">
-              <a14:hiddenFill xmlns:a14="http://schemas.microsoft.com/office/drawing/2010/main">
-                <a:solidFill>
-                  <a:srgbClr val="FFFFFF"/>
-                </a:solidFill>
-              </a14:hiddenFill>
-            </a:ext>
-          </a:extLst>
-        </p:spPr>
-      </p:pic>
-    </p:spTree>
-    <p:extLst>
-      <p:ext uri="{BB962C8B-B14F-4D97-AF65-F5344CB8AC3E}">
-        <p14:creationId xmlns:p14="http://schemas.microsoft.com/office/powerpoint/2010/main" val="2610351094"/>
-      </p:ext>
-    </p:extLst>
-  </p:cSld>
-  <p:clrMapOvr>
-    <a:masterClrMapping/>
-  </p:clrMapOvr>
-</p:sld>
-</file>
-
-<file path=ppt/slides/slide9.xml><?xml version="1.0" encoding="utf-8"?>
+<file path=ppt/slides/slide7.xml><?xml version="1.0" encoding="utf-8"?>
 <p:sld xmlns:a="http://schemas.openxmlformats.org/drawingml/2006/main" xmlns:r="http://schemas.openxmlformats.org/officeDocument/2006/relationships" xmlns:p="http://schemas.openxmlformats.org/presentationml/2006/main">
   <p:cSld>
     <p:spTree>
@@ -26469,7 +20107,7 @@
         </p:blipFill>
         <p:spPr bwMode="auto">
           <a:xfrm>
-            <a:off x="2805113" y="0"/>
+            <a:off x="3175226" y="0"/>
             <a:ext cx="6581775" cy="6858000"/>
           </a:xfrm>
           <a:prstGeom prst="rect">
@@ -26487,10 +20125,298 @@
           </a:extLst>
         </p:spPr>
       </p:pic>
+      <p:sp>
+        <p:nvSpPr>
+          <p:cNvPr id="2" name="TextBox 1">
+            <a:extLst>
+              <a:ext uri="{FF2B5EF4-FFF2-40B4-BE49-F238E27FC236}">
+                <a16:creationId xmlns:a16="http://schemas.microsoft.com/office/drawing/2014/main" id="{783FCAE0-1162-2399-E4CA-F7172FABC22E}"/>
+              </a:ext>
+            </a:extLst>
+          </p:cNvPr>
+          <p:cNvSpPr txBox="1"/>
+          <p:nvPr/>
+        </p:nvSpPr>
+        <p:spPr>
+          <a:xfrm>
+            <a:off x="334055" y="2767280"/>
+            <a:ext cx="3280002" cy="1323439"/>
+          </a:xfrm>
+          <a:prstGeom prst="rect">
+            <a:avLst/>
+          </a:prstGeom>
+          <a:noFill/>
+        </p:spPr>
+        <p:txBody>
+          <a:bodyPr wrap="square" rtlCol="0">
+            <a:spAutoFit/>
+          </a:bodyPr>
+          <a:lstStyle/>
+          <a:p>
+            <a:r>
+              <a:rPr lang="en-US" sz="4000" dirty="0"/>
+              <a:t>Feature Engineering</a:t>
+            </a:r>
+          </a:p>
+        </p:txBody>
+      </p:sp>
     </p:spTree>
     <p:extLst>
       <p:ext uri="{BB962C8B-B14F-4D97-AF65-F5344CB8AC3E}">
         <p14:creationId xmlns:p14="http://schemas.microsoft.com/office/powerpoint/2010/main" val="3377978200"/>
+      </p:ext>
+    </p:extLst>
+  </p:cSld>
+  <p:clrMapOvr>
+    <a:masterClrMapping/>
+  </p:clrMapOvr>
+</p:sld>
+</file>
+
+<file path=ppt/slides/slide8.xml><?xml version="1.0" encoding="utf-8"?>
+<p:sld xmlns:a="http://schemas.openxmlformats.org/drawingml/2006/main" xmlns:r="http://schemas.openxmlformats.org/officeDocument/2006/relationships" xmlns:p="http://schemas.openxmlformats.org/presentationml/2006/main">
+  <p:cSld>
+    <p:spTree>
+      <p:nvGrpSpPr>
+        <p:cNvPr id="1" name=""/>
+        <p:cNvGrpSpPr/>
+        <p:nvPr/>
+      </p:nvGrpSpPr>
+      <p:grpSpPr>
+        <a:xfrm>
+          <a:off x="0" y="0"/>
+          <a:ext cx="0" cy="0"/>
+          <a:chOff x="0" y="0"/>
+          <a:chExt cx="0" cy="0"/>
+        </a:xfrm>
+      </p:grpSpPr>
+      <p:sp>
+        <p:nvSpPr>
+          <p:cNvPr id="2" name="Title 1">
+            <a:extLst>
+              <a:ext uri="{FF2B5EF4-FFF2-40B4-BE49-F238E27FC236}">
+                <a16:creationId xmlns:a16="http://schemas.microsoft.com/office/drawing/2014/main" id="{93F99033-F1E4-6777-46F0-D3480DA643BA}"/>
+              </a:ext>
+            </a:extLst>
+          </p:cNvPr>
+          <p:cNvSpPr>
+            <a:spLocks noGrp="1"/>
+          </p:cNvSpPr>
+          <p:nvPr>
+            <p:ph type="title"/>
+          </p:nvPr>
+        </p:nvSpPr>
+        <p:spPr>
+          <a:xfrm>
+            <a:off x="838199" y="291090"/>
+            <a:ext cx="10515599" cy="932688"/>
+          </a:xfrm>
+        </p:spPr>
+        <p:txBody>
+          <a:bodyPr vert="horz" lIns="91440" tIns="45720" rIns="91440" bIns="45720" rtlCol="0" anchor="b">
+            <a:normAutofit/>
+          </a:bodyPr>
+          <a:lstStyle/>
+          <a:p>
+            <a:r>
+              <a:rPr lang="en-US" sz="3000" kern="1200" dirty="0">
+                <a:solidFill>
+                  <a:schemeClr val="tx1"/>
+                </a:solidFill>
+                <a:latin typeface="+mj-lt"/>
+                <a:ea typeface="+mj-ea"/>
+                <a:cs typeface="+mj-cs"/>
+              </a:rPr>
+              <a:t>Machine Learning (Logistic Regression Model)</a:t>
+            </a:r>
+          </a:p>
+        </p:txBody>
+      </p:sp>
+      <p:pic>
+        <p:nvPicPr>
+          <p:cNvPr id="3" name="Picture 2" descr="Table&#10;&#10;Description automatically generated">
+            <a:extLst>
+              <a:ext uri="{FF2B5EF4-FFF2-40B4-BE49-F238E27FC236}">
+                <a16:creationId xmlns:a16="http://schemas.microsoft.com/office/drawing/2014/main" id="{123F6264-22F2-535D-6EEE-C75DBBF22793}"/>
+              </a:ext>
+            </a:extLst>
+          </p:cNvPr>
+          <p:cNvPicPr>
+            <a:picLocks noChangeAspect="1"/>
+          </p:cNvPicPr>
+          <p:nvPr/>
+        </p:nvPicPr>
+        <p:blipFill>
+          <a:blip r:embed="rId2"/>
+          <a:stretch>
+            <a:fillRect/>
+          </a:stretch>
+        </p:blipFill>
+        <p:spPr>
+          <a:xfrm>
+            <a:off x="838199" y="2156466"/>
+            <a:ext cx="11080739" cy="3270949"/>
+          </a:xfrm>
+          <a:prstGeom prst="rect">
+            <a:avLst/>
+          </a:prstGeom>
+        </p:spPr>
+      </p:pic>
+    </p:spTree>
+    <p:extLst>
+      <p:ext uri="{BB962C8B-B14F-4D97-AF65-F5344CB8AC3E}">
+        <p14:creationId xmlns:p14="http://schemas.microsoft.com/office/powerpoint/2010/main" val="1309752860"/>
+      </p:ext>
+    </p:extLst>
+  </p:cSld>
+  <p:clrMapOvr>
+    <a:masterClrMapping/>
+  </p:clrMapOvr>
+</p:sld>
+</file>
+
+<file path=ppt/slides/slide9.xml><?xml version="1.0" encoding="utf-8"?>
+<p:sld xmlns:a="http://schemas.openxmlformats.org/drawingml/2006/main" xmlns:r="http://schemas.openxmlformats.org/officeDocument/2006/relationships" xmlns:p="http://schemas.openxmlformats.org/presentationml/2006/main">
+  <p:cSld>
+    <p:spTree>
+      <p:nvGrpSpPr>
+        <p:cNvPr id="1" name=""/>
+        <p:cNvGrpSpPr/>
+        <p:nvPr/>
+      </p:nvGrpSpPr>
+      <p:grpSpPr>
+        <a:xfrm>
+          <a:off x="0" y="0"/>
+          <a:ext cx="0" cy="0"/>
+          <a:chOff x="0" y="0"/>
+          <a:chExt cx="0" cy="0"/>
+        </a:xfrm>
+      </p:grpSpPr>
+      <p:pic>
+        <p:nvPicPr>
+          <p:cNvPr id="4" name="Picture 3">
+            <a:extLst>
+              <a:ext uri="{FF2B5EF4-FFF2-40B4-BE49-F238E27FC236}">
+                <a16:creationId xmlns:a16="http://schemas.microsoft.com/office/drawing/2014/main" id="{68574149-BD51-1F94-821A-30D9EBFB3011}"/>
+              </a:ext>
+            </a:extLst>
+          </p:cNvPr>
+          <p:cNvPicPr>
+            <a:picLocks noChangeAspect="1"/>
+          </p:cNvPicPr>
+          <p:nvPr/>
+        </p:nvPicPr>
+        <p:blipFill>
+          <a:blip r:embed="rId2"/>
+          <a:stretch>
+            <a:fillRect/>
+          </a:stretch>
+        </p:blipFill>
+        <p:spPr>
+          <a:xfrm>
+            <a:off x="1329418" y="1162382"/>
+            <a:ext cx="8553450" cy="5695618"/>
+          </a:xfrm>
+          <a:prstGeom prst="rect">
+            <a:avLst/>
+          </a:prstGeom>
+        </p:spPr>
+      </p:pic>
+      <p:pic>
+        <p:nvPicPr>
+          <p:cNvPr id="2" name="Picture 2" descr="Project Jupyter | Try Jupyter">
+            <a:hlinkClick r:id="rId3"/>
+            <a:extLst>
+              <a:ext uri="{FF2B5EF4-FFF2-40B4-BE49-F238E27FC236}">
+                <a16:creationId xmlns:a16="http://schemas.microsoft.com/office/drawing/2014/main" id="{E4D62E0E-1998-53DD-68A9-4BBADF1B2320}"/>
+              </a:ext>
+            </a:extLst>
+          </p:cNvPr>
+          <p:cNvPicPr>
+            <a:picLocks noChangeAspect="1" noChangeArrowheads="1"/>
+          </p:cNvPicPr>
+          <p:nvPr/>
+        </p:nvPicPr>
+        <p:blipFill>
+          <a:blip r:embed="rId4">
+            <a:extLst>
+              <a:ext uri="{28A0092B-C50C-407E-A947-70E740481C1C}">
+                <a14:useLocalDpi xmlns:a14="http://schemas.microsoft.com/office/drawing/2010/main" val="0"/>
+              </a:ext>
+            </a:extLst>
+          </a:blip>
+          <a:srcRect/>
+          <a:stretch>
+            <a:fillRect/>
+          </a:stretch>
+        </p:blipFill>
+        <p:spPr bwMode="auto">
+          <a:xfrm>
+            <a:off x="9973435" y="5629351"/>
+            <a:ext cx="2218565" cy="1166536"/>
+          </a:xfrm>
+          <a:prstGeom prst="rect">
+            <a:avLst/>
+          </a:prstGeom>
+          <a:noFill/>
+          <a:extLst>
+            <a:ext uri="{909E8E84-426E-40DD-AFC4-6F175D3DCCD1}">
+              <a14:hiddenFill xmlns:a14="http://schemas.microsoft.com/office/drawing/2010/main">
+                <a:solidFill>
+                  <a:srgbClr val="FFFFFF"/>
+                </a:solidFill>
+              </a14:hiddenFill>
+            </a:ext>
+          </a:extLst>
+        </p:spPr>
+      </p:pic>
+      <p:sp>
+        <p:nvSpPr>
+          <p:cNvPr id="3" name="Title 1">
+            <a:extLst>
+              <a:ext uri="{FF2B5EF4-FFF2-40B4-BE49-F238E27FC236}">
+                <a16:creationId xmlns:a16="http://schemas.microsoft.com/office/drawing/2014/main" id="{53D25434-98F3-E999-5930-805F0220C2BE}"/>
+              </a:ext>
+            </a:extLst>
+          </p:cNvPr>
+          <p:cNvSpPr>
+            <a:spLocks noGrp="1"/>
+          </p:cNvSpPr>
+          <p:nvPr>
+            <p:ph type="title"/>
+          </p:nvPr>
+        </p:nvSpPr>
+        <p:spPr>
+          <a:xfrm>
+            <a:off x="838200" y="293914"/>
+            <a:ext cx="10515599" cy="635949"/>
+          </a:xfrm>
+        </p:spPr>
+        <p:txBody>
+          <a:bodyPr vert="horz" lIns="91440" tIns="45720" rIns="91440" bIns="45720" rtlCol="0" anchor="b">
+            <a:normAutofit/>
+          </a:bodyPr>
+          <a:lstStyle/>
+          <a:p>
+            <a:pPr algn="ctr"/>
+            <a:r>
+              <a:rPr lang="en-US" sz="3000" kern="1200" dirty="0">
+                <a:solidFill>
+                  <a:schemeClr val="tx1"/>
+                </a:solidFill>
+                <a:latin typeface="+mj-lt"/>
+                <a:ea typeface="+mj-ea"/>
+                <a:cs typeface="+mj-cs"/>
+              </a:rPr>
+              <a:t>Class Imbalance</a:t>
+            </a:r>
+          </a:p>
+        </p:txBody>
+      </p:sp>
+    </p:spTree>
+    <p:extLst>
+      <p:ext uri="{BB962C8B-B14F-4D97-AF65-F5344CB8AC3E}">
+        <p14:creationId xmlns:p14="http://schemas.microsoft.com/office/powerpoint/2010/main" val="1982428743"/>
       </p:ext>
     </p:extLst>
   </p:cSld>
